--- a/포트폴리오/2017184037_홍진선_포트폴리오.pptx
+++ b/포트폴리오/2017184037_홍진선_포트폴리오.pptx
@@ -3685,7 +3685,7 @@
         </p:blipFill>
         <p:spPr>
           <a:xfrm>
-            <a:off x="11273305" y="4380381"/>
+            <a:off x="11400870" y="4380381"/>
             <a:ext cx="1095930" cy="1394567"/>
           </a:xfrm>
           <a:prstGeom prst="rect">
@@ -3828,6 +3828,44 @@
           </a:prstGeom>
         </p:spPr>
       </p:pic>
+      <p:sp>
+        <p:nvSpPr>
+          <p:cNvPr id="3" name="TextBox 2">
+            <a:extLst>
+              <a:ext uri="{FF2B5EF4-FFF2-40B4-BE49-F238E27FC236}">
+                <a16:creationId xmlns:a16="http://schemas.microsoft.com/office/drawing/2014/main" id="{F95FECC4-6456-9842-A26C-5B747DF27AD4}"/>
+              </a:ext>
+            </a:extLst>
+          </p:cNvPr>
+          <p:cNvSpPr txBox="1"/>
+          <p:nvPr/>
+        </p:nvSpPr>
+        <p:spPr>
+          <a:xfrm>
+            <a:off x="11527291" y="4469495"/>
+            <a:ext cx="774636" cy="369332"/>
+          </a:xfrm>
+          <a:prstGeom prst="rect">
+            <a:avLst/>
+          </a:prstGeom>
+          <a:solidFill>
+            <a:schemeClr val="bg1"/>
+          </a:solidFill>
+        </p:spPr>
+        <p:txBody>
+          <a:bodyPr wrap="none" rtlCol="0">
+            <a:spAutoFit/>
+          </a:bodyPr>
+          <a:lstStyle/>
+          <a:p>
+            <a:r>
+              <a:rPr lang="en-US" altLang="ko-KR" dirty="0"/>
+              <a:t>C++11</a:t>
+            </a:r>
+            <a:endParaRPr lang="ko-KR" altLang="en-US" dirty="0"/>
+          </a:p>
+        </p:txBody>
+      </p:sp>
     </p:spTree>
   </p:cSld>
   <p:clrMapOvr>
@@ -6037,7 +6075,7 @@
         <p:spPr>
           <a:xfrm>
             <a:off x="838200" y="1866900"/>
-            <a:ext cx="8305800" cy="7620000"/>
+            <a:ext cx="8305800" cy="6340197"/>
           </a:xfrm>
           <a:prstGeom prst="rect">
             <a:avLst/>
@@ -6092,6 +6130,954 @@
             </a:r>
           </a:p>
           <a:p>
+            <a:r>
+              <a:rPr lang="en-US" altLang="ko-KR" sz="1400" dirty="0">
+                <a:solidFill>
+                  <a:srgbClr val="000000"/>
+                </a:solidFill>
+                <a:latin typeface="돋움체" panose="020B0609000101010101" pitchFamily="49" charset="-127"/>
+                <a:ea typeface="돋움체" panose="020B0609000101010101" pitchFamily="49" charset="-127"/>
+              </a:rPr>
+              <a:t>...</a:t>
+            </a:r>
+            <a:endParaRPr lang="ko-KR" altLang="en-US" sz="1400" dirty="0">
+              <a:solidFill>
+                <a:srgbClr val="000000"/>
+              </a:solidFill>
+              <a:latin typeface="돋움체" panose="020B0609000101010101" pitchFamily="49" charset="-127"/>
+              <a:ea typeface="돋움체" panose="020B0609000101010101" pitchFamily="49" charset="-127"/>
+            </a:endParaRPr>
+          </a:p>
+          <a:p>
+            <a:r>
+              <a:rPr lang="en-US" altLang="ko-KR" sz="1400" dirty="0" err="1">
+                <a:solidFill>
+                  <a:srgbClr val="2B91AF"/>
+                </a:solidFill>
+                <a:latin typeface="돋움체" panose="020B0609000101010101" pitchFamily="49" charset="-127"/>
+                <a:ea typeface="돋움체" panose="020B0609000101010101" pitchFamily="49" charset="-127"/>
+              </a:rPr>
+              <a:t>random_device</a:t>
+            </a:r>
+            <a:r>
+              <a:rPr lang="en-US" altLang="ko-KR" sz="1400" dirty="0">
+                <a:solidFill>
+                  <a:srgbClr val="000000"/>
+                </a:solidFill>
+                <a:latin typeface="돋움체" panose="020B0609000101010101" pitchFamily="49" charset="-127"/>
+                <a:ea typeface="돋움체" panose="020B0609000101010101" pitchFamily="49" charset="-127"/>
+              </a:rPr>
+              <a:t> </a:t>
+            </a:r>
+            <a:r>
+              <a:rPr lang="en-US" altLang="ko-KR" sz="1400" dirty="0" err="1">
+                <a:solidFill>
+                  <a:srgbClr val="000000"/>
+                </a:solidFill>
+                <a:latin typeface="돋움체" panose="020B0609000101010101" pitchFamily="49" charset="-127"/>
+                <a:ea typeface="돋움체" panose="020B0609000101010101" pitchFamily="49" charset="-127"/>
+              </a:rPr>
+              <a:t>rd</a:t>
+            </a:r>
+            <a:r>
+              <a:rPr lang="en-US" altLang="ko-KR" sz="1400" dirty="0">
+                <a:solidFill>
+                  <a:srgbClr val="000000"/>
+                </a:solidFill>
+                <a:latin typeface="돋움체" panose="020B0609000101010101" pitchFamily="49" charset="-127"/>
+                <a:ea typeface="돋움체" panose="020B0609000101010101" pitchFamily="49" charset="-127"/>
+              </a:rPr>
+              <a:t>;</a:t>
+            </a:r>
+          </a:p>
+          <a:p>
+            <a:r>
+              <a:rPr lang="en-US" altLang="ko-KR" sz="1400" dirty="0" err="1">
+                <a:solidFill>
+                  <a:srgbClr val="2B91AF"/>
+                </a:solidFill>
+                <a:latin typeface="돋움체" panose="020B0609000101010101" pitchFamily="49" charset="-127"/>
+                <a:ea typeface="돋움체" panose="020B0609000101010101" pitchFamily="49" charset="-127"/>
+              </a:rPr>
+              <a:t>default_random_engine</a:t>
+            </a:r>
+            <a:r>
+              <a:rPr lang="en-US" altLang="ko-KR" sz="1400" dirty="0">
+                <a:solidFill>
+                  <a:srgbClr val="000000"/>
+                </a:solidFill>
+                <a:latin typeface="돋움체" panose="020B0609000101010101" pitchFamily="49" charset="-127"/>
+                <a:ea typeface="돋움체" panose="020B0609000101010101" pitchFamily="49" charset="-127"/>
+              </a:rPr>
+              <a:t> </a:t>
+            </a:r>
+            <a:r>
+              <a:rPr lang="en-US" altLang="ko-KR" sz="1400" dirty="0" err="1">
+                <a:solidFill>
+                  <a:srgbClr val="000000"/>
+                </a:solidFill>
+                <a:latin typeface="돋움체" panose="020B0609000101010101" pitchFamily="49" charset="-127"/>
+                <a:ea typeface="돋움체" panose="020B0609000101010101" pitchFamily="49" charset="-127"/>
+              </a:rPr>
+              <a:t>dre</a:t>
+            </a:r>
+            <a:r>
+              <a:rPr lang="en-US" altLang="ko-KR" sz="1400" dirty="0">
+                <a:solidFill>
+                  <a:srgbClr val="000000"/>
+                </a:solidFill>
+                <a:latin typeface="돋움체" panose="020B0609000101010101" pitchFamily="49" charset="-127"/>
+                <a:ea typeface="돋움체" panose="020B0609000101010101" pitchFamily="49" charset="-127"/>
+              </a:rPr>
+              <a:t>(</a:t>
+            </a:r>
+            <a:r>
+              <a:rPr lang="en-US" altLang="ko-KR" sz="1400" dirty="0" err="1">
+                <a:solidFill>
+                  <a:srgbClr val="000000"/>
+                </a:solidFill>
+                <a:latin typeface="돋움체" panose="020B0609000101010101" pitchFamily="49" charset="-127"/>
+                <a:ea typeface="돋움체" panose="020B0609000101010101" pitchFamily="49" charset="-127"/>
+              </a:rPr>
+              <a:t>rd</a:t>
+            </a:r>
+            <a:r>
+              <a:rPr lang="en-US" altLang="ko-KR" sz="1400" dirty="0">
+                <a:solidFill>
+                  <a:srgbClr val="008080"/>
+                </a:solidFill>
+                <a:latin typeface="돋움체" panose="020B0609000101010101" pitchFamily="49" charset="-127"/>
+                <a:ea typeface="돋움체" panose="020B0609000101010101" pitchFamily="49" charset="-127"/>
+              </a:rPr>
+              <a:t>()</a:t>
+            </a:r>
+            <a:r>
+              <a:rPr lang="en-US" altLang="ko-KR" sz="1400" dirty="0">
+                <a:solidFill>
+                  <a:srgbClr val="000000"/>
+                </a:solidFill>
+                <a:latin typeface="돋움체" panose="020B0609000101010101" pitchFamily="49" charset="-127"/>
+                <a:ea typeface="돋움체" panose="020B0609000101010101" pitchFamily="49" charset="-127"/>
+              </a:rPr>
+              <a:t>);</a:t>
+            </a:r>
+          </a:p>
+          <a:p>
+            <a:r>
+              <a:rPr lang="en-US" altLang="ko-KR" sz="1400" dirty="0" err="1">
+                <a:solidFill>
+                  <a:srgbClr val="2B91AF"/>
+                </a:solidFill>
+                <a:latin typeface="돋움체" panose="020B0609000101010101" pitchFamily="49" charset="-127"/>
+                <a:ea typeface="돋움체" panose="020B0609000101010101" pitchFamily="49" charset="-127"/>
+              </a:rPr>
+              <a:t>uniform_real_distribution</a:t>
+            </a:r>
+            <a:r>
+              <a:rPr lang="en-US" altLang="ko-KR" sz="1400" dirty="0">
+                <a:solidFill>
+                  <a:srgbClr val="000000"/>
+                </a:solidFill>
+                <a:latin typeface="돋움체" panose="020B0609000101010101" pitchFamily="49" charset="-127"/>
+                <a:ea typeface="돋움체" panose="020B0609000101010101" pitchFamily="49" charset="-127"/>
+              </a:rPr>
+              <a:t>&lt;</a:t>
+            </a:r>
+            <a:r>
+              <a:rPr lang="en-US" altLang="ko-KR" sz="1400" dirty="0">
+                <a:solidFill>
+                  <a:srgbClr val="0000FF"/>
+                </a:solidFill>
+                <a:latin typeface="돋움체" panose="020B0609000101010101" pitchFamily="49" charset="-127"/>
+                <a:ea typeface="돋움체" panose="020B0609000101010101" pitchFamily="49" charset="-127"/>
+              </a:rPr>
+              <a:t>float</a:t>
+            </a:r>
+            <a:r>
+              <a:rPr lang="en-US" altLang="ko-KR" sz="1400" dirty="0">
+                <a:solidFill>
+                  <a:srgbClr val="000000"/>
+                </a:solidFill>
+                <a:latin typeface="돋움체" panose="020B0609000101010101" pitchFamily="49" charset="-127"/>
+                <a:ea typeface="돋움체" panose="020B0609000101010101" pitchFamily="49" charset="-127"/>
+              </a:rPr>
+              <a:t>&gt; </a:t>
+            </a:r>
+            <a:r>
+              <a:rPr lang="en-US" altLang="ko-KR" sz="1400" dirty="0" err="1">
+                <a:solidFill>
+                  <a:srgbClr val="000000"/>
+                </a:solidFill>
+                <a:latin typeface="돋움체" panose="020B0609000101010101" pitchFamily="49" charset="-127"/>
+                <a:ea typeface="돋움체" panose="020B0609000101010101" pitchFamily="49" charset="-127"/>
+              </a:rPr>
+              <a:t>uidScale</a:t>
+            </a:r>
+            <a:r>
+              <a:rPr lang="en-US" altLang="ko-KR" sz="1400" dirty="0">
+                <a:solidFill>
+                  <a:srgbClr val="000000"/>
+                </a:solidFill>
+                <a:latin typeface="돋움체" panose="020B0609000101010101" pitchFamily="49" charset="-127"/>
+                <a:ea typeface="돋움체" panose="020B0609000101010101" pitchFamily="49" charset="-127"/>
+              </a:rPr>
+              <a:t>(7.0f, 14.0f);</a:t>
+            </a:r>
+          </a:p>
+          <a:p>
+            <a:r>
+              <a:rPr lang="en-US" altLang="ko-KR" sz="1400" dirty="0" err="1">
+                <a:solidFill>
+                  <a:srgbClr val="2B91AF"/>
+                </a:solidFill>
+                <a:latin typeface="돋움체" panose="020B0609000101010101" pitchFamily="49" charset="-127"/>
+                <a:ea typeface="돋움체" panose="020B0609000101010101" pitchFamily="49" charset="-127"/>
+              </a:rPr>
+              <a:t>uniform_real_distribution</a:t>
+            </a:r>
+            <a:r>
+              <a:rPr lang="en-US" altLang="ko-KR" sz="1400" dirty="0">
+                <a:solidFill>
+                  <a:srgbClr val="000000"/>
+                </a:solidFill>
+                <a:latin typeface="돋움체" panose="020B0609000101010101" pitchFamily="49" charset="-127"/>
+                <a:ea typeface="돋움체" panose="020B0609000101010101" pitchFamily="49" charset="-127"/>
+              </a:rPr>
+              <a:t>&lt;</a:t>
+            </a:r>
+            <a:r>
+              <a:rPr lang="en-US" altLang="ko-KR" sz="1400" dirty="0">
+                <a:solidFill>
+                  <a:srgbClr val="0000FF"/>
+                </a:solidFill>
+                <a:latin typeface="돋움체" panose="020B0609000101010101" pitchFamily="49" charset="-127"/>
+                <a:ea typeface="돋움체" panose="020B0609000101010101" pitchFamily="49" charset="-127"/>
+              </a:rPr>
+              <a:t>float</a:t>
+            </a:r>
+            <a:r>
+              <a:rPr lang="en-US" altLang="ko-KR" sz="1400" dirty="0">
+                <a:solidFill>
+                  <a:srgbClr val="000000"/>
+                </a:solidFill>
+                <a:latin typeface="돋움체" panose="020B0609000101010101" pitchFamily="49" charset="-127"/>
+                <a:ea typeface="돋움체" panose="020B0609000101010101" pitchFamily="49" charset="-127"/>
+              </a:rPr>
+              <a:t>&gt; </a:t>
+            </a:r>
+            <a:r>
+              <a:rPr lang="en-US" altLang="ko-KR" sz="1400" dirty="0" err="1">
+                <a:solidFill>
+                  <a:srgbClr val="000000"/>
+                </a:solidFill>
+                <a:latin typeface="돋움체" panose="020B0609000101010101" pitchFamily="49" charset="-127"/>
+                <a:ea typeface="돋움체" panose="020B0609000101010101" pitchFamily="49" charset="-127"/>
+              </a:rPr>
+              <a:t>uidRotate</a:t>
+            </a:r>
+            <a:r>
+              <a:rPr lang="en-US" altLang="ko-KR" sz="1400" dirty="0">
+                <a:solidFill>
+                  <a:srgbClr val="000000"/>
+                </a:solidFill>
+                <a:latin typeface="돋움체" panose="020B0609000101010101" pitchFamily="49" charset="-127"/>
+                <a:ea typeface="돋움체" panose="020B0609000101010101" pitchFamily="49" charset="-127"/>
+              </a:rPr>
+              <a:t>(0.0f, 180.0f);</a:t>
+            </a:r>
+          </a:p>
+          <a:p>
+            <a:r>
+              <a:rPr lang="en-US" altLang="ko-KR" sz="1400" dirty="0" err="1">
+                <a:solidFill>
+                  <a:srgbClr val="2B91AF"/>
+                </a:solidFill>
+                <a:latin typeface="돋움체" panose="020B0609000101010101" pitchFamily="49" charset="-127"/>
+                <a:ea typeface="돋움체" panose="020B0609000101010101" pitchFamily="49" charset="-127"/>
+              </a:rPr>
+              <a:t>uniform_int_distribution</a:t>
+            </a:r>
+            <a:r>
+              <a:rPr lang="en-US" altLang="ko-KR" sz="1400" dirty="0">
+                <a:solidFill>
+                  <a:srgbClr val="000000"/>
+                </a:solidFill>
+                <a:latin typeface="돋움체" panose="020B0609000101010101" pitchFamily="49" charset="-127"/>
+                <a:ea typeface="돋움체" panose="020B0609000101010101" pitchFamily="49" charset="-127"/>
+              </a:rPr>
+              <a:t>&lt;&gt; </a:t>
+            </a:r>
+            <a:r>
+              <a:rPr lang="en-US" altLang="ko-KR" sz="1400" dirty="0" err="1">
+                <a:solidFill>
+                  <a:srgbClr val="000000"/>
+                </a:solidFill>
+                <a:latin typeface="돋움체" panose="020B0609000101010101" pitchFamily="49" charset="-127"/>
+                <a:ea typeface="돋움체" panose="020B0609000101010101" pitchFamily="49" charset="-127"/>
+              </a:rPr>
+              <a:t>uidModel</a:t>
+            </a:r>
+            <a:r>
+              <a:rPr lang="en-US" altLang="ko-KR" sz="1400" dirty="0">
+                <a:solidFill>
+                  <a:srgbClr val="000000"/>
+                </a:solidFill>
+                <a:latin typeface="돋움체" panose="020B0609000101010101" pitchFamily="49" charset="-127"/>
+                <a:ea typeface="돋움체" panose="020B0609000101010101" pitchFamily="49" charset="-127"/>
+              </a:rPr>
+              <a:t>(0, 2);</a:t>
+            </a:r>
+          </a:p>
+          <a:p>
+            <a:endParaRPr lang="ko-KR" altLang="en-US" sz="1400" dirty="0">
+              <a:solidFill>
+                <a:srgbClr val="000000"/>
+              </a:solidFill>
+              <a:latin typeface="돋움체" panose="020B0609000101010101" pitchFamily="49" charset="-127"/>
+              <a:ea typeface="돋움체" panose="020B0609000101010101" pitchFamily="49" charset="-127"/>
+            </a:endParaRPr>
+          </a:p>
+          <a:p>
+            <a:r>
+              <a:rPr lang="en-US" altLang="ko-KR" sz="1400" dirty="0">
+                <a:solidFill>
+                  <a:srgbClr val="2B91AF"/>
+                </a:solidFill>
+                <a:latin typeface="돋움체" panose="020B0609000101010101" pitchFamily="49" charset="-127"/>
+                <a:ea typeface="돋움체" panose="020B0609000101010101" pitchFamily="49" charset="-127"/>
+              </a:rPr>
+              <a:t>XMFLOAT3</a:t>
+            </a:r>
+            <a:r>
+              <a:rPr lang="en-US" altLang="ko-KR" sz="1400" dirty="0">
+                <a:solidFill>
+                  <a:srgbClr val="000000"/>
+                </a:solidFill>
+                <a:latin typeface="돋움체" panose="020B0609000101010101" pitchFamily="49" charset="-127"/>
+                <a:ea typeface="돋움체" panose="020B0609000101010101" pitchFamily="49" charset="-127"/>
+              </a:rPr>
+              <a:t> xmf3Pos;</a:t>
+            </a:r>
+          </a:p>
+          <a:p>
+            <a:r>
+              <a:rPr lang="en-US" altLang="ko-KR" sz="1400" dirty="0">
+                <a:solidFill>
+                  <a:srgbClr val="0000FF"/>
+                </a:solidFill>
+                <a:latin typeface="돋움체" panose="020B0609000101010101" pitchFamily="49" charset="-127"/>
+                <a:ea typeface="돋움체" panose="020B0609000101010101" pitchFamily="49" charset="-127"/>
+              </a:rPr>
+              <a:t>int</a:t>
+            </a:r>
+            <a:r>
+              <a:rPr lang="en-US" altLang="ko-KR" sz="1400" dirty="0">
+                <a:solidFill>
+                  <a:srgbClr val="000000"/>
+                </a:solidFill>
+                <a:latin typeface="돋움체" panose="020B0609000101010101" pitchFamily="49" charset="-127"/>
+                <a:ea typeface="돋움체" panose="020B0609000101010101" pitchFamily="49" charset="-127"/>
+              </a:rPr>
+              <a:t> </a:t>
+            </a:r>
+            <a:r>
+              <a:rPr lang="en-US" altLang="ko-KR" sz="1400" dirty="0" err="1">
+                <a:solidFill>
+                  <a:srgbClr val="000000"/>
+                </a:solidFill>
+                <a:latin typeface="돋움체" panose="020B0609000101010101" pitchFamily="49" charset="-127"/>
+                <a:ea typeface="돋움체" panose="020B0609000101010101" pitchFamily="49" charset="-127"/>
+              </a:rPr>
+              <a:t>cnt</a:t>
+            </a:r>
+            <a:r>
+              <a:rPr lang="en-US" altLang="ko-KR" sz="1400" dirty="0">
+                <a:solidFill>
+                  <a:srgbClr val="000000"/>
+                </a:solidFill>
+                <a:latin typeface="돋움체" panose="020B0609000101010101" pitchFamily="49" charset="-127"/>
+                <a:ea typeface="돋움체" panose="020B0609000101010101" pitchFamily="49" charset="-127"/>
+              </a:rPr>
+              <a:t> = </a:t>
+            </a:r>
+            <a:r>
+              <a:rPr lang="en-US" altLang="ko-KR" sz="1400" dirty="0">
+                <a:solidFill>
+                  <a:srgbClr val="808080"/>
+                </a:solidFill>
+                <a:latin typeface="돋움체" panose="020B0609000101010101" pitchFamily="49" charset="-127"/>
+                <a:ea typeface="돋움체" panose="020B0609000101010101" pitchFamily="49" charset="-127"/>
+              </a:rPr>
+              <a:t>start</a:t>
+            </a:r>
+            <a:r>
+              <a:rPr lang="en-US" altLang="ko-KR" sz="1400" dirty="0">
+                <a:solidFill>
+                  <a:srgbClr val="000000"/>
+                </a:solidFill>
+                <a:latin typeface="돋움체" panose="020B0609000101010101" pitchFamily="49" charset="-127"/>
+                <a:ea typeface="돋움체" panose="020B0609000101010101" pitchFamily="49" charset="-127"/>
+              </a:rPr>
+              <a:t>;</a:t>
+            </a:r>
+          </a:p>
+          <a:p>
+            <a:r>
+              <a:rPr lang="en-US" altLang="ko-KR" sz="1400" dirty="0">
+                <a:solidFill>
+                  <a:srgbClr val="0000FF"/>
+                </a:solidFill>
+                <a:latin typeface="돋움체" panose="020B0609000101010101" pitchFamily="49" charset="-127"/>
+                <a:ea typeface="돋움체" panose="020B0609000101010101" pitchFamily="49" charset="-127"/>
+              </a:rPr>
+              <a:t>int</a:t>
+            </a:r>
+            <a:r>
+              <a:rPr lang="en-US" altLang="ko-KR" sz="1400" dirty="0">
+                <a:solidFill>
+                  <a:srgbClr val="000000"/>
+                </a:solidFill>
+                <a:latin typeface="돋움체" panose="020B0609000101010101" pitchFamily="49" charset="-127"/>
+                <a:ea typeface="돋움체" panose="020B0609000101010101" pitchFamily="49" charset="-127"/>
+              </a:rPr>
+              <a:t> </a:t>
+            </a:r>
+            <a:r>
+              <a:rPr lang="en-US" altLang="ko-KR" sz="1400" dirty="0" err="1">
+                <a:solidFill>
+                  <a:srgbClr val="000000"/>
+                </a:solidFill>
+                <a:latin typeface="돋움체" panose="020B0609000101010101" pitchFamily="49" charset="-127"/>
+                <a:ea typeface="돋움체" panose="020B0609000101010101" pitchFamily="49" charset="-127"/>
+              </a:rPr>
+              <a:t>nModel</a:t>
+            </a:r>
+            <a:r>
+              <a:rPr lang="en-US" altLang="ko-KR" sz="1400" dirty="0">
+                <a:solidFill>
+                  <a:srgbClr val="000000"/>
+                </a:solidFill>
+                <a:latin typeface="돋움체" panose="020B0609000101010101" pitchFamily="49" charset="-127"/>
+                <a:ea typeface="돋움체" panose="020B0609000101010101" pitchFamily="49" charset="-127"/>
+              </a:rPr>
+              <a:t> = 0;</a:t>
+            </a:r>
+          </a:p>
+          <a:p>
+            <a:r>
+              <a:rPr lang="en-US" altLang="ko-KR" sz="1400" dirty="0">
+                <a:solidFill>
+                  <a:srgbClr val="0000FF"/>
+                </a:solidFill>
+                <a:latin typeface="돋움체" panose="020B0609000101010101" pitchFamily="49" charset="-127"/>
+                <a:ea typeface="돋움체" panose="020B0609000101010101" pitchFamily="49" charset="-127"/>
+              </a:rPr>
+              <a:t>while</a:t>
+            </a:r>
+            <a:r>
+              <a:rPr lang="en-US" altLang="ko-KR" sz="1400" dirty="0">
+                <a:solidFill>
+                  <a:srgbClr val="000000"/>
+                </a:solidFill>
+                <a:latin typeface="돋움체" panose="020B0609000101010101" pitchFamily="49" charset="-127"/>
+                <a:ea typeface="돋움체" panose="020B0609000101010101" pitchFamily="49" charset="-127"/>
+              </a:rPr>
+              <a:t> (</a:t>
+            </a:r>
+            <a:r>
+              <a:rPr lang="en-US" altLang="ko-KR" sz="1400" dirty="0" err="1">
+                <a:solidFill>
+                  <a:srgbClr val="000000"/>
+                </a:solidFill>
+                <a:latin typeface="돋움체" panose="020B0609000101010101" pitchFamily="49" charset="-127"/>
+                <a:ea typeface="돋움체" panose="020B0609000101010101" pitchFamily="49" charset="-127"/>
+              </a:rPr>
+              <a:t>cnt</a:t>
+            </a:r>
+            <a:r>
+              <a:rPr lang="en-US" altLang="ko-KR" sz="1400" dirty="0">
+                <a:solidFill>
+                  <a:srgbClr val="000000"/>
+                </a:solidFill>
+                <a:latin typeface="돋움체" panose="020B0609000101010101" pitchFamily="49" charset="-127"/>
+                <a:ea typeface="돋움체" panose="020B0609000101010101" pitchFamily="49" charset="-127"/>
+              </a:rPr>
+              <a:t> &lt;= </a:t>
+            </a:r>
+            <a:r>
+              <a:rPr lang="en-US" altLang="ko-KR" sz="1400" dirty="0">
+                <a:solidFill>
+                  <a:srgbClr val="808080"/>
+                </a:solidFill>
+                <a:latin typeface="돋움체" panose="020B0609000101010101" pitchFamily="49" charset="-127"/>
+                <a:ea typeface="돋움체" panose="020B0609000101010101" pitchFamily="49" charset="-127"/>
+              </a:rPr>
+              <a:t>end</a:t>
+            </a:r>
+            <a:r>
+              <a:rPr lang="en-US" altLang="ko-KR" sz="1400" dirty="0">
+                <a:solidFill>
+                  <a:srgbClr val="000000"/>
+                </a:solidFill>
+                <a:latin typeface="돋움체" panose="020B0609000101010101" pitchFamily="49" charset="-127"/>
+                <a:ea typeface="돋움체" panose="020B0609000101010101" pitchFamily="49" charset="-127"/>
+              </a:rPr>
+              <a:t>) {</a:t>
+            </a:r>
+          </a:p>
+          <a:p>
+            <a:r>
+              <a:rPr lang="en-US" altLang="ko-KR" sz="1400" dirty="0">
+                <a:solidFill>
+                  <a:srgbClr val="000000"/>
+                </a:solidFill>
+                <a:latin typeface="돋움체" panose="020B0609000101010101" pitchFamily="49" charset="-127"/>
+                <a:ea typeface="돋움체" panose="020B0609000101010101" pitchFamily="49" charset="-127"/>
+              </a:rPr>
+              <a:t>  in </a:t>
+            </a:r>
+            <a:r>
+              <a:rPr lang="en-US" altLang="ko-KR" sz="1400" dirty="0">
+                <a:solidFill>
+                  <a:srgbClr val="008080"/>
+                </a:solidFill>
+                <a:latin typeface="돋움체" panose="020B0609000101010101" pitchFamily="49" charset="-127"/>
+                <a:ea typeface="돋움체" panose="020B0609000101010101" pitchFamily="49" charset="-127"/>
+              </a:rPr>
+              <a:t>&gt;&gt;</a:t>
+            </a:r>
+            <a:r>
+              <a:rPr lang="en-US" altLang="ko-KR" sz="1400" dirty="0">
+                <a:solidFill>
+                  <a:srgbClr val="000000"/>
+                </a:solidFill>
+                <a:latin typeface="돋움체" panose="020B0609000101010101" pitchFamily="49" charset="-127"/>
+                <a:ea typeface="돋움체" panose="020B0609000101010101" pitchFamily="49" charset="-127"/>
+              </a:rPr>
+              <a:t> xmf3Pos.x &gt;&gt; xmf3Pos.y &gt;&gt; xmf3Pos.z;</a:t>
+            </a:r>
+          </a:p>
+          <a:p>
+            <a:r>
+              <a:rPr lang="en-US" altLang="ko-KR" sz="1400" dirty="0">
+                <a:solidFill>
+                  <a:srgbClr val="000000"/>
+                </a:solidFill>
+                <a:latin typeface="돋움체" panose="020B0609000101010101" pitchFamily="49" charset="-127"/>
+                <a:ea typeface="돋움체" panose="020B0609000101010101" pitchFamily="49" charset="-127"/>
+              </a:rPr>
+              <a:t>  </a:t>
+            </a:r>
+            <a:r>
+              <a:rPr lang="en-US" altLang="ko-KR" sz="1400" dirty="0" err="1">
+                <a:solidFill>
+                  <a:srgbClr val="000000"/>
+                </a:solidFill>
+                <a:latin typeface="돋움체" panose="020B0609000101010101" pitchFamily="49" charset="-127"/>
+                <a:ea typeface="돋움체" panose="020B0609000101010101" pitchFamily="49" charset="-127"/>
+              </a:rPr>
+              <a:t>nModel</a:t>
+            </a:r>
+            <a:r>
+              <a:rPr lang="en-US" altLang="ko-KR" sz="1400" dirty="0">
+                <a:solidFill>
+                  <a:srgbClr val="000000"/>
+                </a:solidFill>
+                <a:latin typeface="돋움체" panose="020B0609000101010101" pitchFamily="49" charset="-127"/>
+                <a:ea typeface="돋움체" panose="020B0609000101010101" pitchFamily="49" charset="-127"/>
+              </a:rPr>
+              <a:t> = </a:t>
+            </a:r>
+            <a:r>
+              <a:rPr lang="en-US" altLang="ko-KR" sz="1400" dirty="0" err="1">
+                <a:solidFill>
+                  <a:srgbClr val="000000"/>
+                </a:solidFill>
+                <a:latin typeface="돋움체" panose="020B0609000101010101" pitchFamily="49" charset="-127"/>
+                <a:ea typeface="돋움체" panose="020B0609000101010101" pitchFamily="49" charset="-127"/>
+              </a:rPr>
+              <a:t>uidModel</a:t>
+            </a:r>
+            <a:r>
+              <a:rPr lang="en-US" altLang="ko-KR" sz="1400" dirty="0">
+                <a:solidFill>
+                  <a:srgbClr val="008080"/>
+                </a:solidFill>
+                <a:latin typeface="돋움체" panose="020B0609000101010101" pitchFamily="49" charset="-127"/>
+                <a:ea typeface="돋움체" panose="020B0609000101010101" pitchFamily="49" charset="-127"/>
+              </a:rPr>
+              <a:t>(</a:t>
+            </a:r>
+            <a:r>
+              <a:rPr lang="en-US" altLang="ko-KR" sz="1400" dirty="0" err="1">
+                <a:solidFill>
+                  <a:srgbClr val="000000"/>
+                </a:solidFill>
+                <a:latin typeface="돋움체" panose="020B0609000101010101" pitchFamily="49" charset="-127"/>
+                <a:ea typeface="돋움체" panose="020B0609000101010101" pitchFamily="49" charset="-127"/>
+              </a:rPr>
+              <a:t>dre</a:t>
+            </a:r>
+            <a:r>
+              <a:rPr lang="en-US" altLang="ko-KR" sz="1400" dirty="0">
+                <a:solidFill>
+                  <a:srgbClr val="008080"/>
+                </a:solidFill>
+                <a:latin typeface="돋움체" panose="020B0609000101010101" pitchFamily="49" charset="-127"/>
+                <a:ea typeface="돋움체" panose="020B0609000101010101" pitchFamily="49" charset="-127"/>
+              </a:rPr>
+              <a:t>)</a:t>
+            </a:r>
+            <a:r>
+              <a:rPr lang="en-US" altLang="ko-KR" sz="1400" dirty="0">
+                <a:solidFill>
+                  <a:srgbClr val="000000"/>
+                </a:solidFill>
+                <a:latin typeface="돋움체" panose="020B0609000101010101" pitchFamily="49" charset="-127"/>
+                <a:ea typeface="돋움체" panose="020B0609000101010101" pitchFamily="49" charset="-127"/>
+              </a:rPr>
+              <a:t>;</a:t>
+            </a:r>
+          </a:p>
+          <a:p>
+            <a:r>
+              <a:rPr lang="en-US" altLang="ko-KR" sz="1400" dirty="0">
+                <a:solidFill>
+                  <a:srgbClr val="0000FF"/>
+                </a:solidFill>
+                <a:latin typeface="돋움체" panose="020B0609000101010101" pitchFamily="49" charset="-127"/>
+                <a:ea typeface="돋움체" panose="020B0609000101010101" pitchFamily="49" charset="-127"/>
+              </a:rPr>
+              <a:t>  switch</a:t>
+            </a:r>
+            <a:r>
+              <a:rPr lang="en-US" altLang="ko-KR" sz="1400" dirty="0">
+                <a:solidFill>
+                  <a:srgbClr val="000000"/>
+                </a:solidFill>
+                <a:latin typeface="돋움체" panose="020B0609000101010101" pitchFamily="49" charset="-127"/>
+                <a:ea typeface="돋움체" panose="020B0609000101010101" pitchFamily="49" charset="-127"/>
+              </a:rPr>
+              <a:t> (</a:t>
+            </a:r>
+            <a:r>
+              <a:rPr lang="en-US" altLang="ko-KR" sz="1400" dirty="0" err="1">
+                <a:solidFill>
+                  <a:srgbClr val="000000"/>
+                </a:solidFill>
+                <a:latin typeface="돋움체" panose="020B0609000101010101" pitchFamily="49" charset="-127"/>
+                <a:ea typeface="돋움체" panose="020B0609000101010101" pitchFamily="49" charset="-127"/>
+              </a:rPr>
+              <a:t>nModel</a:t>
+            </a:r>
+            <a:r>
+              <a:rPr lang="en-US" altLang="ko-KR" sz="1400" dirty="0">
+                <a:solidFill>
+                  <a:srgbClr val="000000"/>
+                </a:solidFill>
+                <a:latin typeface="돋움체" panose="020B0609000101010101" pitchFamily="49" charset="-127"/>
+                <a:ea typeface="돋움체" panose="020B0609000101010101" pitchFamily="49" charset="-127"/>
+              </a:rPr>
+              <a:t>) { </a:t>
+            </a:r>
+          </a:p>
+          <a:p>
+            <a:r>
+              <a:rPr lang="en-US" altLang="ko-KR" sz="1400" dirty="0">
+                <a:solidFill>
+                  <a:srgbClr val="0000FF"/>
+                </a:solidFill>
+                <a:latin typeface="돋움체" panose="020B0609000101010101" pitchFamily="49" charset="-127"/>
+                <a:ea typeface="돋움체" panose="020B0609000101010101" pitchFamily="49" charset="-127"/>
+              </a:rPr>
+              <a:t>    case</a:t>
+            </a:r>
+            <a:r>
+              <a:rPr lang="en-US" altLang="ko-KR" sz="1400" dirty="0">
+                <a:solidFill>
+                  <a:srgbClr val="000000"/>
+                </a:solidFill>
+                <a:latin typeface="돋움체" panose="020B0609000101010101" pitchFamily="49" charset="-127"/>
+                <a:ea typeface="돋움체" panose="020B0609000101010101" pitchFamily="49" charset="-127"/>
+              </a:rPr>
+              <a:t> 0:</a:t>
+            </a:r>
+          </a:p>
+          <a:p>
+            <a:r>
+              <a:rPr lang="en-US" altLang="ko-KR" sz="1400" dirty="0">
+                <a:solidFill>
+                  <a:srgbClr val="000000"/>
+                </a:solidFill>
+                <a:latin typeface="돋움체" panose="020B0609000101010101" pitchFamily="49" charset="-127"/>
+                <a:ea typeface="돋움체" panose="020B0609000101010101" pitchFamily="49" charset="-127"/>
+              </a:rPr>
+              <a:t>      </a:t>
+            </a:r>
+            <a:r>
+              <a:rPr lang="en-US" altLang="ko-KR" sz="1400" dirty="0" err="1">
+                <a:solidFill>
+                  <a:srgbClr val="000000"/>
+                </a:solidFill>
+                <a:latin typeface="돋움체" panose="020B0609000101010101" pitchFamily="49" charset="-127"/>
+                <a:ea typeface="돋움체" panose="020B0609000101010101" pitchFamily="49" charset="-127"/>
+              </a:rPr>
+              <a:t>m_ppHierarchicalGameObjects</a:t>
+            </a:r>
+            <a:r>
+              <a:rPr lang="en-US" altLang="ko-KR" sz="1400" dirty="0">
+                <a:solidFill>
+                  <a:srgbClr val="000000"/>
+                </a:solidFill>
+                <a:latin typeface="돋움체" panose="020B0609000101010101" pitchFamily="49" charset="-127"/>
+                <a:ea typeface="돋움체" panose="020B0609000101010101" pitchFamily="49" charset="-127"/>
+              </a:rPr>
+              <a:t>[</a:t>
+            </a:r>
+            <a:r>
+              <a:rPr lang="en-US" altLang="ko-KR" sz="1400" dirty="0" err="1">
+                <a:solidFill>
+                  <a:srgbClr val="000000"/>
+                </a:solidFill>
+                <a:latin typeface="돋움체" panose="020B0609000101010101" pitchFamily="49" charset="-127"/>
+                <a:ea typeface="돋움체" panose="020B0609000101010101" pitchFamily="49" charset="-127"/>
+              </a:rPr>
+              <a:t>cnt</a:t>
+            </a:r>
+            <a:r>
+              <a:rPr lang="en-US" altLang="ko-KR" sz="1400" dirty="0">
+                <a:solidFill>
+                  <a:srgbClr val="000000"/>
+                </a:solidFill>
+                <a:latin typeface="돋움체" panose="020B0609000101010101" pitchFamily="49" charset="-127"/>
+                <a:ea typeface="돋움체" panose="020B0609000101010101" pitchFamily="49" charset="-127"/>
+              </a:rPr>
+              <a:t>] = </a:t>
+            </a:r>
+            <a:r>
+              <a:rPr lang="en-US" altLang="ko-KR" sz="1400" dirty="0">
+                <a:solidFill>
+                  <a:srgbClr val="0000FF"/>
+                </a:solidFill>
+                <a:latin typeface="돋움체" panose="020B0609000101010101" pitchFamily="49" charset="-127"/>
+                <a:ea typeface="돋움체" panose="020B0609000101010101" pitchFamily="49" charset="-127"/>
+              </a:rPr>
+              <a:t>new</a:t>
+            </a:r>
+            <a:r>
+              <a:rPr lang="en-US" altLang="ko-KR" sz="1400" dirty="0">
+                <a:solidFill>
+                  <a:srgbClr val="000000"/>
+                </a:solidFill>
+                <a:latin typeface="돋움체" panose="020B0609000101010101" pitchFamily="49" charset="-127"/>
+                <a:ea typeface="돋움체" panose="020B0609000101010101" pitchFamily="49" charset="-127"/>
+              </a:rPr>
+              <a:t> </a:t>
+            </a:r>
+            <a:r>
+              <a:rPr lang="en-US" altLang="ko-KR" sz="1400" dirty="0" err="1">
+                <a:solidFill>
+                  <a:srgbClr val="2B91AF"/>
+                </a:solidFill>
+                <a:latin typeface="돋움체" panose="020B0609000101010101" pitchFamily="49" charset="-127"/>
+                <a:ea typeface="돋움체" panose="020B0609000101010101" pitchFamily="49" charset="-127"/>
+              </a:rPr>
+              <a:t>CCastleObject</a:t>
+            </a:r>
+            <a:r>
+              <a:rPr lang="en-US" altLang="ko-KR" sz="1400" dirty="0">
+                <a:solidFill>
+                  <a:srgbClr val="000000"/>
+                </a:solidFill>
+                <a:latin typeface="돋움체" panose="020B0609000101010101" pitchFamily="49" charset="-127"/>
+                <a:ea typeface="돋움체" panose="020B0609000101010101" pitchFamily="49" charset="-127"/>
+              </a:rPr>
+              <a:t>(</a:t>
+            </a:r>
+            <a:r>
+              <a:rPr lang="en-US" altLang="ko-KR" sz="1400" dirty="0">
+                <a:solidFill>
+                  <a:srgbClr val="808080"/>
+                </a:solidFill>
+                <a:latin typeface="돋움체" panose="020B0609000101010101" pitchFamily="49" charset="-127"/>
+                <a:ea typeface="돋움체" panose="020B0609000101010101" pitchFamily="49" charset="-127"/>
+              </a:rPr>
+              <a:t>pd3dDevice</a:t>
+            </a:r>
+            <a:r>
+              <a:rPr lang="en-US" altLang="ko-KR" sz="1400" dirty="0">
+                <a:solidFill>
+                  <a:srgbClr val="000000"/>
+                </a:solidFill>
+                <a:latin typeface="돋움체" panose="020B0609000101010101" pitchFamily="49" charset="-127"/>
+                <a:ea typeface="돋움체" panose="020B0609000101010101" pitchFamily="49" charset="-127"/>
+              </a:rPr>
+              <a:t>, </a:t>
+            </a:r>
+            <a:r>
+              <a:rPr lang="en-US" altLang="ko-KR" sz="1400" dirty="0">
+                <a:solidFill>
+                  <a:srgbClr val="808080"/>
+                </a:solidFill>
+                <a:latin typeface="돋움체" panose="020B0609000101010101" pitchFamily="49" charset="-127"/>
+                <a:ea typeface="돋움체" panose="020B0609000101010101" pitchFamily="49" charset="-127"/>
+              </a:rPr>
+              <a:t>pd3dCommandList</a:t>
+            </a:r>
+            <a:r>
+              <a:rPr lang="en-US" altLang="ko-KR" sz="1400" dirty="0">
+                <a:solidFill>
+                  <a:srgbClr val="000000"/>
+                </a:solidFill>
+                <a:latin typeface="돋움체" panose="020B0609000101010101" pitchFamily="49" charset="-127"/>
+                <a:ea typeface="돋움체" panose="020B0609000101010101" pitchFamily="49" charset="-127"/>
+              </a:rPr>
+              <a:t>, </a:t>
+            </a:r>
+          </a:p>
+          <a:p>
+            <a:r>
+              <a:rPr lang="en-US" altLang="ko-KR" sz="1400" dirty="0">
+                <a:solidFill>
+                  <a:srgbClr val="000000"/>
+                </a:solidFill>
+                <a:latin typeface="돋움체" panose="020B0609000101010101" pitchFamily="49" charset="-127"/>
+                <a:ea typeface="돋움체" panose="020B0609000101010101" pitchFamily="49" charset="-127"/>
+              </a:rPr>
+              <a:t>      m_pd3dGraphicsRootSignature, pTreeModel1, 0);</a:t>
+            </a:r>
+          </a:p>
+          <a:p>
+            <a:r>
+              <a:rPr lang="en-US" altLang="ko-KR" sz="1400" dirty="0">
+                <a:solidFill>
+                  <a:srgbClr val="0000FF"/>
+                </a:solidFill>
+                <a:latin typeface="돋움체" panose="020B0609000101010101" pitchFamily="49" charset="-127"/>
+                <a:ea typeface="돋움체" panose="020B0609000101010101" pitchFamily="49" charset="-127"/>
+              </a:rPr>
+              <a:t>      break</a:t>
+            </a:r>
+            <a:r>
+              <a:rPr lang="en-US" altLang="ko-KR" sz="1400" dirty="0">
+                <a:solidFill>
+                  <a:srgbClr val="000000"/>
+                </a:solidFill>
+                <a:latin typeface="돋움체" panose="020B0609000101010101" pitchFamily="49" charset="-127"/>
+                <a:ea typeface="돋움체" panose="020B0609000101010101" pitchFamily="49" charset="-127"/>
+              </a:rPr>
+              <a:t>;</a:t>
+            </a:r>
+          </a:p>
+          <a:p>
+            <a:r>
+              <a:rPr lang="en-US" altLang="ko-KR" sz="1400" dirty="0">
+                <a:solidFill>
+                  <a:srgbClr val="0000FF"/>
+                </a:solidFill>
+                <a:latin typeface="돋움체" panose="020B0609000101010101" pitchFamily="49" charset="-127"/>
+                <a:ea typeface="돋움체" panose="020B0609000101010101" pitchFamily="49" charset="-127"/>
+              </a:rPr>
+              <a:t>    case</a:t>
+            </a:r>
+            <a:r>
+              <a:rPr lang="en-US" altLang="ko-KR" sz="1400" dirty="0">
+                <a:solidFill>
+                  <a:srgbClr val="000000"/>
+                </a:solidFill>
+                <a:latin typeface="돋움체" panose="020B0609000101010101" pitchFamily="49" charset="-127"/>
+                <a:ea typeface="돋움체" panose="020B0609000101010101" pitchFamily="49" charset="-127"/>
+              </a:rPr>
+              <a:t> 1:</a:t>
+            </a:r>
+          </a:p>
+          <a:p>
+            <a:r>
+              <a:rPr lang="en-US" altLang="ko-KR" sz="1400" dirty="0">
+                <a:solidFill>
+                  <a:srgbClr val="0000FF"/>
+                </a:solidFill>
+                <a:latin typeface="돋움체" panose="020B0609000101010101" pitchFamily="49" charset="-127"/>
+                <a:ea typeface="돋움체" panose="020B0609000101010101" pitchFamily="49" charset="-127"/>
+              </a:rPr>
+              <a:t>    case</a:t>
+            </a:r>
+            <a:r>
+              <a:rPr lang="en-US" altLang="ko-KR" sz="1400" dirty="0">
+                <a:solidFill>
+                  <a:srgbClr val="000000"/>
+                </a:solidFill>
+                <a:latin typeface="돋움체" panose="020B0609000101010101" pitchFamily="49" charset="-127"/>
+                <a:ea typeface="돋움체" panose="020B0609000101010101" pitchFamily="49" charset="-127"/>
+              </a:rPr>
+              <a:t> 2:</a:t>
+            </a:r>
+          </a:p>
+          <a:p>
+            <a:r>
+              <a:rPr lang="en-US" altLang="ko-KR" sz="1400" dirty="0">
+                <a:solidFill>
+                  <a:srgbClr val="000000"/>
+                </a:solidFill>
+                <a:latin typeface="돋움체" panose="020B0609000101010101" pitchFamily="49" charset="-127"/>
+                <a:ea typeface="돋움체" panose="020B0609000101010101" pitchFamily="49" charset="-127"/>
+              </a:rPr>
+              <a:t>    …</a:t>
+            </a:r>
+          </a:p>
+          <a:p>
+            <a:r>
+              <a:rPr lang="en-US" altLang="ko-KR" sz="1400" dirty="0">
+                <a:solidFill>
+                  <a:srgbClr val="000000"/>
+                </a:solidFill>
+                <a:latin typeface="돋움체" panose="020B0609000101010101" pitchFamily="49" charset="-127"/>
+                <a:ea typeface="돋움체" panose="020B0609000101010101" pitchFamily="49" charset="-127"/>
+              </a:rPr>
+              <a:t>}</a:t>
+            </a:r>
+          </a:p>
+          <a:p>
+            <a:r>
+              <a:rPr lang="en-US" altLang="ko-KR" sz="1400" dirty="0">
+                <a:solidFill>
+                  <a:srgbClr val="000000"/>
+                </a:solidFill>
+                <a:latin typeface="돋움체" panose="020B0609000101010101" pitchFamily="49" charset="-127"/>
+                <a:ea typeface="돋움체" panose="020B0609000101010101" pitchFamily="49" charset="-127"/>
+              </a:rPr>
+              <a:t>  // </a:t>
+            </a:r>
+            <a:r>
+              <a:rPr lang="en-US" altLang="ko-KR" sz="1400" dirty="0" err="1">
+                <a:solidFill>
+                  <a:srgbClr val="000000"/>
+                </a:solidFill>
+                <a:latin typeface="돋움체" panose="020B0609000101010101" pitchFamily="49" charset="-127"/>
+                <a:ea typeface="돋움체" panose="020B0609000101010101" pitchFamily="49" charset="-127"/>
+              </a:rPr>
+              <a:t>xmfPos</a:t>
+            </a:r>
+            <a:r>
+              <a:rPr lang="en-US" altLang="ko-KR" sz="1400" dirty="0">
+                <a:solidFill>
+                  <a:srgbClr val="000000"/>
+                </a:solidFill>
+                <a:latin typeface="돋움체" panose="020B0609000101010101" pitchFamily="49" charset="-127"/>
+                <a:ea typeface="돋움체" panose="020B0609000101010101" pitchFamily="49" charset="-127"/>
+              </a:rPr>
+              <a:t> </a:t>
+            </a:r>
+            <a:r>
+              <a:rPr lang="ko-KR" altLang="en-US" sz="1400" dirty="0">
+                <a:solidFill>
+                  <a:srgbClr val="000000"/>
+                </a:solidFill>
+                <a:latin typeface="돋움체" panose="020B0609000101010101" pitchFamily="49" charset="-127"/>
+                <a:ea typeface="돋움체" panose="020B0609000101010101" pitchFamily="49" charset="-127"/>
+              </a:rPr>
+              <a:t>사용 코드</a:t>
+            </a:r>
             <a:endParaRPr lang="en-US" altLang="ko-KR" sz="1400" dirty="0">
               <a:solidFill>
                 <a:srgbClr val="000000"/>
@@ -6099,1026 +7085,6 @@
               <a:latin typeface="돋움체" panose="020B0609000101010101" pitchFamily="49" charset="-127"/>
               <a:ea typeface="돋움체" panose="020B0609000101010101" pitchFamily="49" charset="-127"/>
             </a:endParaRPr>
-          </a:p>
-          <a:p>
-            <a:r>
-              <a:rPr lang="en-US" altLang="ko-KR" sz="1400" dirty="0">
-                <a:solidFill>
-                  <a:srgbClr val="000000"/>
-                </a:solidFill>
-                <a:latin typeface="돋움체" panose="020B0609000101010101" pitchFamily="49" charset="-127"/>
-                <a:ea typeface="돋움체" panose="020B0609000101010101" pitchFamily="49" charset="-127"/>
-              </a:rPr>
-              <a:t>.</a:t>
-            </a:r>
-          </a:p>
-          <a:p>
-            <a:r>
-              <a:rPr lang="en-US" altLang="ko-KR" sz="1400" dirty="0">
-                <a:solidFill>
-                  <a:srgbClr val="000000"/>
-                </a:solidFill>
-                <a:latin typeface="돋움체" panose="020B0609000101010101" pitchFamily="49" charset="-127"/>
-                <a:ea typeface="돋움체" panose="020B0609000101010101" pitchFamily="49" charset="-127"/>
-              </a:rPr>
-              <a:t>.</a:t>
-            </a:r>
-          </a:p>
-          <a:p>
-            <a:r>
-              <a:rPr lang="en-US" altLang="ko-KR" sz="1400" dirty="0">
-                <a:solidFill>
-                  <a:srgbClr val="000000"/>
-                </a:solidFill>
-                <a:latin typeface="돋움체" panose="020B0609000101010101" pitchFamily="49" charset="-127"/>
-                <a:ea typeface="돋움체" panose="020B0609000101010101" pitchFamily="49" charset="-127"/>
-              </a:rPr>
-              <a:t>.</a:t>
-            </a:r>
-            <a:endParaRPr lang="ko-KR" altLang="en-US" sz="1400" dirty="0">
-              <a:solidFill>
-                <a:srgbClr val="000000"/>
-              </a:solidFill>
-              <a:latin typeface="돋움체" panose="020B0609000101010101" pitchFamily="49" charset="-127"/>
-              <a:ea typeface="돋움체" panose="020B0609000101010101" pitchFamily="49" charset="-127"/>
-            </a:endParaRPr>
-          </a:p>
-          <a:p>
-            <a:r>
-              <a:rPr lang="en-US" altLang="ko-KR" sz="1400" dirty="0" err="1">
-                <a:solidFill>
-                  <a:srgbClr val="2B91AF"/>
-                </a:solidFill>
-                <a:latin typeface="돋움체" panose="020B0609000101010101" pitchFamily="49" charset="-127"/>
-                <a:ea typeface="돋움체" panose="020B0609000101010101" pitchFamily="49" charset="-127"/>
-              </a:rPr>
-              <a:t>random_device</a:t>
-            </a:r>
-            <a:r>
-              <a:rPr lang="en-US" altLang="ko-KR" sz="1400" dirty="0">
-                <a:solidFill>
-                  <a:srgbClr val="000000"/>
-                </a:solidFill>
-                <a:latin typeface="돋움체" panose="020B0609000101010101" pitchFamily="49" charset="-127"/>
-                <a:ea typeface="돋움체" panose="020B0609000101010101" pitchFamily="49" charset="-127"/>
-              </a:rPr>
-              <a:t> </a:t>
-            </a:r>
-            <a:r>
-              <a:rPr lang="en-US" altLang="ko-KR" sz="1400" dirty="0" err="1">
-                <a:solidFill>
-                  <a:srgbClr val="000000"/>
-                </a:solidFill>
-                <a:latin typeface="돋움체" panose="020B0609000101010101" pitchFamily="49" charset="-127"/>
-                <a:ea typeface="돋움체" panose="020B0609000101010101" pitchFamily="49" charset="-127"/>
-              </a:rPr>
-              <a:t>rd</a:t>
-            </a:r>
-            <a:r>
-              <a:rPr lang="en-US" altLang="ko-KR" sz="1400" dirty="0">
-                <a:solidFill>
-                  <a:srgbClr val="000000"/>
-                </a:solidFill>
-                <a:latin typeface="돋움체" panose="020B0609000101010101" pitchFamily="49" charset="-127"/>
-                <a:ea typeface="돋움체" panose="020B0609000101010101" pitchFamily="49" charset="-127"/>
-              </a:rPr>
-              <a:t>;</a:t>
-            </a:r>
-          </a:p>
-          <a:p>
-            <a:r>
-              <a:rPr lang="en-US" altLang="ko-KR" sz="1400" dirty="0" err="1">
-                <a:solidFill>
-                  <a:srgbClr val="2B91AF"/>
-                </a:solidFill>
-                <a:latin typeface="돋움체" panose="020B0609000101010101" pitchFamily="49" charset="-127"/>
-                <a:ea typeface="돋움체" panose="020B0609000101010101" pitchFamily="49" charset="-127"/>
-              </a:rPr>
-              <a:t>default_random_engine</a:t>
-            </a:r>
-            <a:r>
-              <a:rPr lang="en-US" altLang="ko-KR" sz="1400" dirty="0">
-                <a:solidFill>
-                  <a:srgbClr val="000000"/>
-                </a:solidFill>
-                <a:latin typeface="돋움체" panose="020B0609000101010101" pitchFamily="49" charset="-127"/>
-                <a:ea typeface="돋움체" panose="020B0609000101010101" pitchFamily="49" charset="-127"/>
-              </a:rPr>
-              <a:t> </a:t>
-            </a:r>
-            <a:r>
-              <a:rPr lang="en-US" altLang="ko-KR" sz="1400" dirty="0" err="1">
-                <a:solidFill>
-                  <a:srgbClr val="000000"/>
-                </a:solidFill>
-                <a:latin typeface="돋움체" panose="020B0609000101010101" pitchFamily="49" charset="-127"/>
-                <a:ea typeface="돋움체" panose="020B0609000101010101" pitchFamily="49" charset="-127"/>
-              </a:rPr>
-              <a:t>dre</a:t>
-            </a:r>
-            <a:r>
-              <a:rPr lang="en-US" altLang="ko-KR" sz="1400" dirty="0">
-                <a:solidFill>
-                  <a:srgbClr val="000000"/>
-                </a:solidFill>
-                <a:latin typeface="돋움체" panose="020B0609000101010101" pitchFamily="49" charset="-127"/>
-                <a:ea typeface="돋움체" panose="020B0609000101010101" pitchFamily="49" charset="-127"/>
-              </a:rPr>
-              <a:t>(</a:t>
-            </a:r>
-            <a:r>
-              <a:rPr lang="en-US" altLang="ko-KR" sz="1400" dirty="0" err="1">
-                <a:solidFill>
-                  <a:srgbClr val="000000"/>
-                </a:solidFill>
-                <a:latin typeface="돋움체" panose="020B0609000101010101" pitchFamily="49" charset="-127"/>
-                <a:ea typeface="돋움체" panose="020B0609000101010101" pitchFamily="49" charset="-127"/>
-              </a:rPr>
-              <a:t>rd</a:t>
-            </a:r>
-            <a:r>
-              <a:rPr lang="en-US" altLang="ko-KR" sz="1400" dirty="0">
-                <a:solidFill>
-                  <a:srgbClr val="008080"/>
-                </a:solidFill>
-                <a:latin typeface="돋움체" panose="020B0609000101010101" pitchFamily="49" charset="-127"/>
-                <a:ea typeface="돋움체" panose="020B0609000101010101" pitchFamily="49" charset="-127"/>
-              </a:rPr>
-              <a:t>()</a:t>
-            </a:r>
-            <a:r>
-              <a:rPr lang="en-US" altLang="ko-KR" sz="1400" dirty="0">
-                <a:solidFill>
-                  <a:srgbClr val="000000"/>
-                </a:solidFill>
-                <a:latin typeface="돋움체" panose="020B0609000101010101" pitchFamily="49" charset="-127"/>
-                <a:ea typeface="돋움체" panose="020B0609000101010101" pitchFamily="49" charset="-127"/>
-              </a:rPr>
-              <a:t>);</a:t>
-            </a:r>
-          </a:p>
-          <a:p>
-            <a:r>
-              <a:rPr lang="en-US" altLang="ko-KR" sz="1400" dirty="0" err="1">
-                <a:solidFill>
-                  <a:srgbClr val="2B91AF"/>
-                </a:solidFill>
-                <a:latin typeface="돋움체" panose="020B0609000101010101" pitchFamily="49" charset="-127"/>
-                <a:ea typeface="돋움체" panose="020B0609000101010101" pitchFamily="49" charset="-127"/>
-              </a:rPr>
-              <a:t>uniform_real_distribution</a:t>
-            </a:r>
-            <a:r>
-              <a:rPr lang="en-US" altLang="ko-KR" sz="1400" dirty="0">
-                <a:solidFill>
-                  <a:srgbClr val="000000"/>
-                </a:solidFill>
-                <a:latin typeface="돋움체" panose="020B0609000101010101" pitchFamily="49" charset="-127"/>
-                <a:ea typeface="돋움체" panose="020B0609000101010101" pitchFamily="49" charset="-127"/>
-              </a:rPr>
-              <a:t>&lt;</a:t>
-            </a:r>
-            <a:r>
-              <a:rPr lang="en-US" altLang="ko-KR" sz="1400" dirty="0">
-                <a:solidFill>
-                  <a:srgbClr val="0000FF"/>
-                </a:solidFill>
-                <a:latin typeface="돋움체" panose="020B0609000101010101" pitchFamily="49" charset="-127"/>
-                <a:ea typeface="돋움체" panose="020B0609000101010101" pitchFamily="49" charset="-127"/>
-              </a:rPr>
-              <a:t>float</a:t>
-            </a:r>
-            <a:r>
-              <a:rPr lang="en-US" altLang="ko-KR" sz="1400" dirty="0">
-                <a:solidFill>
-                  <a:srgbClr val="000000"/>
-                </a:solidFill>
-                <a:latin typeface="돋움체" panose="020B0609000101010101" pitchFamily="49" charset="-127"/>
-                <a:ea typeface="돋움체" panose="020B0609000101010101" pitchFamily="49" charset="-127"/>
-              </a:rPr>
-              <a:t>&gt; </a:t>
-            </a:r>
-            <a:r>
-              <a:rPr lang="en-US" altLang="ko-KR" sz="1400" dirty="0" err="1">
-                <a:solidFill>
-                  <a:srgbClr val="000000"/>
-                </a:solidFill>
-                <a:latin typeface="돋움체" panose="020B0609000101010101" pitchFamily="49" charset="-127"/>
-                <a:ea typeface="돋움체" panose="020B0609000101010101" pitchFamily="49" charset="-127"/>
-              </a:rPr>
-              <a:t>uidScale</a:t>
-            </a:r>
-            <a:r>
-              <a:rPr lang="en-US" altLang="ko-KR" sz="1400" dirty="0">
-                <a:solidFill>
-                  <a:srgbClr val="000000"/>
-                </a:solidFill>
-                <a:latin typeface="돋움체" panose="020B0609000101010101" pitchFamily="49" charset="-127"/>
-                <a:ea typeface="돋움체" panose="020B0609000101010101" pitchFamily="49" charset="-127"/>
-              </a:rPr>
-              <a:t>(7.0f, 14.0f);</a:t>
-            </a:r>
-          </a:p>
-          <a:p>
-            <a:r>
-              <a:rPr lang="en-US" altLang="ko-KR" sz="1400" dirty="0" err="1">
-                <a:solidFill>
-                  <a:srgbClr val="2B91AF"/>
-                </a:solidFill>
-                <a:latin typeface="돋움체" panose="020B0609000101010101" pitchFamily="49" charset="-127"/>
-                <a:ea typeface="돋움체" panose="020B0609000101010101" pitchFamily="49" charset="-127"/>
-              </a:rPr>
-              <a:t>uniform_real_distribution</a:t>
-            </a:r>
-            <a:r>
-              <a:rPr lang="en-US" altLang="ko-KR" sz="1400" dirty="0">
-                <a:solidFill>
-                  <a:srgbClr val="000000"/>
-                </a:solidFill>
-                <a:latin typeface="돋움체" panose="020B0609000101010101" pitchFamily="49" charset="-127"/>
-                <a:ea typeface="돋움체" panose="020B0609000101010101" pitchFamily="49" charset="-127"/>
-              </a:rPr>
-              <a:t>&lt;</a:t>
-            </a:r>
-            <a:r>
-              <a:rPr lang="en-US" altLang="ko-KR" sz="1400" dirty="0">
-                <a:solidFill>
-                  <a:srgbClr val="0000FF"/>
-                </a:solidFill>
-                <a:latin typeface="돋움체" panose="020B0609000101010101" pitchFamily="49" charset="-127"/>
-                <a:ea typeface="돋움체" panose="020B0609000101010101" pitchFamily="49" charset="-127"/>
-              </a:rPr>
-              <a:t>float</a:t>
-            </a:r>
-            <a:r>
-              <a:rPr lang="en-US" altLang="ko-KR" sz="1400" dirty="0">
-                <a:solidFill>
-                  <a:srgbClr val="000000"/>
-                </a:solidFill>
-                <a:latin typeface="돋움체" panose="020B0609000101010101" pitchFamily="49" charset="-127"/>
-                <a:ea typeface="돋움체" panose="020B0609000101010101" pitchFamily="49" charset="-127"/>
-              </a:rPr>
-              <a:t>&gt; </a:t>
-            </a:r>
-            <a:r>
-              <a:rPr lang="en-US" altLang="ko-KR" sz="1400" dirty="0" err="1">
-                <a:solidFill>
-                  <a:srgbClr val="000000"/>
-                </a:solidFill>
-                <a:latin typeface="돋움체" panose="020B0609000101010101" pitchFamily="49" charset="-127"/>
-                <a:ea typeface="돋움체" panose="020B0609000101010101" pitchFamily="49" charset="-127"/>
-              </a:rPr>
-              <a:t>uidRotate</a:t>
-            </a:r>
-            <a:r>
-              <a:rPr lang="en-US" altLang="ko-KR" sz="1400" dirty="0">
-                <a:solidFill>
-                  <a:srgbClr val="000000"/>
-                </a:solidFill>
-                <a:latin typeface="돋움체" panose="020B0609000101010101" pitchFamily="49" charset="-127"/>
-                <a:ea typeface="돋움체" panose="020B0609000101010101" pitchFamily="49" charset="-127"/>
-              </a:rPr>
-              <a:t>(0.0f, 180.0f);</a:t>
-            </a:r>
-          </a:p>
-          <a:p>
-            <a:r>
-              <a:rPr lang="en-US" altLang="ko-KR" sz="1400" dirty="0" err="1">
-                <a:solidFill>
-                  <a:srgbClr val="2B91AF"/>
-                </a:solidFill>
-                <a:latin typeface="돋움체" panose="020B0609000101010101" pitchFamily="49" charset="-127"/>
-                <a:ea typeface="돋움체" panose="020B0609000101010101" pitchFamily="49" charset="-127"/>
-              </a:rPr>
-              <a:t>uniform_int_distribution</a:t>
-            </a:r>
-            <a:r>
-              <a:rPr lang="en-US" altLang="ko-KR" sz="1400" dirty="0">
-                <a:solidFill>
-                  <a:srgbClr val="000000"/>
-                </a:solidFill>
-                <a:latin typeface="돋움체" panose="020B0609000101010101" pitchFamily="49" charset="-127"/>
-                <a:ea typeface="돋움체" panose="020B0609000101010101" pitchFamily="49" charset="-127"/>
-              </a:rPr>
-              <a:t>&lt;&gt; </a:t>
-            </a:r>
-            <a:r>
-              <a:rPr lang="en-US" altLang="ko-KR" sz="1400" dirty="0" err="1">
-                <a:solidFill>
-                  <a:srgbClr val="000000"/>
-                </a:solidFill>
-                <a:latin typeface="돋움체" panose="020B0609000101010101" pitchFamily="49" charset="-127"/>
-                <a:ea typeface="돋움체" panose="020B0609000101010101" pitchFamily="49" charset="-127"/>
-              </a:rPr>
-              <a:t>uidModel</a:t>
-            </a:r>
-            <a:r>
-              <a:rPr lang="en-US" altLang="ko-KR" sz="1400" dirty="0">
-                <a:solidFill>
-                  <a:srgbClr val="000000"/>
-                </a:solidFill>
-                <a:latin typeface="돋움체" panose="020B0609000101010101" pitchFamily="49" charset="-127"/>
-                <a:ea typeface="돋움체" panose="020B0609000101010101" pitchFamily="49" charset="-127"/>
-              </a:rPr>
-              <a:t>(0, 2);</a:t>
-            </a:r>
-          </a:p>
-          <a:p>
-            <a:endParaRPr lang="ko-KR" altLang="en-US" sz="1400" dirty="0">
-              <a:solidFill>
-                <a:srgbClr val="000000"/>
-              </a:solidFill>
-              <a:latin typeface="돋움체" panose="020B0609000101010101" pitchFamily="49" charset="-127"/>
-              <a:ea typeface="돋움체" panose="020B0609000101010101" pitchFamily="49" charset="-127"/>
-            </a:endParaRPr>
-          </a:p>
-          <a:p>
-            <a:r>
-              <a:rPr lang="en-US" altLang="ko-KR" sz="1400" dirty="0">
-                <a:solidFill>
-                  <a:srgbClr val="2B91AF"/>
-                </a:solidFill>
-                <a:latin typeface="돋움체" panose="020B0609000101010101" pitchFamily="49" charset="-127"/>
-                <a:ea typeface="돋움체" panose="020B0609000101010101" pitchFamily="49" charset="-127"/>
-              </a:rPr>
-              <a:t>XMFLOAT3</a:t>
-            </a:r>
-            <a:r>
-              <a:rPr lang="en-US" altLang="ko-KR" sz="1400" dirty="0">
-                <a:solidFill>
-                  <a:srgbClr val="000000"/>
-                </a:solidFill>
-                <a:latin typeface="돋움체" panose="020B0609000101010101" pitchFamily="49" charset="-127"/>
-                <a:ea typeface="돋움체" panose="020B0609000101010101" pitchFamily="49" charset="-127"/>
-              </a:rPr>
-              <a:t> xmf3Pos;</a:t>
-            </a:r>
-          </a:p>
-          <a:p>
-            <a:r>
-              <a:rPr lang="en-US" altLang="ko-KR" sz="1400" dirty="0">
-                <a:solidFill>
-                  <a:srgbClr val="0000FF"/>
-                </a:solidFill>
-                <a:latin typeface="돋움체" panose="020B0609000101010101" pitchFamily="49" charset="-127"/>
-                <a:ea typeface="돋움체" panose="020B0609000101010101" pitchFamily="49" charset="-127"/>
-              </a:rPr>
-              <a:t>int</a:t>
-            </a:r>
-            <a:r>
-              <a:rPr lang="en-US" altLang="ko-KR" sz="1400" dirty="0">
-                <a:solidFill>
-                  <a:srgbClr val="000000"/>
-                </a:solidFill>
-                <a:latin typeface="돋움체" panose="020B0609000101010101" pitchFamily="49" charset="-127"/>
-                <a:ea typeface="돋움체" panose="020B0609000101010101" pitchFamily="49" charset="-127"/>
-              </a:rPr>
-              <a:t> </a:t>
-            </a:r>
-            <a:r>
-              <a:rPr lang="en-US" altLang="ko-KR" sz="1400" dirty="0" err="1">
-                <a:solidFill>
-                  <a:srgbClr val="000000"/>
-                </a:solidFill>
-                <a:latin typeface="돋움체" panose="020B0609000101010101" pitchFamily="49" charset="-127"/>
-                <a:ea typeface="돋움체" panose="020B0609000101010101" pitchFamily="49" charset="-127"/>
-              </a:rPr>
-              <a:t>cnt</a:t>
-            </a:r>
-            <a:r>
-              <a:rPr lang="en-US" altLang="ko-KR" sz="1400" dirty="0">
-                <a:solidFill>
-                  <a:srgbClr val="000000"/>
-                </a:solidFill>
-                <a:latin typeface="돋움체" panose="020B0609000101010101" pitchFamily="49" charset="-127"/>
-                <a:ea typeface="돋움체" panose="020B0609000101010101" pitchFamily="49" charset="-127"/>
-              </a:rPr>
-              <a:t> = </a:t>
-            </a:r>
-            <a:r>
-              <a:rPr lang="en-US" altLang="ko-KR" sz="1400" dirty="0">
-                <a:solidFill>
-                  <a:srgbClr val="808080"/>
-                </a:solidFill>
-                <a:latin typeface="돋움체" panose="020B0609000101010101" pitchFamily="49" charset="-127"/>
-                <a:ea typeface="돋움체" panose="020B0609000101010101" pitchFamily="49" charset="-127"/>
-              </a:rPr>
-              <a:t>start</a:t>
-            </a:r>
-            <a:r>
-              <a:rPr lang="en-US" altLang="ko-KR" sz="1400" dirty="0">
-                <a:solidFill>
-                  <a:srgbClr val="000000"/>
-                </a:solidFill>
-                <a:latin typeface="돋움체" panose="020B0609000101010101" pitchFamily="49" charset="-127"/>
-                <a:ea typeface="돋움체" panose="020B0609000101010101" pitchFamily="49" charset="-127"/>
-              </a:rPr>
-              <a:t>;</a:t>
-            </a:r>
-          </a:p>
-          <a:p>
-            <a:r>
-              <a:rPr lang="en-US" altLang="ko-KR" sz="1400" dirty="0">
-                <a:solidFill>
-                  <a:srgbClr val="0000FF"/>
-                </a:solidFill>
-                <a:latin typeface="돋움체" panose="020B0609000101010101" pitchFamily="49" charset="-127"/>
-                <a:ea typeface="돋움체" panose="020B0609000101010101" pitchFamily="49" charset="-127"/>
-              </a:rPr>
-              <a:t>int</a:t>
-            </a:r>
-            <a:r>
-              <a:rPr lang="en-US" altLang="ko-KR" sz="1400" dirty="0">
-                <a:solidFill>
-                  <a:srgbClr val="000000"/>
-                </a:solidFill>
-                <a:latin typeface="돋움체" panose="020B0609000101010101" pitchFamily="49" charset="-127"/>
-                <a:ea typeface="돋움체" panose="020B0609000101010101" pitchFamily="49" charset="-127"/>
-              </a:rPr>
-              <a:t> </a:t>
-            </a:r>
-            <a:r>
-              <a:rPr lang="en-US" altLang="ko-KR" sz="1400" dirty="0" err="1">
-                <a:solidFill>
-                  <a:srgbClr val="000000"/>
-                </a:solidFill>
-                <a:latin typeface="돋움체" panose="020B0609000101010101" pitchFamily="49" charset="-127"/>
-                <a:ea typeface="돋움체" panose="020B0609000101010101" pitchFamily="49" charset="-127"/>
-              </a:rPr>
-              <a:t>nModel</a:t>
-            </a:r>
-            <a:r>
-              <a:rPr lang="en-US" altLang="ko-KR" sz="1400" dirty="0">
-                <a:solidFill>
-                  <a:srgbClr val="000000"/>
-                </a:solidFill>
-                <a:latin typeface="돋움체" panose="020B0609000101010101" pitchFamily="49" charset="-127"/>
-                <a:ea typeface="돋움체" panose="020B0609000101010101" pitchFamily="49" charset="-127"/>
-              </a:rPr>
-              <a:t> = 0;</a:t>
-            </a:r>
-          </a:p>
-          <a:p>
-            <a:r>
-              <a:rPr lang="en-US" altLang="ko-KR" sz="1400" dirty="0">
-                <a:solidFill>
-                  <a:srgbClr val="0000FF"/>
-                </a:solidFill>
-                <a:latin typeface="돋움체" panose="020B0609000101010101" pitchFamily="49" charset="-127"/>
-                <a:ea typeface="돋움체" panose="020B0609000101010101" pitchFamily="49" charset="-127"/>
-              </a:rPr>
-              <a:t>while</a:t>
-            </a:r>
-            <a:r>
-              <a:rPr lang="en-US" altLang="ko-KR" sz="1400" dirty="0">
-                <a:solidFill>
-                  <a:srgbClr val="000000"/>
-                </a:solidFill>
-                <a:latin typeface="돋움체" panose="020B0609000101010101" pitchFamily="49" charset="-127"/>
-                <a:ea typeface="돋움체" panose="020B0609000101010101" pitchFamily="49" charset="-127"/>
-              </a:rPr>
-              <a:t> (</a:t>
-            </a:r>
-            <a:r>
-              <a:rPr lang="en-US" altLang="ko-KR" sz="1400" dirty="0" err="1">
-                <a:solidFill>
-                  <a:srgbClr val="000000"/>
-                </a:solidFill>
-                <a:latin typeface="돋움체" panose="020B0609000101010101" pitchFamily="49" charset="-127"/>
-                <a:ea typeface="돋움체" panose="020B0609000101010101" pitchFamily="49" charset="-127"/>
-              </a:rPr>
-              <a:t>cnt</a:t>
-            </a:r>
-            <a:r>
-              <a:rPr lang="en-US" altLang="ko-KR" sz="1400" dirty="0">
-                <a:solidFill>
-                  <a:srgbClr val="000000"/>
-                </a:solidFill>
-                <a:latin typeface="돋움체" panose="020B0609000101010101" pitchFamily="49" charset="-127"/>
-                <a:ea typeface="돋움체" panose="020B0609000101010101" pitchFamily="49" charset="-127"/>
-              </a:rPr>
-              <a:t> &lt;= </a:t>
-            </a:r>
-            <a:r>
-              <a:rPr lang="en-US" altLang="ko-KR" sz="1400" dirty="0">
-                <a:solidFill>
-                  <a:srgbClr val="808080"/>
-                </a:solidFill>
-                <a:latin typeface="돋움체" panose="020B0609000101010101" pitchFamily="49" charset="-127"/>
-                <a:ea typeface="돋움체" panose="020B0609000101010101" pitchFamily="49" charset="-127"/>
-              </a:rPr>
-              <a:t>end</a:t>
-            </a:r>
-            <a:r>
-              <a:rPr lang="en-US" altLang="ko-KR" sz="1400" dirty="0">
-                <a:solidFill>
-                  <a:srgbClr val="000000"/>
-                </a:solidFill>
-                <a:latin typeface="돋움체" panose="020B0609000101010101" pitchFamily="49" charset="-127"/>
-                <a:ea typeface="돋움체" panose="020B0609000101010101" pitchFamily="49" charset="-127"/>
-              </a:rPr>
-              <a:t>) {</a:t>
-            </a:r>
-          </a:p>
-          <a:p>
-            <a:r>
-              <a:rPr lang="en-US" altLang="ko-KR" sz="1400" dirty="0">
-                <a:solidFill>
-                  <a:srgbClr val="000000"/>
-                </a:solidFill>
-                <a:latin typeface="돋움체" panose="020B0609000101010101" pitchFamily="49" charset="-127"/>
-                <a:ea typeface="돋움체" panose="020B0609000101010101" pitchFamily="49" charset="-127"/>
-              </a:rPr>
-              <a:t>  in </a:t>
-            </a:r>
-            <a:r>
-              <a:rPr lang="en-US" altLang="ko-KR" sz="1400" dirty="0">
-                <a:solidFill>
-                  <a:srgbClr val="008080"/>
-                </a:solidFill>
-                <a:latin typeface="돋움체" panose="020B0609000101010101" pitchFamily="49" charset="-127"/>
-                <a:ea typeface="돋움체" panose="020B0609000101010101" pitchFamily="49" charset="-127"/>
-              </a:rPr>
-              <a:t>&gt;&gt;</a:t>
-            </a:r>
-            <a:r>
-              <a:rPr lang="en-US" altLang="ko-KR" sz="1400" dirty="0">
-                <a:solidFill>
-                  <a:srgbClr val="000000"/>
-                </a:solidFill>
-                <a:latin typeface="돋움체" panose="020B0609000101010101" pitchFamily="49" charset="-127"/>
-                <a:ea typeface="돋움체" panose="020B0609000101010101" pitchFamily="49" charset="-127"/>
-              </a:rPr>
-              <a:t> xmf3Pos.x;</a:t>
-            </a:r>
-          </a:p>
-          <a:p>
-            <a:r>
-              <a:rPr lang="en-US" altLang="ko-KR" sz="1400" dirty="0">
-                <a:solidFill>
-                  <a:srgbClr val="000000"/>
-                </a:solidFill>
-                <a:latin typeface="돋움체" panose="020B0609000101010101" pitchFamily="49" charset="-127"/>
-                <a:ea typeface="돋움체" panose="020B0609000101010101" pitchFamily="49" charset="-127"/>
-              </a:rPr>
-              <a:t>  in </a:t>
-            </a:r>
-            <a:r>
-              <a:rPr lang="en-US" altLang="ko-KR" sz="1400" dirty="0">
-                <a:solidFill>
-                  <a:srgbClr val="008080"/>
-                </a:solidFill>
-                <a:latin typeface="돋움체" panose="020B0609000101010101" pitchFamily="49" charset="-127"/>
-                <a:ea typeface="돋움체" panose="020B0609000101010101" pitchFamily="49" charset="-127"/>
-              </a:rPr>
-              <a:t>&gt;&gt;</a:t>
-            </a:r>
-            <a:r>
-              <a:rPr lang="en-US" altLang="ko-KR" sz="1400" dirty="0">
-                <a:solidFill>
-                  <a:srgbClr val="000000"/>
-                </a:solidFill>
-                <a:latin typeface="돋움체" panose="020B0609000101010101" pitchFamily="49" charset="-127"/>
-                <a:ea typeface="돋움체" panose="020B0609000101010101" pitchFamily="49" charset="-127"/>
-              </a:rPr>
-              <a:t> xmf3Pos.y;</a:t>
-            </a:r>
-          </a:p>
-          <a:p>
-            <a:r>
-              <a:rPr lang="en-US" altLang="ko-KR" sz="1400" dirty="0">
-                <a:solidFill>
-                  <a:srgbClr val="000000"/>
-                </a:solidFill>
-                <a:latin typeface="돋움체" panose="020B0609000101010101" pitchFamily="49" charset="-127"/>
-                <a:ea typeface="돋움체" panose="020B0609000101010101" pitchFamily="49" charset="-127"/>
-              </a:rPr>
-              <a:t>  in </a:t>
-            </a:r>
-            <a:r>
-              <a:rPr lang="en-US" altLang="ko-KR" sz="1400" dirty="0">
-                <a:solidFill>
-                  <a:srgbClr val="008080"/>
-                </a:solidFill>
-                <a:latin typeface="돋움체" panose="020B0609000101010101" pitchFamily="49" charset="-127"/>
-                <a:ea typeface="돋움체" panose="020B0609000101010101" pitchFamily="49" charset="-127"/>
-              </a:rPr>
-              <a:t>&gt;&gt;</a:t>
-            </a:r>
-            <a:r>
-              <a:rPr lang="en-US" altLang="ko-KR" sz="1400" dirty="0">
-                <a:solidFill>
-                  <a:srgbClr val="000000"/>
-                </a:solidFill>
-                <a:latin typeface="돋움체" panose="020B0609000101010101" pitchFamily="49" charset="-127"/>
-                <a:ea typeface="돋움체" panose="020B0609000101010101" pitchFamily="49" charset="-127"/>
-              </a:rPr>
-              <a:t> xmf3Pos.z;</a:t>
-            </a:r>
-          </a:p>
-          <a:p>
-            <a:r>
-              <a:rPr lang="en-US" altLang="ko-KR" sz="1400" dirty="0">
-                <a:solidFill>
-                  <a:srgbClr val="000000"/>
-                </a:solidFill>
-                <a:latin typeface="돋움체" panose="020B0609000101010101" pitchFamily="49" charset="-127"/>
-                <a:ea typeface="돋움체" panose="020B0609000101010101" pitchFamily="49" charset="-127"/>
-              </a:rPr>
-              <a:t>  </a:t>
-            </a:r>
-            <a:r>
-              <a:rPr lang="en-US" altLang="ko-KR" sz="1400" dirty="0" err="1">
-                <a:solidFill>
-                  <a:srgbClr val="000000"/>
-                </a:solidFill>
-                <a:latin typeface="돋움체" panose="020B0609000101010101" pitchFamily="49" charset="-127"/>
-                <a:ea typeface="돋움체" panose="020B0609000101010101" pitchFamily="49" charset="-127"/>
-              </a:rPr>
-              <a:t>nModel</a:t>
-            </a:r>
-            <a:r>
-              <a:rPr lang="en-US" altLang="ko-KR" sz="1400" dirty="0">
-                <a:solidFill>
-                  <a:srgbClr val="000000"/>
-                </a:solidFill>
-                <a:latin typeface="돋움체" panose="020B0609000101010101" pitchFamily="49" charset="-127"/>
-                <a:ea typeface="돋움체" panose="020B0609000101010101" pitchFamily="49" charset="-127"/>
-              </a:rPr>
-              <a:t> = </a:t>
-            </a:r>
-            <a:r>
-              <a:rPr lang="en-US" altLang="ko-KR" sz="1400" dirty="0" err="1">
-                <a:solidFill>
-                  <a:srgbClr val="000000"/>
-                </a:solidFill>
-                <a:latin typeface="돋움체" panose="020B0609000101010101" pitchFamily="49" charset="-127"/>
-                <a:ea typeface="돋움체" panose="020B0609000101010101" pitchFamily="49" charset="-127"/>
-              </a:rPr>
-              <a:t>uidModel</a:t>
-            </a:r>
-            <a:r>
-              <a:rPr lang="en-US" altLang="ko-KR" sz="1400" dirty="0">
-                <a:solidFill>
-                  <a:srgbClr val="008080"/>
-                </a:solidFill>
-                <a:latin typeface="돋움체" panose="020B0609000101010101" pitchFamily="49" charset="-127"/>
-                <a:ea typeface="돋움체" panose="020B0609000101010101" pitchFamily="49" charset="-127"/>
-              </a:rPr>
-              <a:t>(</a:t>
-            </a:r>
-            <a:r>
-              <a:rPr lang="en-US" altLang="ko-KR" sz="1400" dirty="0" err="1">
-                <a:solidFill>
-                  <a:srgbClr val="000000"/>
-                </a:solidFill>
-                <a:latin typeface="돋움체" panose="020B0609000101010101" pitchFamily="49" charset="-127"/>
-                <a:ea typeface="돋움체" panose="020B0609000101010101" pitchFamily="49" charset="-127"/>
-              </a:rPr>
-              <a:t>dre</a:t>
-            </a:r>
-            <a:r>
-              <a:rPr lang="en-US" altLang="ko-KR" sz="1400" dirty="0">
-                <a:solidFill>
-                  <a:srgbClr val="008080"/>
-                </a:solidFill>
-                <a:latin typeface="돋움체" panose="020B0609000101010101" pitchFamily="49" charset="-127"/>
-                <a:ea typeface="돋움체" panose="020B0609000101010101" pitchFamily="49" charset="-127"/>
-              </a:rPr>
-              <a:t>)</a:t>
-            </a:r>
-            <a:r>
-              <a:rPr lang="en-US" altLang="ko-KR" sz="1400" dirty="0">
-                <a:solidFill>
-                  <a:srgbClr val="000000"/>
-                </a:solidFill>
-                <a:latin typeface="돋움체" panose="020B0609000101010101" pitchFamily="49" charset="-127"/>
-                <a:ea typeface="돋움체" panose="020B0609000101010101" pitchFamily="49" charset="-127"/>
-              </a:rPr>
-              <a:t>;</a:t>
-            </a:r>
-          </a:p>
-          <a:p>
-            <a:r>
-              <a:rPr lang="en-US" altLang="ko-KR" sz="1400" dirty="0">
-                <a:solidFill>
-                  <a:srgbClr val="0000FF"/>
-                </a:solidFill>
-                <a:latin typeface="돋움체" panose="020B0609000101010101" pitchFamily="49" charset="-127"/>
-                <a:ea typeface="돋움체" panose="020B0609000101010101" pitchFamily="49" charset="-127"/>
-              </a:rPr>
-              <a:t>  switch</a:t>
-            </a:r>
-            <a:r>
-              <a:rPr lang="en-US" altLang="ko-KR" sz="1400" dirty="0">
-                <a:solidFill>
-                  <a:srgbClr val="000000"/>
-                </a:solidFill>
-                <a:latin typeface="돋움체" panose="020B0609000101010101" pitchFamily="49" charset="-127"/>
-                <a:ea typeface="돋움체" panose="020B0609000101010101" pitchFamily="49" charset="-127"/>
-              </a:rPr>
-              <a:t> (</a:t>
-            </a:r>
-            <a:r>
-              <a:rPr lang="en-US" altLang="ko-KR" sz="1400" dirty="0" err="1">
-                <a:solidFill>
-                  <a:srgbClr val="000000"/>
-                </a:solidFill>
-                <a:latin typeface="돋움체" panose="020B0609000101010101" pitchFamily="49" charset="-127"/>
-                <a:ea typeface="돋움체" panose="020B0609000101010101" pitchFamily="49" charset="-127"/>
-              </a:rPr>
-              <a:t>nModel</a:t>
-            </a:r>
-            <a:r>
-              <a:rPr lang="en-US" altLang="ko-KR" sz="1400" dirty="0">
-                <a:solidFill>
-                  <a:srgbClr val="000000"/>
-                </a:solidFill>
-                <a:latin typeface="돋움체" panose="020B0609000101010101" pitchFamily="49" charset="-127"/>
-                <a:ea typeface="돋움체" panose="020B0609000101010101" pitchFamily="49" charset="-127"/>
-              </a:rPr>
-              <a:t>) { </a:t>
-            </a:r>
-          </a:p>
-          <a:p>
-            <a:r>
-              <a:rPr lang="en-US" altLang="ko-KR" sz="1400" dirty="0">
-                <a:solidFill>
-                  <a:srgbClr val="0000FF"/>
-                </a:solidFill>
-                <a:latin typeface="돋움체" panose="020B0609000101010101" pitchFamily="49" charset="-127"/>
-                <a:ea typeface="돋움체" panose="020B0609000101010101" pitchFamily="49" charset="-127"/>
-              </a:rPr>
-              <a:t>    case</a:t>
-            </a:r>
-            <a:r>
-              <a:rPr lang="en-US" altLang="ko-KR" sz="1400" dirty="0">
-                <a:solidFill>
-                  <a:srgbClr val="000000"/>
-                </a:solidFill>
-                <a:latin typeface="돋움체" panose="020B0609000101010101" pitchFamily="49" charset="-127"/>
-                <a:ea typeface="돋움체" panose="020B0609000101010101" pitchFamily="49" charset="-127"/>
-              </a:rPr>
-              <a:t> 0:</a:t>
-            </a:r>
-          </a:p>
-          <a:p>
-            <a:r>
-              <a:rPr lang="en-US" altLang="ko-KR" sz="1400" dirty="0">
-                <a:solidFill>
-                  <a:srgbClr val="000000"/>
-                </a:solidFill>
-                <a:latin typeface="돋움체" panose="020B0609000101010101" pitchFamily="49" charset="-127"/>
-                <a:ea typeface="돋움체" panose="020B0609000101010101" pitchFamily="49" charset="-127"/>
-              </a:rPr>
-              <a:t>      </a:t>
-            </a:r>
-            <a:r>
-              <a:rPr lang="en-US" altLang="ko-KR" sz="1400" dirty="0" err="1">
-                <a:solidFill>
-                  <a:srgbClr val="000000"/>
-                </a:solidFill>
-                <a:latin typeface="돋움체" panose="020B0609000101010101" pitchFamily="49" charset="-127"/>
-                <a:ea typeface="돋움체" panose="020B0609000101010101" pitchFamily="49" charset="-127"/>
-              </a:rPr>
-              <a:t>m_ppHierarchicalGameObjects</a:t>
-            </a:r>
-            <a:r>
-              <a:rPr lang="en-US" altLang="ko-KR" sz="1400" dirty="0">
-                <a:solidFill>
-                  <a:srgbClr val="000000"/>
-                </a:solidFill>
-                <a:latin typeface="돋움체" panose="020B0609000101010101" pitchFamily="49" charset="-127"/>
-                <a:ea typeface="돋움체" panose="020B0609000101010101" pitchFamily="49" charset="-127"/>
-              </a:rPr>
-              <a:t>[</a:t>
-            </a:r>
-            <a:r>
-              <a:rPr lang="en-US" altLang="ko-KR" sz="1400" dirty="0" err="1">
-                <a:solidFill>
-                  <a:srgbClr val="000000"/>
-                </a:solidFill>
-                <a:latin typeface="돋움체" panose="020B0609000101010101" pitchFamily="49" charset="-127"/>
-                <a:ea typeface="돋움체" panose="020B0609000101010101" pitchFamily="49" charset="-127"/>
-              </a:rPr>
-              <a:t>cnt</a:t>
-            </a:r>
-            <a:r>
-              <a:rPr lang="en-US" altLang="ko-KR" sz="1400" dirty="0">
-                <a:solidFill>
-                  <a:srgbClr val="000000"/>
-                </a:solidFill>
-                <a:latin typeface="돋움체" panose="020B0609000101010101" pitchFamily="49" charset="-127"/>
-                <a:ea typeface="돋움체" panose="020B0609000101010101" pitchFamily="49" charset="-127"/>
-              </a:rPr>
-              <a:t>] = </a:t>
-            </a:r>
-            <a:r>
-              <a:rPr lang="en-US" altLang="ko-KR" sz="1400" dirty="0">
-                <a:solidFill>
-                  <a:srgbClr val="0000FF"/>
-                </a:solidFill>
-                <a:latin typeface="돋움체" panose="020B0609000101010101" pitchFamily="49" charset="-127"/>
-                <a:ea typeface="돋움체" panose="020B0609000101010101" pitchFamily="49" charset="-127"/>
-              </a:rPr>
-              <a:t>new</a:t>
-            </a:r>
-            <a:r>
-              <a:rPr lang="en-US" altLang="ko-KR" sz="1400" dirty="0">
-                <a:solidFill>
-                  <a:srgbClr val="000000"/>
-                </a:solidFill>
-                <a:latin typeface="돋움체" panose="020B0609000101010101" pitchFamily="49" charset="-127"/>
-                <a:ea typeface="돋움체" panose="020B0609000101010101" pitchFamily="49" charset="-127"/>
-              </a:rPr>
-              <a:t> </a:t>
-            </a:r>
-            <a:r>
-              <a:rPr lang="en-US" altLang="ko-KR" sz="1400" dirty="0" err="1">
-                <a:solidFill>
-                  <a:srgbClr val="2B91AF"/>
-                </a:solidFill>
-                <a:latin typeface="돋움체" panose="020B0609000101010101" pitchFamily="49" charset="-127"/>
-                <a:ea typeface="돋움체" panose="020B0609000101010101" pitchFamily="49" charset="-127"/>
-              </a:rPr>
-              <a:t>CCastleObject</a:t>
-            </a:r>
-            <a:r>
-              <a:rPr lang="en-US" altLang="ko-KR" sz="1400" dirty="0">
-                <a:solidFill>
-                  <a:srgbClr val="000000"/>
-                </a:solidFill>
-                <a:latin typeface="돋움체" panose="020B0609000101010101" pitchFamily="49" charset="-127"/>
-                <a:ea typeface="돋움체" panose="020B0609000101010101" pitchFamily="49" charset="-127"/>
-              </a:rPr>
-              <a:t>(</a:t>
-            </a:r>
-            <a:r>
-              <a:rPr lang="en-US" altLang="ko-KR" sz="1400" dirty="0">
-                <a:solidFill>
-                  <a:srgbClr val="808080"/>
-                </a:solidFill>
-                <a:latin typeface="돋움체" panose="020B0609000101010101" pitchFamily="49" charset="-127"/>
-                <a:ea typeface="돋움체" panose="020B0609000101010101" pitchFamily="49" charset="-127"/>
-              </a:rPr>
-              <a:t>pd3dDevice</a:t>
-            </a:r>
-            <a:r>
-              <a:rPr lang="en-US" altLang="ko-KR" sz="1400" dirty="0">
-                <a:solidFill>
-                  <a:srgbClr val="000000"/>
-                </a:solidFill>
-                <a:latin typeface="돋움체" panose="020B0609000101010101" pitchFamily="49" charset="-127"/>
-                <a:ea typeface="돋움체" panose="020B0609000101010101" pitchFamily="49" charset="-127"/>
-              </a:rPr>
-              <a:t>, </a:t>
-            </a:r>
-            <a:r>
-              <a:rPr lang="en-US" altLang="ko-KR" sz="1400" dirty="0">
-                <a:solidFill>
-                  <a:srgbClr val="808080"/>
-                </a:solidFill>
-                <a:latin typeface="돋움체" panose="020B0609000101010101" pitchFamily="49" charset="-127"/>
-                <a:ea typeface="돋움체" panose="020B0609000101010101" pitchFamily="49" charset="-127"/>
-              </a:rPr>
-              <a:t>pd3dCommandList</a:t>
-            </a:r>
-            <a:r>
-              <a:rPr lang="en-US" altLang="ko-KR" sz="1400" dirty="0">
-                <a:solidFill>
-                  <a:srgbClr val="000000"/>
-                </a:solidFill>
-                <a:latin typeface="돋움체" panose="020B0609000101010101" pitchFamily="49" charset="-127"/>
-                <a:ea typeface="돋움체" panose="020B0609000101010101" pitchFamily="49" charset="-127"/>
-              </a:rPr>
-              <a:t>, </a:t>
-            </a:r>
-          </a:p>
-          <a:p>
-            <a:r>
-              <a:rPr lang="en-US" altLang="ko-KR" sz="1400" dirty="0">
-                <a:solidFill>
-                  <a:srgbClr val="000000"/>
-                </a:solidFill>
-                <a:latin typeface="돋움체" panose="020B0609000101010101" pitchFamily="49" charset="-127"/>
-                <a:ea typeface="돋움체" panose="020B0609000101010101" pitchFamily="49" charset="-127"/>
-              </a:rPr>
-              <a:t>      m_pd3dGraphicsRootSignature, pTreeModel1, 0);</a:t>
-            </a:r>
-          </a:p>
-          <a:p>
-            <a:r>
-              <a:rPr lang="en-US" altLang="ko-KR" sz="1400" dirty="0">
-                <a:solidFill>
-                  <a:srgbClr val="0000FF"/>
-                </a:solidFill>
-                <a:latin typeface="돋움체" panose="020B0609000101010101" pitchFamily="49" charset="-127"/>
-                <a:ea typeface="돋움체" panose="020B0609000101010101" pitchFamily="49" charset="-127"/>
-              </a:rPr>
-              <a:t>      break</a:t>
-            </a:r>
-            <a:r>
-              <a:rPr lang="en-US" altLang="ko-KR" sz="1400" dirty="0">
-                <a:solidFill>
-                  <a:srgbClr val="000000"/>
-                </a:solidFill>
-                <a:latin typeface="돋움체" panose="020B0609000101010101" pitchFamily="49" charset="-127"/>
-                <a:ea typeface="돋움체" panose="020B0609000101010101" pitchFamily="49" charset="-127"/>
-              </a:rPr>
-              <a:t>;</a:t>
-            </a:r>
-          </a:p>
-          <a:p>
-            <a:r>
-              <a:rPr lang="en-US" altLang="ko-KR" sz="1400" dirty="0">
-                <a:solidFill>
-                  <a:srgbClr val="0000FF"/>
-                </a:solidFill>
-                <a:latin typeface="돋움체" panose="020B0609000101010101" pitchFamily="49" charset="-127"/>
-                <a:ea typeface="돋움체" panose="020B0609000101010101" pitchFamily="49" charset="-127"/>
-              </a:rPr>
-              <a:t>    case</a:t>
-            </a:r>
-            <a:r>
-              <a:rPr lang="en-US" altLang="ko-KR" sz="1400" dirty="0">
-                <a:solidFill>
-                  <a:srgbClr val="000000"/>
-                </a:solidFill>
-                <a:latin typeface="돋움체" panose="020B0609000101010101" pitchFamily="49" charset="-127"/>
-                <a:ea typeface="돋움체" panose="020B0609000101010101" pitchFamily="49" charset="-127"/>
-              </a:rPr>
-              <a:t> 1:</a:t>
-            </a:r>
-          </a:p>
-          <a:p>
-            <a:r>
-              <a:rPr lang="en-US" altLang="ko-KR" sz="1400" dirty="0">
-                <a:solidFill>
-                  <a:srgbClr val="0000FF"/>
-                </a:solidFill>
-                <a:latin typeface="돋움체" panose="020B0609000101010101" pitchFamily="49" charset="-127"/>
-                <a:ea typeface="돋움체" panose="020B0609000101010101" pitchFamily="49" charset="-127"/>
-              </a:rPr>
-              <a:t>    case</a:t>
-            </a:r>
-            <a:r>
-              <a:rPr lang="en-US" altLang="ko-KR" sz="1400" dirty="0">
-                <a:solidFill>
-                  <a:srgbClr val="000000"/>
-                </a:solidFill>
-                <a:latin typeface="돋움체" panose="020B0609000101010101" pitchFamily="49" charset="-127"/>
-                <a:ea typeface="돋움체" panose="020B0609000101010101" pitchFamily="49" charset="-127"/>
-              </a:rPr>
-              <a:t> 2:</a:t>
-            </a:r>
-          </a:p>
-          <a:p>
-            <a:r>
-              <a:rPr lang="en-US" altLang="ko-KR" sz="1400" dirty="0">
-                <a:solidFill>
-                  <a:srgbClr val="000000"/>
-                </a:solidFill>
-                <a:latin typeface="돋움체" panose="020B0609000101010101" pitchFamily="49" charset="-127"/>
-                <a:ea typeface="돋움체" panose="020B0609000101010101" pitchFamily="49" charset="-127"/>
-              </a:rPr>
-              <a:t>    .</a:t>
-            </a:r>
-          </a:p>
-          <a:p>
-            <a:r>
-              <a:rPr lang="en-US" altLang="ko-KR" sz="1400" dirty="0">
-                <a:solidFill>
-                  <a:srgbClr val="000000"/>
-                </a:solidFill>
-                <a:latin typeface="돋움체" panose="020B0609000101010101" pitchFamily="49" charset="-127"/>
-                <a:ea typeface="돋움체" panose="020B0609000101010101" pitchFamily="49" charset="-127"/>
-              </a:rPr>
-              <a:t>    .</a:t>
-            </a:r>
-          </a:p>
-          <a:p>
-            <a:r>
-              <a:rPr lang="en-US" altLang="ko-KR" sz="1400" dirty="0">
-                <a:solidFill>
-                  <a:srgbClr val="000000"/>
-                </a:solidFill>
-                <a:latin typeface="돋움체" panose="020B0609000101010101" pitchFamily="49" charset="-127"/>
-                <a:ea typeface="돋움체" panose="020B0609000101010101" pitchFamily="49" charset="-127"/>
-              </a:rPr>
-              <a:t>    .</a:t>
-            </a:r>
-          </a:p>
-          <a:p>
-            <a:r>
-              <a:rPr lang="en-US" altLang="ko-KR" sz="1400" dirty="0">
-                <a:solidFill>
-                  <a:srgbClr val="000000"/>
-                </a:solidFill>
-                <a:latin typeface="돋움체" panose="020B0609000101010101" pitchFamily="49" charset="-127"/>
-                <a:ea typeface="돋움체" panose="020B0609000101010101" pitchFamily="49" charset="-127"/>
-              </a:rPr>
-              <a:t>  }</a:t>
-            </a:r>
           </a:p>
           <a:p>
             <a:endParaRPr lang="en-US" altLang="ko-KR" sz="1400" dirty="0">

--- a/포트폴리오/2017184037_홍진선_포트폴리오.pptx
+++ b/포트폴리오/2017184037_홍진선_포트폴리오.pptx
@@ -310,7 +310,7 @@
           <a:p>
             <a:fld id="{F8166F1F-CE9B-4651-A6AA-CD717754106B}" type="datetimeFigureOut">
               <a:rPr lang="en-US" smtClean="0"/>
-              <a:t>9/19/2022</a:t>
+              <a:t>10/3/2022</a:t>
             </a:fld>
             <a:endParaRPr lang="en-US"/>
           </a:p>
@@ -473,7 +473,7 @@
           <a:p>
             <a:fld id="{A76116CE-C4A3-4A05-B2D7-7C2E9A889C0F}" type="datetimeFigureOut">
               <a:rPr lang="en-US" smtClean="0"/>
-              <a:t>9/19/2022</a:t>
+              <a:t>10/3/2022</a:t>
             </a:fld>
             <a:endParaRPr lang="en-US"/>
           </a:p>
@@ -646,7 +646,7 @@
           <a:p>
             <a:fld id="{A76116CE-C4A3-4A05-B2D7-7C2E9A889C0F}" type="datetimeFigureOut">
               <a:rPr lang="en-US" smtClean="0"/>
-              <a:t>9/19/2022</a:t>
+              <a:t>10/3/2022</a:t>
             </a:fld>
             <a:endParaRPr lang="en-US"/>
           </a:p>
@@ -811,7 +811,7 @@
           <a:p>
             <a:fld id="{A76116CE-C4A3-4A05-B2D7-7C2E9A889C0F}" type="datetimeFigureOut">
               <a:rPr lang="en-US" smtClean="0"/>
-              <a:t>9/19/2022</a:t>
+              <a:t>10/3/2022</a:t>
             </a:fld>
             <a:endParaRPr lang="en-US"/>
           </a:p>
@@ -1051,7 +1051,7 @@
           <a:p>
             <a:fld id="{A76116CE-C4A3-4A05-B2D7-7C2E9A889C0F}" type="datetimeFigureOut">
               <a:rPr lang="en-US" smtClean="0"/>
-              <a:t>9/19/2022</a:t>
+              <a:t>10/3/2022</a:t>
             </a:fld>
             <a:endParaRPr lang="en-US"/>
           </a:p>
@@ -1331,7 +1331,7 @@
           <a:p>
             <a:fld id="{A76116CE-C4A3-4A05-B2D7-7C2E9A889C0F}" type="datetimeFigureOut">
               <a:rPr lang="en-US" smtClean="0"/>
-              <a:t>9/19/2022</a:t>
+              <a:t>10/3/2022</a:t>
             </a:fld>
             <a:endParaRPr lang="en-US"/>
           </a:p>
@@ -1745,7 +1745,7 @@
           <a:p>
             <a:fld id="{A76116CE-C4A3-4A05-B2D7-7C2E9A889C0F}" type="datetimeFigureOut">
               <a:rPr lang="en-US" smtClean="0"/>
-              <a:t>9/19/2022</a:t>
+              <a:t>10/3/2022</a:t>
             </a:fld>
             <a:endParaRPr lang="en-US"/>
           </a:p>
@@ -1857,7 +1857,7 @@
           <a:p>
             <a:fld id="{A76116CE-C4A3-4A05-B2D7-7C2E9A889C0F}" type="datetimeFigureOut">
               <a:rPr lang="en-US" smtClean="0"/>
-              <a:t>9/19/2022</a:t>
+              <a:t>10/3/2022</a:t>
             </a:fld>
             <a:endParaRPr lang="en-US"/>
           </a:p>
@@ -1947,7 +1947,7 @@
           <a:p>
             <a:fld id="{A76116CE-C4A3-4A05-B2D7-7C2E9A889C0F}" type="datetimeFigureOut">
               <a:rPr lang="en-US" smtClean="0"/>
-              <a:t>9/19/2022</a:t>
+              <a:t>10/3/2022</a:t>
             </a:fld>
             <a:endParaRPr lang="en-US"/>
           </a:p>
@@ -2217,7 +2217,7 @@
           <a:p>
             <a:fld id="{A76116CE-C4A3-4A05-B2D7-7C2E9A889C0F}" type="datetimeFigureOut">
               <a:rPr lang="en-US" smtClean="0"/>
-              <a:t>9/19/2022</a:t>
+              <a:t>10/3/2022</a:t>
             </a:fld>
             <a:endParaRPr lang="en-US"/>
           </a:p>
@@ -2464,7 +2464,7 @@
           <a:p>
             <a:fld id="{A76116CE-C4A3-4A05-B2D7-7C2E9A889C0F}" type="datetimeFigureOut">
               <a:rPr lang="en-US" smtClean="0"/>
-              <a:t>9/19/2022</a:t>
+              <a:t>10/3/2022</a:t>
             </a:fld>
             <a:endParaRPr lang="en-US"/>
           </a:p>
@@ -2670,7 +2670,7 @@
           <a:p>
             <a:fld id="{F8166F1F-CE9B-4651-A6AA-CD717754106B}" type="datetimeFigureOut">
               <a:rPr lang="en-US" smtClean="0"/>
-              <a:t>9/19/2022</a:t>
+              <a:t>10/3/2022</a:t>
             </a:fld>
             <a:endParaRPr lang="en-US"/>
           </a:p>
@@ -10390,7 +10390,7 @@
         </p:nvGrpSpPr>
         <p:grpSpPr>
           <a:xfrm>
-            <a:off x="-342857" y="1405489"/>
+            <a:off x="1676400" y="1406132"/>
             <a:ext cx="14368253" cy="7474736"/>
             <a:chOff x="-342857" y="1405489"/>
             <a:chExt cx="14368253" cy="7474736"/>

--- a/포트폴리오/2017184037_홍진선_포트폴리오.pptx
+++ b/포트폴리오/2017184037_홍진선_포트폴리오.pptx
@@ -312,7 +312,7 @@
           <a:p>
             <a:fld id="{F8166F1F-CE9B-4651-A6AA-CD717754106B}" type="datetimeFigureOut">
               <a:rPr lang="en-US" smtClean="0"/>
-              <a:t>10/4/2022</a:t>
+              <a:t>10/17/2022</a:t>
             </a:fld>
             <a:endParaRPr lang="en-US"/>
           </a:p>
@@ -475,7 +475,7 @@
           <a:p>
             <a:fld id="{A76116CE-C4A3-4A05-B2D7-7C2E9A889C0F}" type="datetimeFigureOut">
               <a:rPr lang="en-US" smtClean="0"/>
-              <a:t>10/4/2022</a:t>
+              <a:t>10/17/2022</a:t>
             </a:fld>
             <a:endParaRPr lang="en-US"/>
           </a:p>
@@ -648,7 +648,7 @@
           <a:p>
             <a:fld id="{A76116CE-C4A3-4A05-B2D7-7C2E9A889C0F}" type="datetimeFigureOut">
               <a:rPr lang="en-US" smtClean="0"/>
-              <a:t>10/4/2022</a:t>
+              <a:t>10/17/2022</a:t>
             </a:fld>
             <a:endParaRPr lang="en-US"/>
           </a:p>
@@ -813,7 +813,7 @@
           <a:p>
             <a:fld id="{A76116CE-C4A3-4A05-B2D7-7C2E9A889C0F}" type="datetimeFigureOut">
               <a:rPr lang="en-US" smtClean="0"/>
-              <a:t>10/4/2022</a:t>
+              <a:t>10/17/2022</a:t>
             </a:fld>
             <a:endParaRPr lang="en-US"/>
           </a:p>
@@ -1053,7 +1053,7 @@
           <a:p>
             <a:fld id="{A76116CE-C4A3-4A05-B2D7-7C2E9A889C0F}" type="datetimeFigureOut">
               <a:rPr lang="en-US" smtClean="0"/>
-              <a:t>10/4/2022</a:t>
+              <a:t>10/17/2022</a:t>
             </a:fld>
             <a:endParaRPr lang="en-US"/>
           </a:p>
@@ -1333,7 +1333,7 @@
           <a:p>
             <a:fld id="{A76116CE-C4A3-4A05-B2D7-7C2E9A889C0F}" type="datetimeFigureOut">
               <a:rPr lang="en-US" smtClean="0"/>
-              <a:t>10/4/2022</a:t>
+              <a:t>10/17/2022</a:t>
             </a:fld>
             <a:endParaRPr lang="en-US"/>
           </a:p>
@@ -1747,7 +1747,7 @@
           <a:p>
             <a:fld id="{A76116CE-C4A3-4A05-B2D7-7C2E9A889C0F}" type="datetimeFigureOut">
               <a:rPr lang="en-US" smtClean="0"/>
-              <a:t>10/4/2022</a:t>
+              <a:t>10/17/2022</a:t>
             </a:fld>
             <a:endParaRPr lang="en-US"/>
           </a:p>
@@ -1859,7 +1859,7 @@
           <a:p>
             <a:fld id="{A76116CE-C4A3-4A05-B2D7-7C2E9A889C0F}" type="datetimeFigureOut">
               <a:rPr lang="en-US" smtClean="0"/>
-              <a:t>10/4/2022</a:t>
+              <a:t>10/17/2022</a:t>
             </a:fld>
             <a:endParaRPr lang="en-US"/>
           </a:p>
@@ -1949,7 +1949,7 @@
           <a:p>
             <a:fld id="{A76116CE-C4A3-4A05-B2D7-7C2E9A889C0F}" type="datetimeFigureOut">
               <a:rPr lang="en-US" smtClean="0"/>
-              <a:t>10/4/2022</a:t>
+              <a:t>10/17/2022</a:t>
             </a:fld>
             <a:endParaRPr lang="en-US"/>
           </a:p>
@@ -2219,7 +2219,7 @@
           <a:p>
             <a:fld id="{A76116CE-C4A3-4A05-B2D7-7C2E9A889C0F}" type="datetimeFigureOut">
               <a:rPr lang="en-US" smtClean="0"/>
-              <a:t>10/4/2022</a:t>
+              <a:t>10/17/2022</a:t>
             </a:fld>
             <a:endParaRPr lang="en-US"/>
           </a:p>
@@ -2466,7 +2466,7 @@
           <a:p>
             <a:fld id="{A76116CE-C4A3-4A05-B2D7-7C2E9A889C0F}" type="datetimeFigureOut">
               <a:rPr lang="en-US" smtClean="0"/>
-              <a:t>10/4/2022</a:t>
+              <a:t>10/17/2022</a:t>
             </a:fld>
             <a:endParaRPr lang="en-US"/>
           </a:p>
@@ -2672,7 +2672,7 @@
           <a:p>
             <a:fld id="{F8166F1F-CE9B-4651-A6AA-CD717754106B}" type="datetimeFigureOut">
               <a:rPr lang="en-US" smtClean="0"/>
-              <a:t>10/4/2022</a:t>
+              <a:t>10/17/2022</a:t>
             </a:fld>
             <a:endParaRPr lang="en-US"/>
           </a:p>
@@ -5453,7 +5453,7 @@
         </p:nvGrpSpPr>
         <p:grpSpPr>
           <a:xfrm>
-            <a:off x="945603" y="4356776"/>
+            <a:off x="980049" y="4536214"/>
             <a:ext cx="16828901" cy="5397110"/>
             <a:chOff x="945603" y="4356776"/>
             <a:chExt cx="16828901" cy="5397110"/>

--- a/포트폴리오/2017184037_홍진선_포트폴리오.pptx
+++ b/포트폴리오/2017184037_홍진선_포트폴리오.pptx
@@ -11,11 +11,13 @@
     <p:sldId id="259" r:id="rId5"/>
     <p:sldId id="260" r:id="rId6"/>
     <p:sldId id="261" r:id="rId7"/>
-    <p:sldId id="263" r:id="rId8"/>
-    <p:sldId id="264" r:id="rId9"/>
-    <p:sldId id="265" r:id="rId10"/>
-    <p:sldId id="266" r:id="rId11"/>
-    <p:sldId id="267" r:id="rId12"/>
+    <p:sldId id="262" r:id="rId8"/>
+    <p:sldId id="263" r:id="rId9"/>
+    <p:sldId id="264" r:id="rId10"/>
+    <p:sldId id="265" r:id="rId11"/>
+    <p:sldId id="266" r:id="rId12"/>
+    <p:sldId id="267" r:id="rId13"/>
+    <p:sldId id="268" r:id="rId14"/>
   </p:sldIdLst>
   <p:sldSz cx="18288000" cy="10287000"/>
   <p:notesSz cx="10287000" cy="18288000"/>
@@ -312,7 +314,7 @@
           <a:p>
             <a:fld id="{F8166F1F-CE9B-4651-A6AA-CD717754106B}" type="datetimeFigureOut">
               <a:rPr lang="en-US" smtClean="0"/>
-              <a:t>10/17/2022</a:t>
+              <a:t>10/31/2022</a:t>
             </a:fld>
             <a:endParaRPr lang="en-US"/>
           </a:p>
@@ -475,7 +477,7 @@
           <a:p>
             <a:fld id="{A76116CE-C4A3-4A05-B2D7-7C2E9A889C0F}" type="datetimeFigureOut">
               <a:rPr lang="en-US" smtClean="0"/>
-              <a:t>10/17/2022</a:t>
+              <a:t>10/31/2022</a:t>
             </a:fld>
             <a:endParaRPr lang="en-US"/>
           </a:p>
@@ -648,7 +650,7 @@
           <a:p>
             <a:fld id="{A76116CE-C4A3-4A05-B2D7-7C2E9A889C0F}" type="datetimeFigureOut">
               <a:rPr lang="en-US" smtClean="0"/>
-              <a:t>10/17/2022</a:t>
+              <a:t>10/31/2022</a:t>
             </a:fld>
             <a:endParaRPr lang="en-US"/>
           </a:p>
@@ -813,7 +815,7 @@
           <a:p>
             <a:fld id="{A76116CE-C4A3-4A05-B2D7-7C2E9A889C0F}" type="datetimeFigureOut">
               <a:rPr lang="en-US" smtClean="0"/>
-              <a:t>10/17/2022</a:t>
+              <a:t>10/31/2022</a:t>
             </a:fld>
             <a:endParaRPr lang="en-US"/>
           </a:p>
@@ -1053,7 +1055,7 @@
           <a:p>
             <a:fld id="{A76116CE-C4A3-4A05-B2D7-7C2E9A889C0F}" type="datetimeFigureOut">
               <a:rPr lang="en-US" smtClean="0"/>
-              <a:t>10/17/2022</a:t>
+              <a:t>10/31/2022</a:t>
             </a:fld>
             <a:endParaRPr lang="en-US"/>
           </a:p>
@@ -1333,7 +1335,7 @@
           <a:p>
             <a:fld id="{A76116CE-C4A3-4A05-B2D7-7C2E9A889C0F}" type="datetimeFigureOut">
               <a:rPr lang="en-US" smtClean="0"/>
-              <a:t>10/17/2022</a:t>
+              <a:t>10/31/2022</a:t>
             </a:fld>
             <a:endParaRPr lang="en-US"/>
           </a:p>
@@ -1747,7 +1749,7 @@
           <a:p>
             <a:fld id="{A76116CE-C4A3-4A05-B2D7-7C2E9A889C0F}" type="datetimeFigureOut">
               <a:rPr lang="en-US" smtClean="0"/>
-              <a:t>10/17/2022</a:t>
+              <a:t>10/31/2022</a:t>
             </a:fld>
             <a:endParaRPr lang="en-US"/>
           </a:p>
@@ -1859,7 +1861,7 @@
           <a:p>
             <a:fld id="{A76116CE-C4A3-4A05-B2D7-7C2E9A889C0F}" type="datetimeFigureOut">
               <a:rPr lang="en-US" smtClean="0"/>
-              <a:t>10/17/2022</a:t>
+              <a:t>10/31/2022</a:t>
             </a:fld>
             <a:endParaRPr lang="en-US"/>
           </a:p>
@@ -1949,7 +1951,7 @@
           <a:p>
             <a:fld id="{A76116CE-C4A3-4A05-B2D7-7C2E9A889C0F}" type="datetimeFigureOut">
               <a:rPr lang="en-US" smtClean="0"/>
-              <a:t>10/17/2022</a:t>
+              <a:t>10/31/2022</a:t>
             </a:fld>
             <a:endParaRPr lang="en-US"/>
           </a:p>
@@ -2219,7 +2221,7 @@
           <a:p>
             <a:fld id="{A76116CE-C4A3-4A05-B2D7-7C2E9A889C0F}" type="datetimeFigureOut">
               <a:rPr lang="en-US" smtClean="0"/>
-              <a:t>10/17/2022</a:t>
+              <a:t>10/31/2022</a:t>
             </a:fld>
             <a:endParaRPr lang="en-US"/>
           </a:p>
@@ -2466,7 +2468,7 @@
           <a:p>
             <a:fld id="{A76116CE-C4A3-4A05-B2D7-7C2E9A889C0F}" type="datetimeFigureOut">
               <a:rPr lang="en-US" smtClean="0"/>
-              <a:t>10/17/2022</a:t>
+              <a:t>10/31/2022</a:t>
             </a:fld>
             <a:endParaRPr lang="en-US"/>
           </a:p>
@@ -2672,7 +2674,7 @@
           <a:p>
             <a:fld id="{F8166F1F-CE9B-4651-A6AA-CD717754106B}" type="datetimeFigureOut">
               <a:rPr lang="en-US" smtClean="0"/>
-              <a:t>10/17/2022</a:t>
+              <a:t>10/31/2022</a:t>
             </a:fld>
             <a:endParaRPr lang="en-US"/>
           </a:p>
@@ -3114,8 +3116,8 @@
         </p:blipFill>
         <p:spPr>
           <a:xfrm>
-            <a:off x="1898392" y="5612325"/>
-            <a:ext cx="3347794" cy="671927"/>
+            <a:off x="1898392" y="5597954"/>
+            <a:ext cx="2473889" cy="671927"/>
           </a:xfrm>
           <a:prstGeom prst="rect">
             <a:avLst/>
@@ -3156,7 +3158,7 @@
 
 <file path=ppt/slides/slide10.xml><?xml version="1.0" encoding="utf-8"?>
 <p:sld xmlns:a="http://schemas.openxmlformats.org/drawingml/2006/main" xmlns:r="http://schemas.openxmlformats.org/officeDocument/2006/relationships" xmlns:p="http://schemas.openxmlformats.org/presentationml/2006/main">
-  <p:cSld name="Slide 11">
+  <p:cSld name="Slide 10">
     <p:bg>
       <p:bgPr>
         <a:solidFill>
@@ -3235,7 +3237,7 @@
         <p:spPr>
           <a:xfrm>
             <a:off x="10900002" y="1698297"/>
-            <a:ext cx="1374298" cy="841422"/>
+            <a:ext cx="2350650" cy="894774"/>
           </a:xfrm>
           <a:prstGeom prst="rect">
             <a:avLst/>
@@ -3258,8 +3260,32 @@
         </p:blipFill>
         <p:spPr>
           <a:xfrm>
-            <a:off x="795235" y="214490"/>
-            <a:ext cx="10799098" cy="3221822"/>
+            <a:off x="9054017" y="3171767"/>
+            <a:ext cx="1382986" cy="604319"/>
+          </a:xfrm>
+          <a:prstGeom prst="rect">
+            <a:avLst/>
+          </a:prstGeom>
+        </p:spPr>
+      </p:pic>
+      <p:pic>
+        <p:nvPicPr>
+          <p:cNvPr id="7" name="Object 6"/>
+          <p:cNvPicPr>
+            <a:picLocks noChangeAspect="1"/>
+          </p:cNvPicPr>
+          <p:nvPr/>
+        </p:nvPicPr>
+        <p:blipFill>
+          <a:blip r:embed="rId5" cstate="print"/>
+          <a:stretch>
+            <a:fillRect/>
+          </a:stretch>
+        </p:blipFill>
+        <p:spPr>
+          <a:xfrm>
+            <a:off x="9065448" y="3637982"/>
+            <a:ext cx="526635" cy="453130"/>
           </a:xfrm>
           <a:prstGeom prst="rect">
             <a:avLst/>
@@ -3274,10 +3300,747 @@
         </p:nvGrpSpPr>
         <p:grpSpPr>
           <a:xfrm>
-            <a:off x="1069514" y="7212597"/>
-            <a:ext cx="3906100" cy="3669366"/>
-            <a:chOff x="1069514" y="7212597"/>
-            <a:chExt cx="3906100" cy="3669366"/>
+            <a:off x="9099730" y="3580974"/>
+            <a:ext cx="1221923" cy="91291"/>
+            <a:chOff x="9099730" y="3580974"/>
+            <a:chExt cx="1221923" cy="91291"/>
+          </a:xfrm>
+        </p:grpSpPr>
+        <p:pic>
+          <p:nvPicPr>
+            <p:cNvPr id="9" name="Object 8"/>
+            <p:cNvPicPr>
+              <a:picLocks noChangeAspect="1"/>
+            </p:cNvPicPr>
+            <p:nvPr/>
+          </p:nvPicPr>
+          <p:blipFill>
+            <a:blip r:embed="rId6" cstate="print"/>
+            <a:stretch>
+              <a:fillRect/>
+            </a:stretch>
+          </p:blipFill>
+          <p:spPr>
+            <a:xfrm rot="-10800000">
+              <a:off x="9099730" y="3580974"/>
+              <a:ext cx="1221923" cy="91291"/>
+            </a:xfrm>
+            <a:prstGeom prst="rect">
+              <a:avLst/>
+            </a:prstGeom>
+          </p:spPr>
+        </p:pic>
+      </p:grpSp>
+      <p:pic>
+        <p:nvPicPr>
+          <p:cNvPr id="11" name="Object 10"/>
+          <p:cNvPicPr>
+            <a:picLocks noChangeAspect="1"/>
+          </p:cNvPicPr>
+          <p:nvPr/>
+        </p:nvPicPr>
+        <p:blipFill>
+          <a:blip r:embed="rId7" cstate="print"/>
+          <a:stretch>
+            <a:fillRect/>
+          </a:stretch>
+        </p:blipFill>
+        <p:spPr>
+          <a:xfrm>
+            <a:off x="12609096" y="3171767"/>
+            <a:ext cx="1378824" cy="541729"/>
+          </a:xfrm>
+          <a:prstGeom prst="rect">
+            <a:avLst/>
+          </a:prstGeom>
+        </p:spPr>
+      </p:pic>
+      <p:pic>
+        <p:nvPicPr>
+          <p:cNvPr id="12" name="Object 11"/>
+          <p:cNvPicPr>
+            <a:picLocks noChangeAspect="1"/>
+          </p:cNvPicPr>
+          <p:nvPr/>
+        </p:nvPicPr>
+        <p:blipFill>
+          <a:blip r:embed="rId8" cstate="print"/>
+          <a:stretch>
+            <a:fillRect/>
+          </a:stretch>
+        </p:blipFill>
+        <p:spPr>
+          <a:xfrm>
+            <a:off x="12620572" y="3637982"/>
+            <a:ext cx="2076597" cy="453130"/>
+          </a:xfrm>
+          <a:prstGeom prst="rect">
+            <a:avLst/>
+          </a:prstGeom>
+        </p:spPr>
+      </p:pic>
+      <p:grpSp>
+        <p:nvGrpSpPr>
+          <p:cNvPr id="1003" name="그룹 1003"/>
+          <p:cNvGrpSpPr/>
+          <p:nvPr/>
+        </p:nvGrpSpPr>
+        <p:grpSpPr>
+          <a:xfrm>
+            <a:off x="12654802" y="3580976"/>
+            <a:ext cx="1219066" cy="91291"/>
+            <a:chOff x="12654802" y="3580976"/>
+            <a:chExt cx="1219066" cy="91291"/>
+          </a:xfrm>
+        </p:grpSpPr>
+        <p:pic>
+          <p:nvPicPr>
+            <p:cNvPr id="14" name="Object 13"/>
+            <p:cNvPicPr>
+              <a:picLocks noChangeAspect="1"/>
+            </p:cNvPicPr>
+            <p:nvPr/>
+          </p:nvPicPr>
+          <p:blipFill>
+            <a:blip r:embed="rId9" cstate="print"/>
+            <a:stretch>
+              <a:fillRect/>
+            </a:stretch>
+          </p:blipFill>
+          <p:spPr>
+            <a:xfrm rot="-10800000">
+              <a:off x="12654802" y="3580976"/>
+              <a:ext cx="1219066" cy="91291"/>
+            </a:xfrm>
+            <a:prstGeom prst="rect">
+              <a:avLst/>
+            </a:prstGeom>
+          </p:spPr>
+        </p:pic>
+      </p:grpSp>
+      <p:pic>
+        <p:nvPicPr>
+          <p:cNvPr id="16" name="Object 15"/>
+          <p:cNvPicPr>
+            <a:picLocks noChangeAspect="1"/>
+          </p:cNvPicPr>
+          <p:nvPr/>
+        </p:nvPicPr>
+        <p:blipFill>
+          <a:blip r:embed="rId10" cstate="print"/>
+          <a:stretch>
+            <a:fillRect/>
+          </a:stretch>
+        </p:blipFill>
+        <p:spPr>
+          <a:xfrm>
+            <a:off x="9054017" y="4220555"/>
+            <a:ext cx="1382986" cy="608891"/>
+          </a:xfrm>
+          <a:prstGeom prst="rect">
+            <a:avLst/>
+          </a:prstGeom>
+        </p:spPr>
+      </p:pic>
+      <p:pic>
+        <p:nvPicPr>
+          <p:cNvPr id="17" name="Object 16"/>
+          <p:cNvPicPr>
+            <a:picLocks noChangeAspect="1"/>
+          </p:cNvPicPr>
+          <p:nvPr/>
+        </p:nvPicPr>
+        <p:blipFill>
+          <a:blip r:embed="rId11" cstate="print"/>
+          <a:stretch>
+            <a:fillRect/>
+          </a:stretch>
+        </p:blipFill>
+        <p:spPr>
+          <a:xfrm>
+            <a:off x="9065448" y="4745658"/>
+            <a:ext cx="458254" cy="394206"/>
+          </a:xfrm>
+          <a:prstGeom prst="rect">
+            <a:avLst/>
+          </a:prstGeom>
+        </p:spPr>
+      </p:pic>
+      <p:grpSp>
+        <p:nvGrpSpPr>
+          <p:cNvPr id="1004" name="그룹 1004"/>
+          <p:cNvGrpSpPr/>
+          <p:nvPr/>
+        </p:nvGrpSpPr>
+        <p:grpSpPr>
+          <a:xfrm>
+            <a:off x="9099730" y="4629764"/>
+            <a:ext cx="1221923" cy="91291"/>
+            <a:chOff x="9099730" y="4629764"/>
+            <a:chExt cx="1221923" cy="91291"/>
+          </a:xfrm>
+        </p:grpSpPr>
+        <p:pic>
+          <p:nvPicPr>
+            <p:cNvPr id="19" name="Object 18"/>
+            <p:cNvPicPr>
+              <a:picLocks noChangeAspect="1"/>
+            </p:cNvPicPr>
+            <p:nvPr/>
+          </p:nvPicPr>
+          <p:blipFill>
+            <a:blip r:embed="rId6" cstate="print"/>
+            <a:stretch>
+              <a:fillRect/>
+            </a:stretch>
+          </p:blipFill>
+          <p:spPr>
+            <a:xfrm rot="-10800000">
+              <a:off x="9099730" y="4629764"/>
+              <a:ext cx="1221923" cy="91291"/>
+            </a:xfrm>
+            <a:prstGeom prst="rect">
+              <a:avLst/>
+            </a:prstGeom>
+          </p:spPr>
+        </p:pic>
+      </p:grpSp>
+      <p:pic>
+        <p:nvPicPr>
+          <p:cNvPr id="21" name="Object 20"/>
+          <p:cNvPicPr>
+            <a:picLocks noChangeAspect="1"/>
+          </p:cNvPicPr>
+          <p:nvPr/>
+        </p:nvPicPr>
+        <p:blipFill>
+          <a:blip r:embed="rId12" cstate="print"/>
+          <a:stretch>
+            <a:fillRect/>
+          </a:stretch>
+        </p:blipFill>
+        <p:spPr>
+          <a:xfrm>
+            <a:off x="12609065" y="4220555"/>
+            <a:ext cx="1378824" cy="541729"/>
+          </a:xfrm>
+          <a:prstGeom prst="rect">
+            <a:avLst/>
+          </a:prstGeom>
+        </p:spPr>
+      </p:pic>
+      <p:pic>
+        <p:nvPicPr>
+          <p:cNvPr id="22" name="Object 21"/>
+          <p:cNvPicPr>
+            <a:picLocks noChangeAspect="1"/>
+          </p:cNvPicPr>
+          <p:nvPr/>
+        </p:nvPicPr>
+        <p:blipFill>
+          <a:blip r:embed="rId13" cstate="print"/>
+          <a:stretch>
+            <a:fillRect/>
+          </a:stretch>
+        </p:blipFill>
+        <p:spPr>
+          <a:xfrm>
+            <a:off x="12620477" y="4745658"/>
+            <a:ext cx="2011873" cy="1295968"/>
+          </a:xfrm>
+          <a:prstGeom prst="rect">
+            <a:avLst/>
+          </a:prstGeom>
+        </p:spPr>
+      </p:pic>
+      <p:grpSp>
+        <p:nvGrpSpPr>
+          <p:cNvPr id="1005" name="그룹 1005"/>
+          <p:cNvGrpSpPr/>
+          <p:nvPr/>
+        </p:nvGrpSpPr>
+        <p:grpSpPr>
+          <a:xfrm>
+            <a:off x="12654810" y="4629764"/>
+            <a:ext cx="1221923" cy="91291"/>
+            <a:chOff x="12654810" y="4629764"/>
+            <a:chExt cx="1221923" cy="91291"/>
+          </a:xfrm>
+        </p:grpSpPr>
+        <p:pic>
+          <p:nvPicPr>
+            <p:cNvPr id="24" name="Object 23"/>
+            <p:cNvPicPr>
+              <a:picLocks noChangeAspect="1"/>
+            </p:cNvPicPr>
+            <p:nvPr/>
+          </p:nvPicPr>
+          <p:blipFill>
+            <a:blip r:embed="rId6" cstate="print"/>
+            <a:stretch>
+              <a:fillRect/>
+            </a:stretch>
+          </p:blipFill>
+          <p:spPr>
+            <a:xfrm rot="-10800000">
+              <a:off x="12654810" y="4629764"/>
+              <a:ext cx="1221923" cy="91291"/>
+            </a:xfrm>
+            <a:prstGeom prst="rect">
+              <a:avLst/>
+            </a:prstGeom>
+          </p:spPr>
+        </p:pic>
+      </p:grpSp>
+      <p:pic>
+        <p:nvPicPr>
+          <p:cNvPr id="26" name="Object 25"/>
+          <p:cNvPicPr>
+            <a:picLocks noChangeAspect="1"/>
+          </p:cNvPicPr>
+          <p:nvPr/>
+        </p:nvPicPr>
+        <p:blipFill>
+          <a:blip r:embed="rId14" cstate="print"/>
+          <a:stretch>
+            <a:fillRect/>
+          </a:stretch>
+        </p:blipFill>
+        <p:spPr>
+          <a:xfrm>
+            <a:off x="12609106" y="6482697"/>
+            <a:ext cx="1019634" cy="541729"/>
+          </a:xfrm>
+          <a:prstGeom prst="rect">
+            <a:avLst/>
+          </a:prstGeom>
+        </p:spPr>
+      </p:pic>
+      <p:grpSp>
+        <p:nvGrpSpPr>
+          <p:cNvPr id="1006" name="그룹 1006"/>
+          <p:cNvGrpSpPr/>
+          <p:nvPr/>
+        </p:nvGrpSpPr>
+        <p:grpSpPr>
+          <a:xfrm>
+            <a:off x="12654819" y="6891905"/>
+            <a:ext cx="1221923" cy="91291"/>
+            <a:chOff x="12654819" y="6891905"/>
+            <a:chExt cx="1221923" cy="91291"/>
+          </a:xfrm>
+        </p:grpSpPr>
+        <p:pic>
+          <p:nvPicPr>
+            <p:cNvPr id="28" name="Object 27"/>
+            <p:cNvPicPr>
+              <a:picLocks noChangeAspect="1"/>
+            </p:cNvPicPr>
+            <p:nvPr/>
+          </p:nvPicPr>
+          <p:blipFill>
+            <a:blip r:embed="rId6" cstate="print"/>
+            <a:stretch>
+              <a:fillRect/>
+            </a:stretch>
+          </p:blipFill>
+          <p:spPr>
+            <a:xfrm rot="-10800000">
+              <a:off x="12654819" y="6891905"/>
+              <a:ext cx="1221923" cy="91291"/>
+            </a:xfrm>
+            <a:prstGeom prst="rect">
+              <a:avLst/>
+            </a:prstGeom>
+          </p:spPr>
+        </p:pic>
+      </p:grpSp>
+      <p:pic>
+        <p:nvPicPr>
+          <p:cNvPr id="30" name="Object 29"/>
+          <p:cNvPicPr>
+            <a:picLocks noChangeAspect="1"/>
+          </p:cNvPicPr>
+          <p:nvPr/>
+        </p:nvPicPr>
+        <p:blipFill>
+          <a:blip r:embed="rId15" cstate="print"/>
+          <a:stretch>
+            <a:fillRect/>
+          </a:stretch>
+        </p:blipFill>
+        <p:spPr>
+          <a:xfrm>
+            <a:off x="9054021" y="6482697"/>
+            <a:ext cx="1359777" cy="532205"/>
+          </a:xfrm>
+          <a:prstGeom prst="rect">
+            <a:avLst/>
+          </a:prstGeom>
+        </p:spPr>
+      </p:pic>
+      <p:pic>
+        <p:nvPicPr>
+          <p:cNvPr id="31" name="Object 30"/>
+          <p:cNvPicPr>
+            <a:picLocks noChangeAspect="1"/>
+          </p:cNvPicPr>
+          <p:nvPr/>
+        </p:nvPicPr>
+        <p:blipFill>
+          <a:blip r:embed="rId16" cstate="print"/>
+          <a:stretch>
+            <a:fillRect/>
+          </a:stretch>
+        </p:blipFill>
+        <p:spPr>
+          <a:xfrm>
+            <a:off x="9065448" y="7007801"/>
+            <a:ext cx="3179920" cy="1338825"/>
+          </a:xfrm>
+          <a:prstGeom prst="rect">
+            <a:avLst/>
+          </a:prstGeom>
+        </p:spPr>
+      </p:pic>
+      <p:grpSp>
+        <p:nvGrpSpPr>
+          <p:cNvPr id="1007" name="그룹 1007"/>
+          <p:cNvGrpSpPr/>
+          <p:nvPr/>
+        </p:nvGrpSpPr>
+        <p:grpSpPr>
+          <a:xfrm>
+            <a:off x="9099735" y="6891909"/>
+            <a:ext cx="1221923" cy="91291"/>
+            <a:chOff x="9099735" y="6891909"/>
+            <a:chExt cx="1221923" cy="91291"/>
+          </a:xfrm>
+        </p:grpSpPr>
+        <p:pic>
+          <p:nvPicPr>
+            <p:cNvPr id="33" name="Object 32"/>
+            <p:cNvPicPr>
+              <a:picLocks noChangeAspect="1"/>
+            </p:cNvPicPr>
+            <p:nvPr/>
+          </p:nvPicPr>
+          <p:blipFill>
+            <a:blip r:embed="rId6" cstate="print"/>
+            <a:stretch>
+              <a:fillRect/>
+            </a:stretch>
+          </p:blipFill>
+          <p:spPr>
+            <a:xfrm rot="-10800000">
+              <a:off x="9099735" y="6891909"/>
+              <a:ext cx="1221923" cy="91291"/>
+            </a:xfrm>
+            <a:prstGeom prst="rect">
+              <a:avLst/>
+            </a:prstGeom>
+          </p:spPr>
+        </p:pic>
+      </p:grpSp>
+      <p:pic>
+        <p:nvPicPr>
+          <p:cNvPr id="35" name="Object 34"/>
+          <p:cNvPicPr>
+            <a:picLocks noChangeAspect="1"/>
+          </p:cNvPicPr>
+          <p:nvPr/>
+        </p:nvPicPr>
+        <p:blipFill>
+          <a:blip r:embed="rId17" cstate="print"/>
+          <a:stretch>
+            <a:fillRect/>
+          </a:stretch>
+        </p:blipFill>
+        <p:spPr>
+          <a:xfrm>
+            <a:off x="9055611" y="8565532"/>
+            <a:ext cx="3054986" cy="604319"/>
+          </a:xfrm>
+          <a:prstGeom prst="rect">
+            <a:avLst/>
+          </a:prstGeom>
+        </p:spPr>
+      </p:pic>
+      <p:grpSp>
+        <p:nvGrpSpPr>
+          <p:cNvPr id="1008" name="그룹 1008"/>
+          <p:cNvGrpSpPr/>
+          <p:nvPr/>
+        </p:nvGrpSpPr>
+        <p:grpSpPr>
+          <a:xfrm>
+            <a:off x="9101323" y="8974746"/>
+            <a:ext cx="2903863" cy="91291"/>
+            <a:chOff x="9101323" y="8974746"/>
+            <a:chExt cx="2903863" cy="91291"/>
+          </a:xfrm>
+        </p:grpSpPr>
+        <p:pic>
+          <p:nvPicPr>
+            <p:cNvPr id="37" name="Object 36"/>
+            <p:cNvPicPr>
+              <a:picLocks noChangeAspect="1"/>
+            </p:cNvPicPr>
+            <p:nvPr/>
+          </p:nvPicPr>
+          <p:blipFill>
+            <a:blip r:embed="rId18" cstate="print"/>
+            <a:stretch>
+              <a:fillRect/>
+            </a:stretch>
+          </p:blipFill>
+          <p:spPr>
+            <a:xfrm rot="-10800000">
+              <a:off x="9101323" y="8974746"/>
+              <a:ext cx="2903863" cy="91291"/>
+            </a:xfrm>
+            <a:prstGeom prst="rect">
+              <a:avLst/>
+            </a:prstGeom>
+          </p:spPr>
+        </p:pic>
+      </p:grpSp>
+      <p:pic>
+        <p:nvPicPr>
+          <p:cNvPr id="39" name="Object 38"/>
+          <p:cNvPicPr>
+            <a:picLocks noChangeAspect="1"/>
+          </p:cNvPicPr>
+          <p:nvPr/>
+        </p:nvPicPr>
+        <p:blipFill>
+          <a:blip r:embed="rId19" cstate="print"/>
+          <a:stretch>
+            <a:fillRect/>
+          </a:stretch>
+        </p:blipFill>
+        <p:spPr>
+          <a:xfrm>
+            <a:off x="795235" y="214490"/>
+            <a:ext cx="10799098" cy="3221822"/>
+          </a:xfrm>
+          <a:prstGeom prst="rect">
+            <a:avLst/>
+          </a:prstGeom>
+        </p:spPr>
+      </p:pic>
+      <p:grpSp>
+        <p:nvGrpSpPr>
+          <p:cNvPr id="1009" name="그룹 1009"/>
+          <p:cNvGrpSpPr/>
+          <p:nvPr/>
+        </p:nvGrpSpPr>
+        <p:grpSpPr>
+          <a:xfrm>
+            <a:off x="1069514" y="3988259"/>
+            <a:ext cx="7655940" cy="5180748"/>
+            <a:chOff x="1069514" y="3988259"/>
+            <a:chExt cx="7655940" cy="5180748"/>
+          </a:xfrm>
+        </p:grpSpPr>
+        <p:pic>
+          <p:nvPicPr>
+            <p:cNvPr id="41" name="Object 40"/>
+            <p:cNvPicPr>
+              <a:picLocks noChangeAspect="1"/>
+            </p:cNvPicPr>
+            <p:nvPr/>
+          </p:nvPicPr>
+          <p:blipFill>
+            <a:blip r:embed="rId20" cstate="print"/>
+            <a:stretch>
+              <a:fillRect/>
+            </a:stretch>
+          </p:blipFill>
+          <p:spPr>
+            <a:xfrm>
+              <a:off x="1069514" y="3988259"/>
+              <a:ext cx="7655940" cy="5180748"/>
+            </a:xfrm>
+            <a:prstGeom prst="rect">
+              <a:avLst/>
+            </a:prstGeom>
+          </p:spPr>
+        </p:pic>
+      </p:grpSp>
+      <p:sp>
+        <p:nvSpPr>
+          <p:cNvPr id="2" name="TextBox 1">
+            <a:extLst>
+              <a:ext uri="{FF2B5EF4-FFF2-40B4-BE49-F238E27FC236}">
+                <a16:creationId xmlns:a16="http://schemas.microsoft.com/office/drawing/2014/main" id="{FBAA7813-8164-38CF-02F1-050B51251C4A}"/>
+              </a:ext>
+            </a:extLst>
+          </p:cNvPr>
+          <p:cNvSpPr txBox="1"/>
+          <p:nvPr/>
+        </p:nvSpPr>
+        <p:spPr>
+          <a:xfrm>
+            <a:off x="9054017" y="9066038"/>
+            <a:ext cx="3366583" cy="646331"/>
+          </a:xfrm>
+          <a:prstGeom prst="rect">
+            <a:avLst/>
+          </a:prstGeom>
+          <a:noFill/>
+        </p:spPr>
+        <p:txBody>
+          <a:bodyPr wrap="square">
+            <a:spAutoFit/>
+          </a:bodyPr>
+          <a:lstStyle/>
+          <a:p>
+            <a:r>
+              <a:rPr lang="ko-KR" altLang="en-US" dirty="0">
+                <a:hlinkClick r:id="rId21"/>
+              </a:rPr>
+              <a:t>https://youtu.be/eT9Fdu3ddNI</a:t>
+            </a:r>
+            <a:endParaRPr lang="en-US" altLang="ko-KR" dirty="0"/>
+          </a:p>
+          <a:p>
+            <a:endParaRPr lang="ko-KR" altLang="en-US" dirty="0"/>
+          </a:p>
+        </p:txBody>
+      </p:sp>
+    </p:spTree>
+  </p:cSld>
+  <p:clrMapOvr>
+    <a:masterClrMapping/>
+  </p:clrMapOvr>
+</p:sld>
+</file>
+
+<file path=ppt/slides/slide11.xml><?xml version="1.0" encoding="utf-8"?>
+<p:sld xmlns:a="http://schemas.openxmlformats.org/drawingml/2006/main" xmlns:r="http://schemas.openxmlformats.org/officeDocument/2006/relationships" xmlns:p="http://schemas.openxmlformats.org/presentationml/2006/main">
+  <p:cSld name="Slide 11">
+    <p:bg>
+      <p:bgPr>
+        <a:solidFill>
+          <a:srgbClr val="FFFFFF"/>
+        </a:solidFill>
+        <a:effectLst/>
+      </p:bgPr>
+    </p:bg>
+    <p:spTree>
+      <p:nvGrpSpPr>
+        <p:cNvPr id="1" name=""/>
+        <p:cNvGrpSpPr/>
+        <p:nvPr/>
+      </p:nvGrpSpPr>
+      <p:grpSpPr>
+        <a:xfrm>
+          <a:off x="0" y="0"/>
+          <a:ext cx="0" cy="0"/>
+          <a:chOff x="0" y="0"/>
+          <a:chExt cx="0" cy="0"/>
+        </a:xfrm>
+      </p:grpSpPr>
+      <p:pic>
+        <p:nvPicPr>
+          <p:cNvPr id="2" name="Object 1"/>
+          <p:cNvPicPr>
+            <a:picLocks noChangeAspect="1"/>
+          </p:cNvPicPr>
+          <p:nvPr/>
+        </p:nvPicPr>
+        <p:blipFill>
+          <a:blip r:embed="rId2" cstate="print"/>
+          <a:stretch>
+            <a:fillRect/>
+          </a:stretch>
+        </p:blipFill>
+        <p:spPr>
+          <a:xfrm>
+            <a:off x="998584" y="8519307"/>
+            <a:ext cx="4217168" cy="881692"/>
+          </a:xfrm>
+          <a:prstGeom prst="rect">
+            <a:avLst/>
+          </a:prstGeom>
+        </p:spPr>
+      </p:pic>
+      <p:grpSp>
+        <p:nvGrpSpPr>
+          <p:cNvPr id="1001" name="그룹 1001"/>
+          <p:cNvGrpSpPr/>
+          <p:nvPr/>
+        </p:nvGrpSpPr>
+        <p:grpSpPr>
+          <a:xfrm>
+            <a:off x="829470" y="663876"/>
+            <a:ext cx="12215041" cy="7717209"/>
+            <a:chOff x="829470" y="663876"/>
+            <a:chExt cx="12215041" cy="7717209"/>
+          </a:xfrm>
+        </p:grpSpPr>
+        <p:pic>
+          <p:nvPicPr>
+            <p:cNvPr id="4" name="Object 3"/>
+            <p:cNvPicPr>
+              <a:picLocks noChangeAspect="1"/>
+            </p:cNvPicPr>
+            <p:nvPr/>
+          </p:nvPicPr>
+          <p:blipFill>
+            <a:blip r:embed="rId3" cstate="print"/>
+            <a:stretch>
+              <a:fillRect/>
+            </a:stretch>
+          </p:blipFill>
+          <p:spPr>
+            <a:xfrm>
+              <a:off x="829470" y="663876"/>
+              <a:ext cx="12215041" cy="7717209"/>
+            </a:xfrm>
+            <a:prstGeom prst="rect">
+              <a:avLst/>
+            </a:prstGeom>
+          </p:spPr>
+        </p:pic>
+      </p:grpSp>
+      <p:pic>
+        <p:nvPicPr>
+          <p:cNvPr id="6" name="Object 5"/>
+          <p:cNvPicPr>
+            <a:picLocks noChangeAspect="1"/>
+          </p:cNvPicPr>
+          <p:nvPr/>
+        </p:nvPicPr>
+        <p:blipFill>
+          <a:blip r:embed="rId4" cstate="print"/>
+          <a:stretch>
+            <a:fillRect/>
+          </a:stretch>
+        </p:blipFill>
+        <p:spPr>
+          <a:xfrm>
+            <a:off x="13320612" y="3743643"/>
+            <a:ext cx="4278111" cy="881692"/>
+          </a:xfrm>
+          <a:prstGeom prst="rect">
+            <a:avLst/>
+          </a:prstGeom>
+        </p:spPr>
+      </p:pic>
+      <p:grpSp>
+        <p:nvGrpSpPr>
+          <p:cNvPr id="1002" name="그룹 1002"/>
+          <p:cNvGrpSpPr/>
+          <p:nvPr/>
+        </p:nvGrpSpPr>
+        <p:grpSpPr>
+          <a:xfrm>
+            <a:off x="7900153" y="3815605"/>
+            <a:ext cx="5454744" cy="493714"/>
+            <a:chOff x="7900153" y="3815605"/>
+            <a:chExt cx="5454744" cy="493714"/>
           </a:xfrm>
         </p:grpSpPr>
         <p:pic>
@@ -3296,8 +4059,8 @@
           </p:blipFill>
           <p:spPr>
             <a:xfrm>
-              <a:off x="1069514" y="7212597"/>
-              <a:ext cx="3906100" cy="3669366"/>
+              <a:off x="7900153" y="3815605"/>
+              <a:ext cx="5454744" cy="493714"/>
             </a:xfrm>
             <a:prstGeom prst="rect">
               <a:avLst/>
@@ -3305,507 +4068,6 @@
           </p:spPr>
         </p:pic>
       </p:grpSp>
-      <p:grpSp>
-        <p:nvGrpSpPr>
-          <p:cNvPr id="1003" name="그룹 1003"/>
-          <p:cNvGrpSpPr/>
-          <p:nvPr/>
-        </p:nvGrpSpPr>
-        <p:grpSpPr>
-          <a:xfrm>
-            <a:off x="1069514" y="2915593"/>
-            <a:ext cx="5705630" cy="3267326"/>
-            <a:chOff x="1069514" y="2915593"/>
-            <a:chExt cx="5705630" cy="3267326"/>
-          </a:xfrm>
-        </p:grpSpPr>
-        <p:pic>
-          <p:nvPicPr>
-            <p:cNvPr id="12" name="Object 11"/>
-            <p:cNvPicPr>
-              <a:picLocks noChangeAspect="1"/>
-            </p:cNvPicPr>
-            <p:nvPr/>
-          </p:nvPicPr>
-          <p:blipFill>
-            <a:blip r:embed="rId6" cstate="print"/>
-            <a:stretch>
-              <a:fillRect/>
-            </a:stretch>
-          </p:blipFill>
-          <p:spPr>
-            <a:xfrm>
-              <a:off x="1069514" y="2915593"/>
-              <a:ext cx="5705630" cy="3267326"/>
-            </a:xfrm>
-            <a:prstGeom prst="rect">
-              <a:avLst/>
-            </a:prstGeom>
-          </p:spPr>
-        </p:pic>
-      </p:grpSp>
-      <p:pic>
-        <p:nvPicPr>
-          <p:cNvPr id="14" name="Object 13"/>
-          <p:cNvPicPr>
-            <a:picLocks noChangeAspect="1"/>
-          </p:cNvPicPr>
-          <p:nvPr/>
-        </p:nvPicPr>
-        <p:blipFill>
-          <a:blip r:embed="rId7" cstate="print"/>
-          <a:stretch>
-            <a:fillRect/>
-          </a:stretch>
-        </p:blipFill>
-        <p:spPr>
-          <a:xfrm>
-            <a:off x="1023801" y="6137211"/>
-            <a:ext cx="6393996" cy="608891"/>
-          </a:xfrm>
-          <a:prstGeom prst="rect">
-            <a:avLst/>
-          </a:prstGeom>
-        </p:spPr>
-      </p:pic>
-      <p:grpSp>
-        <p:nvGrpSpPr>
-          <p:cNvPr id="1004" name="그룹 1004"/>
-          <p:cNvGrpSpPr/>
-          <p:nvPr/>
-        </p:nvGrpSpPr>
-        <p:grpSpPr>
-          <a:xfrm>
-            <a:off x="7650881" y="2915593"/>
-            <a:ext cx="4756394" cy="4927429"/>
-            <a:chOff x="7650881" y="2915593"/>
-            <a:chExt cx="4756394" cy="4927429"/>
-          </a:xfrm>
-        </p:grpSpPr>
-        <p:pic>
-          <p:nvPicPr>
-            <p:cNvPr id="16" name="Object 15"/>
-            <p:cNvPicPr>
-              <a:picLocks noChangeAspect="1"/>
-            </p:cNvPicPr>
-            <p:nvPr/>
-          </p:nvPicPr>
-          <p:blipFill>
-            <a:blip r:embed="rId8" cstate="print"/>
-            <a:stretch>
-              <a:fillRect/>
-            </a:stretch>
-          </p:blipFill>
-          <p:spPr>
-            <a:xfrm>
-              <a:off x="7650881" y="2915593"/>
-              <a:ext cx="4756394" cy="4927429"/>
-            </a:xfrm>
-            <a:prstGeom prst="rect">
-              <a:avLst/>
-            </a:prstGeom>
-          </p:spPr>
-        </p:pic>
-      </p:grpSp>
-      <p:pic>
-        <p:nvPicPr>
-          <p:cNvPr id="18" name="Object 17"/>
-          <p:cNvPicPr>
-            <a:picLocks noChangeAspect="1"/>
-          </p:cNvPicPr>
-          <p:nvPr/>
-        </p:nvPicPr>
-        <p:blipFill>
-          <a:blip r:embed="rId9" cstate="print"/>
-          <a:stretch>
-            <a:fillRect/>
-          </a:stretch>
-        </p:blipFill>
-        <p:spPr>
-          <a:xfrm>
-            <a:off x="12361525" y="3149192"/>
-            <a:ext cx="5587843" cy="1025777"/>
-          </a:xfrm>
-          <a:prstGeom prst="rect">
-            <a:avLst/>
-          </a:prstGeom>
-        </p:spPr>
-      </p:pic>
-      <p:sp>
-        <p:nvSpPr>
-          <p:cNvPr id="2" name="TextBox 1">
-            <a:extLst>
-              <a:ext uri="{FF2B5EF4-FFF2-40B4-BE49-F238E27FC236}">
-                <a16:creationId xmlns:a16="http://schemas.microsoft.com/office/drawing/2014/main" id="{BE946EE2-9E0E-85B6-4244-1AC27EACA61C}"/>
-              </a:ext>
-            </a:extLst>
-          </p:cNvPr>
-          <p:cNvSpPr txBox="1"/>
-          <p:nvPr/>
-        </p:nvSpPr>
-        <p:spPr>
-          <a:xfrm>
-            <a:off x="1149050" y="6541558"/>
-            <a:ext cx="3041950" cy="646331"/>
-          </a:xfrm>
-          <a:prstGeom prst="rect">
-            <a:avLst/>
-          </a:prstGeom>
-          <a:noFill/>
-        </p:spPr>
-        <p:txBody>
-          <a:bodyPr wrap="square">
-            <a:spAutoFit/>
-          </a:bodyPr>
-          <a:lstStyle/>
-          <a:p>
-            <a:r>
-              <a:rPr lang="ko-KR" altLang="en-US" dirty="0">
-                <a:hlinkClick r:id="rId10"/>
-              </a:rPr>
-              <a:t>https://youtu.be/VSnh-Jn93oE</a:t>
-            </a:r>
-            <a:endParaRPr lang="en-US" altLang="ko-KR" dirty="0"/>
-          </a:p>
-          <a:p>
-            <a:endParaRPr lang="en-US" altLang="ko-KR" dirty="0"/>
-          </a:p>
-        </p:txBody>
-      </p:sp>
-      <p:sp>
-        <p:nvSpPr>
-          <p:cNvPr id="4" name="TextBox 3">
-            <a:extLst>
-              <a:ext uri="{FF2B5EF4-FFF2-40B4-BE49-F238E27FC236}">
-                <a16:creationId xmlns:a16="http://schemas.microsoft.com/office/drawing/2014/main" id="{2D9B261B-978C-66B5-58B5-69C6D379950D}"/>
-              </a:ext>
-            </a:extLst>
-          </p:cNvPr>
-          <p:cNvSpPr txBox="1"/>
-          <p:nvPr/>
-        </p:nvSpPr>
-        <p:spPr>
-          <a:xfrm>
-            <a:off x="4191000" y="6595197"/>
-            <a:ext cx="2057400" cy="307777"/>
-          </a:xfrm>
-          <a:prstGeom prst="rect">
-            <a:avLst/>
-          </a:prstGeom>
-          <a:noFill/>
-        </p:spPr>
-        <p:txBody>
-          <a:bodyPr wrap="square">
-            <a:spAutoFit/>
-          </a:bodyPr>
-          <a:lstStyle/>
-          <a:p>
-            <a:r>
-              <a:rPr lang="ko-KR" altLang="en-US" sz="1400" dirty="0"/>
-              <a:t>개발 기간 </a:t>
-            </a:r>
-            <a:r>
-              <a:rPr lang="en-US" altLang="ko-KR" sz="1400" dirty="0"/>
-              <a:t>: 21.07~21.08</a:t>
-            </a:r>
-          </a:p>
-        </p:txBody>
-      </p:sp>
-      <p:pic>
-        <p:nvPicPr>
-          <p:cNvPr id="7" name="Object 9">
-            <a:extLst>
-              <a:ext uri="{FF2B5EF4-FFF2-40B4-BE49-F238E27FC236}">
-                <a16:creationId xmlns:a16="http://schemas.microsoft.com/office/drawing/2014/main" id="{DECC7340-CF4E-CBF1-2B84-BE74344014A1}"/>
-              </a:ext>
-            </a:extLst>
-          </p:cNvPr>
-          <p:cNvPicPr>
-            <a:picLocks noChangeAspect="1"/>
-          </p:cNvPicPr>
-          <p:nvPr/>
-        </p:nvPicPr>
-        <p:blipFill>
-          <a:blip r:embed="rId11" cstate="print"/>
-          <a:stretch>
-            <a:fillRect/>
-          </a:stretch>
-        </p:blipFill>
-        <p:spPr>
-          <a:xfrm>
-            <a:off x="4975614" y="8152645"/>
-            <a:ext cx="5307519" cy="1025777"/>
-          </a:xfrm>
-          <a:prstGeom prst="rect">
-            <a:avLst/>
-          </a:prstGeom>
-        </p:spPr>
-      </p:pic>
-      <p:sp>
-        <p:nvSpPr>
-          <p:cNvPr id="9" name="TextBox 8">
-            <a:extLst>
-              <a:ext uri="{FF2B5EF4-FFF2-40B4-BE49-F238E27FC236}">
-                <a16:creationId xmlns:a16="http://schemas.microsoft.com/office/drawing/2014/main" id="{41CCC148-A347-6DFB-8639-676343321F96}"/>
-              </a:ext>
-            </a:extLst>
-          </p:cNvPr>
-          <p:cNvSpPr txBox="1"/>
-          <p:nvPr/>
-        </p:nvSpPr>
-        <p:spPr>
-          <a:xfrm>
-            <a:off x="5087703" y="9333846"/>
-            <a:ext cx="5208682" cy="738664"/>
-          </a:xfrm>
-          <a:prstGeom prst="rect">
-            <a:avLst/>
-          </a:prstGeom>
-          <a:noFill/>
-        </p:spPr>
-        <p:txBody>
-          <a:bodyPr wrap="square">
-            <a:spAutoFit/>
-          </a:bodyPr>
-          <a:lstStyle/>
-          <a:p>
-            <a:r>
-              <a:rPr lang="ko-KR" altLang="en-US" sz="1400" dirty="0"/>
-              <a:t>개발 기간 </a:t>
-            </a:r>
-            <a:r>
-              <a:rPr lang="en-US" altLang="ko-KR" sz="1400" dirty="0"/>
-              <a:t>: 21.05~21.06</a:t>
-            </a:r>
-          </a:p>
-          <a:p>
-            <a:r>
-              <a:rPr lang="ko-KR" altLang="en-US" sz="1400" dirty="0"/>
-              <a:t>개발 인원 </a:t>
-            </a:r>
-            <a:r>
-              <a:rPr lang="en-US" altLang="ko-KR" sz="1400" dirty="0"/>
-              <a:t>: 2</a:t>
-            </a:r>
-            <a:r>
-              <a:rPr lang="ko-KR" altLang="en-US" sz="1400" dirty="0"/>
-              <a:t>인</a:t>
-            </a:r>
-            <a:endParaRPr lang="en-US" altLang="ko-KR" sz="1400" dirty="0"/>
-          </a:p>
-          <a:p>
-            <a:r>
-              <a:rPr lang="ko-KR" altLang="en-US" sz="1400" dirty="0"/>
-              <a:t>역할</a:t>
-            </a:r>
-            <a:r>
-              <a:rPr lang="en-US" altLang="ko-KR" sz="1400" dirty="0"/>
-              <a:t> : UI, </a:t>
-            </a:r>
-            <a:r>
-              <a:rPr lang="ko-KR" altLang="en-US" sz="1400" dirty="0"/>
-              <a:t>목록</a:t>
-            </a:r>
-            <a:r>
-              <a:rPr lang="en-US" altLang="ko-KR" sz="1400" dirty="0"/>
-              <a:t>/</a:t>
-            </a:r>
-            <a:r>
-              <a:rPr lang="ko-KR" altLang="en-US" sz="1400" dirty="0"/>
-              <a:t>결과 박스</a:t>
-            </a:r>
-            <a:r>
-              <a:rPr lang="en-US" altLang="ko-KR" sz="1400" dirty="0"/>
-              <a:t>, </a:t>
-            </a:r>
-            <a:r>
-              <a:rPr lang="ko-KR" altLang="en-US" sz="1400" dirty="0"/>
-              <a:t>검색 카테고리</a:t>
-            </a:r>
-            <a:r>
-              <a:rPr lang="en-US" altLang="ko-KR" sz="1400" dirty="0"/>
-              <a:t>, </a:t>
-            </a:r>
-            <a:r>
-              <a:rPr lang="ko-KR" altLang="en-US" sz="1400" dirty="0" err="1"/>
-              <a:t>텔레그램</a:t>
-            </a:r>
-            <a:r>
-              <a:rPr lang="ko-KR" altLang="en-US" sz="1400" dirty="0"/>
-              <a:t> 연동</a:t>
-            </a:r>
-            <a:endParaRPr lang="en-US" altLang="ko-KR" sz="1400" dirty="0"/>
-          </a:p>
-        </p:txBody>
-      </p:sp>
-      <p:sp>
-        <p:nvSpPr>
-          <p:cNvPr id="11" name="TextBox 10">
-            <a:extLst>
-              <a:ext uri="{FF2B5EF4-FFF2-40B4-BE49-F238E27FC236}">
-                <a16:creationId xmlns:a16="http://schemas.microsoft.com/office/drawing/2014/main" id="{20B7199D-7A0D-CA79-8301-CDBD23C2F0B0}"/>
-              </a:ext>
-            </a:extLst>
-          </p:cNvPr>
-          <p:cNvSpPr txBox="1"/>
-          <p:nvPr/>
-        </p:nvSpPr>
-        <p:spPr>
-          <a:xfrm>
-            <a:off x="5062548" y="8926399"/>
-            <a:ext cx="3125345" cy="646331"/>
-          </a:xfrm>
-          <a:prstGeom prst="rect">
-            <a:avLst/>
-          </a:prstGeom>
-          <a:noFill/>
-        </p:spPr>
-        <p:txBody>
-          <a:bodyPr wrap="square">
-            <a:spAutoFit/>
-          </a:bodyPr>
-          <a:lstStyle/>
-          <a:p>
-            <a:r>
-              <a:rPr lang="ko-KR" altLang="en-US" dirty="0">
-                <a:hlinkClick r:id="rId12"/>
-              </a:rPr>
-              <a:t>https://youtu.be/yiqiwSpOaDA</a:t>
-            </a:r>
-            <a:endParaRPr lang="en-US" altLang="ko-KR" dirty="0"/>
-          </a:p>
-          <a:p>
-            <a:endParaRPr lang="ko-KR" altLang="en-US" dirty="0"/>
-          </a:p>
-        </p:txBody>
-      </p:sp>
-      <p:sp>
-        <p:nvSpPr>
-          <p:cNvPr id="13" name="TextBox 12">
-            <a:extLst>
-              <a:ext uri="{FF2B5EF4-FFF2-40B4-BE49-F238E27FC236}">
-                <a16:creationId xmlns:a16="http://schemas.microsoft.com/office/drawing/2014/main" id="{665812D6-A9E8-1AE8-2E5D-B65BA6E3A3E9}"/>
-              </a:ext>
-            </a:extLst>
-          </p:cNvPr>
-          <p:cNvSpPr txBox="1"/>
-          <p:nvPr/>
-        </p:nvSpPr>
-        <p:spPr>
-          <a:xfrm>
-            <a:off x="12545919" y="3990303"/>
-            <a:ext cx="4756394" cy="646331"/>
-          </a:xfrm>
-          <a:prstGeom prst="rect">
-            <a:avLst/>
-          </a:prstGeom>
-          <a:noFill/>
-        </p:spPr>
-        <p:txBody>
-          <a:bodyPr wrap="square">
-            <a:spAutoFit/>
-          </a:bodyPr>
-          <a:lstStyle/>
-          <a:p>
-            <a:r>
-              <a:rPr lang="ko-KR" altLang="en-US" dirty="0">
-                <a:hlinkClick r:id="rId13"/>
-              </a:rPr>
-              <a:t>https://youtube.com/shorts/27nQXO0RWWQ</a:t>
-            </a:r>
-            <a:endParaRPr lang="en-US" altLang="ko-KR" dirty="0"/>
-          </a:p>
-          <a:p>
-            <a:endParaRPr lang="ko-KR" altLang="en-US" dirty="0"/>
-          </a:p>
-        </p:txBody>
-      </p:sp>
-      <p:sp>
-        <p:nvSpPr>
-          <p:cNvPr id="15" name="TextBox 14">
-            <a:extLst>
-              <a:ext uri="{FF2B5EF4-FFF2-40B4-BE49-F238E27FC236}">
-                <a16:creationId xmlns:a16="http://schemas.microsoft.com/office/drawing/2014/main" id="{55ADE42A-FE58-4BCC-14F0-73F2F3C3135C}"/>
-              </a:ext>
-            </a:extLst>
-          </p:cNvPr>
-          <p:cNvSpPr txBox="1"/>
-          <p:nvPr/>
-        </p:nvSpPr>
-        <p:spPr>
-          <a:xfrm>
-            <a:off x="12545918" y="4331424"/>
-            <a:ext cx="5208682" cy="1169551"/>
-          </a:xfrm>
-          <a:prstGeom prst="rect">
-            <a:avLst/>
-          </a:prstGeom>
-          <a:noFill/>
-        </p:spPr>
-        <p:txBody>
-          <a:bodyPr wrap="square">
-            <a:spAutoFit/>
-          </a:bodyPr>
-          <a:lstStyle/>
-          <a:p>
-            <a:r>
-              <a:rPr lang="ko-KR" altLang="en-US" sz="1400" dirty="0"/>
-              <a:t>개발 기간 </a:t>
-            </a:r>
-            <a:r>
-              <a:rPr lang="en-US" altLang="ko-KR" sz="1400" dirty="0"/>
-              <a:t>: 21.10~21.12</a:t>
-            </a:r>
-          </a:p>
-          <a:p>
-            <a:r>
-              <a:rPr lang="ko-KR" altLang="en-US" sz="1400" dirty="0"/>
-              <a:t>개발 인원 </a:t>
-            </a:r>
-            <a:r>
-              <a:rPr lang="en-US" altLang="ko-KR" sz="1400" dirty="0"/>
-              <a:t>: 3</a:t>
-            </a:r>
-            <a:r>
-              <a:rPr lang="ko-KR" altLang="en-US" sz="1400" dirty="0"/>
-              <a:t>인</a:t>
-            </a:r>
-            <a:endParaRPr lang="en-US" altLang="ko-KR" sz="1400" dirty="0"/>
-          </a:p>
-          <a:p>
-            <a:r>
-              <a:rPr lang="ko-KR" altLang="en-US" sz="1400" dirty="0"/>
-              <a:t>역할</a:t>
-            </a:r>
-            <a:r>
-              <a:rPr lang="en-US" altLang="ko-KR" sz="1400" dirty="0"/>
-              <a:t> : </a:t>
-            </a:r>
-          </a:p>
-          <a:p>
-            <a:r>
-              <a:rPr lang="en-US" altLang="ko-KR" sz="1400" dirty="0"/>
-              <a:t> - </a:t>
-            </a:r>
-            <a:r>
-              <a:rPr lang="ko-KR" altLang="en-US" sz="1400" dirty="0"/>
-              <a:t>서버에서 보낸 데이터를 클라이언트에서 처리하는 코드 구현</a:t>
-            </a:r>
-            <a:endParaRPr lang="en-US" altLang="ko-KR" sz="1400" dirty="0"/>
-          </a:p>
-          <a:p>
-            <a:r>
-              <a:rPr lang="en-US" altLang="ko-KR" sz="1400" dirty="0"/>
-              <a:t> - </a:t>
-            </a:r>
-            <a:r>
-              <a:rPr lang="ko-KR" altLang="en-US" sz="1400" dirty="0"/>
-              <a:t>클라이언트에서 서버로 패킷을 전송하는 코드 구현</a:t>
-            </a:r>
-            <a:endParaRPr lang="en-US" altLang="ko-KR" sz="1400" dirty="0"/>
-          </a:p>
-        </p:txBody>
-      </p:sp>
     </p:spTree>
   </p:cSld>
   <p:clrMapOvr>
@@ -3814,7 +4076,7 @@
 </p:sld>
 </file>
 
-<file path=ppt/slides/slide11.xml><?xml version="1.0" encoding="utf-8"?>
+<file path=ppt/slides/slide12.xml><?xml version="1.0" encoding="utf-8"?>
 <p:sld xmlns:a="http://schemas.openxmlformats.org/drawingml/2006/main" xmlns:r="http://schemas.openxmlformats.org/officeDocument/2006/relationships" xmlns:p="http://schemas.openxmlformats.org/presentationml/2006/main">
   <p:cSld name="Slide 12">
     <p:bg>
@@ -3847,7 +4109,661 @@
         </p:nvGrpSpPr>
         <p:grpSpPr>
           <a:xfrm>
-            <a:off x="1143000" y="1406132"/>
+            <a:off x="1069514" y="2645623"/>
+            <a:ext cx="12429138" cy="91291"/>
+            <a:chOff x="1069514" y="2645623"/>
+            <a:chExt cx="12429138" cy="91291"/>
+          </a:xfrm>
+        </p:grpSpPr>
+        <p:pic>
+          <p:nvPicPr>
+            <p:cNvPr id="3" name="Object 2"/>
+            <p:cNvPicPr>
+              <a:picLocks noChangeAspect="1"/>
+            </p:cNvPicPr>
+            <p:nvPr/>
+          </p:nvPicPr>
+          <p:blipFill>
+            <a:blip r:embed="rId2" cstate="print"/>
+            <a:stretch>
+              <a:fillRect/>
+            </a:stretch>
+          </p:blipFill>
+          <p:spPr>
+            <a:xfrm rot="-10800000">
+              <a:off x="1069514" y="2645623"/>
+              <a:ext cx="12429138" cy="91291"/>
+            </a:xfrm>
+            <a:prstGeom prst="rect">
+              <a:avLst/>
+            </a:prstGeom>
+          </p:spPr>
+        </p:pic>
+      </p:grpSp>
+      <p:pic>
+        <p:nvPicPr>
+          <p:cNvPr id="5" name="Object 4"/>
+          <p:cNvPicPr>
+            <a:picLocks noChangeAspect="1"/>
+          </p:cNvPicPr>
+          <p:nvPr/>
+        </p:nvPicPr>
+        <p:blipFill>
+          <a:blip r:embed="rId3" cstate="print"/>
+          <a:stretch>
+            <a:fillRect/>
+          </a:stretch>
+        </p:blipFill>
+        <p:spPr>
+          <a:xfrm>
+            <a:off x="10900002" y="1698297"/>
+            <a:ext cx="1374298" cy="841422"/>
+          </a:xfrm>
+          <a:prstGeom prst="rect">
+            <a:avLst/>
+          </a:prstGeom>
+        </p:spPr>
+      </p:pic>
+      <p:pic>
+        <p:nvPicPr>
+          <p:cNvPr id="6" name="Object 5"/>
+          <p:cNvPicPr>
+            <a:picLocks noChangeAspect="1"/>
+          </p:cNvPicPr>
+          <p:nvPr/>
+        </p:nvPicPr>
+        <p:blipFill>
+          <a:blip r:embed="rId4" cstate="print"/>
+          <a:stretch>
+            <a:fillRect/>
+          </a:stretch>
+        </p:blipFill>
+        <p:spPr>
+          <a:xfrm>
+            <a:off x="795235" y="214490"/>
+            <a:ext cx="10799098" cy="3221822"/>
+          </a:xfrm>
+          <a:prstGeom prst="rect">
+            <a:avLst/>
+          </a:prstGeom>
+        </p:spPr>
+      </p:pic>
+      <p:grpSp>
+        <p:nvGrpSpPr>
+          <p:cNvPr id="1002" name="그룹 1002"/>
+          <p:cNvGrpSpPr/>
+          <p:nvPr/>
+        </p:nvGrpSpPr>
+        <p:grpSpPr>
+          <a:xfrm>
+            <a:off x="1069514" y="7212597"/>
+            <a:ext cx="3906100" cy="3669366"/>
+            <a:chOff x="1069514" y="7212597"/>
+            <a:chExt cx="3906100" cy="3669366"/>
+          </a:xfrm>
+        </p:grpSpPr>
+        <p:pic>
+          <p:nvPicPr>
+            <p:cNvPr id="8" name="Object 7"/>
+            <p:cNvPicPr>
+              <a:picLocks noChangeAspect="1"/>
+            </p:cNvPicPr>
+            <p:nvPr/>
+          </p:nvPicPr>
+          <p:blipFill>
+            <a:blip r:embed="rId5" cstate="print"/>
+            <a:stretch>
+              <a:fillRect/>
+            </a:stretch>
+          </p:blipFill>
+          <p:spPr>
+            <a:xfrm>
+              <a:off x="1069514" y="7212597"/>
+              <a:ext cx="3906100" cy="3669366"/>
+            </a:xfrm>
+            <a:prstGeom prst="rect">
+              <a:avLst/>
+            </a:prstGeom>
+          </p:spPr>
+        </p:pic>
+      </p:grpSp>
+      <p:pic>
+        <p:nvPicPr>
+          <p:cNvPr id="10" name="Object 9"/>
+          <p:cNvPicPr>
+            <a:picLocks noChangeAspect="1"/>
+          </p:cNvPicPr>
+          <p:nvPr/>
+        </p:nvPicPr>
+        <p:blipFill>
+          <a:blip r:embed="rId6" cstate="print"/>
+          <a:stretch>
+            <a:fillRect/>
+          </a:stretch>
+        </p:blipFill>
+        <p:spPr>
+          <a:xfrm>
+            <a:off x="4975614" y="8057494"/>
+            <a:ext cx="5307519" cy="1025777"/>
+          </a:xfrm>
+          <a:prstGeom prst="rect">
+            <a:avLst/>
+          </a:prstGeom>
+        </p:spPr>
+      </p:pic>
+      <p:grpSp>
+        <p:nvGrpSpPr>
+          <p:cNvPr id="1003" name="그룹 1003"/>
+          <p:cNvGrpSpPr/>
+          <p:nvPr/>
+        </p:nvGrpSpPr>
+        <p:grpSpPr>
+          <a:xfrm>
+            <a:off x="1069514" y="2915593"/>
+            <a:ext cx="5705630" cy="3267326"/>
+            <a:chOff x="1069514" y="2915593"/>
+            <a:chExt cx="5705630" cy="3267326"/>
+          </a:xfrm>
+        </p:grpSpPr>
+        <p:pic>
+          <p:nvPicPr>
+            <p:cNvPr id="12" name="Object 11"/>
+            <p:cNvPicPr>
+              <a:picLocks noChangeAspect="1"/>
+            </p:cNvPicPr>
+            <p:nvPr/>
+          </p:nvPicPr>
+          <p:blipFill>
+            <a:blip r:embed="rId7" cstate="print"/>
+            <a:stretch>
+              <a:fillRect/>
+            </a:stretch>
+          </p:blipFill>
+          <p:spPr>
+            <a:xfrm>
+              <a:off x="1069514" y="2915593"/>
+              <a:ext cx="5705630" cy="3267326"/>
+            </a:xfrm>
+            <a:prstGeom prst="rect">
+              <a:avLst/>
+            </a:prstGeom>
+          </p:spPr>
+        </p:pic>
+      </p:grpSp>
+      <p:pic>
+        <p:nvPicPr>
+          <p:cNvPr id="14" name="Object 13"/>
+          <p:cNvPicPr>
+            <a:picLocks noChangeAspect="1"/>
+          </p:cNvPicPr>
+          <p:nvPr/>
+        </p:nvPicPr>
+        <p:blipFill>
+          <a:blip r:embed="rId8" cstate="print"/>
+          <a:stretch>
+            <a:fillRect/>
+          </a:stretch>
+        </p:blipFill>
+        <p:spPr>
+          <a:xfrm>
+            <a:off x="1023801" y="6137211"/>
+            <a:ext cx="6393996" cy="608891"/>
+          </a:xfrm>
+          <a:prstGeom prst="rect">
+            <a:avLst/>
+          </a:prstGeom>
+        </p:spPr>
+      </p:pic>
+      <p:grpSp>
+        <p:nvGrpSpPr>
+          <p:cNvPr id="1004" name="그룹 1004"/>
+          <p:cNvGrpSpPr/>
+          <p:nvPr/>
+        </p:nvGrpSpPr>
+        <p:grpSpPr>
+          <a:xfrm>
+            <a:off x="7650881" y="2915593"/>
+            <a:ext cx="4756394" cy="4927429"/>
+            <a:chOff x="7650881" y="2915593"/>
+            <a:chExt cx="4756394" cy="4927429"/>
+          </a:xfrm>
+        </p:grpSpPr>
+        <p:pic>
+          <p:nvPicPr>
+            <p:cNvPr id="16" name="Object 15"/>
+            <p:cNvPicPr>
+              <a:picLocks noChangeAspect="1"/>
+            </p:cNvPicPr>
+            <p:nvPr/>
+          </p:nvPicPr>
+          <p:blipFill>
+            <a:blip r:embed="rId9" cstate="print"/>
+            <a:stretch>
+              <a:fillRect/>
+            </a:stretch>
+          </p:blipFill>
+          <p:spPr>
+            <a:xfrm>
+              <a:off x="7650881" y="2915593"/>
+              <a:ext cx="4756394" cy="4927429"/>
+            </a:xfrm>
+            <a:prstGeom prst="rect">
+              <a:avLst/>
+            </a:prstGeom>
+          </p:spPr>
+        </p:pic>
+      </p:grpSp>
+      <p:pic>
+        <p:nvPicPr>
+          <p:cNvPr id="18" name="Object 17"/>
+          <p:cNvPicPr>
+            <a:picLocks noChangeAspect="1"/>
+          </p:cNvPicPr>
+          <p:nvPr/>
+        </p:nvPicPr>
+        <p:blipFill>
+          <a:blip r:embed="rId10" cstate="print"/>
+          <a:stretch>
+            <a:fillRect/>
+          </a:stretch>
+        </p:blipFill>
+        <p:spPr>
+          <a:xfrm>
+            <a:off x="12361525" y="3149192"/>
+            <a:ext cx="5587843" cy="1025777"/>
+          </a:xfrm>
+          <a:prstGeom prst="rect">
+            <a:avLst/>
+          </a:prstGeom>
+        </p:spPr>
+      </p:pic>
+      <p:sp>
+        <p:nvSpPr>
+          <p:cNvPr id="2" name="TextBox 1">
+            <a:extLst>
+              <a:ext uri="{FF2B5EF4-FFF2-40B4-BE49-F238E27FC236}">
+                <a16:creationId xmlns:a16="http://schemas.microsoft.com/office/drawing/2014/main" id="{340F975E-1886-D8B0-9F7F-BB121E21B7A0}"/>
+              </a:ext>
+            </a:extLst>
+          </p:cNvPr>
+          <p:cNvSpPr txBox="1"/>
+          <p:nvPr/>
+        </p:nvSpPr>
+        <p:spPr>
+          <a:xfrm>
+            <a:off x="1149050" y="6541558"/>
+            <a:ext cx="3041950" cy="646331"/>
+          </a:xfrm>
+          <a:prstGeom prst="rect">
+            <a:avLst/>
+          </a:prstGeom>
+          <a:noFill/>
+        </p:spPr>
+        <p:txBody>
+          <a:bodyPr wrap="square">
+            <a:spAutoFit/>
+          </a:bodyPr>
+          <a:lstStyle/>
+          <a:p>
+            <a:r>
+              <a:rPr lang="ko-KR" altLang="en-US" dirty="0">
+                <a:hlinkClick r:id="rId11"/>
+              </a:rPr>
+              <a:t>https://youtu.be/VSnh-Jn93oE</a:t>
+            </a:r>
+            <a:endParaRPr lang="en-US" altLang="ko-KR" dirty="0"/>
+          </a:p>
+          <a:p>
+            <a:endParaRPr lang="en-US" altLang="ko-KR" dirty="0"/>
+          </a:p>
+        </p:txBody>
+      </p:sp>
+      <p:sp>
+        <p:nvSpPr>
+          <p:cNvPr id="4" name="TextBox 3">
+            <a:extLst>
+              <a:ext uri="{FF2B5EF4-FFF2-40B4-BE49-F238E27FC236}">
+                <a16:creationId xmlns:a16="http://schemas.microsoft.com/office/drawing/2014/main" id="{77CA9624-276A-BF8D-273D-966F5FEA4E26}"/>
+              </a:ext>
+            </a:extLst>
+          </p:cNvPr>
+          <p:cNvSpPr txBox="1"/>
+          <p:nvPr/>
+        </p:nvSpPr>
+        <p:spPr>
+          <a:xfrm>
+            <a:off x="4191000" y="6595197"/>
+            <a:ext cx="2057400" cy="307777"/>
+          </a:xfrm>
+          <a:prstGeom prst="rect">
+            <a:avLst/>
+          </a:prstGeom>
+          <a:noFill/>
+        </p:spPr>
+        <p:txBody>
+          <a:bodyPr wrap="square">
+            <a:spAutoFit/>
+          </a:bodyPr>
+          <a:lstStyle/>
+          <a:p>
+            <a:r>
+              <a:rPr lang="ko-KR" altLang="en-US" sz="1400" dirty="0"/>
+              <a:t>개발 기간 </a:t>
+            </a:r>
+            <a:r>
+              <a:rPr lang="en-US" altLang="ko-KR" sz="1400" dirty="0"/>
+              <a:t>: 21.07~21.08</a:t>
+            </a:r>
+          </a:p>
+        </p:txBody>
+      </p:sp>
+      <p:sp>
+        <p:nvSpPr>
+          <p:cNvPr id="7" name="TextBox 6">
+            <a:extLst>
+              <a:ext uri="{FF2B5EF4-FFF2-40B4-BE49-F238E27FC236}">
+                <a16:creationId xmlns:a16="http://schemas.microsoft.com/office/drawing/2014/main" id="{A19C70EF-179C-7F58-7248-F87EB2224231}"/>
+              </a:ext>
+            </a:extLst>
+          </p:cNvPr>
+          <p:cNvSpPr txBox="1"/>
+          <p:nvPr/>
+        </p:nvSpPr>
+        <p:spPr>
+          <a:xfrm>
+            <a:off x="5062548" y="8926399"/>
+            <a:ext cx="3125345" cy="646331"/>
+          </a:xfrm>
+          <a:prstGeom prst="rect">
+            <a:avLst/>
+          </a:prstGeom>
+          <a:noFill/>
+        </p:spPr>
+        <p:txBody>
+          <a:bodyPr wrap="square">
+            <a:spAutoFit/>
+          </a:bodyPr>
+          <a:lstStyle/>
+          <a:p>
+            <a:r>
+              <a:rPr lang="ko-KR" altLang="en-US" dirty="0">
+                <a:hlinkClick r:id="rId12"/>
+              </a:rPr>
+              <a:t>https://youtu.be/yiqiwSpOaDA</a:t>
+            </a:r>
+            <a:endParaRPr lang="en-US" altLang="ko-KR" dirty="0"/>
+          </a:p>
+          <a:p>
+            <a:endParaRPr lang="ko-KR" altLang="en-US" dirty="0"/>
+          </a:p>
+        </p:txBody>
+      </p:sp>
+      <p:sp>
+        <p:nvSpPr>
+          <p:cNvPr id="9" name="TextBox 8">
+            <a:extLst>
+              <a:ext uri="{FF2B5EF4-FFF2-40B4-BE49-F238E27FC236}">
+                <a16:creationId xmlns:a16="http://schemas.microsoft.com/office/drawing/2014/main" id="{7C853CBE-AF4E-C3A1-F0F8-8452E687AD6A}"/>
+              </a:ext>
+            </a:extLst>
+          </p:cNvPr>
+          <p:cNvSpPr txBox="1"/>
+          <p:nvPr/>
+        </p:nvSpPr>
+        <p:spPr>
+          <a:xfrm>
+            <a:off x="5087703" y="9333846"/>
+            <a:ext cx="5208682" cy="738664"/>
+          </a:xfrm>
+          <a:prstGeom prst="rect">
+            <a:avLst/>
+          </a:prstGeom>
+          <a:noFill/>
+        </p:spPr>
+        <p:txBody>
+          <a:bodyPr wrap="square">
+            <a:spAutoFit/>
+          </a:bodyPr>
+          <a:lstStyle/>
+          <a:p>
+            <a:r>
+              <a:rPr lang="ko-KR" altLang="en-US" sz="1400" dirty="0"/>
+              <a:t>개발 기간 </a:t>
+            </a:r>
+            <a:r>
+              <a:rPr lang="en-US" altLang="ko-KR" sz="1400" dirty="0"/>
+              <a:t>: 21.05~21.06</a:t>
+            </a:r>
+          </a:p>
+          <a:p>
+            <a:r>
+              <a:rPr lang="ko-KR" altLang="en-US" sz="1400" dirty="0"/>
+              <a:t>개발 인원 </a:t>
+            </a:r>
+            <a:r>
+              <a:rPr lang="en-US" altLang="ko-KR" sz="1400" dirty="0"/>
+              <a:t>: 2</a:t>
+            </a:r>
+            <a:r>
+              <a:rPr lang="ko-KR" altLang="en-US" sz="1400" dirty="0"/>
+              <a:t>인</a:t>
+            </a:r>
+            <a:endParaRPr lang="en-US" altLang="ko-KR" sz="1400" dirty="0"/>
+          </a:p>
+          <a:p>
+            <a:r>
+              <a:rPr lang="ko-KR" altLang="en-US" sz="1400" dirty="0"/>
+              <a:t>역할</a:t>
+            </a:r>
+            <a:r>
+              <a:rPr lang="en-US" altLang="ko-KR" sz="1400" dirty="0"/>
+              <a:t> : UI, </a:t>
+            </a:r>
+            <a:r>
+              <a:rPr lang="ko-KR" altLang="en-US" sz="1400" dirty="0"/>
+              <a:t>목록</a:t>
+            </a:r>
+            <a:r>
+              <a:rPr lang="en-US" altLang="ko-KR" sz="1400" dirty="0"/>
+              <a:t>/</a:t>
+            </a:r>
+            <a:r>
+              <a:rPr lang="ko-KR" altLang="en-US" sz="1400" dirty="0"/>
+              <a:t>결과 박스</a:t>
+            </a:r>
+            <a:r>
+              <a:rPr lang="en-US" altLang="ko-KR" sz="1400" dirty="0"/>
+              <a:t>, </a:t>
+            </a:r>
+            <a:r>
+              <a:rPr lang="ko-KR" altLang="en-US" sz="1400" dirty="0"/>
+              <a:t>검색 카테고리</a:t>
+            </a:r>
+            <a:r>
+              <a:rPr lang="en-US" altLang="ko-KR" sz="1400" dirty="0"/>
+              <a:t>, </a:t>
+            </a:r>
+            <a:r>
+              <a:rPr lang="ko-KR" altLang="en-US" sz="1400" dirty="0" err="1"/>
+              <a:t>텔레그램</a:t>
+            </a:r>
+            <a:r>
+              <a:rPr lang="ko-KR" altLang="en-US" sz="1400" dirty="0"/>
+              <a:t> 연동</a:t>
+            </a:r>
+            <a:endParaRPr lang="en-US" altLang="ko-KR" sz="1400" dirty="0"/>
+          </a:p>
+        </p:txBody>
+      </p:sp>
+      <p:sp>
+        <p:nvSpPr>
+          <p:cNvPr id="11" name="TextBox 10">
+            <a:extLst>
+              <a:ext uri="{FF2B5EF4-FFF2-40B4-BE49-F238E27FC236}">
+                <a16:creationId xmlns:a16="http://schemas.microsoft.com/office/drawing/2014/main" id="{B352CBD2-521C-9A9A-2A30-FDE8E4539091}"/>
+              </a:ext>
+            </a:extLst>
+          </p:cNvPr>
+          <p:cNvSpPr txBox="1"/>
+          <p:nvPr/>
+        </p:nvSpPr>
+        <p:spPr>
+          <a:xfrm>
+            <a:off x="12545919" y="3990303"/>
+            <a:ext cx="4756394" cy="646331"/>
+          </a:xfrm>
+          <a:prstGeom prst="rect">
+            <a:avLst/>
+          </a:prstGeom>
+          <a:noFill/>
+        </p:spPr>
+        <p:txBody>
+          <a:bodyPr wrap="square">
+            <a:spAutoFit/>
+          </a:bodyPr>
+          <a:lstStyle/>
+          <a:p>
+            <a:r>
+              <a:rPr lang="ko-KR" altLang="en-US" dirty="0">
+                <a:hlinkClick r:id="rId13"/>
+              </a:rPr>
+              <a:t>https://youtube.com/shorts/27nQXO0RWWQ</a:t>
+            </a:r>
+            <a:endParaRPr lang="en-US" altLang="ko-KR" dirty="0"/>
+          </a:p>
+          <a:p>
+            <a:endParaRPr lang="ko-KR" altLang="en-US" dirty="0"/>
+          </a:p>
+        </p:txBody>
+      </p:sp>
+      <p:sp>
+        <p:nvSpPr>
+          <p:cNvPr id="13" name="TextBox 12">
+            <a:extLst>
+              <a:ext uri="{FF2B5EF4-FFF2-40B4-BE49-F238E27FC236}">
+                <a16:creationId xmlns:a16="http://schemas.microsoft.com/office/drawing/2014/main" id="{E6199ECF-7B14-5123-1B6A-6E8127A8B64E}"/>
+              </a:ext>
+            </a:extLst>
+          </p:cNvPr>
+          <p:cNvSpPr txBox="1"/>
+          <p:nvPr/>
+        </p:nvSpPr>
+        <p:spPr>
+          <a:xfrm>
+            <a:off x="12545918" y="4331424"/>
+            <a:ext cx="5208682" cy="1169551"/>
+          </a:xfrm>
+          <a:prstGeom prst="rect">
+            <a:avLst/>
+          </a:prstGeom>
+          <a:noFill/>
+        </p:spPr>
+        <p:txBody>
+          <a:bodyPr wrap="square">
+            <a:spAutoFit/>
+          </a:bodyPr>
+          <a:lstStyle/>
+          <a:p>
+            <a:r>
+              <a:rPr lang="ko-KR" altLang="en-US" sz="1400" dirty="0"/>
+              <a:t>개발 기간 </a:t>
+            </a:r>
+            <a:r>
+              <a:rPr lang="en-US" altLang="ko-KR" sz="1400" dirty="0"/>
+              <a:t>: 21.10~21.12</a:t>
+            </a:r>
+          </a:p>
+          <a:p>
+            <a:r>
+              <a:rPr lang="ko-KR" altLang="en-US" sz="1400" dirty="0"/>
+              <a:t>개발 인원 </a:t>
+            </a:r>
+            <a:r>
+              <a:rPr lang="en-US" altLang="ko-KR" sz="1400" dirty="0"/>
+              <a:t>: 3</a:t>
+            </a:r>
+            <a:r>
+              <a:rPr lang="ko-KR" altLang="en-US" sz="1400" dirty="0"/>
+              <a:t>인</a:t>
+            </a:r>
+            <a:endParaRPr lang="en-US" altLang="ko-KR" sz="1400" dirty="0"/>
+          </a:p>
+          <a:p>
+            <a:r>
+              <a:rPr lang="ko-KR" altLang="en-US" sz="1400" dirty="0"/>
+              <a:t>역할</a:t>
+            </a:r>
+            <a:r>
+              <a:rPr lang="en-US" altLang="ko-KR" sz="1400" dirty="0"/>
+              <a:t> : </a:t>
+            </a:r>
+          </a:p>
+          <a:p>
+            <a:r>
+              <a:rPr lang="en-US" altLang="ko-KR" sz="1400" dirty="0"/>
+              <a:t> - </a:t>
+            </a:r>
+            <a:r>
+              <a:rPr lang="ko-KR" altLang="en-US" sz="1400" dirty="0"/>
+              <a:t>서버에서 보낸 데이터를 클라이언트에서 처리하는 코드 구현</a:t>
+            </a:r>
+            <a:endParaRPr lang="en-US" altLang="ko-KR" sz="1400" dirty="0"/>
+          </a:p>
+          <a:p>
+            <a:r>
+              <a:rPr lang="en-US" altLang="ko-KR" sz="1400" dirty="0"/>
+              <a:t> - </a:t>
+            </a:r>
+            <a:r>
+              <a:rPr lang="ko-KR" altLang="en-US" sz="1400" dirty="0"/>
+              <a:t>클라이언트에서 서버로 패킷을 전송하는 코드 구현</a:t>
+            </a:r>
+            <a:endParaRPr lang="en-US" altLang="ko-KR" sz="1400" dirty="0"/>
+          </a:p>
+        </p:txBody>
+      </p:sp>
+    </p:spTree>
+  </p:cSld>
+  <p:clrMapOvr>
+    <a:masterClrMapping/>
+  </p:clrMapOvr>
+</p:sld>
+</file>
+
+<file path=ppt/slides/slide13.xml><?xml version="1.0" encoding="utf-8"?>
+<p:sld xmlns:a="http://schemas.openxmlformats.org/drawingml/2006/main" xmlns:r="http://schemas.openxmlformats.org/officeDocument/2006/relationships" xmlns:p="http://schemas.openxmlformats.org/presentationml/2006/main">
+  <p:cSld name="Slide 13">
+    <p:bg>
+      <p:bgPr>
+        <a:solidFill>
+          <a:srgbClr val="FFFFFF"/>
+        </a:solidFill>
+        <a:effectLst/>
+      </p:bgPr>
+    </p:bg>
+    <p:spTree>
+      <p:nvGrpSpPr>
+        <p:cNvPr id="1" name=""/>
+        <p:cNvGrpSpPr/>
+        <p:nvPr/>
+      </p:nvGrpSpPr>
+      <p:grpSpPr>
+        <a:xfrm>
+          <a:off x="0" y="0"/>
+          <a:ext cx="0" cy="0"/>
+          <a:chOff x="0" y="0"/>
+          <a:chExt cx="0" cy="0"/>
+        </a:xfrm>
+      </p:grpSpPr>
+      <p:grpSp>
+        <p:nvGrpSpPr>
+          <p:cNvPr id="1001" name="그룹 1001"/>
+          <p:cNvGrpSpPr/>
+          <p:nvPr/>
+        </p:nvGrpSpPr>
+        <p:grpSpPr>
+          <a:xfrm>
+            <a:off x="-342857" y="1405489"/>
             <a:ext cx="14368253" cy="7474736"/>
             <a:chOff x="-342857" y="1405489"/>
             <a:chExt cx="14368253" cy="7474736"/>
@@ -3975,8 +4891,8 @@
         </p:blipFill>
         <p:spPr>
           <a:xfrm>
-            <a:off x="8294305" y="3629809"/>
-            <a:ext cx="2559818" cy="2550075"/>
+            <a:off x="11967389" y="3629808"/>
+            <a:ext cx="2550293" cy="2550074"/>
           </a:xfrm>
           <a:prstGeom prst="rect">
             <a:avLst/>
@@ -3999,8 +4915,8 @@
         </p:blipFill>
         <p:spPr>
           <a:xfrm>
-            <a:off x="10595966" y="3885830"/>
-            <a:ext cx="1677813" cy="676728"/>
+            <a:off x="14031505" y="4169471"/>
+            <a:ext cx="2276196" cy="1381291"/>
           </a:xfrm>
           <a:prstGeom prst="rect">
             <a:avLst/>
@@ -4078,9 +4994,9 @@
         </p:nvGrpSpPr>
         <p:grpSpPr>
           <a:xfrm>
-            <a:off x="8519774" y="6069424"/>
+            <a:off x="12192901" y="6069424"/>
             <a:ext cx="4266667" cy="63443"/>
-            <a:chOff x="8519774" y="6069424"/>
+            <a:chOff x="12192901" y="6069424"/>
             <a:chExt cx="4266667" cy="63443"/>
           </a:xfrm>
         </p:grpSpPr>
@@ -4100,7 +5016,7 @@
           </p:blipFill>
           <p:spPr>
             <a:xfrm rot="-10800000">
-              <a:off x="8519774" y="6069424"/>
+              <a:off x="12192901" y="6069424"/>
               <a:ext cx="4266667" cy="63443"/>
             </a:xfrm>
             <a:prstGeom prst="rect">
@@ -4149,8 +5065,95 @@
         </p:blipFill>
         <p:spPr>
           <a:xfrm>
-            <a:off x="10618858" y="4436601"/>
-            <a:ext cx="1695806" cy="1625901"/>
+            <a:off x="9085716" y="3886916"/>
+            <a:ext cx="917994" cy="657318"/>
+          </a:xfrm>
+          <a:prstGeom prst="rect">
+            <a:avLst/>
+          </a:prstGeom>
+        </p:spPr>
+      </p:pic>
+      <p:pic>
+        <p:nvPicPr>
+          <p:cNvPr id="14" name="Object 13"/>
+          <p:cNvPicPr>
+            <a:picLocks noChangeAspect="1"/>
+          </p:cNvPicPr>
+          <p:nvPr/>
+        </p:nvPicPr>
+        <p:blipFill>
+          <a:blip r:embed="rId9" cstate="print"/>
+          <a:stretch>
+            <a:fillRect/>
+          </a:stretch>
+        </p:blipFill>
+        <p:spPr>
+          <a:xfrm>
+            <a:off x="6784055" y="3717503"/>
+            <a:ext cx="2559817" cy="2550074"/>
+          </a:xfrm>
+          <a:prstGeom prst="rect">
+            <a:avLst/>
+          </a:prstGeom>
+        </p:spPr>
+      </p:pic>
+      <p:grpSp>
+        <p:nvGrpSpPr>
+          <p:cNvPr id="1003" name="그룹 1003"/>
+          <p:cNvGrpSpPr/>
+          <p:nvPr/>
+        </p:nvGrpSpPr>
+        <p:grpSpPr>
+          <a:xfrm>
+            <a:off x="7009524" y="6072461"/>
+            <a:ext cx="4266667" cy="63443"/>
+            <a:chOff x="7009524" y="6072461"/>
+            <a:chExt cx="4266667" cy="63443"/>
+          </a:xfrm>
+        </p:grpSpPr>
+        <p:pic>
+          <p:nvPicPr>
+            <p:cNvPr id="16" name="Object 15"/>
+            <p:cNvPicPr>
+              <a:picLocks noChangeAspect="1"/>
+            </p:cNvPicPr>
+            <p:nvPr/>
+          </p:nvPicPr>
+          <p:blipFill>
+            <a:blip r:embed="rId6" cstate="print"/>
+            <a:stretch>
+              <a:fillRect/>
+            </a:stretch>
+          </p:blipFill>
+          <p:spPr>
+            <a:xfrm rot="-10800000">
+              <a:off x="7009524" y="6072461"/>
+              <a:ext cx="4266667" cy="63443"/>
+            </a:xfrm>
+            <a:prstGeom prst="rect">
+              <a:avLst/>
+            </a:prstGeom>
+          </p:spPr>
+        </p:pic>
+      </p:grpSp>
+      <p:pic>
+        <p:nvPicPr>
+          <p:cNvPr id="18" name="Object 17"/>
+          <p:cNvPicPr>
+            <a:picLocks noChangeAspect="1"/>
+          </p:cNvPicPr>
+          <p:nvPr/>
+        </p:nvPicPr>
+        <p:blipFill>
+          <a:blip r:embed="rId10" cstate="print"/>
+          <a:stretch>
+            <a:fillRect/>
+          </a:stretch>
+        </p:blipFill>
+        <p:spPr>
+          <a:xfrm>
+            <a:off x="9108572" y="4594420"/>
+            <a:ext cx="1468358" cy="840206"/>
           </a:xfrm>
           <a:prstGeom prst="rect">
             <a:avLst/>
@@ -4269,8 +5272,8 @@
         </p:blipFill>
         <p:spPr>
           <a:xfrm>
-            <a:off x="8643024" y="3124069"/>
-            <a:ext cx="1703745" cy="920517"/>
+            <a:off x="8643021" y="3124068"/>
+            <a:ext cx="4529441" cy="899288"/>
           </a:xfrm>
           <a:prstGeom prst="rect">
             <a:avLst/>
@@ -4579,7 +5582,7 @@
         <p:spPr>
           <a:xfrm>
             <a:off x="1678981" y="3815824"/>
-            <a:ext cx="5109972" cy="1868125"/>
+            <a:ext cx="4750810" cy="1868125"/>
           </a:xfrm>
           <a:prstGeom prst="rect">
             <a:avLst/>
@@ -4636,7 +5639,7 @@
         <p:spPr>
           <a:xfrm>
             <a:off x="795235" y="214490"/>
-            <a:ext cx="10799098" cy="3221822"/>
+            <a:ext cx="7291517" cy="3221821"/>
           </a:xfrm>
           <a:prstGeom prst="rect">
             <a:avLst/>
@@ -4651,10 +5654,10 @@
         </p:nvGrpSpPr>
         <p:grpSpPr>
           <a:xfrm>
-            <a:off x="1069514" y="2645623"/>
-            <a:ext cx="12429138" cy="91291"/>
-            <a:chOff x="1069514" y="2645623"/>
-            <a:chExt cx="12429138" cy="91291"/>
+            <a:off x="1069514" y="2674374"/>
+            <a:ext cx="11863819" cy="91291"/>
+            <a:chOff x="1069514" y="2674374"/>
+            <a:chExt cx="11863819" cy="91291"/>
           </a:xfrm>
         </p:grpSpPr>
         <p:pic>
@@ -4673,8 +5676,8 @@
           </p:blipFill>
           <p:spPr>
             <a:xfrm rot="-10800000">
-              <a:off x="1069514" y="2645623"/>
-              <a:ext cx="12429138" cy="91291"/>
+              <a:off x="1069514" y="2674374"/>
+              <a:ext cx="11863819" cy="91291"/>
             </a:xfrm>
             <a:prstGeom prst="rect">
               <a:avLst/>
@@ -4698,8 +5701,8 @@
         </p:blipFill>
         <p:spPr>
           <a:xfrm>
-            <a:off x="10899984" y="1698302"/>
-            <a:ext cx="2708936" cy="841422"/>
+            <a:off x="7398304" y="1945228"/>
+            <a:ext cx="3979231" cy="836031"/>
           </a:xfrm>
           <a:prstGeom prst="rect">
             <a:avLst/>
@@ -4722,8 +5725,8 @@
         </p:blipFill>
         <p:spPr>
           <a:xfrm>
-            <a:off x="9054017" y="3171767"/>
-            <a:ext cx="1382986" cy="604319"/>
+            <a:off x="5122660" y="3641611"/>
+            <a:ext cx="720291" cy="522681"/>
           </a:xfrm>
           <a:prstGeom prst="rect">
             <a:avLst/>
@@ -4746,8 +5749,8 @@
         </p:blipFill>
         <p:spPr>
           <a:xfrm>
-            <a:off x="9065446" y="3637980"/>
-            <a:ext cx="1173273" cy="453130"/>
+            <a:off x="5134088" y="4107830"/>
+            <a:ext cx="557892" cy="453130"/>
           </a:xfrm>
           <a:prstGeom prst="rect">
             <a:avLst/>
@@ -4762,10 +5765,10 @@
         </p:nvGrpSpPr>
         <p:grpSpPr>
           <a:xfrm>
-            <a:off x="9099730" y="3580974"/>
-            <a:ext cx="1221923" cy="91291"/>
-            <a:chOff x="9099730" y="3580974"/>
-            <a:chExt cx="1221923" cy="91291"/>
+            <a:off x="5168380" y="4050819"/>
+            <a:ext cx="609356" cy="91291"/>
+            <a:chOff x="5168380" y="4050819"/>
+            <a:chExt cx="609356" cy="91291"/>
           </a:xfrm>
         </p:grpSpPr>
         <p:pic>
@@ -4784,8 +5787,8 @@
           </p:blipFill>
           <p:spPr>
             <a:xfrm rot="-10800000">
-              <a:off x="9099730" y="3580974"/>
-              <a:ext cx="1221923" cy="91291"/>
+              <a:off x="5168380" y="4050819"/>
+              <a:ext cx="609356" cy="91291"/>
             </a:xfrm>
             <a:prstGeom prst="rect">
               <a:avLst/>
@@ -4793,54 +5796,6 @@
           </p:spPr>
         </p:pic>
       </p:grpSp>
-      <p:pic>
-        <p:nvPicPr>
-          <p:cNvPr id="12" name="Object 11"/>
-          <p:cNvPicPr>
-            <a:picLocks noChangeAspect="1"/>
-          </p:cNvPicPr>
-          <p:nvPr/>
-        </p:nvPicPr>
-        <p:blipFill>
-          <a:blip r:embed="rId8" cstate="print"/>
-          <a:stretch>
-            <a:fillRect/>
-          </a:stretch>
-        </p:blipFill>
-        <p:spPr>
-          <a:xfrm>
-            <a:off x="12609096" y="3171767"/>
-            <a:ext cx="1378824" cy="541729"/>
-          </a:xfrm>
-          <a:prstGeom prst="rect">
-            <a:avLst/>
-          </a:prstGeom>
-        </p:spPr>
-      </p:pic>
-      <p:pic>
-        <p:nvPicPr>
-          <p:cNvPr id="13" name="Object 12"/>
-          <p:cNvPicPr>
-            <a:picLocks noChangeAspect="1"/>
-          </p:cNvPicPr>
-          <p:nvPr/>
-        </p:nvPicPr>
-        <p:blipFill>
-          <a:blip r:embed="rId9" cstate="print"/>
-          <a:stretch>
-            <a:fillRect/>
-          </a:stretch>
-        </p:blipFill>
-        <p:spPr>
-          <a:xfrm>
-            <a:off x="12620525" y="3637985"/>
-            <a:ext cx="2076597" cy="453130"/>
-          </a:xfrm>
-          <a:prstGeom prst="rect">
-            <a:avLst/>
-          </a:prstGeom>
-        </p:spPr>
-      </p:pic>
       <p:grpSp>
         <p:nvGrpSpPr>
           <p:cNvPr id="1003" name="그룹 1003"/>
@@ -4849,30 +5804,30 @@
         </p:nvGrpSpPr>
         <p:grpSpPr>
           <a:xfrm>
-            <a:off x="12654802" y="3580976"/>
-            <a:ext cx="1219066" cy="91291"/>
-            <a:chOff x="12654802" y="3580976"/>
-            <a:chExt cx="1219066" cy="91291"/>
+            <a:off x="1661983" y="3057911"/>
+            <a:ext cx="2858540" cy="4013000"/>
+            <a:chOff x="1661983" y="3057911"/>
+            <a:chExt cx="2858540" cy="4013000"/>
           </a:xfrm>
         </p:grpSpPr>
         <p:pic>
           <p:nvPicPr>
-            <p:cNvPr id="15" name="Object 14"/>
+            <p:cNvPr id="13" name="Object 12"/>
             <p:cNvPicPr>
               <a:picLocks noChangeAspect="1"/>
             </p:cNvPicPr>
             <p:nvPr/>
           </p:nvPicPr>
           <p:blipFill>
-            <a:blip r:embed="rId10" cstate="print"/>
+            <a:blip r:embed="rId8" cstate="print"/>
             <a:stretch>
               <a:fillRect/>
             </a:stretch>
           </p:blipFill>
           <p:spPr>
-            <a:xfrm rot="-10800000">
-              <a:off x="12654802" y="3580976"/>
-              <a:ext cx="1219066" cy="91291"/>
+            <a:xfrm>
+              <a:off x="1661983" y="3057911"/>
+              <a:ext cx="2858540" cy="4013000"/>
             </a:xfrm>
             <a:prstGeom prst="rect">
               <a:avLst/>
@@ -4882,46 +5837,46 @@
       </p:grpSp>
       <p:pic>
         <p:nvPicPr>
-          <p:cNvPr id="17" name="Object 16"/>
-          <p:cNvPicPr>
-            <a:picLocks noChangeAspect="1"/>
-          </p:cNvPicPr>
-          <p:nvPr/>
-        </p:nvPicPr>
-        <p:blipFill>
-          <a:blip r:embed="rId11" cstate="print"/>
-          <a:stretch>
-            <a:fillRect/>
-          </a:stretch>
-        </p:blipFill>
-        <p:spPr>
-          <a:xfrm>
-            <a:off x="9054017" y="4220555"/>
-            <a:ext cx="1382986" cy="608891"/>
-          </a:xfrm>
-          <a:prstGeom prst="rect">
-            <a:avLst/>
-          </a:prstGeom>
-        </p:spPr>
-      </p:pic>
-      <p:pic>
-        <p:nvPicPr>
-          <p:cNvPr id="18" name="Object 17"/>
-          <p:cNvPicPr>
-            <a:picLocks noChangeAspect="1"/>
-          </p:cNvPicPr>
-          <p:nvPr/>
-        </p:nvPicPr>
-        <p:blipFill>
-          <a:blip r:embed="rId12" cstate="print"/>
-          <a:stretch>
-            <a:fillRect/>
-          </a:stretch>
-        </p:blipFill>
-        <p:spPr>
-          <a:xfrm>
-            <a:off x="9065446" y="4745659"/>
-            <a:ext cx="2660511" cy="881692"/>
+          <p:cNvPr id="15" name="Object 14"/>
+          <p:cNvPicPr>
+            <a:picLocks noChangeAspect="1"/>
+          </p:cNvPicPr>
+          <p:nvPr/>
+        </p:nvPicPr>
+        <p:blipFill>
+          <a:blip r:embed="rId5" cstate="print"/>
+          <a:stretch>
+            <a:fillRect/>
+          </a:stretch>
+        </p:blipFill>
+        <p:spPr>
+          <a:xfrm>
+            <a:off x="12550147" y="3641611"/>
+            <a:ext cx="720291" cy="522681"/>
+          </a:xfrm>
+          <a:prstGeom prst="rect">
+            <a:avLst/>
+          </a:prstGeom>
+        </p:spPr>
+      </p:pic>
+      <p:pic>
+        <p:nvPicPr>
+          <p:cNvPr id="16" name="Object 15"/>
+          <p:cNvPicPr>
+            <a:picLocks noChangeAspect="1"/>
+          </p:cNvPicPr>
+          <p:nvPr/>
+        </p:nvPicPr>
+        <p:blipFill>
+          <a:blip r:embed="rId9" cstate="print"/>
+          <a:stretch>
+            <a:fillRect/>
+          </a:stretch>
+        </p:blipFill>
+        <p:spPr>
+          <a:xfrm>
+            <a:off x="12561589" y="4107830"/>
+            <a:ext cx="986778" cy="394206"/>
           </a:xfrm>
           <a:prstGeom prst="rect">
             <a:avLst/>
@@ -4936,15 +5891,15 @@
         </p:nvGrpSpPr>
         <p:grpSpPr>
           <a:xfrm>
-            <a:off x="9099730" y="4629764"/>
-            <a:ext cx="1221923" cy="91291"/>
-            <a:chOff x="9099730" y="4629764"/>
-            <a:chExt cx="1221923" cy="91291"/>
+            <a:off x="12595866" y="4050819"/>
+            <a:ext cx="609356" cy="91291"/>
+            <a:chOff x="12595866" y="4050819"/>
+            <a:chExt cx="609356" cy="91291"/>
           </a:xfrm>
         </p:grpSpPr>
         <p:pic>
           <p:nvPicPr>
-            <p:cNvPr id="20" name="Object 19"/>
+            <p:cNvPr id="18" name="Object 17"/>
             <p:cNvPicPr>
               <a:picLocks noChangeAspect="1"/>
             </p:cNvPicPr>
@@ -4958,8 +5913,8 @@
           </p:blipFill>
           <p:spPr>
             <a:xfrm rot="-10800000">
-              <a:off x="9099730" y="4629764"/>
-              <a:ext cx="1221923" cy="91291"/>
+              <a:off x="12595866" y="4050819"/>
+              <a:ext cx="609356" cy="91291"/>
             </a:xfrm>
             <a:prstGeom prst="rect">
               <a:avLst/>
@@ -4969,46 +5924,46 @@
       </p:grpSp>
       <p:pic>
         <p:nvPicPr>
-          <p:cNvPr id="22" name="Object 21"/>
-          <p:cNvPicPr>
-            <a:picLocks noChangeAspect="1"/>
-          </p:cNvPicPr>
-          <p:nvPr/>
-        </p:nvPicPr>
-        <p:blipFill>
-          <a:blip r:embed="rId13" cstate="print"/>
-          <a:stretch>
-            <a:fillRect/>
-          </a:stretch>
-        </p:blipFill>
-        <p:spPr>
-          <a:xfrm>
-            <a:off x="12609065" y="4220555"/>
-            <a:ext cx="1378824" cy="541729"/>
-          </a:xfrm>
-          <a:prstGeom prst="rect">
-            <a:avLst/>
-          </a:prstGeom>
-        </p:spPr>
-      </p:pic>
-      <p:pic>
-        <p:nvPicPr>
-          <p:cNvPr id="23" name="Object 22"/>
-          <p:cNvPicPr>
-            <a:picLocks noChangeAspect="1"/>
-          </p:cNvPicPr>
-          <p:nvPr/>
-        </p:nvPicPr>
-        <p:blipFill>
-          <a:blip r:embed="rId14" cstate="print"/>
-          <a:stretch>
-            <a:fillRect/>
-          </a:stretch>
-        </p:blipFill>
-        <p:spPr>
-          <a:xfrm>
-            <a:off x="12620493" y="4745659"/>
-            <a:ext cx="3303578" cy="1710244"/>
+          <p:cNvPr id="20" name="Object 19"/>
+          <p:cNvPicPr>
+            <a:picLocks noChangeAspect="1"/>
+          </p:cNvPicPr>
+          <p:nvPr/>
+        </p:nvPicPr>
+        <p:blipFill>
+          <a:blip r:embed="rId10" cstate="print"/>
+          <a:stretch>
+            <a:fillRect/>
+          </a:stretch>
+        </p:blipFill>
+        <p:spPr>
+          <a:xfrm>
+            <a:off x="5072385" y="4877018"/>
+            <a:ext cx="1383719" cy="611034"/>
+          </a:xfrm>
+          <a:prstGeom prst="rect">
+            <a:avLst/>
+          </a:prstGeom>
+        </p:spPr>
+      </p:pic>
+      <p:pic>
+        <p:nvPicPr>
+          <p:cNvPr id="21" name="Object 20"/>
+          <p:cNvPicPr>
+            <a:picLocks noChangeAspect="1"/>
+          </p:cNvPicPr>
+          <p:nvPr/>
+        </p:nvPicPr>
+        <p:blipFill>
+          <a:blip r:embed="rId11" cstate="print"/>
+          <a:stretch>
+            <a:fillRect/>
+          </a:stretch>
+        </p:blipFill>
+        <p:spPr>
+          <a:xfrm>
+            <a:off x="5083813" y="5343237"/>
+            <a:ext cx="557892" cy="453130"/>
           </a:xfrm>
           <a:prstGeom prst="rect">
             <a:avLst/>
@@ -5023,30 +5978,30 @@
         </p:nvGrpSpPr>
         <p:grpSpPr>
           <a:xfrm>
-            <a:off x="12654810" y="4629764"/>
-            <a:ext cx="1221923" cy="91291"/>
-            <a:chOff x="12654810" y="4629764"/>
-            <a:chExt cx="1221923" cy="91291"/>
+            <a:off x="5118105" y="5286227"/>
+            <a:ext cx="1239060" cy="91291"/>
+            <a:chOff x="5118105" y="5286227"/>
+            <a:chExt cx="1239060" cy="91291"/>
           </a:xfrm>
         </p:grpSpPr>
         <p:pic>
           <p:nvPicPr>
-            <p:cNvPr id="25" name="Object 24"/>
+            <p:cNvPr id="23" name="Object 22"/>
             <p:cNvPicPr>
               <a:picLocks noChangeAspect="1"/>
             </p:cNvPicPr>
             <p:nvPr/>
           </p:nvPicPr>
           <p:blipFill>
-            <a:blip r:embed="rId7" cstate="print"/>
+            <a:blip r:embed="rId12" cstate="print"/>
             <a:stretch>
               <a:fillRect/>
             </a:stretch>
           </p:blipFill>
           <p:spPr>
             <a:xfrm rot="-10800000">
-              <a:off x="12654810" y="4629764"/>
-              <a:ext cx="1221923" cy="91291"/>
+              <a:off x="5118105" y="5286227"/>
+              <a:ext cx="1239060" cy="91291"/>
             </a:xfrm>
             <a:prstGeom prst="rect">
               <a:avLst/>
@@ -5056,22 +6011,46 @@
       </p:grpSp>
       <p:pic>
         <p:nvPicPr>
-          <p:cNvPr id="27" name="Object 26"/>
-          <p:cNvPicPr>
-            <a:picLocks noChangeAspect="1"/>
-          </p:cNvPicPr>
-          <p:nvPr/>
-        </p:nvPicPr>
-        <p:blipFill>
-          <a:blip r:embed="rId15" cstate="print"/>
-          <a:stretch>
-            <a:fillRect/>
-          </a:stretch>
-        </p:blipFill>
-        <p:spPr>
-          <a:xfrm>
-            <a:off x="12609106" y="6482697"/>
-            <a:ext cx="1019634" cy="541729"/>
+          <p:cNvPr id="25" name="Object 24"/>
+          <p:cNvPicPr>
+            <a:picLocks noChangeAspect="1"/>
+          </p:cNvPicPr>
+          <p:nvPr/>
+        </p:nvPicPr>
+        <p:blipFill>
+          <a:blip r:embed="rId10" cstate="print"/>
+          <a:stretch>
+            <a:fillRect/>
+          </a:stretch>
+        </p:blipFill>
+        <p:spPr>
+          <a:xfrm>
+            <a:off x="12607290" y="4857971"/>
+            <a:ext cx="1383719" cy="611034"/>
+          </a:xfrm>
+          <a:prstGeom prst="rect">
+            <a:avLst/>
+          </a:prstGeom>
+        </p:spPr>
+      </p:pic>
+      <p:pic>
+        <p:nvPicPr>
+          <p:cNvPr id="26" name="Object 25"/>
+          <p:cNvPicPr>
+            <a:picLocks noChangeAspect="1"/>
+          </p:cNvPicPr>
+          <p:nvPr/>
+        </p:nvPicPr>
+        <p:blipFill>
+          <a:blip r:embed="rId13" cstate="print"/>
+          <a:stretch>
+            <a:fillRect/>
+          </a:stretch>
+        </p:blipFill>
+        <p:spPr>
+          <a:xfrm>
+            <a:off x="12618455" y="5317588"/>
+            <a:ext cx="1045743" cy="461210"/>
           </a:xfrm>
           <a:prstGeom prst="rect">
             <a:avLst/>
@@ -5086,30 +6065,30 @@
         </p:nvGrpSpPr>
         <p:grpSpPr>
           <a:xfrm>
-            <a:off x="12654819" y="6891905"/>
-            <a:ext cx="1221923" cy="91291"/>
-            <a:chOff x="12654819" y="6891905"/>
-            <a:chExt cx="1221923" cy="91291"/>
+            <a:off x="12653009" y="5267180"/>
+            <a:ext cx="1239060" cy="91291"/>
+            <a:chOff x="12653009" y="5267180"/>
+            <a:chExt cx="1239060" cy="91291"/>
           </a:xfrm>
         </p:grpSpPr>
         <p:pic>
           <p:nvPicPr>
-            <p:cNvPr id="29" name="Object 28"/>
+            <p:cNvPr id="28" name="Object 27"/>
             <p:cNvPicPr>
               <a:picLocks noChangeAspect="1"/>
             </p:cNvPicPr>
             <p:nvPr/>
           </p:nvPicPr>
           <p:blipFill>
-            <a:blip r:embed="rId7" cstate="print"/>
+            <a:blip r:embed="rId12" cstate="print"/>
             <a:stretch>
               <a:fillRect/>
             </a:stretch>
           </p:blipFill>
           <p:spPr>
             <a:xfrm rot="-10800000">
-              <a:off x="12654819" y="6891905"/>
-              <a:ext cx="1221923" cy="91291"/>
+              <a:off x="12653009" y="5267180"/>
+              <a:ext cx="1239060" cy="91291"/>
             </a:xfrm>
             <a:prstGeom prst="rect">
               <a:avLst/>
@@ -5117,6 +6096,54 @@
           </p:spPr>
         </p:pic>
       </p:grpSp>
+      <p:pic>
+        <p:nvPicPr>
+          <p:cNvPr id="30" name="Object 29"/>
+          <p:cNvPicPr>
+            <a:picLocks noChangeAspect="1"/>
+          </p:cNvPicPr>
+          <p:nvPr/>
+        </p:nvPicPr>
+        <p:blipFill>
+          <a:blip r:embed="rId14" cstate="print"/>
+          <a:stretch>
+            <a:fillRect/>
+          </a:stretch>
+        </p:blipFill>
+        <p:spPr>
+          <a:xfrm>
+            <a:off x="1796953" y="7204085"/>
+            <a:ext cx="996824" cy="616367"/>
+          </a:xfrm>
+          <a:prstGeom prst="rect">
+            <a:avLst/>
+          </a:prstGeom>
+        </p:spPr>
+      </p:pic>
+      <p:pic>
+        <p:nvPicPr>
+          <p:cNvPr id="31" name="Object 30"/>
+          <p:cNvPicPr>
+            <a:picLocks noChangeAspect="1"/>
+          </p:cNvPicPr>
+          <p:nvPr/>
+        </p:nvPicPr>
+        <p:blipFill>
+          <a:blip r:embed="rId15" cstate="print"/>
+          <a:stretch>
+            <a:fillRect/>
+          </a:stretch>
+        </p:blipFill>
+        <p:spPr>
+          <a:xfrm>
+            <a:off x="1808382" y="7684782"/>
+            <a:ext cx="2762739" cy="881692"/>
+          </a:xfrm>
+          <a:prstGeom prst="rect">
+            <a:avLst/>
+          </a:prstGeom>
+        </p:spPr>
+      </p:pic>
       <p:grpSp>
         <p:nvGrpSpPr>
           <p:cNvPr id="1007" name="그룹 1007"/>
@@ -5125,15 +6152,15 @@
         </p:nvGrpSpPr>
         <p:grpSpPr>
           <a:xfrm>
-            <a:off x="1069514" y="3246231"/>
-            <a:ext cx="7317319" cy="6564359"/>
-            <a:chOff x="1069514" y="3246231"/>
-            <a:chExt cx="7317319" cy="6564359"/>
+            <a:off x="1842669" y="7627772"/>
+            <a:ext cx="864302" cy="91291"/>
+            <a:chOff x="1842669" y="7627772"/>
+            <a:chExt cx="864302" cy="91291"/>
           </a:xfrm>
         </p:grpSpPr>
         <p:pic>
           <p:nvPicPr>
-            <p:cNvPr id="32" name="Object 31"/>
+            <p:cNvPr id="33" name="Object 32"/>
             <p:cNvPicPr>
               <a:picLocks noChangeAspect="1"/>
             </p:cNvPicPr>
@@ -5146,9 +6173,9 @@
             </a:stretch>
           </p:blipFill>
           <p:spPr>
-            <a:xfrm>
-              <a:off x="1069514" y="3246231"/>
-              <a:ext cx="7317319" cy="6564359"/>
+            <a:xfrm rot="-10800000">
+              <a:off x="1842669" y="7627772"/>
+              <a:ext cx="864302" cy="91291"/>
             </a:xfrm>
             <a:prstGeom prst="rect">
               <a:avLst/>
@@ -5156,54 +6183,6 @@
           </p:spPr>
         </p:pic>
       </p:grpSp>
-      <p:pic>
-        <p:nvPicPr>
-          <p:cNvPr id="34" name="Object 33"/>
-          <p:cNvPicPr>
-            <a:picLocks noChangeAspect="1"/>
-          </p:cNvPicPr>
-          <p:nvPr/>
-        </p:nvPicPr>
-        <p:blipFill>
-          <a:blip r:embed="rId17" cstate="print"/>
-          <a:stretch>
-            <a:fillRect/>
-          </a:stretch>
-        </p:blipFill>
-        <p:spPr>
-          <a:xfrm>
-            <a:off x="9054021" y="6482697"/>
-            <a:ext cx="1359777" cy="532205"/>
-          </a:xfrm>
-          <a:prstGeom prst="rect">
-            <a:avLst/>
-          </a:prstGeom>
-        </p:spPr>
-      </p:pic>
-      <p:pic>
-        <p:nvPicPr>
-          <p:cNvPr id="35" name="Object 34"/>
-          <p:cNvPicPr>
-            <a:picLocks noChangeAspect="1"/>
-          </p:cNvPicPr>
-          <p:nvPr/>
-        </p:nvPicPr>
-        <p:blipFill>
-          <a:blip r:embed="rId18" cstate="print"/>
-          <a:stretch>
-            <a:fillRect/>
-          </a:stretch>
-        </p:blipFill>
-        <p:spPr>
-          <a:xfrm>
-            <a:off x="9065446" y="7007801"/>
-            <a:ext cx="3033720" cy="1295968"/>
-          </a:xfrm>
-          <a:prstGeom prst="rect">
-            <a:avLst/>
-          </a:prstGeom>
-        </p:spPr>
-      </p:pic>
       <p:grpSp>
         <p:nvGrpSpPr>
           <p:cNvPr id="1008" name="그룹 1008"/>
@@ -5212,30 +6191,30 @@
         </p:nvGrpSpPr>
         <p:grpSpPr>
           <a:xfrm>
-            <a:off x="9099735" y="6891909"/>
-            <a:ext cx="1221923" cy="91291"/>
-            <a:chOff x="9099735" y="6891909"/>
-            <a:chExt cx="1221923" cy="91291"/>
+            <a:off x="12512887" y="4796076"/>
+            <a:ext cx="1650364" cy="3377652"/>
+            <a:chOff x="12512887" y="4796076"/>
+            <a:chExt cx="1650364" cy="3377652"/>
           </a:xfrm>
         </p:grpSpPr>
         <p:pic>
           <p:nvPicPr>
-            <p:cNvPr id="37" name="Object 36"/>
+            <p:cNvPr id="36" name="Object 35"/>
             <p:cNvPicPr>
               <a:picLocks noChangeAspect="1"/>
             </p:cNvPicPr>
             <p:nvPr/>
           </p:nvPicPr>
           <p:blipFill>
-            <a:blip r:embed="rId7" cstate="print"/>
+            <a:blip r:embed="rId17" cstate="print"/>
             <a:stretch>
               <a:fillRect/>
             </a:stretch>
           </p:blipFill>
           <p:spPr>
-            <a:xfrm rot="-10800000">
-              <a:off x="9099735" y="6891909"/>
-              <a:ext cx="1221923" cy="91291"/>
+            <a:xfrm rot="-5400000">
+              <a:off x="12512887" y="4796076"/>
+              <a:ext cx="1650364" cy="3377652"/>
             </a:xfrm>
             <a:prstGeom prst="rect">
               <a:avLst/>
@@ -5243,30 +6222,6 @@
           </p:spPr>
         </p:pic>
       </p:grpSp>
-      <p:pic>
-        <p:nvPicPr>
-          <p:cNvPr id="39" name="Object 38"/>
-          <p:cNvPicPr>
-            <a:picLocks noChangeAspect="1"/>
-          </p:cNvPicPr>
-          <p:nvPr/>
-        </p:nvPicPr>
-        <p:blipFill>
-          <a:blip r:embed="rId19" cstate="print"/>
-          <a:stretch>
-            <a:fillRect/>
-          </a:stretch>
-        </p:blipFill>
-        <p:spPr>
-          <a:xfrm>
-            <a:off x="9055611" y="8565532"/>
-            <a:ext cx="3054986" cy="604319"/>
-          </a:xfrm>
-          <a:prstGeom prst="rect">
-            <a:avLst/>
-          </a:prstGeom>
-        </p:spPr>
-      </p:pic>
       <p:grpSp>
         <p:nvGrpSpPr>
           <p:cNvPr id="1009" name="그룹 1009"/>
@@ -5275,30 +6230,30 @@
         </p:nvGrpSpPr>
         <p:grpSpPr>
           <a:xfrm>
-            <a:off x="9101323" y="8974746"/>
-            <a:ext cx="2903863" cy="91291"/>
-            <a:chOff x="9101323" y="8974746"/>
-            <a:chExt cx="2903863" cy="91291"/>
+            <a:off x="8422701" y="2961229"/>
+            <a:ext cx="3700313" cy="4206363"/>
+            <a:chOff x="8422701" y="2961229"/>
+            <a:chExt cx="3700313" cy="4206363"/>
           </a:xfrm>
         </p:grpSpPr>
         <p:pic>
           <p:nvPicPr>
-            <p:cNvPr id="41" name="Object 40"/>
+            <p:cNvPr id="39" name="Object 38"/>
             <p:cNvPicPr>
               <a:picLocks noChangeAspect="1"/>
             </p:cNvPicPr>
             <p:nvPr/>
           </p:nvPicPr>
           <p:blipFill>
-            <a:blip r:embed="rId20" cstate="print"/>
+            <a:blip r:embed="rId18" cstate="print"/>
             <a:stretch>
               <a:fillRect/>
             </a:stretch>
           </p:blipFill>
           <p:spPr>
-            <a:xfrm rot="-10800000">
-              <a:off x="9101323" y="8974746"/>
-              <a:ext cx="2903863" cy="91291"/>
+            <a:xfrm>
+              <a:off x="8422701" y="2961229"/>
+              <a:ext cx="3700313" cy="4206363"/>
             </a:xfrm>
             <a:prstGeom prst="rect">
               <a:avLst/>
@@ -5306,88 +6261,654 @@
           </p:spPr>
         </p:pic>
       </p:grpSp>
-      <p:sp>
-        <p:nvSpPr>
-          <p:cNvPr id="3" name="TextBox 2">
-            <a:extLst>
-              <a:ext uri="{FF2B5EF4-FFF2-40B4-BE49-F238E27FC236}">
-                <a16:creationId xmlns:a16="http://schemas.microsoft.com/office/drawing/2014/main" id="{2FCF3902-1C3C-0D47-D56D-BB14B88D9C1F}"/>
-              </a:ext>
-            </a:extLst>
-          </p:cNvPr>
-          <p:cNvSpPr txBox="1"/>
-          <p:nvPr/>
-        </p:nvSpPr>
-        <p:spPr>
-          <a:xfrm>
-            <a:off x="9025296" y="8974746"/>
-            <a:ext cx="2979890" cy="1477328"/>
-          </a:xfrm>
-          <a:prstGeom prst="rect">
-            <a:avLst/>
-          </a:prstGeom>
-          <a:noFill/>
-        </p:spPr>
-        <p:txBody>
-          <a:bodyPr wrap="square">
-            <a:spAutoFit/>
-          </a:bodyPr>
-          <a:lstStyle/>
-          <a:p>
-            <a:r>
-              <a:rPr lang="ko-KR" altLang="en-US" dirty="0">
-                <a:hlinkClick r:id="rId21"/>
-              </a:rPr>
-              <a:t>https://www.youtube.com/watch?v=p7UMAAfEVRw&amp;list=PLplIhs0tvklkFJdDUSKccheD4yU3e6xhG&amp;index=1</a:t>
-            </a:r>
-            <a:endParaRPr lang="en-US" altLang="ko-KR" dirty="0"/>
-          </a:p>
-          <a:p>
-            <a:endParaRPr lang="ko-KR" altLang="en-US" dirty="0"/>
-          </a:p>
-        </p:txBody>
-      </p:sp>
-      <p:sp>
-        <p:nvSpPr>
-          <p:cNvPr id="5" name="TextBox 4">
-            <a:extLst>
-              <a:ext uri="{FF2B5EF4-FFF2-40B4-BE49-F238E27FC236}">
-                <a16:creationId xmlns:a16="http://schemas.microsoft.com/office/drawing/2014/main" id="{0401BB1F-94EA-668B-0159-E0B7AE080BDD}"/>
-              </a:ext>
-            </a:extLst>
-          </p:cNvPr>
-          <p:cNvSpPr txBox="1"/>
-          <p:nvPr/>
-        </p:nvSpPr>
-        <p:spPr>
-          <a:xfrm>
-            <a:off x="12609065" y="6981007"/>
-            <a:ext cx="3429000" cy="646331"/>
-          </a:xfrm>
-          <a:prstGeom prst="rect">
-            <a:avLst/>
-          </a:prstGeom>
-          <a:noFill/>
-        </p:spPr>
-        <p:txBody>
-          <a:bodyPr wrap="square">
-            <a:spAutoFit/>
-          </a:bodyPr>
-          <a:lstStyle/>
-          <a:p>
-            <a:r>
-              <a:rPr lang="ko-KR" altLang="en-US" dirty="0">
-                <a:hlinkClick r:id="rId22"/>
-              </a:rPr>
-              <a:t>https://github.com/hjs0913/SSU</a:t>
-            </a:r>
-            <a:endParaRPr lang="en-US" altLang="ko-KR" dirty="0"/>
-          </a:p>
-          <a:p>
-            <a:endParaRPr lang="en-US" altLang="ko-KR" dirty="0"/>
-          </a:p>
-        </p:txBody>
-      </p:sp>
+      <p:grpSp>
+        <p:nvGrpSpPr>
+          <p:cNvPr id="1010" name="그룹 1010"/>
+          <p:cNvGrpSpPr/>
+          <p:nvPr/>
+        </p:nvGrpSpPr>
+        <p:grpSpPr>
+          <a:xfrm>
+            <a:off x="4610628" y="5188279"/>
+            <a:ext cx="2802209" cy="2094651"/>
+            <a:chOff x="4610628" y="5188279"/>
+            <a:chExt cx="2802209" cy="2094651"/>
+          </a:xfrm>
+        </p:grpSpPr>
+        <p:pic>
+          <p:nvPicPr>
+            <p:cNvPr id="42" name="Object 41"/>
+            <p:cNvPicPr>
+              <a:picLocks noChangeAspect="1"/>
+            </p:cNvPicPr>
+            <p:nvPr/>
+          </p:nvPicPr>
+          <p:blipFill>
+            <a:blip r:embed="rId19" cstate="print"/>
+            <a:stretch>
+              <a:fillRect/>
+            </a:stretch>
+          </p:blipFill>
+          <p:spPr>
+            <a:xfrm rot="1980000">
+              <a:off x="4610628" y="5188279"/>
+              <a:ext cx="2802209" cy="2094651"/>
+            </a:xfrm>
+            <a:prstGeom prst="rect">
+              <a:avLst/>
+            </a:prstGeom>
+          </p:spPr>
+        </p:pic>
+      </p:grpSp>
+      <p:pic>
+        <p:nvPicPr>
+          <p:cNvPr id="44" name="Object 43"/>
+          <p:cNvPicPr>
+            <a:picLocks noChangeAspect="1"/>
+          </p:cNvPicPr>
+          <p:nvPr/>
+        </p:nvPicPr>
+        <p:blipFill>
+          <a:blip r:embed="rId20" cstate="print"/>
+          <a:stretch>
+            <a:fillRect/>
+          </a:stretch>
+        </p:blipFill>
+        <p:spPr>
+          <a:xfrm>
+            <a:off x="1759829" y="8498666"/>
+            <a:ext cx="996824" cy="616367"/>
+          </a:xfrm>
+          <a:prstGeom prst="rect">
+            <a:avLst/>
+          </a:prstGeom>
+        </p:spPr>
+      </p:pic>
+      <p:pic>
+        <p:nvPicPr>
+          <p:cNvPr id="45" name="Object 44"/>
+          <p:cNvPicPr>
+            <a:picLocks noChangeAspect="1"/>
+          </p:cNvPicPr>
+          <p:nvPr/>
+        </p:nvPicPr>
+        <p:blipFill>
+          <a:blip r:embed="rId21" cstate="print"/>
+          <a:stretch>
+            <a:fillRect/>
+          </a:stretch>
+        </p:blipFill>
+        <p:spPr>
+          <a:xfrm>
+            <a:off x="1771258" y="8979363"/>
+            <a:ext cx="3183492" cy="881692"/>
+          </a:xfrm>
+          <a:prstGeom prst="rect">
+            <a:avLst/>
+          </a:prstGeom>
+        </p:spPr>
+      </p:pic>
+      <p:grpSp>
+        <p:nvGrpSpPr>
+          <p:cNvPr id="1011" name="그룹 1011"/>
+          <p:cNvGrpSpPr/>
+          <p:nvPr/>
+        </p:nvGrpSpPr>
+        <p:grpSpPr>
+          <a:xfrm>
+            <a:off x="1805542" y="8922353"/>
+            <a:ext cx="864302" cy="91291"/>
+            <a:chOff x="1805542" y="8922353"/>
+            <a:chExt cx="864302" cy="91291"/>
+          </a:xfrm>
+        </p:grpSpPr>
+        <p:pic>
+          <p:nvPicPr>
+            <p:cNvPr id="47" name="Object 46"/>
+            <p:cNvPicPr>
+              <a:picLocks noChangeAspect="1"/>
+            </p:cNvPicPr>
+            <p:nvPr/>
+          </p:nvPicPr>
+          <p:blipFill>
+            <a:blip r:embed="rId16" cstate="print"/>
+            <a:stretch>
+              <a:fillRect/>
+            </a:stretch>
+          </p:blipFill>
+          <p:spPr>
+            <a:xfrm rot="-10800000">
+              <a:off x="1805542" y="8922353"/>
+              <a:ext cx="864302" cy="91291"/>
+            </a:xfrm>
+            <a:prstGeom prst="rect">
+              <a:avLst/>
+            </a:prstGeom>
+          </p:spPr>
+        </p:pic>
+      </p:grpSp>
+      <p:pic>
+        <p:nvPicPr>
+          <p:cNvPr id="49" name="Object 48"/>
+          <p:cNvPicPr>
+            <a:picLocks noChangeAspect="1"/>
+          </p:cNvPicPr>
+          <p:nvPr/>
+        </p:nvPicPr>
+        <p:blipFill>
+          <a:blip r:embed="rId22" cstate="print"/>
+          <a:stretch>
+            <a:fillRect/>
+          </a:stretch>
+        </p:blipFill>
+        <p:spPr>
+          <a:xfrm>
+            <a:off x="5072382" y="7204085"/>
+            <a:ext cx="996824" cy="616367"/>
+          </a:xfrm>
+          <a:prstGeom prst="rect">
+            <a:avLst/>
+          </a:prstGeom>
+        </p:spPr>
+      </p:pic>
+      <p:pic>
+        <p:nvPicPr>
+          <p:cNvPr id="50" name="Object 49"/>
+          <p:cNvPicPr>
+            <a:picLocks noChangeAspect="1"/>
+          </p:cNvPicPr>
+          <p:nvPr/>
+        </p:nvPicPr>
+        <p:blipFill>
+          <a:blip r:embed="rId23" cstate="print"/>
+          <a:stretch>
+            <a:fillRect/>
+          </a:stretch>
+        </p:blipFill>
+        <p:spPr>
+          <a:xfrm>
+            <a:off x="5083810" y="7684782"/>
+            <a:ext cx="2762739" cy="881692"/>
+          </a:xfrm>
+          <a:prstGeom prst="rect">
+            <a:avLst/>
+          </a:prstGeom>
+        </p:spPr>
+      </p:pic>
+      <p:grpSp>
+        <p:nvGrpSpPr>
+          <p:cNvPr id="1012" name="그룹 1012"/>
+          <p:cNvGrpSpPr/>
+          <p:nvPr/>
+        </p:nvGrpSpPr>
+        <p:grpSpPr>
+          <a:xfrm>
+            <a:off x="5118098" y="7627772"/>
+            <a:ext cx="864302" cy="91291"/>
+            <a:chOff x="5118098" y="7627772"/>
+            <a:chExt cx="864302" cy="91291"/>
+          </a:xfrm>
+        </p:grpSpPr>
+        <p:pic>
+          <p:nvPicPr>
+            <p:cNvPr id="52" name="Object 51"/>
+            <p:cNvPicPr>
+              <a:picLocks noChangeAspect="1"/>
+            </p:cNvPicPr>
+            <p:nvPr/>
+          </p:nvPicPr>
+          <p:blipFill>
+            <a:blip r:embed="rId16" cstate="print"/>
+            <a:stretch>
+              <a:fillRect/>
+            </a:stretch>
+          </p:blipFill>
+          <p:spPr>
+            <a:xfrm rot="-10800000">
+              <a:off x="5118098" y="7627772"/>
+              <a:ext cx="864302" cy="91291"/>
+            </a:xfrm>
+            <a:prstGeom prst="rect">
+              <a:avLst/>
+            </a:prstGeom>
+          </p:spPr>
+        </p:pic>
+      </p:grpSp>
+      <p:pic>
+        <p:nvPicPr>
+          <p:cNvPr id="54" name="Object 53"/>
+          <p:cNvPicPr>
+            <a:picLocks noChangeAspect="1"/>
+          </p:cNvPicPr>
+          <p:nvPr/>
+        </p:nvPicPr>
+        <p:blipFill>
+          <a:blip r:embed="rId24" cstate="print"/>
+          <a:stretch>
+            <a:fillRect/>
+          </a:stretch>
+        </p:blipFill>
+        <p:spPr>
+          <a:xfrm>
+            <a:off x="5072382" y="8506285"/>
+            <a:ext cx="2031024" cy="616367"/>
+          </a:xfrm>
+          <a:prstGeom prst="rect">
+            <a:avLst/>
+          </a:prstGeom>
+        </p:spPr>
+      </p:pic>
+      <p:pic>
+        <p:nvPicPr>
+          <p:cNvPr id="55" name="Object 54"/>
+          <p:cNvPicPr>
+            <a:picLocks noChangeAspect="1"/>
+          </p:cNvPicPr>
+          <p:nvPr/>
+        </p:nvPicPr>
+        <p:blipFill>
+          <a:blip r:embed="rId25" cstate="print"/>
+          <a:stretch>
+            <a:fillRect/>
+          </a:stretch>
+        </p:blipFill>
+        <p:spPr>
+          <a:xfrm>
+            <a:off x="5083810" y="8986982"/>
+            <a:ext cx="3663387" cy="881692"/>
+          </a:xfrm>
+          <a:prstGeom prst="rect">
+            <a:avLst/>
+          </a:prstGeom>
+        </p:spPr>
+      </p:pic>
+      <p:grpSp>
+        <p:nvGrpSpPr>
+          <p:cNvPr id="1013" name="그룹 1013"/>
+          <p:cNvGrpSpPr/>
+          <p:nvPr/>
+        </p:nvGrpSpPr>
+        <p:grpSpPr>
+          <a:xfrm>
+            <a:off x="5118098" y="8929972"/>
+            <a:ext cx="1855539" cy="91291"/>
+            <a:chOff x="5118098" y="8929972"/>
+            <a:chExt cx="1855539" cy="91291"/>
+          </a:xfrm>
+        </p:grpSpPr>
+        <p:pic>
+          <p:nvPicPr>
+            <p:cNvPr id="57" name="Object 56"/>
+            <p:cNvPicPr>
+              <a:picLocks noChangeAspect="1"/>
+            </p:cNvPicPr>
+            <p:nvPr/>
+          </p:nvPicPr>
+          <p:blipFill>
+            <a:blip r:embed="rId26" cstate="print"/>
+            <a:stretch>
+              <a:fillRect/>
+            </a:stretch>
+          </p:blipFill>
+          <p:spPr>
+            <a:xfrm rot="-10800000">
+              <a:off x="5118098" y="8929972"/>
+              <a:ext cx="1855539" cy="91291"/>
+            </a:xfrm>
+            <a:prstGeom prst="rect">
+              <a:avLst/>
+            </a:prstGeom>
+          </p:spPr>
+        </p:pic>
+      </p:grpSp>
+      <p:pic>
+        <p:nvPicPr>
+          <p:cNvPr id="59" name="Object 58"/>
+          <p:cNvPicPr>
+            <a:picLocks noChangeAspect="1"/>
+          </p:cNvPicPr>
+          <p:nvPr/>
+        </p:nvPicPr>
+        <p:blipFill>
+          <a:blip r:embed="rId14" cstate="print"/>
+          <a:stretch>
+            <a:fillRect/>
+          </a:stretch>
+        </p:blipFill>
+        <p:spPr>
+          <a:xfrm>
+            <a:off x="9362840" y="7249895"/>
+            <a:ext cx="996824" cy="616367"/>
+          </a:xfrm>
+          <a:prstGeom prst="rect">
+            <a:avLst/>
+          </a:prstGeom>
+        </p:spPr>
+      </p:pic>
+      <p:pic>
+        <p:nvPicPr>
+          <p:cNvPr id="60" name="Object 59"/>
+          <p:cNvPicPr>
+            <a:picLocks noChangeAspect="1"/>
+          </p:cNvPicPr>
+          <p:nvPr/>
+        </p:nvPicPr>
+        <p:blipFill>
+          <a:blip r:embed="rId27" cstate="print"/>
+          <a:stretch>
+            <a:fillRect/>
+          </a:stretch>
+        </p:blipFill>
+        <p:spPr>
+          <a:xfrm>
+            <a:off x="9374268" y="7730591"/>
+            <a:ext cx="2532387" cy="881692"/>
+          </a:xfrm>
+          <a:prstGeom prst="rect">
+            <a:avLst/>
+          </a:prstGeom>
+        </p:spPr>
+      </p:pic>
+      <p:grpSp>
+        <p:nvGrpSpPr>
+          <p:cNvPr id="1014" name="그룹 1014"/>
+          <p:cNvGrpSpPr/>
+          <p:nvPr/>
+        </p:nvGrpSpPr>
+        <p:grpSpPr>
+          <a:xfrm>
+            <a:off x="9408556" y="7673582"/>
+            <a:ext cx="864302" cy="91291"/>
+            <a:chOff x="9408556" y="7673582"/>
+            <a:chExt cx="864302" cy="91291"/>
+          </a:xfrm>
+        </p:grpSpPr>
+        <p:pic>
+          <p:nvPicPr>
+            <p:cNvPr id="62" name="Object 61"/>
+            <p:cNvPicPr>
+              <a:picLocks noChangeAspect="1"/>
+            </p:cNvPicPr>
+            <p:nvPr/>
+          </p:nvPicPr>
+          <p:blipFill>
+            <a:blip r:embed="rId16" cstate="print"/>
+            <a:stretch>
+              <a:fillRect/>
+            </a:stretch>
+          </p:blipFill>
+          <p:spPr>
+            <a:xfrm rot="-10800000">
+              <a:off x="9408556" y="7673582"/>
+              <a:ext cx="864302" cy="91291"/>
+            </a:xfrm>
+            <a:prstGeom prst="rect">
+              <a:avLst/>
+            </a:prstGeom>
+          </p:spPr>
+        </p:pic>
+      </p:grpSp>
+      <p:pic>
+        <p:nvPicPr>
+          <p:cNvPr id="64" name="Object 63"/>
+          <p:cNvPicPr>
+            <a:picLocks noChangeAspect="1"/>
+          </p:cNvPicPr>
+          <p:nvPr/>
+        </p:nvPicPr>
+        <p:blipFill>
+          <a:blip r:embed="rId20" cstate="print"/>
+          <a:stretch>
+            <a:fillRect/>
+          </a:stretch>
+        </p:blipFill>
+        <p:spPr>
+          <a:xfrm>
+            <a:off x="9325716" y="8544476"/>
+            <a:ext cx="996824" cy="616367"/>
+          </a:xfrm>
+          <a:prstGeom prst="rect">
+            <a:avLst/>
+          </a:prstGeom>
+        </p:spPr>
+      </p:pic>
+      <p:pic>
+        <p:nvPicPr>
+          <p:cNvPr id="65" name="Object 64"/>
+          <p:cNvPicPr>
+            <a:picLocks noChangeAspect="1"/>
+          </p:cNvPicPr>
+          <p:nvPr/>
+        </p:nvPicPr>
+        <p:blipFill>
+          <a:blip r:embed="rId28" cstate="print"/>
+          <a:stretch>
+            <a:fillRect/>
+          </a:stretch>
+        </p:blipFill>
+        <p:spPr>
+          <a:xfrm>
+            <a:off x="9337144" y="9025172"/>
+            <a:ext cx="2072578" cy="881692"/>
+          </a:xfrm>
+          <a:prstGeom prst="rect">
+            <a:avLst/>
+          </a:prstGeom>
+        </p:spPr>
+      </p:pic>
+      <p:grpSp>
+        <p:nvGrpSpPr>
+          <p:cNvPr id="1015" name="그룹 1015"/>
+          <p:cNvGrpSpPr/>
+          <p:nvPr/>
+        </p:nvGrpSpPr>
+        <p:grpSpPr>
+          <a:xfrm>
+            <a:off x="9371429" y="8968163"/>
+            <a:ext cx="864302" cy="91291"/>
+            <a:chOff x="9371429" y="8968163"/>
+            <a:chExt cx="864302" cy="91291"/>
+          </a:xfrm>
+        </p:grpSpPr>
+        <p:pic>
+          <p:nvPicPr>
+            <p:cNvPr id="67" name="Object 66"/>
+            <p:cNvPicPr>
+              <a:picLocks noChangeAspect="1"/>
+            </p:cNvPicPr>
+            <p:nvPr/>
+          </p:nvPicPr>
+          <p:blipFill>
+            <a:blip r:embed="rId16" cstate="print"/>
+            <a:stretch>
+              <a:fillRect/>
+            </a:stretch>
+          </p:blipFill>
+          <p:spPr>
+            <a:xfrm rot="-10800000">
+              <a:off x="9371429" y="8968163"/>
+              <a:ext cx="864302" cy="91291"/>
+            </a:xfrm>
+            <a:prstGeom prst="rect">
+              <a:avLst/>
+            </a:prstGeom>
+          </p:spPr>
+        </p:pic>
+      </p:grpSp>
+      <p:pic>
+        <p:nvPicPr>
+          <p:cNvPr id="69" name="Object 68"/>
+          <p:cNvPicPr>
+            <a:picLocks noChangeAspect="1"/>
+          </p:cNvPicPr>
+          <p:nvPr/>
+        </p:nvPicPr>
+        <p:blipFill>
+          <a:blip r:embed="rId22" cstate="print"/>
+          <a:stretch>
+            <a:fillRect/>
+          </a:stretch>
+        </p:blipFill>
+        <p:spPr>
+          <a:xfrm>
+            <a:off x="12638268" y="7249895"/>
+            <a:ext cx="996824" cy="616367"/>
+          </a:xfrm>
+          <a:prstGeom prst="rect">
+            <a:avLst/>
+          </a:prstGeom>
+        </p:spPr>
+      </p:pic>
+      <p:pic>
+        <p:nvPicPr>
+          <p:cNvPr id="70" name="Object 69"/>
+          <p:cNvPicPr>
+            <a:picLocks noChangeAspect="1"/>
+          </p:cNvPicPr>
+          <p:nvPr/>
+        </p:nvPicPr>
+        <p:blipFill>
+          <a:blip r:embed="rId29" cstate="print"/>
+          <a:stretch>
+            <a:fillRect/>
+          </a:stretch>
+        </p:blipFill>
+        <p:spPr>
+          <a:xfrm>
+            <a:off x="12649715" y="7730591"/>
+            <a:ext cx="3163178" cy="881692"/>
+          </a:xfrm>
+          <a:prstGeom prst="rect">
+            <a:avLst/>
+          </a:prstGeom>
+        </p:spPr>
+      </p:pic>
+      <p:grpSp>
+        <p:nvGrpSpPr>
+          <p:cNvPr id="1016" name="그룹 1016"/>
+          <p:cNvGrpSpPr/>
+          <p:nvPr/>
+        </p:nvGrpSpPr>
+        <p:grpSpPr>
+          <a:xfrm>
+            <a:off x="12683985" y="7673582"/>
+            <a:ext cx="864302" cy="91291"/>
+            <a:chOff x="12683985" y="7673582"/>
+            <a:chExt cx="864302" cy="91291"/>
+          </a:xfrm>
+        </p:grpSpPr>
+        <p:pic>
+          <p:nvPicPr>
+            <p:cNvPr id="72" name="Object 71"/>
+            <p:cNvPicPr>
+              <a:picLocks noChangeAspect="1"/>
+            </p:cNvPicPr>
+            <p:nvPr/>
+          </p:nvPicPr>
+          <p:blipFill>
+            <a:blip r:embed="rId16" cstate="print"/>
+            <a:stretch>
+              <a:fillRect/>
+            </a:stretch>
+          </p:blipFill>
+          <p:spPr>
+            <a:xfrm rot="-10800000">
+              <a:off x="12683985" y="7673582"/>
+              <a:ext cx="864302" cy="91291"/>
+            </a:xfrm>
+            <a:prstGeom prst="rect">
+              <a:avLst/>
+            </a:prstGeom>
+          </p:spPr>
+        </p:pic>
+      </p:grpSp>
+      <p:pic>
+        <p:nvPicPr>
+          <p:cNvPr id="74" name="Object 73"/>
+          <p:cNvPicPr>
+            <a:picLocks noChangeAspect="1"/>
+          </p:cNvPicPr>
+          <p:nvPr/>
+        </p:nvPicPr>
+        <p:blipFill>
+          <a:blip r:embed="rId24" cstate="print"/>
+          <a:stretch>
+            <a:fillRect/>
+          </a:stretch>
+        </p:blipFill>
+        <p:spPr>
+          <a:xfrm>
+            <a:off x="12638268" y="8552095"/>
+            <a:ext cx="2031024" cy="616367"/>
+          </a:xfrm>
+          <a:prstGeom prst="rect">
+            <a:avLst/>
+          </a:prstGeom>
+        </p:spPr>
+      </p:pic>
+      <p:pic>
+        <p:nvPicPr>
+          <p:cNvPr id="75" name="Object 74"/>
+          <p:cNvPicPr>
+            <a:picLocks noChangeAspect="1"/>
+          </p:cNvPicPr>
+          <p:nvPr/>
+        </p:nvPicPr>
+        <p:blipFill>
+          <a:blip r:embed="rId30" cstate="print"/>
+          <a:stretch>
+            <a:fillRect/>
+          </a:stretch>
+        </p:blipFill>
+        <p:spPr>
+          <a:xfrm>
+            <a:off x="12649715" y="9032791"/>
+            <a:ext cx="3041311" cy="881692"/>
+          </a:xfrm>
+          <a:prstGeom prst="rect">
+            <a:avLst/>
+          </a:prstGeom>
+        </p:spPr>
+      </p:pic>
+      <p:grpSp>
+        <p:nvGrpSpPr>
+          <p:cNvPr id="1017" name="그룹 1017"/>
+          <p:cNvGrpSpPr/>
+          <p:nvPr/>
+        </p:nvGrpSpPr>
+        <p:grpSpPr>
+          <a:xfrm>
+            <a:off x="12683985" y="8975782"/>
+            <a:ext cx="1855539" cy="91291"/>
+            <a:chOff x="12683985" y="8975782"/>
+            <a:chExt cx="1855539" cy="91291"/>
+          </a:xfrm>
+        </p:grpSpPr>
+        <p:pic>
+          <p:nvPicPr>
+            <p:cNvPr id="77" name="Object 76"/>
+            <p:cNvPicPr>
+              <a:picLocks noChangeAspect="1"/>
+            </p:cNvPicPr>
+            <p:nvPr/>
+          </p:nvPicPr>
+          <p:blipFill>
+            <a:blip r:embed="rId26" cstate="print"/>
+            <a:stretch>
+              <a:fillRect/>
+            </a:stretch>
+          </p:blipFill>
+          <p:spPr>
+            <a:xfrm rot="-10800000">
+              <a:off x="12683985" y="8975782"/>
+              <a:ext cx="1855539" cy="91291"/>
+            </a:xfrm>
+            <a:prstGeom prst="rect">
+              <a:avLst/>
+            </a:prstGeom>
+          </p:spPr>
+        </p:pic>
+      </p:grpSp>
     </p:spTree>
   </p:cSld>
   <p:clrMapOvr>
@@ -5437,8 +6958,8 @@
         </p:blipFill>
         <p:spPr>
           <a:xfrm>
-            <a:off x="981221" y="1575267"/>
-            <a:ext cx="5046918" cy="1005109"/>
+            <a:off x="795235" y="214490"/>
+            <a:ext cx="7291517" cy="3221821"/>
           </a:xfrm>
           <a:prstGeom prst="rect">
             <a:avLst/>
@@ -5453,10 +6974,10 @@
         </p:nvGrpSpPr>
         <p:grpSpPr>
           <a:xfrm>
-            <a:off x="980049" y="4536214"/>
-            <a:ext cx="16828901" cy="5397110"/>
-            <a:chOff x="945603" y="4356776"/>
-            <a:chExt cx="16828901" cy="5397110"/>
+            <a:off x="1069514" y="2674374"/>
+            <a:ext cx="11673343" cy="91291"/>
+            <a:chOff x="1069514" y="2674374"/>
+            <a:chExt cx="11673343" cy="91291"/>
           </a:xfrm>
         </p:grpSpPr>
         <p:pic>
@@ -5474,9 +6995,9 @@
             </a:stretch>
           </p:blipFill>
           <p:spPr>
-            <a:xfrm>
-              <a:off x="945603" y="4356776"/>
-              <a:ext cx="16828901" cy="5397110"/>
+            <a:xfrm rot="-10800000">
+              <a:off x="1069514" y="2674374"/>
+              <a:ext cx="11673343" cy="91291"/>
             </a:xfrm>
             <a:prstGeom prst="rect">
               <a:avLst/>
@@ -5484,460 +7005,750 @@
           </p:spPr>
         </p:pic>
       </p:grpSp>
-      <p:sp>
-        <p:nvSpPr>
-          <p:cNvPr id="3" name="TextBox 2">
-            <a:extLst>
-              <a:ext uri="{FF2B5EF4-FFF2-40B4-BE49-F238E27FC236}">
-                <a16:creationId xmlns:a16="http://schemas.microsoft.com/office/drawing/2014/main" id="{C4864900-1F85-5A37-55B7-2028894FB84B}"/>
-              </a:ext>
-            </a:extLst>
-          </p:cNvPr>
-          <p:cNvSpPr txBox="1">
-            <a:spLocks noGrp="1" noRot="1" noMove="1" noResize="1" noEditPoints="1" noAdjustHandles="1" noChangeArrowheads="1" noChangeShapeType="1"/>
-          </p:cNvSpPr>
-          <p:nvPr/>
-        </p:nvSpPr>
-        <p:spPr>
-          <a:xfrm>
-            <a:off x="7848600" y="266700"/>
-            <a:ext cx="8696179" cy="4401205"/>
-          </a:xfrm>
-          <a:prstGeom prst="rect">
-            <a:avLst/>
-          </a:prstGeom>
-          <a:noFill/>
-        </p:spPr>
-        <p:txBody>
-          <a:bodyPr wrap="square">
-            <a:spAutoFit/>
-          </a:bodyPr>
-          <a:lstStyle/>
-          <a:p>
-            <a:r>
-              <a:rPr lang="en-US" altLang="ko-KR" sz="1400" dirty="0">
-                <a:solidFill>
-                  <a:srgbClr val="0000FF"/>
-                </a:solidFill>
-                <a:latin typeface="돋움체" panose="020B0609000101010101" pitchFamily="49" charset="-127"/>
-                <a:ea typeface="돋움체" panose="020B0609000101010101" pitchFamily="49" charset="-127"/>
-              </a:rPr>
-              <a:t>float4</a:t>
-            </a:r>
-            <a:r>
-              <a:rPr lang="en-US" altLang="ko-KR" sz="1400" dirty="0">
-                <a:solidFill>
-                  <a:srgbClr val="000000"/>
-                </a:solidFill>
-                <a:latin typeface="돋움체" panose="020B0609000101010101" pitchFamily="49" charset="-127"/>
-                <a:ea typeface="돋움체" panose="020B0609000101010101" pitchFamily="49" charset="-127"/>
-              </a:rPr>
-              <a:t> PSTerrain(VS_TERRAIN_OUTPUT input) : SV_TARGET</a:t>
-            </a:r>
-          </a:p>
-          <a:p>
-            <a:r>
-              <a:rPr lang="en-US" altLang="ko-KR" sz="1400" dirty="0">
-                <a:solidFill>
-                  <a:srgbClr val="000000"/>
-                </a:solidFill>
-                <a:latin typeface="돋움체" panose="020B0609000101010101" pitchFamily="49" charset="-127"/>
-                <a:ea typeface="돋움체" panose="020B0609000101010101" pitchFamily="49" charset="-127"/>
-              </a:rPr>
-              <a:t>{</a:t>
-            </a:r>
-          </a:p>
-          <a:p>
-            <a:r>
-              <a:rPr lang="en-US" altLang="ko-KR" sz="1400" dirty="0">
-                <a:solidFill>
-                  <a:srgbClr val="0000FF"/>
-                </a:solidFill>
-                <a:latin typeface="돋움체" panose="020B0609000101010101" pitchFamily="49" charset="-127"/>
-                <a:ea typeface="돋움체" panose="020B0609000101010101" pitchFamily="49" charset="-127"/>
-              </a:rPr>
-              <a:t>  float4</a:t>
-            </a:r>
-            <a:r>
-              <a:rPr lang="en-US" altLang="ko-KR" sz="1400" dirty="0">
-                <a:solidFill>
-                  <a:srgbClr val="000000"/>
-                </a:solidFill>
-                <a:latin typeface="돋움체" panose="020B0609000101010101" pitchFamily="49" charset="-127"/>
-                <a:ea typeface="돋움체" panose="020B0609000101010101" pitchFamily="49" charset="-127"/>
-              </a:rPr>
-              <a:t> cBaseTexColor = gtxtTerrainBaseTexture.Sample(gssWrap, input.uv0);</a:t>
-            </a:r>
-          </a:p>
-          <a:p>
-            <a:r>
-              <a:rPr lang="en-US" altLang="ko-KR" sz="1400" dirty="0">
-                <a:solidFill>
-                  <a:srgbClr val="0000FF"/>
-                </a:solidFill>
-                <a:latin typeface="돋움체" panose="020B0609000101010101" pitchFamily="49" charset="-127"/>
-                <a:ea typeface="돋움체" panose="020B0609000101010101" pitchFamily="49" charset="-127"/>
-              </a:rPr>
-              <a:t>  float4</a:t>
-            </a:r>
-            <a:r>
-              <a:rPr lang="en-US" altLang="ko-KR" sz="1400" dirty="0">
-                <a:solidFill>
-                  <a:srgbClr val="000000"/>
-                </a:solidFill>
-                <a:latin typeface="돋움체" panose="020B0609000101010101" pitchFamily="49" charset="-127"/>
-                <a:ea typeface="돋움체" panose="020B0609000101010101" pitchFamily="49" charset="-127"/>
-              </a:rPr>
-              <a:t> cDetailTexColor = gtxtTerrainDetailTexture.Sample(gssWrap, input.uv1);</a:t>
-            </a:r>
-          </a:p>
-          <a:p>
-            <a:r>
-              <a:rPr lang="en-US" altLang="ko-KR" sz="1400" dirty="0">
-                <a:solidFill>
-                  <a:srgbClr val="0000FF"/>
-                </a:solidFill>
-                <a:latin typeface="돋움체" panose="020B0609000101010101" pitchFamily="49" charset="-127"/>
-                <a:ea typeface="돋움체" panose="020B0609000101010101" pitchFamily="49" charset="-127"/>
-              </a:rPr>
-              <a:t>  float4</a:t>
-            </a:r>
-            <a:r>
-              <a:rPr lang="en-US" altLang="ko-KR" sz="1400" dirty="0">
-                <a:solidFill>
-                  <a:srgbClr val="000000"/>
-                </a:solidFill>
-                <a:latin typeface="돋움체" panose="020B0609000101010101" pitchFamily="49" charset="-127"/>
-                <a:ea typeface="돋움체" panose="020B0609000101010101" pitchFamily="49" charset="-127"/>
-              </a:rPr>
-              <a:t> cRoadTexColor = gtxtTerrainRoadTexture.Sample(gssWrap, input.uv2);</a:t>
-            </a:r>
-          </a:p>
-          <a:p>
-            <a:r>
-              <a:rPr lang="en-US" altLang="ko-KR" sz="1400" dirty="0">
-                <a:solidFill>
-                  <a:srgbClr val="0000FF"/>
-                </a:solidFill>
-                <a:latin typeface="돋움체" panose="020B0609000101010101" pitchFamily="49" charset="-127"/>
-                <a:ea typeface="돋움체" panose="020B0609000101010101" pitchFamily="49" charset="-127"/>
-              </a:rPr>
-              <a:t>  float4</a:t>
-            </a:r>
-            <a:r>
-              <a:rPr lang="en-US" altLang="ko-KR" sz="1400" dirty="0">
-                <a:solidFill>
-                  <a:srgbClr val="000000"/>
-                </a:solidFill>
-                <a:latin typeface="돋움체" panose="020B0609000101010101" pitchFamily="49" charset="-127"/>
-                <a:ea typeface="돋움체" panose="020B0609000101010101" pitchFamily="49" charset="-127"/>
-              </a:rPr>
-              <a:t> cColor = input.color * saturate((cBaseTexColor * 0.6f) + (cDetailTexColor * 0.3f));</a:t>
-            </a:r>
-          </a:p>
-          <a:p>
-            <a:endParaRPr lang="ko-KR" altLang="en-US" sz="1400" dirty="0">
-              <a:solidFill>
-                <a:srgbClr val="000000"/>
-              </a:solidFill>
-              <a:latin typeface="돋움체" panose="020B0609000101010101" pitchFamily="49" charset="-127"/>
-              <a:ea typeface="돋움체" panose="020B0609000101010101" pitchFamily="49" charset="-127"/>
-            </a:endParaRPr>
-          </a:p>
-          <a:p>
-            <a:r>
-              <a:rPr lang="en-US" altLang="ko-KR" sz="1400" dirty="0">
-                <a:solidFill>
-                  <a:srgbClr val="0000FF"/>
-                </a:solidFill>
-                <a:latin typeface="돋움체" panose="020B0609000101010101" pitchFamily="49" charset="-127"/>
-                <a:ea typeface="돋움체" panose="020B0609000101010101" pitchFamily="49" charset="-127"/>
-              </a:rPr>
-              <a:t>  float4</a:t>
-            </a:r>
-            <a:r>
-              <a:rPr lang="en-US" altLang="ko-KR" sz="1400" dirty="0">
-                <a:solidFill>
-                  <a:srgbClr val="000000"/>
-                </a:solidFill>
-                <a:latin typeface="돋움체" panose="020B0609000101010101" pitchFamily="49" charset="-127"/>
-                <a:ea typeface="돋움체" panose="020B0609000101010101" pitchFamily="49" charset="-127"/>
-              </a:rPr>
-              <a:t> field = </a:t>
-            </a:r>
-            <a:r>
-              <a:rPr lang="en-US" altLang="ko-KR" sz="1400" dirty="0">
-                <a:solidFill>
-                  <a:srgbClr val="0000FF"/>
-                </a:solidFill>
-                <a:latin typeface="돋움체" panose="020B0609000101010101" pitchFamily="49" charset="-127"/>
-                <a:ea typeface="돋움체" panose="020B0609000101010101" pitchFamily="49" charset="-127"/>
-              </a:rPr>
-              <a:t>float4</a:t>
-            </a:r>
-            <a:r>
-              <a:rPr lang="en-US" altLang="ko-KR" sz="1400" dirty="0">
-                <a:solidFill>
-                  <a:srgbClr val="000000"/>
-                </a:solidFill>
-                <a:latin typeface="돋움체" panose="020B0609000101010101" pitchFamily="49" charset="-127"/>
-                <a:ea typeface="돋움체" panose="020B0609000101010101" pitchFamily="49" charset="-127"/>
-              </a:rPr>
-              <a:t>(0.772f, 0.604f, 0.289f, 1.0f);</a:t>
-            </a:r>
-          </a:p>
-          <a:p>
-            <a:r>
-              <a:rPr lang="en-US" altLang="ko-KR" sz="1400" dirty="0">
-                <a:solidFill>
-                  <a:srgbClr val="0000FF"/>
-                </a:solidFill>
-                <a:latin typeface="돋움체" panose="020B0609000101010101" pitchFamily="49" charset="-127"/>
-                <a:ea typeface="돋움체" panose="020B0609000101010101" pitchFamily="49" charset="-127"/>
-              </a:rPr>
-              <a:t>  float4</a:t>
-            </a:r>
-            <a:r>
-              <a:rPr lang="en-US" altLang="ko-KR" sz="1400" dirty="0">
-                <a:solidFill>
-                  <a:srgbClr val="000000"/>
-                </a:solidFill>
-                <a:latin typeface="돋움체" panose="020B0609000101010101" pitchFamily="49" charset="-127"/>
-                <a:ea typeface="돋움체" panose="020B0609000101010101" pitchFamily="49" charset="-127"/>
-              </a:rPr>
-              <a:t> city = </a:t>
-            </a:r>
-            <a:r>
-              <a:rPr lang="en-US" altLang="ko-KR" sz="1400" dirty="0">
-                <a:solidFill>
-                  <a:srgbClr val="0000FF"/>
-                </a:solidFill>
-                <a:latin typeface="돋움체" panose="020B0609000101010101" pitchFamily="49" charset="-127"/>
-                <a:ea typeface="돋움체" panose="020B0609000101010101" pitchFamily="49" charset="-127"/>
-              </a:rPr>
-              <a:t>float4</a:t>
-            </a:r>
-            <a:r>
-              <a:rPr lang="en-US" altLang="ko-KR" sz="1400" dirty="0">
-                <a:solidFill>
-                  <a:srgbClr val="000000"/>
-                </a:solidFill>
-                <a:latin typeface="돋움체" panose="020B0609000101010101" pitchFamily="49" charset="-127"/>
-                <a:ea typeface="돋움체" panose="020B0609000101010101" pitchFamily="49" charset="-127"/>
-              </a:rPr>
-              <a:t>(1.f, 1.0f, 1.0f, 1.0f);</a:t>
-            </a:r>
-          </a:p>
-          <a:p>
-            <a:endParaRPr lang="ko-KR" altLang="en-US" sz="1400" dirty="0">
-              <a:solidFill>
-                <a:srgbClr val="000000"/>
-              </a:solidFill>
-              <a:latin typeface="돋움체" panose="020B0609000101010101" pitchFamily="49" charset="-127"/>
-              <a:ea typeface="돋움체" panose="020B0609000101010101" pitchFamily="49" charset="-127"/>
-            </a:endParaRPr>
-          </a:p>
-          <a:p>
-            <a:r>
-              <a:rPr lang="en-US" altLang="ko-KR" sz="1400" dirty="0">
-                <a:solidFill>
-                  <a:srgbClr val="0000FF"/>
-                </a:solidFill>
-                <a:latin typeface="돋움체" panose="020B0609000101010101" pitchFamily="49" charset="-127"/>
-                <a:ea typeface="돋움체" panose="020B0609000101010101" pitchFamily="49" charset="-127"/>
-              </a:rPr>
-              <a:t>  if</a:t>
-            </a:r>
-            <a:r>
-              <a:rPr lang="en-US" altLang="ko-KR" sz="1400" dirty="0">
-                <a:solidFill>
-                  <a:srgbClr val="000000"/>
-                </a:solidFill>
-                <a:latin typeface="돋움체" panose="020B0609000101010101" pitchFamily="49" charset="-127"/>
-                <a:ea typeface="돋움체" panose="020B0609000101010101" pitchFamily="49" charset="-127"/>
-              </a:rPr>
-              <a:t> (cBaseTexColor.x == city.x &amp;&amp; cBaseTexColor.y == city.y &amp;&amp; cBaseTexColor.z == city.z)</a:t>
-            </a:r>
-          </a:p>
-          <a:p>
-            <a:r>
-              <a:rPr lang="en-US" altLang="ko-KR" sz="1400" dirty="0">
-                <a:solidFill>
-                  <a:srgbClr val="000000"/>
-                </a:solidFill>
-                <a:latin typeface="돋움체" panose="020B0609000101010101" pitchFamily="49" charset="-127"/>
-                <a:ea typeface="돋움체" panose="020B0609000101010101" pitchFamily="49" charset="-127"/>
-              </a:rPr>
-              <a:t>    cColor = cRoadTexColor;</a:t>
-            </a:r>
-          </a:p>
-          <a:p>
-            <a:endParaRPr lang="ko-KR" altLang="en-US" sz="1400" dirty="0">
-              <a:solidFill>
-                <a:srgbClr val="000000"/>
-              </a:solidFill>
-              <a:latin typeface="돋움체" panose="020B0609000101010101" pitchFamily="49" charset="-127"/>
-              <a:ea typeface="돋움체" panose="020B0609000101010101" pitchFamily="49" charset="-127"/>
-            </a:endParaRPr>
-          </a:p>
-          <a:p>
-            <a:r>
-              <a:rPr lang="en-US" altLang="ko-KR" sz="1400" dirty="0">
-                <a:solidFill>
-                  <a:srgbClr val="0000FF"/>
-                </a:solidFill>
-                <a:latin typeface="돋움체" panose="020B0609000101010101" pitchFamily="49" charset="-127"/>
-                <a:ea typeface="돋움체" panose="020B0609000101010101" pitchFamily="49" charset="-127"/>
-              </a:rPr>
-              <a:t>  if</a:t>
-            </a:r>
-            <a:r>
-              <a:rPr lang="en-US" altLang="ko-KR" sz="1400" dirty="0">
-                <a:solidFill>
-                  <a:srgbClr val="000000"/>
-                </a:solidFill>
-                <a:latin typeface="돋움체" panose="020B0609000101010101" pitchFamily="49" charset="-127"/>
-                <a:ea typeface="돋움체" panose="020B0609000101010101" pitchFamily="49" charset="-127"/>
-              </a:rPr>
-              <a:t> (cBaseTexColor.x &gt;= (field.x - 0.005f) &amp;&amp; cBaseTexColor.x &lt;= (field.x + 0.005f)</a:t>
-            </a:r>
-          </a:p>
-          <a:p>
-            <a:r>
-              <a:rPr lang="en-US" altLang="ko-KR" sz="1400" dirty="0">
-                <a:solidFill>
-                  <a:srgbClr val="000000"/>
-                </a:solidFill>
-                <a:latin typeface="돋움체" panose="020B0609000101010101" pitchFamily="49" charset="-127"/>
-                <a:ea typeface="돋움체" panose="020B0609000101010101" pitchFamily="49" charset="-127"/>
-              </a:rPr>
-              <a:t>    &amp;&amp; cBaseTexColor.y &gt;= (field.y - 0.005f) &amp;&amp; cBaseTexColor.y &lt;= (field.y + 0.005f)</a:t>
-            </a:r>
-          </a:p>
-          <a:p>
-            <a:r>
-              <a:rPr lang="en-US" altLang="ko-KR" sz="1400" dirty="0">
-                <a:solidFill>
-                  <a:srgbClr val="000000"/>
-                </a:solidFill>
-                <a:latin typeface="돋움체" panose="020B0609000101010101" pitchFamily="49" charset="-127"/>
-                <a:ea typeface="돋움체" panose="020B0609000101010101" pitchFamily="49" charset="-127"/>
-              </a:rPr>
-              <a:t>    &amp;&amp; cBaseTexColor.z &gt;= (field.z - 0.005f) &amp;&amp; cBaseTexColor.z &lt;= (field.z + 0.005f))</a:t>
-            </a:r>
-          </a:p>
-          <a:p>
-            <a:r>
-              <a:rPr lang="en-US" altLang="ko-KR" sz="1400" dirty="0">
-                <a:solidFill>
-                  <a:srgbClr val="000000"/>
-                </a:solidFill>
-                <a:latin typeface="돋움체" panose="020B0609000101010101" pitchFamily="49" charset="-127"/>
-                <a:ea typeface="돋움체" panose="020B0609000101010101" pitchFamily="49" charset="-127"/>
-              </a:rPr>
-              <a:t>    cColor = saturate((cBaseTexColor * 0.7f) + (cRoadTexColor * 0.5f));</a:t>
-            </a:r>
-          </a:p>
-          <a:p>
-            <a:endParaRPr lang="ko-KR" altLang="en-US" sz="1400" dirty="0">
-              <a:solidFill>
-                <a:srgbClr val="000000"/>
-              </a:solidFill>
-              <a:latin typeface="돋움체" panose="020B0609000101010101" pitchFamily="49" charset="-127"/>
-              <a:ea typeface="돋움체" panose="020B0609000101010101" pitchFamily="49" charset="-127"/>
-            </a:endParaRPr>
-          </a:p>
-          <a:p>
-            <a:r>
-              <a:rPr lang="en-US" altLang="ko-KR" sz="1400" dirty="0">
-                <a:solidFill>
-                  <a:srgbClr val="0000FF"/>
-                </a:solidFill>
-                <a:latin typeface="돋움체" panose="020B0609000101010101" pitchFamily="49" charset="-127"/>
-                <a:ea typeface="돋움체" panose="020B0609000101010101" pitchFamily="49" charset="-127"/>
-              </a:rPr>
-              <a:t>  return</a:t>
-            </a:r>
-            <a:r>
-              <a:rPr lang="en-US" altLang="ko-KR" sz="1400" dirty="0">
-                <a:solidFill>
-                  <a:srgbClr val="000000"/>
-                </a:solidFill>
-                <a:latin typeface="돋움체" panose="020B0609000101010101" pitchFamily="49" charset="-127"/>
-                <a:ea typeface="돋움체" panose="020B0609000101010101" pitchFamily="49" charset="-127"/>
-              </a:rPr>
-              <a:t>(cColor);</a:t>
-            </a:r>
-          </a:p>
-          <a:p>
-            <a:r>
-              <a:rPr lang="en-US" altLang="ko-KR" sz="1400" dirty="0">
-                <a:solidFill>
-                  <a:srgbClr val="000000"/>
-                </a:solidFill>
-                <a:latin typeface="돋움체" panose="020B0609000101010101" pitchFamily="49" charset="-127"/>
-                <a:ea typeface="돋움체" panose="020B0609000101010101" pitchFamily="49" charset="-127"/>
-              </a:rPr>
-              <a:t>}</a:t>
-            </a:r>
-            <a:endParaRPr lang="ko-KR" altLang="en-US" sz="1400" dirty="0"/>
-          </a:p>
-        </p:txBody>
-      </p:sp>
-      <p:sp>
-        <p:nvSpPr>
-          <p:cNvPr id="5" name="직사각형 4">
-            <a:extLst>
-              <a:ext uri="{FF2B5EF4-FFF2-40B4-BE49-F238E27FC236}">
-                <a16:creationId xmlns:a16="http://schemas.microsoft.com/office/drawing/2014/main" id="{647CEEEE-C056-EFBD-8EE2-A8D397CF64D8}"/>
-              </a:ext>
-            </a:extLst>
-          </p:cNvPr>
-          <p:cNvSpPr>
-            <a:spLocks noGrp="1" noRot="1" noMove="1" noResize="1" noEditPoints="1" noAdjustHandles="1" noChangeArrowheads="1" noChangeShapeType="1"/>
-          </p:cNvSpPr>
-          <p:nvPr/>
-        </p:nvSpPr>
-        <p:spPr>
-          <a:xfrm>
-            <a:off x="7808044" y="266701"/>
-            <a:ext cx="8736735" cy="4401204"/>
-          </a:xfrm>
-          <a:prstGeom prst="rect">
-            <a:avLst/>
-          </a:prstGeom>
-          <a:noFill/>
-          <a:ln>
-            <a:solidFill>
-              <a:schemeClr val="tx1"/>
-            </a:solidFill>
-          </a:ln>
-        </p:spPr>
-        <p:style>
-          <a:lnRef idx="2">
-            <a:schemeClr val="accent1">
-              <a:shade val="50000"/>
-            </a:schemeClr>
-          </a:lnRef>
-          <a:fillRef idx="1">
-            <a:schemeClr val="accent1"/>
-          </a:fillRef>
-          <a:effectRef idx="0">
-            <a:schemeClr val="accent1"/>
-          </a:effectRef>
-          <a:fontRef idx="minor">
-            <a:schemeClr val="lt1"/>
-          </a:fontRef>
-        </p:style>
-        <p:txBody>
-          <a:bodyPr rtlCol="0" anchor="ctr"/>
-          <a:lstStyle/>
-          <a:p>
-            <a:pPr algn="ctr"/>
-            <a:endParaRPr lang="ko-KR" altLang="en-US"/>
-          </a:p>
-        </p:txBody>
-      </p:sp>
+      <p:pic>
+        <p:nvPicPr>
+          <p:cNvPr id="6" name="Object 5"/>
+          <p:cNvPicPr>
+            <a:picLocks noChangeAspect="1"/>
+          </p:cNvPicPr>
+          <p:nvPr/>
+        </p:nvPicPr>
+        <p:blipFill>
+          <a:blip r:embed="rId4" cstate="print"/>
+          <a:stretch>
+            <a:fillRect/>
+          </a:stretch>
+        </p:blipFill>
+        <p:spPr>
+          <a:xfrm>
+            <a:off x="7396322" y="2009921"/>
+            <a:ext cx="5359241" cy="836031"/>
+          </a:xfrm>
+          <a:prstGeom prst="rect">
+            <a:avLst/>
+          </a:prstGeom>
+        </p:spPr>
+      </p:pic>
+      <p:pic>
+        <p:nvPicPr>
+          <p:cNvPr id="7" name="Object 6"/>
+          <p:cNvPicPr>
+            <a:picLocks noChangeAspect="1"/>
+          </p:cNvPicPr>
+          <p:nvPr/>
+        </p:nvPicPr>
+        <p:blipFill>
+          <a:blip r:embed="rId5" cstate="print"/>
+          <a:stretch>
+            <a:fillRect/>
+          </a:stretch>
+        </p:blipFill>
+        <p:spPr>
+          <a:xfrm>
+            <a:off x="2152839" y="3556202"/>
+            <a:ext cx="1640443" cy="522681"/>
+          </a:xfrm>
+          <a:prstGeom prst="rect">
+            <a:avLst/>
+          </a:prstGeom>
+        </p:spPr>
+      </p:pic>
+      <p:pic>
+        <p:nvPicPr>
+          <p:cNvPr id="8" name="Object 7"/>
+          <p:cNvPicPr>
+            <a:picLocks noChangeAspect="1"/>
+          </p:cNvPicPr>
+          <p:nvPr/>
+        </p:nvPicPr>
+        <p:blipFill>
+          <a:blip r:embed="rId6" cstate="print"/>
+          <a:stretch>
+            <a:fillRect/>
+          </a:stretch>
+        </p:blipFill>
+        <p:spPr>
+          <a:xfrm>
+            <a:off x="2164268" y="4022411"/>
+            <a:ext cx="2043787" cy="453130"/>
+          </a:xfrm>
+          <a:prstGeom prst="rect">
+            <a:avLst/>
+          </a:prstGeom>
+        </p:spPr>
+      </p:pic>
+      <p:grpSp>
+        <p:nvGrpSpPr>
+          <p:cNvPr id="1002" name="그룹 1002"/>
+          <p:cNvGrpSpPr/>
+          <p:nvPr/>
+        </p:nvGrpSpPr>
+        <p:grpSpPr>
+          <a:xfrm>
+            <a:off x="2198549" y="3965406"/>
+            <a:ext cx="1953832" cy="91291"/>
+            <a:chOff x="2198549" y="3965406"/>
+            <a:chExt cx="1953832" cy="91291"/>
+          </a:xfrm>
+        </p:grpSpPr>
+        <p:pic>
+          <p:nvPicPr>
+            <p:cNvPr id="10" name="Object 9"/>
+            <p:cNvPicPr>
+              <a:picLocks noChangeAspect="1"/>
+            </p:cNvPicPr>
+            <p:nvPr/>
+          </p:nvPicPr>
+          <p:blipFill>
+            <a:blip r:embed="rId7" cstate="print"/>
+            <a:stretch>
+              <a:fillRect/>
+            </a:stretch>
+          </p:blipFill>
+          <p:spPr>
+            <a:xfrm rot="-10800000">
+              <a:off x="2198549" y="3965406"/>
+              <a:ext cx="1953832" cy="91291"/>
+            </a:xfrm>
+            <a:prstGeom prst="rect">
+              <a:avLst/>
+            </a:prstGeom>
+          </p:spPr>
+        </p:pic>
+      </p:grpSp>
+      <p:pic>
+        <p:nvPicPr>
+          <p:cNvPr id="12" name="Object 11"/>
+          <p:cNvPicPr>
+            <a:picLocks noChangeAspect="1"/>
+          </p:cNvPicPr>
+          <p:nvPr/>
+        </p:nvPicPr>
+        <p:blipFill>
+          <a:blip r:embed="rId8" cstate="print"/>
+          <a:stretch>
+            <a:fillRect/>
+          </a:stretch>
+        </p:blipFill>
+        <p:spPr>
+          <a:xfrm>
+            <a:off x="5493040" y="3594297"/>
+            <a:ext cx="599215" cy="611034"/>
+          </a:xfrm>
+          <a:prstGeom prst="rect">
+            <a:avLst/>
+          </a:prstGeom>
+        </p:spPr>
+      </p:pic>
+      <p:pic>
+        <p:nvPicPr>
+          <p:cNvPr id="13" name="Object 12"/>
+          <p:cNvPicPr>
+            <a:picLocks noChangeAspect="1"/>
+          </p:cNvPicPr>
+          <p:nvPr/>
+        </p:nvPicPr>
+        <p:blipFill>
+          <a:blip r:embed="rId9" cstate="print"/>
+          <a:stretch>
+            <a:fillRect/>
+          </a:stretch>
+        </p:blipFill>
+        <p:spPr>
+          <a:xfrm>
+            <a:off x="5504468" y="4060507"/>
+            <a:ext cx="2408063" cy="453130"/>
+          </a:xfrm>
+          <a:prstGeom prst="rect">
+            <a:avLst/>
+          </a:prstGeom>
+        </p:spPr>
+      </p:pic>
+      <p:grpSp>
+        <p:nvGrpSpPr>
+          <p:cNvPr id="1003" name="그룹 1003"/>
+          <p:cNvGrpSpPr/>
+          <p:nvPr/>
+        </p:nvGrpSpPr>
+        <p:grpSpPr>
+          <a:xfrm>
+            <a:off x="5538747" y="4003498"/>
+            <a:ext cx="802589" cy="135369"/>
+            <a:chOff x="5538747" y="4003498"/>
+            <a:chExt cx="802589" cy="135369"/>
+          </a:xfrm>
+        </p:grpSpPr>
+        <p:pic>
+          <p:nvPicPr>
+            <p:cNvPr id="15" name="Object 14"/>
+            <p:cNvPicPr>
+              <a:picLocks noChangeAspect="1"/>
+            </p:cNvPicPr>
+            <p:nvPr/>
+          </p:nvPicPr>
+          <p:blipFill>
+            <a:blip r:embed="rId10" cstate="print"/>
+            <a:stretch>
+              <a:fillRect/>
+            </a:stretch>
+          </p:blipFill>
+          <p:spPr>
+            <a:xfrm rot="-10800000">
+              <a:off x="5538747" y="4003498"/>
+              <a:ext cx="802589" cy="135369"/>
+            </a:xfrm>
+            <a:prstGeom prst="rect">
+              <a:avLst/>
+            </a:prstGeom>
+          </p:spPr>
+        </p:pic>
+      </p:grpSp>
+      <p:pic>
+        <p:nvPicPr>
+          <p:cNvPr id="17" name="Object 16"/>
+          <p:cNvPicPr>
+            <a:picLocks noChangeAspect="1"/>
+          </p:cNvPicPr>
+          <p:nvPr/>
+        </p:nvPicPr>
+        <p:blipFill>
+          <a:blip r:embed="rId11" cstate="print"/>
+          <a:stretch>
+            <a:fillRect/>
+          </a:stretch>
+        </p:blipFill>
+        <p:spPr>
+          <a:xfrm>
+            <a:off x="9097197" y="3594297"/>
+            <a:ext cx="651596" cy="611034"/>
+          </a:xfrm>
+          <a:prstGeom prst="rect">
+            <a:avLst/>
+          </a:prstGeom>
+        </p:spPr>
+      </p:pic>
+      <p:pic>
+        <p:nvPicPr>
+          <p:cNvPr id="18" name="Object 17"/>
+          <p:cNvPicPr>
+            <a:picLocks noChangeAspect="1"/>
+          </p:cNvPicPr>
+          <p:nvPr/>
+        </p:nvPicPr>
+        <p:blipFill>
+          <a:blip r:embed="rId12" cstate="print"/>
+          <a:stretch>
+            <a:fillRect/>
+          </a:stretch>
+        </p:blipFill>
+        <p:spPr>
+          <a:xfrm>
+            <a:off x="9108625" y="4060507"/>
+            <a:ext cx="2408063" cy="453130"/>
+          </a:xfrm>
+          <a:prstGeom prst="rect">
+            <a:avLst/>
+          </a:prstGeom>
+        </p:spPr>
+      </p:pic>
+      <p:grpSp>
+        <p:nvGrpSpPr>
+          <p:cNvPr id="1004" name="그룹 1004"/>
+          <p:cNvGrpSpPr/>
+          <p:nvPr/>
+        </p:nvGrpSpPr>
+        <p:grpSpPr>
+          <a:xfrm>
+            <a:off x="9142857" y="4003495"/>
+            <a:ext cx="802589" cy="135369"/>
+            <a:chOff x="9142857" y="4003495"/>
+            <a:chExt cx="802589" cy="135369"/>
+          </a:xfrm>
+        </p:grpSpPr>
+        <p:pic>
+          <p:nvPicPr>
+            <p:cNvPr id="20" name="Object 19"/>
+            <p:cNvPicPr>
+              <a:picLocks noChangeAspect="1"/>
+            </p:cNvPicPr>
+            <p:nvPr/>
+          </p:nvPicPr>
+          <p:blipFill>
+            <a:blip r:embed="rId10" cstate="print"/>
+            <a:stretch>
+              <a:fillRect/>
+            </a:stretch>
+          </p:blipFill>
+          <p:spPr>
+            <a:xfrm rot="-10800000">
+              <a:off x="9142857" y="4003495"/>
+              <a:ext cx="802589" cy="135369"/>
+            </a:xfrm>
+            <a:prstGeom prst="rect">
+              <a:avLst/>
+            </a:prstGeom>
+          </p:spPr>
+        </p:pic>
+      </p:grpSp>
+      <p:pic>
+        <p:nvPicPr>
+          <p:cNvPr id="22" name="Object 21"/>
+          <p:cNvPicPr>
+            <a:picLocks noChangeAspect="1"/>
+          </p:cNvPicPr>
+          <p:nvPr/>
+        </p:nvPicPr>
+        <p:blipFill>
+          <a:blip r:embed="rId13" cstate="print"/>
+          <a:stretch>
+            <a:fillRect/>
+          </a:stretch>
+        </p:blipFill>
+        <p:spPr>
+          <a:xfrm>
+            <a:off x="12473796" y="3598996"/>
+            <a:ext cx="1000586" cy="522681"/>
+          </a:xfrm>
+          <a:prstGeom prst="rect">
+            <a:avLst/>
+          </a:prstGeom>
+        </p:spPr>
+      </p:pic>
+      <p:pic>
+        <p:nvPicPr>
+          <p:cNvPr id="23" name="Object 22"/>
+          <p:cNvPicPr>
+            <a:picLocks noChangeAspect="1"/>
+          </p:cNvPicPr>
+          <p:nvPr/>
+        </p:nvPicPr>
+        <p:blipFill>
+          <a:blip r:embed="rId14" cstate="print"/>
+          <a:stretch>
+            <a:fillRect/>
+          </a:stretch>
+        </p:blipFill>
+        <p:spPr>
+          <a:xfrm>
+            <a:off x="12485224" y="4065205"/>
+            <a:ext cx="2468778" cy="453130"/>
+          </a:xfrm>
+          <a:prstGeom prst="rect">
+            <a:avLst/>
+          </a:prstGeom>
+        </p:spPr>
+      </p:pic>
+      <p:grpSp>
+        <p:nvGrpSpPr>
+          <p:cNvPr id="1005" name="그룹 1005"/>
+          <p:cNvGrpSpPr/>
+          <p:nvPr/>
+        </p:nvGrpSpPr>
+        <p:grpSpPr>
+          <a:xfrm>
+            <a:off x="12519499" y="4008195"/>
+            <a:ext cx="802589" cy="135369"/>
+            <a:chOff x="12519499" y="4008195"/>
+            <a:chExt cx="802589" cy="135369"/>
+          </a:xfrm>
+        </p:grpSpPr>
+        <p:pic>
+          <p:nvPicPr>
+            <p:cNvPr id="25" name="Object 24"/>
+            <p:cNvPicPr>
+              <a:picLocks noChangeAspect="1"/>
+            </p:cNvPicPr>
+            <p:nvPr/>
+          </p:nvPicPr>
+          <p:blipFill>
+            <a:blip r:embed="rId10" cstate="print"/>
+            <a:stretch>
+              <a:fillRect/>
+            </a:stretch>
+          </p:blipFill>
+          <p:spPr>
+            <a:xfrm rot="-10800000">
+              <a:off x="12519499" y="4008195"/>
+              <a:ext cx="802589" cy="135369"/>
+            </a:xfrm>
+            <a:prstGeom prst="rect">
+              <a:avLst/>
+            </a:prstGeom>
+          </p:spPr>
+        </p:pic>
+      </p:grpSp>
+      <p:pic>
+        <p:nvPicPr>
+          <p:cNvPr id="27" name="Object 26"/>
+          <p:cNvPicPr>
+            <a:picLocks noChangeAspect="1"/>
+          </p:cNvPicPr>
+          <p:nvPr/>
+        </p:nvPicPr>
+        <p:blipFill>
+          <a:blip r:embed="rId15" cstate="print"/>
+          <a:stretch>
+            <a:fillRect/>
+          </a:stretch>
+        </p:blipFill>
+        <p:spPr>
+          <a:xfrm>
+            <a:off x="2152847" y="4927515"/>
+            <a:ext cx="1000586" cy="522681"/>
+          </a:xfrm>
+          <a:prstGeom prst="rect">
+            <a:avLst/>
+          </a:prstGeom>
+        </p:spPr>
+      </p:pic>
+      <p:pic>
+        <p:nvPicPr>
+          <p:cNvPr id="28" name="Object 27"/>
+          <p:cNvPicPr>
+            <a:picLocks noChangeAspect="1"/>
+          </p:cNvPicPr>
+          <p:nvPr/>
+        </p:nvPicPr>
+        <p:blipFill>
+          <a:blip r:embed="rId16" cstate="print"/>
+          <a:stretch>
+            <a:fillRect/>
+          </a:stretch>
+        </p:blipFill>
+        <p:spPr>
+          <a:xfrm>
+            <a:off x="2164275" y="5393724"/>
+            <a:ext cx="2599578" cy="453130"/>
+          </a:xfrm>
+          <a:prstGeom prst="rect">
+            <a:avLst/>
+          </a:prstGeom>
+        </p:spPr>
+      </p:pic>
+      <p:grpSp>
+        <p:nvGrpSpPr>
+          <p:cNvPr id="1006" name="그룹 1006"/>
+          <p:cNvGrpSpPr/>
+          <p:nvPr/>
+        </p:nvGrpSpPr>
+        <p:grpSpPr>
+          <a:xfrm>
+            <a:off x="2198552" y="5336714"/>
+            <a:ext cx="802589" cy="135369"/>
+            <a:chOff x="2198552" y="5336714"/>
+            <a:chExt cx="802589" cy="135369"/>
+          </a:xfrm>
+        </p:grpSpPr>
+        <p:pic>
+          <p:nvPicPr>
+            <p:cNvPr id="30" name="Object 29"/>
+            <p:cNvPicPr>
+              <a:picLocks noChangeAspect="1"/>
+            </p:cNvPicPr>
+            <p:nvPr/>
+          </p:nvPicPr>
+          <p:blipFill>
+            <a:blip r:embed="rId10" cstate="print"/>
+            <a:stretch>
+              <a:fillRect/>
+            </a:stretch>
+          </p:blipFill>
+          <p:spPr>
+            <a:xfrm rot="-10800000">
+              <a:off x="2198552" y="5336714"/>
+              <a:ext cx="802589" cy="135369"/>
+            </a:xfrm>
+            <a:prstGeom prst="rect">
+              <a:avLst/>
+            </a:prstGeom>
+          </p:spPr>
+        </p:pic>
+      </p:grpSp>
+      <p:pic>
+        <p:nvPicPr>
+          <p:cNvPr id="32" name="Object 31"/>
+          <p:cNvPicPr>
+            <a:picLocks noChangeAspect="1"/>
+          </p:cNvPicPr>
+          <p:nvPr/>
+        </p:nvPicPr>
+        <p:blipFill>
+          <a:blip r:embed="rId17" cstate="print"/>
+          <a:stretch>
+            <a:fillRect/>
+          </a:stretch>
+        </p:blipFill>
+        <p:spPr>
+          <a:xfrm>
+            <a:off x="5493052" y="4965613"/>
+            <a:ext cx="2280310" cy="522681"/>
+          </a:xfrm>
+          <a:prstGeom prst="rect">
+            <a:avLst/>
+          </a:prstGeom>
+        </p:spPr>
+      </p:pic>
+      <p:pic>
+        <p:nvPicPr>
+          <p:cNvPr id="33" name="Object 32"/>
+          <p:cNvPicPr>
+            <a:picLocks noChangeAspect="1"/>
+          </p:cNvPicPr>
+          <p:nvPr/>
+        </p:nvPicPr>
+        <p:blipFill>
+          <a:blip r:embed="rId18" cstate="print"/>
+          <a:stretch>
+            <a:fillRect/>
+          </a:stretch>
+        </p:blipFill>
+        <p:spPr>
+          <a:xfrm>
+            <a:off x="5504480" y="5431822"/>
+            <a:ext cx="898054" cy="453130"/>
+          </a:xfrm>
+          <a:prstGeom prst="rect">
+            <a:avLst/>
+          </a:prstGeom>
+        </p:spPr>
+      </p:pic>
+      <p:grpSp>
+        <p:nvGrpSpPr>
+          <p:cNvPr id="1007" name="그룹 1007"/>
+          <p:cNvGrpSpPr/>
+          <p:nvPr/>
+        </p:nvGrpSpPr>
+        <p:grpSpPr>
+          <a:xfrm>
+            <a:off x="5538753" y="5374813"/>
+            <a:ext cx="2201174" cy="135369"/>
+            <a:chOff x="5538753" y="5374813"/>
+            <a:chExt cx="2201174" cy="135369"/>
+          </a:xfrm>
+        </p:grpSpPr>
+        <p:pic>
+          <p:nvPicPr>
+            <p:cNvPr id="35" name="Object 34"/>
+            <p:cNvPicPr>
+              <a:picLocks noChangeAspect="1"/>
+            </p:cNvPicPr>
+            <p:nvPr/>
+          </p:nvPicPr>
+          <p:blipFill>
+            <a:blip r:embed="rId19" cstate="print"/>
+            <a:stretch>
+              <a:fillRect/>
+            </a:stretch>
+          </p:blipFill>
+          <p:spPr>
+            <a:xfrm rot="-10800000">
+              <a:off x="5538753" y="5374813"/>
+              <a:ext cx="2201174" cy="135369"/>
+            </a:xfrm>
+            <a:prstGeom prst="rect">
+              <a:avLst/>
+            </a:prstGeom>
+          </p:spPr>
+        </p:pic>
+      </p:grpSp>
+      <p:pic>
+        <p:nvPicPr>
+          <p:cNvPr id="37" name="Object 36"/>
+          <p:cNvPicPr>
+            <a:picLocks noChangeAspect="1"/>
+          </p:cNvPicPr>
+          <p:nvPr/>
+        </p:nvPicPr>
+        <p:blipFill>
+          <a:blip r:embed="rId20" cstate="print"/>
+          <a:stretch>
+            <a:fillRect/>
+          </a:stretch>
+        </p:blipFill>
+        <p:spPr>
+          <a:xfrm>
+            <a:off x="9097201" y="4893993"/>
+            <a:ext cx="4531881" cy="616367"/>
+          </a:xfrm>
+          <a:prstGeom prst="rect">
+            <a:avLst/>
+          </a:prstGeom>
+        </p:spPr>
+      </p:pic>
+      <p:pic>
+        <p:nvPicPr>
+          <p:cNvPr id="38" name="Object 37"/>
+          <p:cNvPicPr>
+            <a:picLocks noChangeAspect="1"/>
+          </p:cNvPicPr>
+          <p:nvPr/>
+        </p:nvPicPr>
+        <p:blipFill>
+          <a:blip r:embed="rId21" cstate="print"/>
+          <a:stretch>
+            <a:fillRect/>
+          </a:stretch>
+        </p:blipFill>
+        <p:spPr>
+          <a:xfrm>
+            <a:off x="9108630" y="5374678"/>
+            <a:ext cx="4055120" cy="453130"/>
+          </a:xfrm>
+          <a:prstGeom prst="rect">
+            <a:avLst/>
+          </a:prstGeom>
+        </p:spPr>
+      </p:pic>
+      <p:grpSp>
+        <p:nvGrpSpPr>
+          <p:cNvPr id="1008" name="그룹 1008"/>
+          <p:cNvGrpSpPr/>
+          <p:nvPr/>
+        </p:nvGrpSpPr>
+        <p:grpSpPr>
+          <a:xfrm>
+            <a:off x="9142898" y="5317667"/>
+            <a:ext cx="4410702" cy="135369"/>
+            <a:chOff x="9142898" y="5317667"/>
+            <a:chExt cx="4410702" cy="135369"/>
+          </a:xfrm>
+        </p:grpSpPr>
+        <p:pic>
+          <p:nvPicPr>
+            <p:cNvPr id="40" name="Object 39"/>
+            <p:cNvPicPr>
+              <a:picLocks noChangeAspect="1"/>
+            </p:cNvPicPr>
+            <p:nvPr/>
+          </p:nvPicPr>
+          <p:blipFill>
+            <a:blip r:embed="rId22" cstate="print"/>
+            <a:stretch>
+              <a:fillRect/>
+            </a:stretch>
+          </p:blipFill>
+          <p:spPr>
+            <a:xfrm rot="-10800000">
+              <a:off x="9142898" y="5317667"/>
+              <a:ext cx="4410702" cy="135369"/>
+            </a:xfrm>
+            <a:prstGeom prst="rect">
+              <a:avLst/>
+            </a:prstGeom>
+          </p:spPr>
+        </p:pic>
+      </p:grpSp>
+      <p:pic>
+        <p:nvPicPr>
+          <p:cNvPr id="42" name="Object 41"/>
+          <p:cNvPicPr>
+            <a:picLocks noChangeAspect="1"/>
+          </p:cNvPicPr>
+          <p:nvPr/>
+        </p:nvPicPr>
+        <p:blipFill>
+          <a:blip r:embed="rId23" cstate="print"/>
+          <a:stretch>
+            <a:fillRect/>
+          </a:stretch>
+        </p:blipFill>
+        <p:spPr>
+          <a:xfrm>
+            <a:off x="2190944" y="6472582"/>
+            <a:ext cx="3179158" cy="616367"/>
+          </a:xfrm>
+          <a:prstGeom prst="rect">
+            <a:avLst/>
+          </a:prstGeom>
+        </p:spPr>
+      </p:pic>
+      <p:pic>
+        <p:nvPicPr>
+          <p:cNvPr id="43" name="Object 42"/>
+          <p:cNvPicPr>
+            <a:picLocks noChangeAspect="1"/>
+          </p:cNvPicPr>
+          <p:nvPr/>
+        </p:nvPicPr>
+        <p:blipFill>
+          <a:blip r:embed="rId24" cstate="print"/>
+          <a:stretch>
+            <a:fillRect/>
+          </a:stretch>
+        </p:blipFill>
+        <p:spPr>
+          <a:xfrm>
+            <a:off x="2202372" y="7042990"/>
+            <a:ext cx="2341320" cy="2124520"/>
+          </a:xfrm>
+          <a:prstGeom prst="rect">
+            <a:avLst/>
+          </a:prstGeom>
+        </p:spPr>
+      </p:pic>
+      <p:grpSp>
+        <p:nvGrpSpPr>
+          <p:cNvPr id="1009" name="그룹 1009"/>
+          <p:cNvGrpSpPr/>
+          <p:nvPr/>
+        </p:nvGrpSpPr>
+        <p:grpSpPr>
+          <a:xfrm>
+            <a:off x="2236648" y="6896257"/>
+            <a:ext cx="3077638" cy="135369"/>
+            <a:chOff x="2236648" y="6896257"/>
+            <a:chExt cx="3077638" cy="135369"/>
+          </a:xfrm>
+        </p:grpSpPr>
+        <p:pic>
+          <p:nvPicPr>
+            <p:cNvPr id="45" name="Object 44"/>
+            <p:cNvPicPr>
+              <a:picLocks noChangeAspect="1"/>
+            </p:cNvPicPr>
+            <p:nvPr/>
+          </p:nvPicPr>
+          <p:blipFill>
+            <a:blip r:embed="rId25" cstate="print"/>
+            <a:stretch>
+              <a:fillRect/>
+            </a:stretch>
+          </p:blipFill>
+          <p:spPr>
+            <a:xfrm rot="-10800000">
+              <a:off x="2236648" y="6896257"/>
+              <a:ext cx="3077638" cy="135369"/>
+            </a:xfrm>
+            <a:prstGeom prst="rect">
+              <a:avLst/>
+            </a:prstGeom>
+          </p:spPr>
+        </p:pic>
+      </p:grpSp>
+      <p:pic>
+        <p:nvPicPr>
+          <p:cNvPr id="47" name="Object 46"/>
+          <p:cNvPicPr>
+            <a:picLocks noChangeAspect="1"/>
+          </p:cNvPicPr>
+          <p:nvPr/>
+        </p:nvPicPr>
+        <p:blipFill>
+          <a:blip r:embed="rId26" cstate="print"/>
+          <a:stretch>
+            <a:fillRect/>
+          </a:stretch>
+        </p:blipFill>
+        <p:spPr>
+          <a:xfrm>
+            <a:off x="5286008" y="7016389"/>
+            <a:ext cx="2706492" cy="1094254"/>
+          </a:xfrm>
+          <a:prstGeom prst="rect">
+            <a:avLst/>
+          </a:prstGeom>
+        </p:spPr>
+      </p:pic>
     </p:spTree>
   </p:cSld>
   <p:clrMapOvr>
@@ -5971,1935 +7782,441 @@
           <a:chExt cx="0" cy="0"/>
         </a:xfrm>
       </p:grpSpPr>
-      <p:sp>
-        <p:nvSpPr>
-          <p:cNvPr id="2" name="TextBox 1">
-            <a:extLst>
-              <a:ext uri="{FF2B5EF4-FFF2-40B4-BE49-F238E27FC236}">
-                <a16:creationId xmlns:a16="http://schemas.microsoft.com/office/drawing/2014/main" id="{91B8141F-95A7-7F43-F141-67FD629A8AAB}"/>
-              </a:ext>
-            </a:extLst>
-          </p:cNvPr>
-          <p:cNvSpPr txBox="1"/>
-          <p:nvPr/>
-        </p:nvSpPr>
-        <p:spPr>
-          <a:xfrm>
-            <a:off x="838200" y="1866900"/>
-            <a:ext cx="8305800" cy="6555641"/>
-          </a:xfrm>
-          <a:prstGeom prst="rect">
-            <a:avLst/>
-          </a:prstGeom>
-          <a:noFill/>
-        </p:spPr>
-        <p:txBody>
-          <a:bodyPr wrap="square">
-            <a:spAutoFit/>
-          </a:bodyPr>
-          <a:lstStyle/>
-          <a:p>
-            <a:r>
-              <a:rPr lang="en-US" altLang="ko-KR" sz="1400" dirty="0">
-                <a:solidFill>
-                  <a:srgbClr val="2B91AF"/>
-                </a:solidFill>
-                <a:latin typeface="돋움체" panose="020B0609000101010101" pitchFamily="49" charset="-127"/>
-                <a:ea typeface="돋움체" panose="020B0609000101010101" pitchFamily="49" charset="-127"/>
-              </a:rPr>
-              <a:t>ifstream</a:t>
-            </a:r>
-            <a:r>
-              <a:rPr lang="en-US" altLang="ko-KR" sz="1400" dirty="0">
-                <a:solidFill>
-                  <a:srgbClr val="000000"/>
-                </a:solidFill>
-                <a:latin typeface="돋움체" panose="020B0609000101010101" pitchFamily="49" charset="-127"/>
-                <a:ea typeface="돋움체" panose="020B0609000101010101" pitchFamily="49" charset="-127"/>
-              </a:rPr>
-              <a:t> in{ </a:t>
-            </a:r>
-            <a:r>
-              <a:rPr lang="en-US" altLang="ko-KR" sz="1400" dirty="0">
-                <a:solidFill>
-                  <a:srgbClr val="A31515"/>
-                </a:solidFill>
-                <a:latin typeface="돋움체" panose="020B0609000101010101" pitchFamily="49" charset="-127"/>
-                <a:ea typeface="돋움체" panose="020B0609000101010101" pitchFamily="49" charset="-127"/>
-              </a:rPr>
-              <a:t>"tree_position.txt"</a:t>
-            </a:r>
-            <a:r>
-              <a:rPr lang="en-US" altLang="ko-KR" sz="1400" dirty="0">
-                <a:solidFill>
-                  <a:srgbClr val="000000"/>
-                </a:solidFill>
-                <a:latin typeface="돋움체" panose="020B0609000101010101" pitchFamily="49" charset="-127"/>
-                <a:ea typeface="돋움체" panose="020B0609000101010101" pitchFamily="49" charset="-127"/>
-              </a:rPr>
-              <a:t> };</a:t>
-            </a:r>
-          </a:p>
-          <a:p>
-            <a:r>
-              <a:rPr lang="en-US" altLang="ko-KR" sz="1400" dirty="0">
-                <a:solidFill>
-                  <a:srgbClr val="000000"/>
-                </a:solidFill>
-                <a:latin typeface="돋움체" panose="020B0609000101010101" pitchFamily="49" charset="-127"/>
-                <a:ea typeface="돋움체" panose="020B0609000101010101" pitchFamily="49" charset="-127"/>
-              </a:rPr>
-              <a:t>...</a:t>
-            </a:r>
-            <a:endParaRPr lang="ko-KR" altLang="en-US" sz="1400" dirty="0">
-              <a:solidFill>
-                <a:srgbClr val="000000"/>
-              </a:solidFill>
-              <a:latin typeface="돋움체" panose="020B0609000101010101" pitchFamily="49" charset="-127"/>
-              <a:ea typeface="돋움체" panose="020B0609000101010101" pitchFamily="49" charset="-127"/>
-            </a:endParaRPr>
-          </a:p>
-          <a:p>
-            <a:r>
-              <a:rPr lang="en-US" altLang="ko-KR" sz="1400" dirty="0">
-                <a:solidFill>
-                  <a:srgbClr val="2B91AF"/>
-                </a:solidFill>
-                <a:latin typeface="돋움체" panose="020B0609000101010101" pitchFamily="49" charset="-127"/>
-                <a:ea typeface="돋움체" panose="020B0609000101010101" pitchFamily="49" charset="-127"/>
-              </a:rPr>
-              <a:t>random_device</a:t>
-            </a:r>
-            <a:r>
-              <a:rPr lang="en-US" altLang="ko-KR" sz="1400" dirty="0">
-                <a:solidFill>
-                  <a:srgbClr val="000000"/>
-                </a:solidFill>
-                <a:latin typeface="돋움체" panose="020B0609000101010101" pitchFamily="49" charset="-127"/>
-                <a:ea typeface="돋움체" panose="020B0609000101010101" pitchFamily="49" charset="-127"/>
-              </a:rPr>
-              <a:t> rd;</a:t>
-            </a:r>
-          </a:p>
-          <a:p>
-            <a:r>
-              <a:rPr lang="en-US" altLang="ko-KR" sz="1400" dirty="0">
-                <a:solidFill>
-                  <a:srgbClr val="2B91AF"/>
-                </a:solidFill>
-                <a:latin typeface="돋움체" panose="020B0609000101010101" pitchFamily="49" charset="-127"/>
-                <a:ea typeface="돋움체" panose="020B0609000101010101" pitchFamily="49" charset="-127"/>
-              </a:rPr>
-              <a:t>default_random_engine</a:t>
-            </a:r>
-            <a:r>
-              <a:rPr lang="en-US" altLang="ko-KR" sz="1400" dirty="0">
-                <a:solidFill>
-                  <a:srgbClr val="000000"/>
-                </a:solidFill>
-                <a:latin typeface="돋움체" panose="020B0609000101010101" pitchFamily="49" charset="-127"/>
-                <a:ea typeface="돋움체" panose="020B0609000101010101" pitchFamily="49" charset="-127"/>
-              </a:rPr>
-              <a:t> dre(rd</a:t>
-            </a:r>
-            <a:r>
-              <a:rPr lang="en-US" altLang="ko-KR" sz="1400" dirty="0">
-                <a:solidFill>
-                  <a:srgbClr val="008080"/>
-                </a:solidFill>
-                <a:latin typeface="돋움체" panose="020B0609000101010101" pitchFamily="49" charset="-127"/>
-                <a:ea typeface="돋움체" panose="020B0609000101010101" pitchFamily="49" charset="-127"/>
-              </a:rPr>
-              <a:t>()</a:t>
-            </a:r>
-            <a:r>
-              <a:rPr lang="en-US" altLang="ko-KR" sz="1400" dirty="0">
-                <a:solidFill>
-                  <a:srgbClr val="000000"/>
-                </a:solidFill>
-                <a:latin typeface="돋움체" panose="020B0609000101010101" pitchFamily="49" charset="-127"/>
-                <a:ea typeface="돋움체" panose="020B0609000101010101" pitchFamily="49" charset="-127"/>
-              </a:rPr>
-              <a:t>);</a:t>
-            </a:r>
-          </a:p>
-          <a:p>
-            <a:r>
-              <a:rPr lang="en-US" altLang="ko-KR" sz="1400" dirty="0">
-                <a:solidFill>
-                  <a:srgbClr val="2B91AF"/>
-                </a:solidFill>
-                <a:latin typeface="돋움체" panose="020B0609000101010101" pitchFamily="49" charset="-127"/>
-                <a:ea typeface="돋움체" panose="020B0609000101010101" pitchFamily="49" charset="-127"/>
-              </a:rPr>
-              <a:t>uniform_real_distribution</a:t>
-            </a:r>
-            <a:r>
-              <a:rPr lang="en-US" altLang="ko-KR" sz="1400" dirty="0">
-                <a:solidFill>
-                  <a:srgbClr val="000000"/>
-                </a:solidFill>
-                <a:latin typeface="돋움체" panose="020B0609000101010101" pitchFamily="49" charset="-127"/>
-                <a:ea typeface="돋움체" panose="020B0609000101010101" pitchFamily="49" charset="-127"/>
-              </a:rPr>
-              <a:t>&lt;</a:t>
-            </a:r>
-            <a:r>
-              <a:rPr lang="en-US" altLang="ko-KR" sz="1400" dirty="0">
-                <a:solidFill>
-                  <a:srgbClr val="0000FF"/>
-                </a:solidFill>
-                <a:latin typeface="돋움체" panose="020B0609000101010101" pitchFamily="49" charset="-127"/>
-                <a:ea typeface="돋움체" panose="020B0609000101010101" pitchFamily="49" charset="-127"/>
-              </a:rPr>
-              <a:t>float</a:t>
-            </a:r>
-            <a:r>
-              <a:rPr lang="en-US" altLang="ko-KR" sz="1400" dirty="0">
-                <a:solidFill>
-                  <a:srgbClr val="000000"/>
-                </a:solidFill>
-                <a:latin typeface="돋움체" panose="020B0609000101010101" pitchFamily="49" charset="-127"/>
-                <a:ea typeface="돋움체" panose="020B0609000101010101" pitchFamily="49" charset="-127"/>
-              </a:rPr>
-              <a:t>&gt; uidScale(7.0f, 14.0f);</a:t>
-            </a:r>
-          </a:p>
-          <a:p>
-            <a:r>
-              <a:rPr lang="en-US" altLang="ko-KR" sz="1400" dirty="0">
-                <a:solidFill>
-                  <a:srgbClr val="2B91AF"/>
-                </a:solidFill>
-                <a:latin typeface="돋움체" panose="020B0609000101010101" pitchFamily="49" charset="-127"/>
-                <a:ea typeface="돋움체" panose="020B0609000101010101" pitchFamily="49" charset="-127"/>
-              </a:rPr>
-              <a:t>uniform_real_distribution</a:t>
-            </a:r>
-            <a:r>
-              <a:rPr lang="en-US" altLang="ko-KR" sz="1400" dirty="0">
-                <a:solidFill>
-                  <a:srgbClr val="000000"/>
-                </a:solidFill>
-                <a:latin typeface="돋움체" panose="020B0609000101010101" pitchFamily="49" charset="-127"/>
-                <a:ea typeface="돋움체" panose="020B0609000101010101" pitchFamily="49" charset="-127"/>
-              </a:rPr>
-              <a:t>&lt;</a:t>
-            </a:r>
-            <a:r>
-              <a:rPr lang="en-US" altLang="ko-KR" sz="1400" dirty="0">
-                <a:solidFill>
-                  <a:srgbClr val="0000FF"/>
-                </a:solidFill>
-                <a:latin typeface="돋움체" panose="020B0609000101010101" pitchFamily="49" charset="-127"/>
-                <a:ea typeface="돋움체" panose="020B0609000101010101" pitchFamily="49" charset="-127"/>
-              </a:rPr>
-              <a:t>float</a:t>
-            </a:r>
-            <a:r>
-              <a:rPr lang="en-US" altLang="ko-KR" sz="1400" dirty="0">
-                <a:solidFill>
-                  <a:srgbClr val="000000"/>
-                </a:solidFill>
-                <a:latin typeface="돋움체" panose="020B0609000101010101" pitchFamily="49" charset="-127"/>
-                <a:ea typeface="돋움체" panose="020B0609000101010101" pitchFamily="49" charset="-127"/>
-              </a:rPr>
-              <a:t>&gt; uidRotate(0.0f, 180.0f);</a:t>
-            </a:r>
-          </a:p>
-          <a:p>
-            <a:r>
-              <a:rPr lang="en-US" altLang="ko-KR" sz="1400" dirty="0">
-                <a:solidFill>
-                  <a:srgbClr val="2B91AF"/>
-                </a:solidFill>
-                <a:latin typeface="돋움체" panose="020B0609000101010101" pitchFamily="49" charset="-127"/>
-                <a:ea typeface="돋움체" panose="020B0609000101010101" pitchFamily="49" charset="-127"/>
-              </a:rPr>
-              <a:t>uniform_int_distribution</a:t>
-            </a:r>
-            <a:r>
-              <a:rPr lang="en-US" altLang="ko-KR" sz="1400" dirty="0">
-                <a:solidFill>
-                  <a:srgbClr val="000000"/>
-                </a:solidFill>
-                <a:latin typeface="돋움체" panose="020B0609000101010101" pitchFamily="49" charset="-127"/>
-                <a:ea typeface="돋움체" panose="020B0609000101010101" pitchFamily="49" charset="-127"/>
-              </a:rPr>
-              <a:t>&lt;&gt; uidModel(0, 2);</a:t>
-            </a:r>
-          </a:p>
-          <a:p>
-            <a:endParaRPr lang="ko-KR" altLang="en-US" sz="1400" dirty="0">
-              <a:solidFill>
-                <a:srgbClr val="000000"/>
-              </a:solidFill>
-              <a:latin typeface="돋움체" panose="020B0609000101010101" pitchFamily="49" charset="-127"/>
-              <a:ea typeface="돋움체" panose="020B0609000101010101" pitchFamily="49" charset="-127"/>
-            </a:endParaRPr>
-          </a:p>
-          <a:p>
-            <a:r>
-              <a:rPr lang="en-US" altLang="ko-KR" sz="1400" dirty="0">
-                <a:solidFill>
-                  <a:srgbClr val="2B91AF"/>
-                </a:solidFill>
-                <a:latin typeface="돋움체" panose="020B0609000101010101" pitchFamily="49" charset="-127"/>
-                <a:ea typeface="돋움체" panose="020B0609000101010101" pitchFamily="49" charset="-127"/>
-              </a:rPr>
-              <a:t>XMFLOAT3</a:t>
-            </a:r>
-            <a:r>
-              <a:rPr lang="en-US" altLang="ko-KR" sz="1400" dirty="0">
-                <a:solidFill>
-                  <a:srgbClr val="000000"/>
-                </a:solidFill>
-                <a:latin typeface="돋움체" panose="020B0609000101010101" pitchFamily="49" charset="-127"/>
-                <a:ea typeface="돋움체" panose="020B0609000101010101" pitchFamily="49" charset="-127"/>
-              </a:rPr>
-              <a:t> xmf3Pos;</a:t>
-            </a:r>
-          </a:p>
-          <a:p>
-            <a:r>
-              <a:rPr lang="en-US" altLang="ko-KR" sz="1400" dirty="0">
-                <a:solidFill>
-                  <a:srgbClr val="0000FF"/>
-                </a:solidFill>
-                <a:latin typeface="돋움체" panose="020B0609000101010101" pitchFamily="49" charset="-127"/>
-                <a:ea typeface="돋움체" panose="020B0609000101010101" pitchFamily="49" charset="-127"/>
-              </a:rPr>
-              <a:t>int</a:t>
-            </a:r>
-            <a:r>
-              <a:rPr lang="en-US" altLang="ko-KR" sz="1400" dirty="0">
-                <a:solidFill>
-                  <a:srgbClr val="000000"/>
-                </a:solidFill>
-                <a:latin typeface="돋움체" panose="020B0609000101010101" pitchFamily="49" charset="-127"/>
-                <a:ea typeface="돋움체" panose="020B0609000101010101" pitchFamily="49" charset="-127"/>
-              </a:rPr>
-              <a:t> cnt = </a:t>
-            </a:r>
-            <a:r>
-              <a:rPr lang="en-US" altLang="ko-KR" sz="1400" dirty="0">
-                <a:solidFill>
-                  <a:srgbClr val="808080"/>
-                </a:solidFill>
-                <a:latin typeface="돋움체" panose="020B0609000101010101" pitchFamily="49" charset="-127"/>
-                <a:ea typeface="돋움체" panose="020B0609000101010101" pitchFamily="49" charset="-127"/>
-              </a:rPr>
-              <a:t>start</a:t>
-            </a:r>
-            <a:r>
-              <a:rPr lang="en-US" altLang="ko-KR" sz="1400" dirty="0">
-                <a:solidFill>
-                  <a:srgbClr val="000000"/>
-                </a:solidFill>
-                <a:latin typeface="돋움체" panose="020B0609000101010101" pitchFamily="49" charset="-127"/>
-                <a:ea typeface="돋움체" panose="020B0609000101010101" pitchFamily="49" charset="-127"/>
-              </a:rPr>
-              <a:t>;</a:t>
-            </a:r>
-          </a:p>
-          <a:p>
-            <a:r>
-              <a:rPr lang="en-US" altLang="ko-KR" sz="1400" dirty="0">
-                <a:solidFill>
-                  <a:srgbClr val="0000FF"/>
-                </a:solidFill>
-                <a:latin typeface="돋움체" panose="020B0609000101010101" pitchFamily="49" charset="-127"/>
-                <a:ea typeface="돋움체" panose="020B0609000101010101" pitchFamily="49" charset="-127"/>
-              </a:rPr>
-              <a:t>int</a:t>
-            </a:r>
-            <a:r>
-              <a:rPr lang="en-US" altLang="ko-KR" sz="1400" dirty="0">
-                <a:solidFill>
-                  <a:srgbClr val="000000"/>
-                </a:solidFill>
-                <a:latin typeface="돋움체" panose="020B0609000101010101" pitchFamily="49" charset="-127"/>
-                <a:ea typeface="돋움체" panose="020B0609000101010101" pitchFamily="49" charset="-127"/>
-              </a:rPr>
-              <a:t> nModel = 0;</a:t>
-            </a:r>
-          </a:p>
-          <a:p>
-            <a:r>
-              <a:rPr lang="en-US" altLang="ko-KR" sz="1400" dirty="0">
-                <a:solidFill>
-                  <a:srgbClr val="0000FF"/>
-                </a:solidFill>
-                <a:latin typeface="돋움체" panose="020B0609000101010101" pitchFamily="49" charset="-127"/>
-                <a:ea typeface="돋움체" panose="020B0609000101010101" pitchFamily="49" charset="-127"/>
-              </a:rPr>
-              <a:t>While</a:t>
-            </a:r>
-            <a:r>
-              <a:rPr lang="en-US" altLang="ko-KR" sz="1400" dirty="0">
-                <a:solidFill>
-                  <a:srgbClr val="000000"/>
-                </a:solidFill>
-                <a:latin typeface="돋움체" panose="020B0609000101010101" pitchFamily="49" charset="-127"/>
-                <a:ea typeface="돋움체" panose="020B0609000101010101" pitchFamily="49" charset="-127"/>
-              </a:rPr>
-              <a:t> (cnt &lt;= </a:t>
-            </a:r>
-            <a:r>
-              <a:rPr lang="en-US" altLang="ko-KR" sz="1400" dirty="0">
-                <a:solidFill>
-                  <a:srgbClr val="808080"/>
-                </a:solidFill>
-                <a:latin typeface="돋움체" panose="020B0609000101010101" pitchFamily="49" charset="-127"/>
-                <a:ea typeface="돋움체" panose="020B0609000101010101" pitchFamily="49" charset="-127"/>
-              </a:rPr>
-              <a:t>end</a:t>
-            </a:r>
-            <a:r>
-              <a:rPr lang="en-US" altLang="ko-KR" sz="1400" dirty="0">
-                <a:solidFill>
-                  <a:srgbClr val="000000"/>
-                </a:solidFill>
-                <a:latin typeface="돋움체" panose="020B0609000101010101" pitchFamily="49" charset="-127"/>
-                <a:ea typeface="돋움체" panose="020B0609000101010101" pitchFamily="49" charset="-127"/>
-              </a:rPr>
-              <a:t>) {</a:t>
-            </a:r>
-          </a:p>
-          <a:p>
-            <a:r>
-              <a:rPr lang="en-US" altLang="ko-KR" sz="1400" dirty="0">
-                <a:solidFill>
-                  <a:srgbClr val="000000"/>
-                </a:solidFill>
-                <a:latin typeface="돋움체" panose="020B0609000101010101" pitchFamily="49" charset="-127"/>
-                <a:ea typeface="돋움체" panose="020B0609000101010101" pitchFamily="49" charset="-127"/>
-              </a:rPr>
-              <a:t>  in </a:t>
-            </a:r>
-            <a:r>
-              <a:rPr lang="en-US" altLang="ko-KR" sz="1400" dirty="0">
-                <a:solidFill>
-                  <a:srgbClr val="008080"/>
-                </a:solidFill>
-                <a:latin typeface="돋움체" panose="020B0609000101010101" pitchFamily="49" charset="-127"/>
-                <a:ea typeface="돋움체" panose="020B0609000101010101" pitchFamily="49" charset="-127"/>
-              </a:rPr>
-              <a:t>&gt;&gt;</a:t>
-            </a:r>
-            <a:r>
-              <a:rPr lang="en-US" altLang="ko-KR" sz="1400" dirty="0">
-                <a:solidFill>
-                  <a:srgbClr val="000000"/>
-                </a:solidFill>
-                <a:latin typeface="돋움체" panose="020B0609000101010101" pitchFamily="49" charset="-127"/>
-                <a:ea typeface="돋움체" panose="020B0609000101010101" pitchFamily="49" charset="-127"/>
-              </a:rPr>
-              <a:t> xmf3Pos.x &gt;&gt; xmf3Pos.y &gt;&gt; xmf3Pos.z;</a:t>
-            </a:r>
-          </a:p>
-          <a:p>
-            <a:r>
-              <a:rPr lang="en-US" altLang="ko-KR" sz="1400" dirty="0">
-                <a:solidFill>
-                  <a:srgbClr val="000000"/>
-                </a:solidFill>
-                <a:latin typeface="돋움체" panose="020B0609000101010101" pitchFamily="49" charset="-127"/>
-                <a:ea typeface="돋움체" panose="020B0609000101010101" pitchFamily="49" charset="-127"/>
-              </a:rPr>
-              <a:t>  nModel = uidModel</a:t>
-            </a:r>
-            <a:r>
-              <a:rPr lang="en-US" altLang="ko-KR" sz="1400" dirty="0">
-                <a:solidFill>
-                  <a:srgbClr val="008080"/>
-                </a:solidFill>
-                <a:latin typeface="돋움체" panose="020B0609000101010101" pitchFamily="49" charset="-127"/>
-                <a:ea typeface="돋움체" panose="020B0609000101010101" pitchFamily="49" charset="-127"/>
-              </a:rPr>
-              <a:t>(</a:t>
-            </a:r>
-            <a:r>
-              <a:rPr lang="en-US" altLang="ko-KR" sz="1400" dirty="0">
-                <a:solidFill>
-                  <a:srgbClr val="000000"/>
-                </a:solidFill>
-                <a:latin typeface="돋움체" panose="020B0609000101010101" pitchFamily="49" charset="-127"/>
-                <a:ea typeface="돋움체" panose="020B0609000101010101" pitchFamily="49" charset="-127"/>
-              </a:rPr>
-              <a:t>dre</a:t>
-            </a:r>
-            <a:r>
-              <a:rPr lang="en-US" altLang="ko-KR" sz="1400" dirty="0">
-                <a:solidFill>
-                  <a:srgbClr val="008080"/>
-                </a:solidFill>
-                <a:latin typeface="돋움체" panose="020B0609000101010101" pitchFamily="49" charset="-127"/>
-                <a:ea typeface="돋움체" panose="020B0609000101010101" pitchFamily="49" charset="-127"/>
-              </a:rPr>
-              <a:t>)</a:t>
-            </a:r>
-            <a:r>
-              <a:rPr lang="en-US" altLang="ko-KR" sz="1400" dirty="0">
-                <a:solidFill>
-                  <a:srgbClr val="000000"/>
-                </a:solidFill>
-                <a:latin typeface="돋움체" panose="020B0609000101010101" pitchFamily="49" charset="-127"/>
-                <a:ea typeface="돋움체" panose="020B0609000101010101" pitchFamily="49" charset="-127"/>
-              </a:rPr>
-              <a:t>;</a:t>
-            </a:r>
-          </a:p>
-          <a:p>
-            <a:r>
-              <a:rPr lang="en-US" altLang="ko-KR" sz="1400" dirty="0">
-                <a:solidFill>
-                  <a:srgbClr val="0000FF"/>
-                </a:solidFill>
-                <a:latin typeface="돋움체" panose="020B0609000101010101" pitchFamily="49" charset="-127"/>
-                <a:ea typeface="돋움체" panose="020B0609000101010101" pitchFamily="49" charset="-127"/>
-              </a:rPr>
-              <a:t>  switch</a:t>
-            </a:r>
-            <a:r>
-              <a:rPr lang="en-US" altLang="ko-KR" sz="1400" dirty="0">
-                <a:solidFill>
-                  <a:srgbClr val="000000"/>
-                </a:solidFill>
-                <a:latin typeface="돋움체" panose="020B0609000101010101" pitchFamily="49" charset="-127"/>
-                <a:ea typeface="돋움체" panose="020B0609000101010101" pitchFamily="49" charset="-127"/>
-              </a:rPr>
-              <a:t> (nModel) { </a:t>
-            </a:r>
-          </a:p>
-          <a:p>
-            <a:r>
-              <a:rPr lang="en-US" altLang="ko-KR" sz="1400" dirty="0">
-                <a:solidFill>
-                  <a:srgbClr val="0000FF"/>
-                </a:solidFill>
-                <a:latin typeface="돋움체" panose="020B0609000101010101" pitchFamily="49" charset="-127"/>
-                <a:ea typeface="돋움체" panose="020B0609000101010101" pitchFamily="49" charset="-127"/>
-              </a:rPr>
-              <a:t>    case</a:t>
-            </a:r>
-            <a:r>
-              <a:rPr lang="en-US" altLang="ko-KR" sz="1400" dirty="0">
-                <a:solidFill>
-                  <a:srgbClr val="000000"/>
-                </a:solidFill>
-                <a:latin typeface="돋움체" panose="020B0609000101010101" pitchFamily="49" charset="-127"/>
-                <a:ea typeface="돋움체" panose="020B0609000101010101" pitchFamily="49" charset="-127"/>
-              </a:rPr>
-              <a:t> 0:</a:t>
-            </a:r>
-          </a:p>
-          <a:p>
-            <a:r>
-              <a:rPr lang="en-US" altLang="ko-KR" sz="1400" dirty="0">
-                <a:solidFill>
-                  <a:srgbClr val="000000"/>
-                </a:solidFill>
-                <a:latin typeface="돋움체" panose="020B0609000101010101" pitchFamily="49" charset="-127"/>
-                <a:ea typeface="돋움체" panose="020B0609000101010101" pitchFamily="49" charset="-127"/>
-              </a:rPr>
-              <a:t>      m_ppHierarchicalGameObjects[cnt] = </a:t>
-            </a:r>
-            <a:r>
-              <a:rPr lang="en-US" altLang="ko-KR" sz="1400" dirty="0">
-                <a:solidFill>
-                  <a:srgbClr val="0000FF"/>
-                </a:solidFill>
-                <a:latin typeface="돋움체" panose="020B0609000101010101" pitchFamily="49" charset="-127"/>
-                <a:ea typeface="돋움체" panose="020B0609000101010101" pitchFamily="49" charset="-127"/>
-              </a:rPr>
-              <a:t>new</a:t>
-            </a:r>
-            <a:r>
-              <a:rPr lang="en-US" altLang="ko-KR" sz="1400" dirty="0">
-                <a:solidFill>
-                  <a:srgbClr val="000000"/>
-                </a:solidFill>
-                <a:latin typeface="돋움체" panose="020B0609000101010101" pitchFamily="49" charset="-127"/>
-                <a:ea typeface="돋움체" panose="020B0609000101010101" pitchFamily="49" charset="-127"/>
-              </a:rPr>
-              <a:t> </a:t>
-            </a:r>
-            <a:r>
-              <a:rPr lang="en-US" altLang="ko-KR" sz="1400" dirty="0">
-                <a:solidFill>
-                  <a:srgbClr val="2B91AF"/>
-                </a:solidFill>
-                <a:latin typeface="돋움체" panose="020B0609000101010101" pitchFamily="49" charset="-127"/>
-                <a:ea typeface="돋움체" panose="020B0609000101010101" pitchFamily="49" charset="-127"/>
-              </a:rPr>
-              <a:t>CCastleObject</a:t>
-            </a:r>
-            <a:r>
-              <a:rPr lang="en-US" altLang="ko-KR" sz="1400" dirty="0">
-                <a:solidFill>
-                  <a:srgbClr val="000000"/>
-                </a:solidFill>
-                <a:latin typeface="돋움체" panose="020B0609000101010101" pitchFamily="49" charset="-127"/>
-                <a:ea typeface="돋움체" panose="020B0609000101010101" pitchFamily="49" charset="-127"/>
-              </a:rPr>
-              <a:t>(</a:t>
-            </a:r>
-            <a:r>
-              <a:rPr lang="en-US" altLang="ko-KR" sz="1400" dirty="0">
-                <a:solidFill>
-                  <a:srgbClr val="808080"/>
-                </a:solidFill>
-                <a:latin typeface="돋움체" panose="020B0609000101010101" pitchFamily="49" charset="-127"/>
-                <a:ea typeface="돋움체" panose="020B0609000101010101" pitchFamily="49" charset="-127"/>
-              </a:rPr>
-              <a:t>pd3dDevice</a:t>
-            </a:r>
-            <a:r>
-              <a:rPr lang="en-US" altLang="ko-KR" sz="1400" dirty="0">
-                <a:solidFill>
-                  <a:srgbClr val="000000"/>
-                </a:solidFill>
-                <a:latin typeface="돋움체" panose="020B0609000101010101" pitchFamily="49" charset="-127"/>
-                <a:ea typeface="돋움체" panose="020B0609000101010101" pitchFamily="49" charset="-127"/>
-              </a:rPr>
-              <a:t>, </a:t>
-            </a:r>
-            <a:r>
-              <a:rPr lang="en-US" altLang="ko-KR" sz="1400" dirty="0">
-                <a:solidFill>
-                  <a:srgbClr val="808080"/>
-                </a:solidFill>
-                <a:latin typeface="돋움체" panose="020B0609000101010101" pitchFamily="49" charset="-127"/>
-                <a:ea typeface="돋움체" panose="020B0609000101010101" pitchFamily="49" charset="-127"/>
-              </a:rPr>
-              <a:t>pd3dCommandList</a:t>
-            </a:r>
-            <a:r>
-              <a:rPr lang="en-US" altLang="ko-KR" sz="1400" dirty="0">
-                <a:solidFill>
-                  <a:srgbClr val="000000"/>
-                </a:solidFill>
-                <a:latin typeface="돋움체" panose="020B0609000101010101" pitchFamily="49" charset="-127"/>
-                <a:ea typeface="돋움체" panose="020B0609000101010101" pitchFamily="49" charset="-127"/>
-              </a:rPr>
-              <a:t>, </a:t>
-            </a:r>
-          </a:p>
-          <a:p>
-            <a:r>
-              <a:rPr lang="en-US" altLang="ko-KR" sz="1400" dirty="0">
-                <a:solidFill>
-                  <a:srgbClr val="000000"/>
-                </a:solidFill>
-                <a:latin typeface="돋움체" panose="020B0609000101010101" pitchFamily="49" charset="-127"/>
-                <a:ea typeface="돋움체" panose="020B0609000101010101" pitchFamily="49" charset="-127"/>
-              </a:rPr>
-              <a:t>      m_pd3dGraphicsRootSignature, pTreeModel1, 0);</a:t>
-            </a:r>
-          </a:p>
-          <a:p>
-            <a:r>
-              <a:rPr lang="en-US" altLang="ko-KR" sz="1400" dirty="0">
-                <a:solidFill>
-                  <a:srgbClr val="0000FF"/>
-                </a:solidFill>
-                <a:latin typeface="돋움체" panose="020B0609000101010101" pitchFamily="49" charset="-127"/>
-                <a:ea typeface="돋움체" panose="020B0609000101010101" pitchFamily="49" charset="-127"/>
-              </a:rPr>
-              <a:t>      break</a:t>
-            </a:r>
-            <a:r>
-              <a:rPr lang="en-US" altLang="ko-KR" sz="1400" dirty="0">
-                <a:solidFill>
-                  <a:srgbClr val="000000"/>
-                </a:solidFill>
-                <a:latin typeface="돋움체" panose="020B0609000101010101" pitchFamily="49" charset="-127"/>
-                <a:ea typeface="돋움체" panose="020B0609000101010101" pitchFamily="49" charset="-127"/>
-              </a:rPr>
-              <a:t>;</a:t>
-            </a:r>
-          </a:p>
-          <a:p>
-            <a:r>
-              <a:rPr lang="en-US" altLang="ko-KR" sz="1400" dirty="0">
-                <a:solidFill>
-                  <a:srgbClr val="0000FF"/>
-                </a:solidFill>
-                <a:latin typeface="돋움체" panose="020B0609000101010101" pitchFamily="49" charset="-127"/>
-                <a:ea typeface="돋움체" panose="020B0609000101010101" pitchFamily="49" charset="-127"/>
-              </a:rPr>
-              <a:t>    case</a:t>
-            </a:r>
-            <a:r>
-              <a:rPr lang="en-US" altLang="ko-KR" sz="1400" dirty="0">
-                <a:solidFill>
-                  <a:srgbClr val="000000"/>
-                </a:solidFill>
-                <a:latin typeface="돋움체" panose="020B0609000101010101" pitchFamily="49" charset="-127"/>
-                <a:ea typeface="돋움체" panose="020B0609000101010101" pitchFamily="49" charset="-127"/>
-              </a:rPr>
-              <a:t> 1:</a:t>
-            </a:r>
-          </a:p>
-          <a:p>
-            <a:r>
-              <a:rPr lang="en-US" altLang="ko-KR" sz="1400" dirty="0">
-                <a:solidFill>
-                  <a:srgbClr val="0000FF"/>
-                </a:solidFill>
-                <a:latin typeface="돋움체" panose="020B0609000101010101" pitchFamily="49" charset="-127"/>
-                <a:ea typeface="돋움체" panose="020B0609000101010101" pitchFamily="49" charset="-127"/>
-              </a:rPr>
-              <a:t>    case</a:t>
-            </a:r>
-            <a:r>
-              <a:rPr lang="en-US" altLang="ko-KR" sz="1400" dirty="0">
-                <a:solidFill>
-                  <a:srgbClr val="000000"/>
-                </a:solidFill>
-                <a:latin typeface="돋움체" panose="020B0609000101010101" pitchFamily="49" charset="-127"/>
-                <a:ea typeface="돋움체" panose="020B0609000101010101" pitchFamily="49" charset="-127"/>
-              </a:rPr>
-              <a:t> 2:</a:t>
-            </a:r>
-          </a:p>
-          <a:p>
-            <a:r>
-              <a:rPr lang="en-US" altLang="ko-KR" sz="1400" dirty="0">
-                <a:solidFill>
-                  <a:srgbClr val="000000"/>
-                </a:solidFill>
-                <a:latin typeface="돋움체" panose="020B0609000101010101" pitchFamily="49" charset="-127"/>
-                <a:ea typeface="돋움체" panose="020B0609000101010101" pitchFamily="49" charset="-127"/>
-              </a:rPr>
-              <a:t>    …</a:t>
-            </a:r>
-          </a:p>
-          <a:p>
-            <a:r>
-              <a:rPr lang="en-US" altLang="ko-KR" sz="1400" dirty="0">
-                <a:solidFill>
-                  <a:srgbClr val="000000"/>
-                </a:solidFill>
-                <a:latin typeface="돋움체" panose="020B0609000101010101" pitchFamily="49" charset="-127"/>
-                <a:ea typeface="돋움체" panose="020B0609000101010101" pitchFamily="49" charset="-127"/>
-              </a:rPr>
-              <a:t>}</a:t>
-            </a:r>
-          </a:p>
-          <a:p>
-            <a:endParaRPr lang="en-US" altLang="ko-KR" sz="1400" dirty="0">
-              <a:solidFill>
-                <a:srgbClr val="000000"/>
-              </a:solidFill>
-              <a:latin typeface="돋움체" panose="020B0609000101010101" pitchFamily="49" charset="-127"/>
-              <a:ea typeface="돋움체" panose="020B0609000101010101" pitchFamily="49" charset="-127"/>
-            </a:endParaRPr>
-          </a:p>
-          <a:p>
-            <a:r>
-              <a:rPr lang="en-US" altLang="ko-KR" sz="1400" dirty="0">
-                <a:solidFill>
-                  <a:srgbClr val="000000"/>
-                </a:solidFill>
-                <a:latin typeface="돋움체" panose="020B0609000101010101" pitchFamily="49" charset="-127"/>
-                <a:ea typeface="돋움체" panose="020B0609000101010101" pitchFamily="49" charset="-127"/>
-              </a:rPr>
-              <a:t>  m_ppHierarchicalGameObjects[cnt]-&gt;SetPosition(xmf3Pos.x, </a:t>
-            </a:r>
-          </a:p>
-          <a:p>
-            <a:r>
-              <a:rPr lang="en-US" altLang="ko-KR" sz="1400" dirty="0">
-                <a:solidFill>
-                  <a:srgbClr val="000000"/>
-                </a:solidFill>
-                <a:latin typeface="돋움체" panose="020B0609000101010101" pitchFamily="49" charset="-127"/>
-                <a:ea typeface="돋움체" panose="020B0609000101010101" pitchFamily="49" charset="-127"/>
-              </a:rPr>
-              <a:t> 			m_pTerrain-&gt;GetHeight(xmf3Pos.x, xmf3Pos.z), xmf3Pos.z);</a:t>
-            </a:r>
-          </a:p>
-          <a:p>
-            <a:r>
-              <a:rPr lang="en-US" altLang="ko-KR" sz="1400" dirty="0">
-                <a:solidFill>
-                  <a:srgbClr val="000000"/>
-                </a:solidFill>
-                <a:latin typeface="돋움체" panose="020B0609000101010101" pitchFamily="49" charset="-127"/>
-                <a:ea typeface="돋움체" panose="020B0609000101010101" pitchFamily="49" charset="-127"/>
-              </a:rPr>
-              <a:t>  m_ppHierarchicalGameObjects[cnt]-&gt;SetScale(uidScale</a:t>
-            </a:r>
-            <a:r>
-              <a:rPr lang="en-US" altLang="ko-KR" sz="1400" dirty="0">
-                <a:solidFill>
-                  <a:srgbClr val="008080"/>
-                </a:solidFill>
-                <a:latin typeface="돋움체" panose="020B0609000101010101" pitchFamily="49" charset="-127"/>
-                <a:ea typeface="돋움체" panose="020B0609000101010101" pitchFamily="49" charset="-127"/>
-              </a:rPr>
-              <a:t>(</a:t>
-            </a:r>
-            <a:r>
-              <a:rPr lang="en-US" altLang="ko-KR" sz="1400" dirty="0">
-                <a:solidFill>
-                  <a:srgbClr val="000000"/>
-                </a:solidFill>
-                <a:latin typeface="돋움체" panose="020B0609000101010101" pitchFamily="49" charset="-127"/>
-                <a:ea typeface="돋움체" panose="020B0609000101010101" pitchFamily="49" charset="-127"/>
-              </a:rPr>
-              <a:t>dre</a:t>
-            </a:r>
-            <a:r>
-              <a:rPr lang="en-US" altLang="ko-KR" sz="1400" dirty="0">
-                <a:solidFill>
-                  <a:srgbClr val="008080"/>
-                </a:solidFill>
-                <a:latin typeface="돋움체" panose="020B0609000101010101" pitchFamily="49" charset="-127"/>
-                <a:ea typeface="돋움체" panose="020B0609000101010101" pitchFamily="49" charset="-127"/>
-              </a:rPr>
-              <a:t>)</a:t>
-            </a:r>
-            <a:r>
-              <a:rPr lang="en-US" altLang="ko-KR" sz="1400" dirty="0">
-                <a:solidFill>
-                  <a:srgbClr val="000000"/>
-                </a:solidFill>
-                <a:latin typeface="돋움체" panose="020B0609000101010101" pitchFamily="49" charset="-127"/>
-                <a:ea typeface="돋움체" panose="020B0609000101010101" pitchFamily="49" charset="-127"/>
-              </a:rPr>
-              <a:t>, uidScale</a:t>
-            </a:r>
-            <a:r>
-              <a:rPr lang="en-US" altLang="ko-KR" sz="1400" dirty="0">
-                <a:solidFill>
-                  <a:srgbClr val="008080"/>
-                </a:solidFill>
-                <a:latin typeface="돋움체" panose="020B0609000101010101" pitchFamily="49" charset="-127"/>
-                <a:ea typeface="돋움체" panose="020B0609000101010101" pitchFamily="49" charset="-127"/>
-              </a:rPr>
-              <a:t>(</a:t>
-            </a:r>
-            <a:r>
-              <a:rPr lang="en-US" altLang="ko-KR" sz="1400" dirty="0">
-                <a:solidFill>
-                  <a:srgbClr val="000000"/>
-                </a:solidFill>
-                <a:latin typeface="돋움체" panose="020B0609000101010101" pitchFamily="49" charset="-127"/>
-                <a:ea typeface="돋움체" panose="020B0609000101010101" pitchFamily="49" charset="-127"/>
-              </a:rPr>
-              <a:t>dre</a:t>
-            </a:r>
-            <a:r>
-              <a:rPr lang="en-US" altLang="ko-KR" sz="1400" dirty="0">
-                <a:solidFill>
-                  <a:srgbClr val="008080"/>
-                </a:solidFill>
-                <a:latin typeface="돋움체" panose="020B0609000101010101" pitchFamily="49" charset="-127"/>
-                <a:ea typeface="돋움체" panose="020B0609000101010101" pitchFamily="49" charset="-127"/>
-              </a:rPr>
-              <a:t>)</a:t>
-            </a:r>
-            <a:r>
-              <a:rPr lang="en-US" altLang="ko-KR" sz="1400" dirty="0">
-                <a:solidFill>
-                  <a:srgbClr val="000000"/>
-                </a:solidFill>
-                <a:latin typeface="돋움체" panose="020B0609000101010101" pitchFamily="49" charset="-127"/>
-                <a:ea typeface="돋움체" panose="020B0609000101010101" pitchFamily="49" charset="-127"/>
-              </a:rPr>
-              <a:t>, uidScale</a:t>
-            </a:r>
-            <a:r>
-              <a:rPr lang="en-US" altLang="ko-KR" sz="1400" dirty="0">
-                <a:solidFill>
-                  <a:srgbClr val="008080"/>
-                </a:solidFill>
-                <a:latin typeface="돋움체" panose="020B0609000101010101" pitchFamily="49" charset="-127"/>
-                <a:ea typeface="돋움체" panose="020B0609000101010101" pitchFamily="49" charset="-127"/>
-              </a:rPr>
-              <a:t>(</a:t>
-            </a:r>
-            <a:r>
-              <a:rPr lang="en-US" altLang="ko-KR" sz="1400" dirty="0">
-                <a:solidFill>
-                  <a:srgbClr val="000000"/>
-                </a:solidFill>
-                <a:latin typeface="돋움체" panose="020B0609000101010101" pitchFamily="49" charset="-127"/>
-                <a:ea typeface="돋움체" panose="020B0609000101010101" pitchFamily="49" charset="-127"/>
-              </a:rPr>
-              <a:t>dre</a:t>
-            </a:r>
-            <a:r>
-              <a:rPr lang="en-US" altLang="ko-KR" sz="1400" dirty="0">
-                <a:solidFill>
-                  <a:srgbClr val="008080"/>
-                </a:solidFill>
-                <a:latin typeface="돋움체" panose="020B0609000101010101" pitchFamily="49" charset="-127"/>
-                <a:ea typeface="돋움체" panose="020B0609000101010101" pitchFamily="49" charset="-127"/>
-              </a:rPr>
-              <a:t>)</a:t>
-            </a:r>
-            <a:r>
-              <a:rPr lang="en-US" altLang="ko-KR" sz="1400" dirty="0">
-                <a:solidFill>
-                  <a:srgbClr val="000000"/>
-                </a:solidFill>
-                <a:latin typeface="돋움체" panose="020B0609000101010101" pitchFamily="49" charset="-127"/>
-                <a:ea typeface="돋움체" panose="020B0609000101010101" pitchFamily="49" charset="-127"/>
-              </a:rPr>
-              <a:t>);</a:t>
-            </a:r>
-          </a:p>
-          <a:p>
-            <a:r>
-              <a:rPr lang="en-US" altLang="ko-KR" sz="1400" dirty="0">
-                <a:solidFill>
-                  <a:srgbClr val="000000"/>
-                </a:solidFill>
-                <a:latin typeface="돋움체" panose="020B0609000101010101" pitchFamily="49" charset="-127"/>
-                <a:ea typeface="돋움체" panose="020B0609000101010101" pitchFamily="49" charset="-127"/>
-              </a:rPr>
-              <a:t>  m_ppHierarchicalGameObjects[cnt]-&gt;Rotate(0.0f, uidRotate</a:t>
-            </a:r>
-            <a:r>
-              <a:rPr lang="en-US" altLang="ko-KR" sz="1400" dirty="0">
-                <a:solidFill>
-                  <a:srgbClr val="008080"/>
-                </a:solidFill>
-                <a:latin typeface="돋움체" panose="020B0609000101010101" pitchFamily="49" charset="-127"/>
-                <a:ea typeface="돋움체" panose="020B0609000101010101" pitchFamily="49" charset="-127"/>
-              </a:rPr>
-              <a:t>(</a:t>
-            </a:r>
-            <a:r>
-              <a:rPr lang="en-US" altLang="ko-KR" sz="1400" dirty="0">
-                <a:solidFill>
-                  <a:srgbClr val="000000"/>
-                </a:solidFill>
-                <a:latin typeface="돋움체" panose="020B0609000101010101" pitchFamily="49" charset="-127"/>
-                <a:ea typeface="돋움체" panose="020B0609000101010101" pitchFamily="49" charset="-127"/>
-              </a:rPr>
-              <a:t>dre</a:t>
-            </a:r>
-            <a:r>
-              <a:rPr lang="en-US" altLang="ko-KR" sz="1400" dirty="0">
-                <a:solidFill>
-                  <a:srgbClr val="008080"/>
-                </a:solidFill>
-                <a:latin typeface="돋움체" panose="020B0609000101010101" pitchFamily="49" charset="-127"/>
-                <a:ea typeface="돋움체" panose="020B0609000101010101" pitchFamily="49" charset="-127"/>
-              </a:rPr>
-              <a:t>)</a:t>
-            </a:r>
-            <a:r>
-              <a:rPr lang="en-US" altLang="ko-KR" sz="1400" dirty="0">
-                <a:solidFill>
-                  <a:srgbClr val="000000"/>
-                </a:solidFill>
-                <a:latin typeface="돋움체" panose="020B0609000101010101" pitchFamily="49" charset="-127"/>
-                <a:ea typeface="돋움체" panose="020B0609000101010101" pitchFamily="49" charset="-127"/>
-              </a:rPr>
-              <a:t>, 0.0f);</a:t>
-            </a:r>
-          </a:p>
-          <a:p>
-            <a:r>
-              <a:rPr lang="en-US" altLang="ko-KR" sz="1400" dirty="0">
-                <a:solidFill>
-                  <a:srgbClr val="000000"/>
-                </a:solidFill>
-                <a:latin typeface="돋움체" panose="020B0609000101010101" pitchFamily="49" charset="-127"/>
-                <a:ea typeface="돋움체" panose="020B0609000101010101" pitchFamily="49" charset="-127"/>
-              </a:rPr>
-              <a:t>  ++cnt;</a:t>
-            </a:r>
-          </a:p>
-          <a:p>
-            <a:r>
-              <a:rPr lang="en-US" altLang="ko-KR" sz="1400" dirty="0">
-                <a:solidFill>
-                  <a:srgbClr val="000000"/>
-                </a:solidFill>
-                <a:latin typeface="돋움체" panose="020B0609000101010101" pitchFamily="49" charset="-127"/>
-                <a:ea typeface="돋움체" panose="020B0609000101010101" pitchFamily="49" charset="-127"/>
-              </a:rPr>
-              <a:t>}</a:t>
-            </a:r>
-          </a:p>
-        </p:txBody>
-      </p:sp>
-      <p:sp>
-        <p:nvSpPr>
-          <p:cNvPr id="3" name="직사각형 2">
-            <a:extLst>
-              <a:ext uri="{FF2B5EF4-FFF2-40B4-BE49-F238E27FC236}">
-                <a16:creationId xmlns:a16="http://schemas.microsoft.com/office/drawing/2014/main" id="{7D52D8EB-6EB7-8DE1-5D11-3AEE4277259A}"/>
-              </a:ext>
-            </a:extLst>
-          </p:cNvPr>
-          <p:cNvSpPr/>
-          <p:nvPr/>
-        </p:nvSpPr>
-        <p:spPr>
-          <a:xfrm>
-            <a:off x="838200" y="1866900"/>
-            <a:ext cx="8305800" cy="7620000"/>
-          </a:xfrm>
-          <a:prstGeom prst="rect">
-            <a:avLst/>
-          </a:prstGeom>
-          <a:noFill/>
-          <a:ln>
-            <a:solidFill>
-              <a:schemeClr val="tx1"/>
-            </a:solidFill>
-          </a:ln>
-        </p:spPr>
-        <p:style>
-          <a:lnRef idx="2">
-            <a:schemeClr val="accent1">
-              <a:shade val="50000"/>
-            </a:schemeClr>
-          </a:lnRef>
-          <a:fillRef idx="1">
-            <a:schemeClr val="accent1"/>
-          </a:fillRef>
-          <a:effectRef idx="0">
-            <a:schemeClr val="accent1"/>
-          </a:effectRef>
-          <a:fontRef idx="minor">
-            <a:schemeClr val="lt1"/>
-          </a:fontRef>
-        </p:style>
-        <p:txBody>
-          <a:bodyPr rtlCol="0" anchor="ctr"/>
-          <a:lstStyle/>
-          <a:p>
-            <a:pPr algn="ctr"/>
-            <a:endParaRPr lang="ko-KR" altLang="en-US"/>
-          </a:p>
-        </p:txBody>
-      </p:sp>
-      <p:sp>
-        <p:nvSpPr>
-          <p:cNvPr id="4" name="TextBox 3">
-            <a:extLst>
-              <a:ext uri="{FF2B5EF4-FFF2-40B4-BE49-F238E27FC236}">
-                <a16:creationId xmlns:a16="http://schemas.microsoft.com/office/drawing/2014/main" id="{0EE0E33A-5AB3-9FF6-E4D2-BBEFDEE5FA8B}"/>
-              </a:ext>
-            </a:extLst>
-          </p:cNvPr>
-          <p:cNvSpPr txBox="1"/>
-          <p:nvPr/>
-        </p:nvSpPr>
-        <p:spPr>
-          <a:xfrm>
-            <a:off x="838200" y="1257300"/>
-            <a:ext cx="5334000" cy="646331"/>
-          </a:xfrm>
-          <a:prstGeom prst="rect">
-            <a:avLst/>
-          </a:prstGeom>
-          <a:noFill/>
-        </p:spPr>
-        <p:txBody>
-          <a:bodyPr wrap="square" rtlCol="0">
-            <a:spAutoFit/>
-          </a:bodyPr>
-          <a:lstStyle/>
-          <a:p>
-            <a:r>
-              <a:rPr lang="en-US" altLang="ko-KR" dirty="0"/>
-              <a:t>3</a:t>
-            </a:r>
-            <a:r>
-              <a:rPr lang="ko-KR" altLang="en-US" dirty="0"/>
-              <a:t>가지 다른 나무 모델을 </a:t>
-            </a:r>
-            <a:endParaRPr lang="en-US" altLang="ko-KR" dirty="0"/>
-          </a:p>
-          <a:p>
-            <a:r>
-              <a:rPr lang="ko-KR" altLang="en-US" dirty="0"/>
-              <a:t>랜덤 크기와</a:t>
-            </a:r>
-            <a:r>
-              <a:rPr lang="en-US" altLang="ko-KR" dirty="0"/>
-              <a:t> </a:t>
-            </a:r>
-            <a:r>
-              <a:rPr lang="ko-KR" altLang="en-US" dirty="0"/>
-              <a:t>랜덤 회전으로 생성</a:t>
-            </a:r>
-          </a:p>
-        </p:txBody>
-      </p:sp>
-      <p:sp>
-        <p:nvSpPr>
-          <p:cNvPr id="5" name="TextBox 4">
-            <a:extLst>
-              <a:ext uri="{FF2B5EF4-FFF2-40B4-BE49-F238E27FC236}">
-                <a16:creationId xmlns:a16="http://schemas.microsoft.com/office/drawing/2014/main" id="{834AC9BF-401F-0D4B-CCC1-F89D9A5EBF80}"/>
-              </a:ext>
-            </a:extLst>
-          </p:cNvPr>
-          <p:cNvSpPr txBox="1"/>
-          <p:nvPr/>
-        </p:nvSpPr>
-        <p:spPr>
-          <a:xfrm>
-            <a:off x="9448800" y="1866900"/>
-            <a:ext cx="8305800" cy="3539430"/>
-          </a:xfrm>
-          <a:prstGeom prst="rect">
-            <a:avLst/>
-          </a:prstGeom>
-          <a:noFill/>
-        </p:spPr>
-        <p:txBody>
-          <a:bodyPr wrap="square">
-            <a:spAutoFit/>
-          </a:bodyPr>
-          <a:lstStyle/>
-          <a:p>
-            <a:r>
-              <a:rPr lang="en-US" altLang="ko-KR" sz="1400" dirty="0">
-                <a:solidFill>
-                  <a:srgbClr val="0000FF"/>
-                </a:solidFill>
-                <a:latin typeface="돋움체" panose="020B0609000101010101" pitchFamily="49" charset="-127"/>
-                <a:ea typeface="돋움체" panose="020B0609000101010101" pitchFamily="49" charset="-127"/>
-              </a:rPr>
-              <a:t>if</a:t>
-            </a:r>
-            <a:r>
-              <a:rPr lang="en-US" altLang="ko-KR" sz="1400" dirty="0">
-                <a:solidFill>
-                  <a:srgbClr val="000000"/>
-                </a:solidFill>
-                <a:latin typeface="돋움체" panose="020B0609000101010101" pitchFamily="49" charset="-127"/>
-                <a:ea typeface="돋움체" panose="020B0609000101010101" pitchFamily="49" charset="-127"/>
-              </a:rPr>
-              <a:t> (!vectorDamageID1.empty()) {</a:t>
-            </a:r>
-            <a:endParaRPr lang="en-US" altLang="ko-KR" sz="1400" dirty="0">
-              <a:solidFill>
-                <a:srgbClr val="008000"/>
-              </a:solidFill>
-              <a:latin typeface="돋움체" panose="020B0609000101010101" pitchFamily="49" charset="-127"/>
-              <a:ea typeface="돋움체" panose="020B0609000101010101" pitchFamily="49" charset="-127"/>
-            </a:endParaRPr>
-          </a:p>
-          <a:p>
-            <a:r>
-              <a:rPr lang="en-US" altLang="ko-KR" sz="1400" dirty="0">
-                <a:solidFill>
-                  <a:srgbClr val="008000"/>
-                </a:solidFill>
-                <a:latin typeface="돋움체" panose="020B0609000101010101" pitchFamily="49" charset="-127"/>
-                <a:ea typeface="돋움체" panose="020B0609000101010101" pitchFamily="49" charset="-127"/>
-              </a:rPr>
-              <a:t>  </a:t>
-            </a:r>
-            <a:r>
-              <a:rPr lang="en-US" altLang="ko-KR" sz="1400" dirty="0">
-                <a:solidFill>
-                  <a:srgbClr val="0000FF"/>
-                </a:solidFill>
-                <a:latin typeface="돋움체" panose="020B0609000101010101" pitchFamily="49" charset="-127"/>
-                <a:ea typeface="돋움체" panose="020B0609000101010101" pitchFamily="49" charset="-127"/>
-              </a:rPr>
-              <a:t>if</a:t>
-            </a:r>
-            <a:r>
-              <a:rPr lang="en-US" altLang="ko-KR" sz="1400" dirty="0">
-                <a:solidFill>
-                  <a:srgbClr val="000000"/>
-                </a:solidFill>
-                <a:latin typeface="돋움체" panose="020B0609000101010101" pitchFamily="49" charset="-127"/>
-                <a:ea typeface="돋움체" panose="020B0609000101010101" pitchFamily="49" charset="-127"/>
-              </a:rPr>
-              <a:t> (++(m_pPlayer-&gt;m_ppUILayer[0]-&gt;m_DamageTime) &lt; 30) {</a:t>
-            </a:r>
-          </a:p>
-          <a:p>
-            <a:r>
-              <a:rPr lang="en-US" altLang="ko-KR" sz="1400" dirty="0">
-                <a:solidFill>
-                  <a:srgbClr val="0000FF"/>
-                </a:solidFill>
-                <a:latin typeface="돋움체" panose="020B0609000101010101" pitchFamily="49" charset="-127"/>
-                <a:ea typeface="돋움체" panose="020B0609000101010101" pitchFamily="49" charset="-127"/>
-              </a:rPr>
-              <a:t>    reinterpret_cast</a:t>
-            </a:r>
-            <a:r>
-              <a:rPr lang="en-US" altLang="ko-KR" sz="1400" dirty="0">
-                <a:solidFill>
-                  <a:srgbClr val="000000"/>
-                </a:solidFill>
-                <a:latin typeface="돋움체" panose="020B0609000101010101" pitchFamily="49" charset="-127"/>
-                <a:ea typeface="돋움체" panose="020B0609000101010101" pitchFamily="49" charset="-127"/>
-              </a:rPr>
-              <a:t>&lt;</a:t>
-            </a:r>
-            <a:r>
-              <a:rPr lang="en-US" altLang="ko-KR" sz="1400" dirty="0">
-                <a:solidFill>
-                  <a:srgbClr val="2B91AF"/>
-                </a:solidFill>
-                <a:latin typeface="돋움체" panose="020B0609000101010101" pitchFamily="49" charset="-127"/>
-                <a:ea typeface="돋움체" panose="020B0609000101010101" pitchFamily="49" charset="-127"/>
-              </a:rPr>
-              <a:t>Damage_UI</a:t>
-            </a:r>
-            <a:r>
-              <a:rPr lang="en-US" altLang="ko-KR" sz="1400" dirty="0">
-                <a:solidFill>
-                  <a:srgbClr val="000000"/>
-                </a:solidFill>
-                <a:latin typeface="돋움체" panose="020B0609000101010101" pitchFamily="49" charset="-127"/>
-                <a:ea typeface="돋움체" panose="020B0609000101010101" pitchFamily="49" charset="-127"/>
-              </a:rPr>
-              <a:t>*&gt;(m_pPlayer-&gt;m_ppUILayer[0])-&gt;Resize(vectorDamageID1.size());</a:t>
-            </a:r>
-          </a:p>
-          <a:p>
-            <a:r>
-              <a:rPr lang="en-US" altLang="ko-KR" sz="1400" dirty="0">
-                <a:solidFill>
-                  <a:srgbClr val="0000FF"/>
-                </a:solidFill>
-                <a:latin typeface="돋움체" panose="020B0609000101010101" pitchFamily="49" charset="-127"/>
-                <a:ea typeface="돋움체" panose="020B0609000101010101" pitchFamily="49" charset="-127"/>
-              </a:rPr>
-              <a:t>    reinterpret_cast</a:t>
-            </a:r>
-            <a:r>
-              <a:rPr lang="en-US" altLang="ko-KR" sz="1400" dirty="0">
-                <a:solidFill>
-                  <a:srgbClr val="000000"/>
-                </a:solidFill>
-                <a:latin typeface="돋움체" panose="020B0609000101010101" pitchFamily="49" charset="-127"/>
-                <a:ea typeface="돋움체" panose="020B0609000101010101" pitchFamily="49" charset="-127"/>
-              </a:rPr>
-              <a:t>&lt;</a:t>
-            </a:r>
-            <a:r>
-              <a:rPr lang="en-US" altLang="ko-KR" sz="1400" dirty="0">
-                <a:solidFill>
-                  <a:srgbClr val="2B91AF"/>
-                </a:solidFill>
-                <a:latin typeface="돋움체" panose="020B0609000101010101" pitchFamily="49" charset="-127"/>
-                <a:ea typeface="돋움체" panose="020B0609000101010101" pitchFamily="49" charset="-127"/>
-              </a:rPr>
-              <a:t>Damage_UI</a:t>
-            </a:r>
-            <a:r>
-              <a:rPr lang="en-US" altLang="ko-KR" sz="1400" dirty="0">
-                <a:solidFill>
-                  <a:srgbClr val="000000"/>
-                </a:solidFill>
-                <a:latin typeface="돋움체" panose="020B0609000101010101" pitchFamily="49" charset="-127"/>
-                <a:ea typeface="돋움체" panose="020B0609000101010101" pitchFamily="49" charset="-127"/>
-              </a:rPr>
-              <a:t>*&gt;(m_pPlayer-&gt;m_ppUILayer[0])-&gt;UpdateLabels(m_pCamera,    </a:t>
-            </a:r>
-          </a:p>
-          <a:p>
-            <a:r>
-              <a:rPr lang="en-US" altLang="ko-KR" sz="1400" dirty="0">
-                <a:solidFill>
-                  <a:srgbClr val="000000"/>
-                </a:solidFill>
-                <a:latin typeface="돋움체" panose="020B0609000101010101" pitchFamily="49" charset="-127"/>
-                <a:ea typeface="돋움체" panose="020B0609000101010101" pitchFamily="49" charset="-127"/>
-              </a:rPr>
-              <a:t>                               vectorDamageID1, m_pPlayer-&gt;m_ppUILayer[0]-&gt;m_DamageTime, 0);</a:t>
-            </a:r>
-          </a:p>
-          <a:p>
-            <a:r>
-              <a:rPr lang="en-US" altLang="ko-KR" sz="1400" dirty="0">
-                <a:solidFill>
-                  <a:srgbClr val="000000"/>
-                </a:solidFill>
-                <a:latin typeface="돋움체" panose="020B0609000101010101" pitchFamily="49" charset="-127"/>
-                <a:ea typeface="돋움체" panose="020B0609000101010101" pitchFamily="49" charset="-127"/>
-              </a:rPr>
-              <a:t>    m_pPlayer-&gt;m_ppUILayer[0]-&gt;Render(m_nSwapChainBufferIndex);</a:t>
-            </a:r>
-          </a:p>
-          <a:p>
-            <a:r>
-              <a:rPr lang="en-US" altLang="ko-KR" sz="1400" dirty="0">
-                <a:solidFill>
-                  <a:srgbClr val="000000"/>
-                </a:solidFill>
-                <a:latin typeface="돋움체" panose="020B0609000101010101" pitchFamily="49" charset="-127"/>
-                <a:ea typeface="돋움체" panose="020B0609000101010101" pitchFamily="49" charset="-127"/>
-              </a:rPr>
-              <a:t>  }</a:t>
-            </a:r>
-          </a:p>
-          <a:p>
-            <a:r>
-              <a:rPr lang="en-US" altLang="ko-KR" sz="1400" dirty="0">
-                <a:solidFill>
-                  <a:srgbClr val="0000FF"/>
-                </a:solidFill>
-                <a:latin typeface="돋움체" panose="020B0609000101010101" pitchFamily="49" charset="-127"/>
-                <a:ea typeface="돋움체" panose="020B0609000101010101" pitchFamily="49" charset="-127"/>
-              </a:rPr>
-              <a:t>  else</a:t>
-            </a:r>
-            <a:r>
-              <a:rPr lang="en-US" altLang="ko-KR" sz="1400" dirty="0">
-                <a:solidFill>
-                  <a:srgbClr val="000000"/>
-                </a:solidFill>
-                <a:latin typeface="돋움체" panose="020B0609000101010101" pitchFamily="49" charset="-127"/>
-                <a:ea typeface="돋움체" panose="020B0609000101010101" pitchFamily="49" charset="-127"/>
-              </a:rPr>
-              <a:t> {</a:t>
-            </a:r>
-          </a:p>
-          <a:p>
-            <a:r>
-              <a:rPr lang="en-US" altLang="ko-KR" sz="1400" dirty="0">
-                <a:solidFill>
-                  <a:srgbClr val="000000"/>
-                </a:solidFill>
-                <a:latin typeface="돋움체" panose="020B0609000101010101" pitchFamily="49" charset="-127"/>
-                <a:ea typeface="돋움체" panose="020B0609000101010101" pitchFamily="49" charset="-127"/>
-              </a:rPr>
-              <a:t>    m_pPlayer-&gt;m_ppUILayer[0]-&gt;m_DamageTime = 0;</a:t>
-            </a:r>
-          </a:p>
-          <a:p>
-            <a:r>
-              <a:rPr lang="en-US" altLang="ko-KR" sz="1400" dirty="0">
-                <a:solidFill>
-                  <a:srgbClr val="0000FF"/>
-                </a:solidFill>
-                <a:latin typeface="돋움체" panose="020B0609000101010101" pitchFamily="49" charset="-127"/>
-                <a:ea typeface="돋움체" panose="020B0609000101010101" pitchFamily="49" charset="-127"/>
-              </a:rPr>
-              <a:t>    for</a:t>
-            </a:r>
-            <a:r>
-              <a:rPr lang="en-US" altLang="ko-KR" sz="1400" dirty="0">
-                <a:solidFill>
-                  <a:srgbClr val="000000"/>
-                </a:solidFill>
-                <a:latin typeface="돋움체" panose="020B0609000101010101" pitchFamily="49" charset="-127"/>
-                <a:ea typeface="돋움체" panose="020B0609000101010101" pitchFamily="49" charset="-127"/>
-              </a:rPr>
-              <a:t> (</a:t>
-            </a:r>
-            <a:r>
-              <a:rPr lang="en-US" altLang="ko-KR" sz="1400" dirty="0">
-                <a:solidFill>
-                  <a:srgbClr val="0000FF"/>
-                </a:solidFill>
-                <a:latin typeface="돋움체" panose="020B0609000101010101" pitchFamily="49" charset="-127"/>
-                <a:ea typeface="돋움체" panose="020B0609000101010101" pitchFamily="49" charset="-127"/>
-              </a:rPr>
-              <a:t>auto</a:t>
-            </a:r>
-            <a:r>
-              <a:rPr lang="en-US" altLang="ko-KR" sz="1400" dirty="0">
-                <a:solidFill>
-                  <a:srgbClr val="000000"/>
-                </a:solidFill>
-                <a:latin typeface="돋움체" panose="020B0609000101010101" pitchFamily="49" charset="-127"/>
-                <a:ea typeface="돋움체" panose="020B0609000101010101" pitchFamily="49" charset="-127"/>
-              </a:rPr>
-              <a:t>&amp; vec : vectorDamageID1) {</a:t>
-            </a:r>
-          </a:p>
-          <a:p>
-            <a:r>
-              <a:rPr lang="en-US" altLang="ko-KR" sz="1400" dirty="0">
-                <a:solidFill>
-                  <a:srgbClr val="000000"/>
-                </a:solidFill>
-                <a:latin typeface="돋움체" panose="020B0609000101010101" pitchFamily="49" charset="-127"/>
-                <a:ea typeface="돋움체" panose="020B0609000101010101" pitchFamily="49" charset="-127"/>
-              </a:rPr>
-              <a:t>      mPlayer</a:t>
-            </a:r>
-            <a:r>
-              <a:rPr lang="en-US" altLang="ko-KR" sz="1400" dirty="0">
-                <a:solidFill>
-                  <a:srgbClr val="008080"/>
-                </a:solidFill>
-                <a:latin typeface="돋움체" panose="020B0609000101010101" pitchFamily="49" charset="-127"/>
-                <a:ea typeface="돋움체" panose="020B0609000101010101" pitchFamily="49" charset="-127"/>
-              </a:rPr>
-              <a:t>[</a:t>
-            </a:r>
-            <a:r>
-              <a:rPr lang="en-US" altLang="ko-KR" sz="1400" dirty="0">
-                <a:solidFill>
-                  <a:srgbClr val="000000"/>
-                </a:solidFill>
-                <a:latin typeface="돋움체" panose="020B0609000101010101" pitchFamily="49" charset="-127"/>
-                <a:ea typeface="돋움체" panose="020B0609000101010101" pitchFamily="49" charset="-127"/>
-              </a:rPr>
-              <a:t>vec</a:t>
-            </a:r>
-            <a:r>
-              <a:rPr lang="en-US" altLang="ko-KR" sz="1400" dirty="0">
-                <a:solidFill>
-                  <a:srgbClr val="008080"/>
-                </a:solidFill>
-                <a:latin typeface="돋움체" panose="020B0609000101010101" pitchFamily="49" charset="-127"/>
-                <a:ea typeface="돋움체" panose="020B0609000101010101" pitchFamily="49" charset="-127"/>
-              </a:rPr>
-              <a:t>]</a:t>
-            </a:r>
-            <a:r>
-              <a:rPr lang="en-US" altLang="ko-KR" sz="1400" dirty="0">
-                <a:solidFill>
-                  <a:srgbClr val="000000"/>
-                </a:solidFill>
-                <a:latin typeface="돋움체" panose="020B0609000101010101" pitchFamily="49" charset="-127"/>
-                <a:ea typeface="돋움체" panose="020B0609000101010101" pitchFamily="49" charset="-127"/>
-              </a:rPr>
-              <a:t>-&gt;m_nDamage1 = 0;</a:t>
-            </a:r>
-          </a:p>
-          <a:p>
-            <a:r>
-              <a:rPr lang="en-US" altLang="ko-KR" sz="1400" dirty="0">
-                <a:solidFill>
-                  <a:srgbClr val="000000"/>
-                </a:solidFill>
-                <a:latin typeface="돋움체" panose="020B0609000101010101" pitchFamily="49" charset="-127"/>
-                <a:ea typeface="돋움체" panose="020B0609000101010101" pitchFamily="49" charset="-127"/>
-              </a:rPr>
-              <a:t>    }</a:t>
-            </a:r>
-          </a:p>
-          <a:p>
-            <a:r>
-              <a:rPr lang="en-US" altLang="ko-KR" sz="1400" dirty="0">
-                <a:solidFill>
-                  <a:srgbClr val="000000"/>
-                </a:solidFill>
-                <a:latin typeface="돋움체" panose="020B0609000101010101" pitchFamily="49" charset="-127"/>
-                <a:ea typeface="돋움체" panose="020B0609000101010101" pitchFamily="49" charset="-127"/>
-              </a:rPr>
-              <a:t>    vectorDamageID1.clear();</a:t>
-            </a:r>
-          </a:p>
-          <a:p>
-            <a:r>
-              <a:rPr lang="en-US" altLang="ko-KR" sz="1400" dirty="0">
-                <a:solidFill>
-                  <a:srgbClr val="000000"/>
-                </a:solidFill>
-                <a:latin typeface="돋움체" panose="020B0609000101010101" pitchFamily="49" charset="-127"/>
-                <a:ea typeface="돋움체" panose="020B0609000101010101" pitchFamily="49" charset="-127"/>
-              </a:rPr>
-              <a:t>    vectorDamageID1.shrink_to_fit();</a:t>
-            </a:r>
-          </a:p>
-          <a:p>
-            <a:r>
-              <a:rPr lang="en-US" altLang="ko-KR" sz="1400" dirty="0">
-                <a:solidFill>
-                  <a:srgbClr val="000000"/>
-                </a:solidFill>
-                <a:latin typeface="돋움체" panose="020B0609000101010101" pitchFamily="49" charset="-127"/>
-                <a:ea typeface="돋움체" panose="020B0609000101010101" pitchFamily="49" charset="-127"/>
-              </a:rPr>
-              <a:t>  }</a:t>
-            </a:r>
-          </a:p>
-          <a:p>
-            <a:r>
-              <a:rPr lang="en-US" altLang="ko-KR" sz="1400" dirty="0">
-                <a:solidFill>
-                  <a:srgbClr val="000000"/>
-                </a:solidFill>
-                <a:latin typeface="돋움체" panose="020B0609000101010101" pitchFamily="49" charset="-127"/>
-                <a:ea typeface="돋움체" panose="020B0609000101010101" pitchFamily="49" charset="-127"/>
-              </a:rPr>
-              <a:t>}</a:t>
-            </a:r>
-            <a:endParaRPr lang="en-US" altLang="ko-KR" sz="1100" dirty="0">
-              <a:solidFill>
-                <a:srgbClr val="000000"/>
-              </a:solidFill>
-              <a:latin typeface="돋움체" panose="020B0609000101010101" pitchFamily="49" charset="-127"/>
-              <a:ea typeface="돋움체" panose="020B0609000101010101" pitchFamily="49" charset="-127"/>
-            </a:endParaRPr>
-          </a:p>
-        </p:txBody>
-      </p:sp>
-      <p:sp>
-        <p:nvSpPr>
-          <p:cNvPr id="6" name="직사각형 5">
-            <a:extLst>
-              <a:ext uri="{FF2B5EF4-FFF2-40B4-BE49-F238E27FC236}">
-                <a16:creationId xmlns:a16="http://schemas.microsoft.com/office/drawing/2014/main" id="{15EABA77-B548-314E-B612-65FE17312322}"/>
-              </a:ext>
-            </a:extLst>
-          </p:cNvPr>
-          <p:cNvSpPr/>
-          <p:nvPr/>
-        </p:nvSpPr>
-        <p:spPr>
-          <a:xfrm>
-            <a:off x="9448800" y="1866900"/>
-            <a:ext cx="8305800" cy="3657600"/>
-          </a:xfrm>
-          <a:prstGeom prst="rect">
-            <a:avLst/>
-          </a:prstGeom>
-          <a:noFill/>
-          <a:ln>
-            <a:solidFill>
-              <a:schemeClr val="tx1"/>
-            </a:solidFill>
-          </a:ln>
-        </p:spPr>
-        <p:style>
-          <a:lnRef idx="2">
-            <a:schemeClr val="accent1">
-              <a:shade val="50000"/>
-            </a:schemeClr>
-          </a:lnRef>
-          <a:fillRef idx="1">
-            <a:schemeClr val="accent1"/>
-          </a:fillRef>
-          <a:effectRef idx="0">
-            <a:schemeClr val="accent1"/>
-          </a:effectRef>
-          <a:fontRef idx="minor">
-            <a:schemeClr val="lt1"/>
-          </a:fontRef>
-        </p:style>
-        <p:txBody>
-          <a:bodyPr rtlCol="0" anchor="ctr"/>
-          <a:lstStyle/>
-          <a:p>
-            <a:pPr algn="ctr"/>
-            <a:endParaRPr lang="ko-KR" altLang="en-US"/>
-          </a:p>
-        </p:txBody>
-      </p:sp>
-      <p:sp>
-        <p:nvSpPr>
-          <p:cNvPr id="7" name="TextBox 6">
-            <a:extLst>
-              <a:ext uri="{FF2B5EF4-FFF2-40B4-BE49-F238E27FC236}">
-                <a16:creationId xmlns:a16="http://schemas.microsoft.com/office/drawing/2014/main" id="{4731A432-E112-14F1-73A7-4C4755A354A7}"/>
-              </a:ext>
-            </a:extLst>
-          </p:cNvPr>
-          <p:cNvSpPr txBox="1"/>
-          <p:nvPr/>
-        </p:nvSpPr>
-        <p:spPr>
-          <a:xfrm>
-            <a:off x="9448800" y="1377741"/>
-            <a:ext cx="5334000" cy="369332"/>
-          </a:xfrm>
-          <a:prstGeom prst="rect">
-            <a:avLst/>
-          </a:prstGeom>
-          <a:noFill/>
-        </p:spPr>
-        <p:txBody>
-          <a:bodyPr wrap="square" rtlCol="0">
-            <a:spAutoFit/>
-          </a:bodyPr>
-          <a:lstStyle/>
-          <a:p>
-            <a:r>
-              <a:rPr lang="ko-KR" altLang="en-US" dirty="0"/>
-              <a:t>데미지출력</a:t>
-            </a:r>
-            <a:r>
-              <a:rPr lang="en-US" altLang="ko-KR" dirty="0"/>
-              <a:t>(UI)</a:t>
-            </a:r>
-            <a:r>
-              <a:rPr lang="ko-KR" altLang="en-US" dirty="0"/>
-              <a:t>을 위해 자료구조 </a:t>
-            </a:r>
-            <a:r>
-              <a:rPr lang="en-US" altLang="ko-KR" dirty="0"/>
-              <a:t>vector</a:t>
-            </a:r>
-            <a:r>
-              <a:rPr lang="ko-KR" altLang="en-US" dirty="0"/>
-              <a:t>를 사용</a:t>
-            </a:r>
-          </a:p>
-        </p:txBody>
-      </p:sp>
-      <p:pic>
-        <p:nvPicPr>
-          <p:cNvPr id="8" name="그림 7">
-            <a:extLst>
-              <a:ext uri="{FF2B5EF4-FFF2-40B4-BE49-F238E27FC236}">
-                <a16:creationId xmlns:a16="http://schemas.microsoft.com/office/drawing/2014/main" id="{7E66AC0D-0BB8-2E29-5034-82DAB876E4FB}"/>
-              </a:ext>
-            </a:extLst>
-          </p:cNvPr>
-          <p:cNvPicPr>
-            <a:picLocks noChangeAspect="1"/>
-          </p:cNvPicPr>
-          <p:nvPr/>
-        </p:nvPicPr>
-        <p:blipFill>
-          <a:blip r:embed="rId2"/>
-          <a:stretch>
-            <a:fillRect/>
-          </a:stretch>
-        </p:blipFill>
-        <p:spPr>
-          <a:xfrm>
-            <a:off x="14554200" y="3379993"/>
-            <a:ext cx="2753109" cy="2648320"/>
-          </a:xfrm>
-          <a:prstGeom prst="rect">
-            <a:avLst/>
-          </a:prstGeom>
-        </p:spPr>
-      </p:pic>
-      <p:sp>
-        <p:nvSpPr>
-          <p:cNvPr id="9" name="TextBox 8">
-            <a:extLst>
-              <a:ext uri="{FF2B5EF4-FFF2-40B4-BE49-F238E27FC236}">
-                <a16:creationId xmlns:a16="http://schemas.microsoft.com/office/drawing/2014/main" id="{43BC07A1-DB57-0273-9269-45044B42206F}"/>
-              </a:ext>
-            </a:extLst>
-          </p:cNvPr>
-          <p:cNvSpPr txBox="1"/>
-          <p:nvPr/>
-        </p:nvSpPr>
-        <p:spPr>
-          <a:xfrm>
-            <a:off x="9568039" y="8756360"/>
-            <a:ext cx="7543800" cy="523220"/>
-          </a:xfrm>
-          <a:prstGeom prst="rect">
-            <a:avLst/>
-          </a:prstGeom>
-          <a:noFill/>
-        </p:spPr>
-        <p:txBody>
-          <a:bodyPr wrap="square">
-            <a:spAutoFit/>
-          </a:bodyPr>
-          <a:lstStyle/>
-          <a:p>
-            <a:r>
-              <a:rPr lang="en-US" altLang="ko-KR" sz="1400" dirty="0">
-                <a:solidFill>
-                  <a:srgbClr val="0000FF"/>
-                </a:solidFill>
-                <a:latin typeface="돋움체" panose="020B0609000101010101" pitchFamily="49" charset="-127"/>
-                <a:ea typeface="돋움체" panose="020B0609000101010101" pitchFamily="49" charset="-127"/>
-              </a:rPr>
-              <a:t>float</a:t>
-            </a:r>
-            <a:r>
-              <a:rPr lang="en-US" altLang="ko-KR" sz="1400" dirty="0">
-                <a:solidFill>
-                  <a:srgbClr val="000000"/>
-                </a:solidFill>
-                <a:latin typeface="돋움체" panose="020B0609000101010101" pitchFamily="49" charset="-127"/>
-                <a:ea typeface="돋움체" panose="020B0609000101010101" pitchFamily="49" charset="-127"/>
-              </a:rPr>
-              <a:t> moveSpeed = (60.0f / </a:t>
-            </a:r>
-            <a:r>
-              <a:rPr lang="en-US" altLang="ko-KR" sz="1400" dirty="0">
-                <a:solidFill>
-                  <a:srgbClr val="0000FF"/>
-                </a:solidFill>
-                <a:latin typeface="돋움체" panose="020B0609000101010101" pitchFamily="49" charset="-127"/>
-                <a:ea typeface="돋움체" panose="020B0609000101010101" pitchFamily="49" charset="-127"/>
-              </a:rPr>
-              <a:t>static_cast</a:t>
-            </a:r>
-            <a:r>
-              <a:rPr lang="en-US" altLang="ko-KR" sz="1400" dirty="0">
-                <a:solidFill>
-                  <a:srgbClr val="000000"/>
-                </a:solidFill>
-                <a:latin typeface="돋움체" panose="020B0609000101010101" pitchFamily="49" charset="-127"/>
-                <a:ea typeface="돋움체" panose="020B0609000101010101" pitchFamily="49" charset="-127"/>
-              </a:rPr>
-              <a:t>&lt;</a:t>
-            </a:r>
-            <a:r>
-              <a:rPr lang="en-US" altLang="ko-KR" sz="1400" dirty="0">
-                <a:solidFill>
-                  <a:srgbClr val="0000FF"/>
-                </a:solidFill>
-                <a:latin typeface="돋움체" panose="020B0609000101010101" pitchFamily="49" charset="-127"/>
-                <a:ea typeface="돋움체" panose="020B0609000101010101" pitchFamily="49" charset="-127"/>
-              </a:rPr>
-              <a:t>float</a:t>
-            </a:r>
-            <a:r>
-              <a:rPr lang="en-US" altLang="ko-KR" sz="1400" dirty="0">
-                <a:solidFill>
-                  <a:srgbClr val="000000"/>
-                </a:solidFill>
-                <a:latin typeface="돋움체" panose="020B0609000101010101" pitchFamily="49" charset="-127"/>
-                <a:ea typeface="돋움체" panose="020B0609000101010101" pitchFamily="49" charset="-127"/>
-              </a:rPr>
-              <a:t>&gt;(m_GameTimer.GetFrameRate())) * 1.1f;</a:t>
-            </a:r>
-          </a:p>
-          <a:p>
-            <a:r>
-              <a:rPr lang="en-US" altLang="ko-KR" sz="1400" dirty="0">
-                <a:solidFill>
-                  <a:srgbClr val="000000"/>
-                </a:solidFill>
-                <a:latin typeface="돋움체" panose="020B0609000101010101" pitchFamily="49" charset="-127"/>
-                <a:ea typeface="돋움체" panose="020B0609000101010101" pitchFamily="49" charset="-127"/>
-              </a:rPr>
-              <a:t>m_pPlayer-&gt;Move(dwDirection, moveSpeed, </a:t>
-            </a:r>
-            <a:r>
-              <a:rPr lang="en-US" altLang="ko-KR" sz="1400" dirty="0">
-                <a:solidFill>
-                  <a:srgbClr val="0000FF"/>
-                </a:solidFill>
-                <a:latin typeface="돋움체" panose="020B0609000101010101" pitchFamily="49" charset="-127"/>
-                <a:ea typeface="돋움체" panose="020B0609000101010101" pitchFamily="49" charset="-127"/>
-              </a:rPr>
-              <a:t>false</a:t>
-            </a:r>
-            <a:r>
-              <a:rPr lang="en-US" altLang="ko-KR" sz="1400" dirty="0">
-                <a:solidFill>
-                  <a:srgbClr val="000000"/>
-                </a:solidFill>
-                <a:latin typeface="돋움체" panose="020B0609000101010101" pitchFamily="49" charset="-127"/>
-                <a:ea typeface="돋움체" panose="020B0609000101010101" pitchFamily="49" charset="-127"/>
-              </a:rPr>
-              <a:t>);</a:t>
-            </a:r>
-            <a:endParaRPr lang="ko-KR" altLang="en-US" sz="1400" dirty="0"/>
-          </a:p>
-        </p:txBody>
-      </p:sp>
-      <p:sp>
-        <p:nvSpPr>
-          <p:cNvPr id="10" name="직사각형 9">
-            <a:extLst>
-              <a:ext uri="{FF2B5EF4-FFF2-40B4-BE49-F238E27FC236}">
-                <a16:creationId xmlns:a16="http://schemas.microsoft.com/office/drawing/2014/main" id="{0ECFC8B4-0F8E-9ADF-BAF4-FD72AC520CBB}"/>
-              </a:ext>
-            </a:extLst>
-          </p:cNvPr>
-          <p:cNvSpPr/>
-          <p:nvPr/>
-        </p:nvSpPr>
-        <p:spPr>
-          <a:xfrm>
-            <a:off x="9501778" y="7983068"/>
-            <a:ext cx="8252821" cy="1465732"/>
-          </a:xfrm>
-          <a:prstGeom prst="rect">
-            <a:avLst/>
-          </a:prstGeom>
-          <a:noFill/>
-          <a:ln>
-            <a:solidFill>
-              <a:schemeClr val="tx1"/>
-            </a:solidFill>
-          </a:ln>
-        </p:spPr>
-        <p:style>
-          <a:lnRef idx="2">
-            <a:schemeClr val="accent1">
-              <a:shade val="50000"/>
-            </a:schemeClr>
-          </a:lnRef>
-          <a:fillRef idx="1">
-            <a:schemeClr val="accent1"/>
-          </a:fillRef>
-          <a:effectRef idx="0">
-            <a:schemeClr val="accent1"/>
-          </a:effectRef>
-          <a:fontRef idx="minor">
-            <a:schemeClr val="lt1"/>
-          </a:fontRef>
-        </p:style>
-        <p:txBody>
-          <a:bodyPr rtlCol="0" anchor="ctr"/>
-          <a:lstStyle/>
-          <a:p>
-            <a:pPr algn="ctr"/>
-            <a:endParaRPr lang="ko-KR" altLang="en-US"/>
-          </a:p>
-        </p:txBody>
-      </p:sp>
-      <p:sp>
-        <p:nvSpPr>
-          <p:cNvPr id="11" name="TextBox 10">
-            <a:extLst>
-              <a:ext uri="{FF2B5EF4-FFF2-40B4-BE49-F238E27FC236}">
-                <a16:creationId xmlns:a16="http://schemas.microsoft.com/office/drawing/2014/main" id="{AF23E61C-DC0C-FFE7-B9A0-C506F62F777E}"/>
-              </a:ext>
-            </a:extLst>
-          </p:cNvPr>
-          <p:cNvSpPr txBox="1"/>
-          <p:nvPr/>
-        </p:nvSpPr>
-        <p:spPr>
-          <a:xfrm>
-            <a:off x="9448800" y="7287468"/>
-            <a:ext cx="7613374" cy="646331"/>
-          </a:xfrm>
-          <a:prstGeom prst="rect">
-            <a:avLst/>
-          </a:prstGeom>
-          <a:noFill/>
-        </p:spPr>
-        <p:txBody>
-          <a:bodyPr wrap="square" rtlCol="0">
-            <a:spAutoFit/>
-          </a:bodyPr>
-          <a:lstStyle/>
-          <a:p>
-            <a:r>
-              <a:rPr lang="en-US" altLang="ko-KR" dirty="0"/>
-              <a:t>Fps(Frames Per Second)</a:t>
-            </a:r>
-            <a:r>
-              <a:rPr lang="ko-KR" altLang="en-US" dirty="0"/>
-              <a:t>가</a:t>
-            </a:r>
-            <a:r>
-              <a:rPr lang="en-US" altLang="ko-KR" dirty="0"/>
-              <a:t> </a:t>
-            </a:r>
-            <a:r>
-              <a:rPr lang="ko-KR" altLang="en-US" dirty="0"/>
-              <a:t>달라져도</a:t>
-            </a:r>
-            <a:endParaRPr lang="en-US" altLang="ko-KR" dirty="0"/>
-          </a:p>
-          <a:p>
-            <a:r>
-              <a:rPr lang="ko-KR" altLang="en-US" dirty="0"/>
-              <a:t>캐릭터가 일정한 속도만큼 이동하기 위한 코드</a:t>
-            </a:r>
-          </a:p>
-        </p:txBody>
-      </p:sp>
-      <p:sp>
-        <p:nvSpPr>
-          <p:cNvPr id="12" name="TextBox 11">
-            <a:extLst>
-              <a:ext uri="{FF2B5EF4-FFF2-40B4-BE49-F238E27FC236}">
-                <a16:creationId xmlns:a16="http://schemas.microsoft.com/office/drawing/2014/main" id="{04765EA4-0C30-2DD0-F3EA-616B72217299}"/>
-              </a:ext>
-            </a:extLst>
-          </p:cNvPr>
-          <p:cNvSpPr txBox="1"/>
-          <p:nvPr/>
-        </p:nvSpPr>
-        <p:spPr>
-          <a:xfrm>
-            <a:off x="9534909" y="7997279"/>
-            <a:ext cx="3588026" cy="830997"/>
-          </a:xfrm>
-          <a:prstGeom prst="rect">
-            <a:avLst/>
-          </a:prstGeom>
-          <a:noFill/>
-        </p:spPr>
-        <p:txBody>
-          <a:bodyPr wrap="square" rtlCol="0">
-            <a:spAutoFit/>
-          </a:bodyPr>
-          <a:lstStyle/>
-          <a:p>
-            <a:r>
-              <a:rPr lang="en-US" altLang="ko-KR" sz="1600" dirty="0"/>
-              <a:t>&lt;</a:t>
-            </a:r>
-            <a:r>
-              <a:rPr lang="ko-KR" altLang="en-US" sz="1600" dirty="0"/>
-              <a:t>최대 </a:t>
-            </a:r>
-            <a:r>
-              <a:rPr lang="en-US" altLang="ko-KR" sz="1600" dirty="0"/>
-              <a:t>fps</a:t>
-            </a:r>
-            <a:r>
-              <a:rPr lang="ko-KR" altLang="en-US" sz="1600" dirty="0"/>
-              <a:t>를 </a:t>
-            </a:r>
-            <a:r>
-              <a:rPr lang="en-US" altLang="ko-KR" sz="1600" dirty="0"/>
-              <a:t>60</a:t>
-            </a:r>
-            <a:r>
-              <a:rPr lang="ko-KR" altLang="en-US" sz="1600" dirty="0"/>
-              <a:t>으로 제한한 상태에서</a:t>
-            </a:r>
-            <a:r>
-              <a:rPr lang="en-US" altLang="ko-KR" sz="1600" dirty="0"/>
-              <a:t>&gt;</a:t>
-            </a:r>
-          </a:p>
-          <a:p>
-            <a:r>
-              <a:rPr lang="en-US" altLang="ko-KR" sz="1600" dirty="0"/>
-              <a:t>(60 </a:t>
-            </a:r>
-            <a:r>
-              <a:rPr lang="en-US" altLang="ko-KR" sz="1600" dirty="0">
-                <a:latin typeface="굴림" panose="020B0600000101010101" pitchFamily="50" charset="-127"/>
-                <a:ea typeface="굴림" panose="020B0600000101010101" pitchFamily="50" charset="-127"/>
-              </a:rPr>
-              <a:t>/</a:t>
-            </a:r>
-            <a:r>
-              <a:rPr lang="en-US" altLang="ko-KR" sz="1600" dirty="0"/>
-              <a:t> </a:t>
-            </a:r>
-            <a:r>
-              <a:rPr lang="ko-KR" altLang="en-US" sz="1600" dirty="0"/>
-              <a:t>현재 </a:t>
-            </a:r>
-            <a:r>
-              <a:rPr lang="en-US" altLang="ko-KR" sz="1600" dirty="0"/>
-              <a:t>fps) * (</a:t>
-            </a:r>
-            <a:r>
-              <a:rPr lang="ko-KR" altLang="en-US" sz="1600" dirty="0"/>
-              <a:t>이동 속도</a:t>
-            </a:r>
-            <a:r>
-              <a:rPr lang="en-US" altLang="ko-KR" sz="1600" dirty="0"/>
-              <a:t>)</a:t>
-            </a:r>
-          </a:p>
-          <a:p>
-            <a:endParaRPr lang="ko-KR" altLang="en-US" sz="1600" dirty="0"/>
-          </a:p>
-        </p:txBody>
-      </p:sp>
+      <p:pic>
+        <p:nvPicPr>
+          <p:cNvPr id="2" name="Object 1"/>
+          <p:cNvPicPr>
+            <a:picLocks noChangeAspect="1"/>
+          </p:cNvPicPr>
+          <p:nvPr/>
+        </p:nvPicPr>
+        <p:blipFill>
+          <a:blip r:embed="rId2" cstate="print"/>
+          <a:stretch>
+            <a:fillRect/>
+          </a:stretch>
+        </p:blipFill>
+        <p:spPr>
+          <a:xfrm>
+            <a:off x="795235" y="214490"/>
+            <a:ext cx="7291517" cy="3221821"/>
+          </a:xfrm>
+          <a:prstGeom prst="rect">
+            <a:avLst/>
+          </a:prstGeom>
+        </p:spPr>
+      </p:pic>
+      <p:grpSp>
+        <p:nvGrpSpPr>
+          <p:cNvPr id="1001" name="그룹 1001"/>
+          <p:cNvGrpSpPr/>
+          <p:nvPr/>
+        </p:nvGrpSpPr>
+        <p:grpSpPr>
+          <a:xfrm>
+            <a:off x="1069514" y="2674374"/>
+            <a:ext cx="10225724" cy="91291"/>
+            <a:chOff x="1069514" y="2674374"/>
+            <a:chExt cx="10225724" cy="91291"/>
+          </a:xfrm>
+        </p:grpSpPr>
+        <p:pic>
+          <p:nvPicPr>
+            <p:cNvPr id="4" name="Object 3"/>
+            <p:cNvPicPr>
+              <a:picLocks noChangeAspect="1"/>
+            </p:cNvPicPr>
+            <p:nvPr/>
+          </p:nvPicPr>
+          <p:blipFill>
+            <a:blip r:embed="rId3" cstate="print"/>
+            <a:stretch>
+              <a:fillRect/>
+            </a:stretch>
+          </p:blipFill>
+          <p:spPr>
+            <a:xfrm rot="-10800000">
+              <a:off x="1069514" y="2674374"/>
+              <a:ext cx="10225724" cy="91291"/>
+            </a:xfrm>
+            <a:prstGeom prst="rect">
+              <a:avLst/>
+            </a:prstGeom>
+          </p:spPr>
+        </p:pic>
+      </p:grpSp>
+      <p:pic>
+        <p:nvPicPr>
+          <p:cNvPr id="6" name="Object 5"/>
+          <p:cNvPicPr>
+            <a:picLocks noChangeAspect="1"/>
+          </p:cNvPicPr>
+          <p:nvPr/>
+        </p:nvPicPr>
+        <p:blipFill>
+          <a:blip r:embed="rId4" cstate="print"/>
+          <a:stretch>
+            <a:fillRect/>
+          </a:stretch>
+        </p:blipFill>
+        <p:spPr>
+          <a:xfrm>
+            <a:off x="7417716" y="1964278"/>
+            <a:ext cx="3979231" cy="836031"/>
+          </a:xfrm>
+          <a:prstGeom prst="rect">
+            <a:avLst/>
+          </a:prstGeom>
+        </p:spPr>
+      </p:pic>
+      <p:pic>
+        <p:nvPicPr>
+          <p:cNvPr id="7" name="Object 6"/>
+          <p:cNvPicPr>
+            <a:picLocks noChangeAspect="1"/>
+          </p:cNvPicPr>
+          <p:nvPr/>
+        </p:nvPicPr>
+        <p:blipFill>
+          <a:blip r:embed="rId5" cstate="print"/>
+          <a:stretch>
+            <a:fillRect/>
+          </a:stretch>
+        </p:blipFill>
+        <p:spPr>
+          <a:xfrm>
+            <a:off x="1320944" y="3474287"/>
+            <a:ext cx="7273120" cy="2379939"/>
+          </a:xfrm>
+          <a:prstGeom prst="rect">
+            <a:avLst/>
+          </a:prstGeom>
+        </p:spPr>
+      </p:pic>
+      <p:pic>
+        <p:nvPicPr>
+          <p:cNvPr id="8" name="Object 7"/>
+          <p:cNvPicPr>
+            <a:picLocks noChangeAspect="1"/>
+          </p:cNvPicPr>
+          <p:nvPr/>
+        </p:nvPicPr>
+        <p:blipFill>
+          <a:blip r:embed="rId6" cstate="print"/>
+          <a:stretch>
+            <a:fillRect/>
+          </a:stretch>
+        </p:blipFill>
+        <p:spPr>
+          <a:xfrm>
+            <a:off x="1309515" y="3012198"/>
+            <a:ext cx="459043" cy="513158"/>
+          </a:xfrm>
+          <a:prstGeom prst="rect">
+            <a:avLst/>
+          </a:prstGeom>
+        </p:spPr>
+      </p:pic>
+      <p:grpSp>
+        <p:nvGrpSpPr>
+          <p:cNvPr id="1002" name="그룹 1002"/>
+          <p:cNvGrpSpPr/>
+          <p:nvPr/>
+        </p:nvGrpSpPr>
+        <p:grpSpPr>
+          <a:xfrm>
+            <a:off x="1355229" y="3421402"/>
+            <a:ext cx="435248" cy="91291"/>
+            <a:chOff x="1355229" y="3421402"/>
+            <a:chExt cx="435248" cy="91291"/>
+          </a:xfrm>
+        </p:grpSpPr>
+        <p:pic>
+          <p:nvPicPr>
+            <p:cNvPr id="10" name="Object 9"/>
+            <p:cNvPicPr>
+              <a:picLocks noChangeAspect="1"/>
+            </p:cNvPicPr>
+            <p:nvPr/>
+          </p:nvPicPr>
+          <p:blipFill>
+            <a:blip r:embed="rId7" cstate="print"/>
+            <a:stretch>
+              <a:fillRect/>
+            </a:stretch>
+          </p:blipFill>
+          <p:spPr>
+            <a:xfrm rot="-10800000">
+              <a:off x="1355229" y="3421402"/>
+              <a:ext cx="435248" cy="91291"/>
+            </a:xfrm>
+            <a:prstGeom prst="rect">
+              <a:avLst/>
+            </a:prstGeom>
+          </p:spPr>
+        </p:pic>
+      </p:grpSp>
+      <p:pic>
+        <p:nvPicPr>
+          <p:cNvPr id="12" name="Object 11"/>
+          <p:cNvPicPr>
+            <a:picLocks noChangeAspect="1"/>
+          </p:cNvPicPr>
+          <p:nvPr/>
+        </p:nvPicPr>
+        <p:blipFill>
+          <a:blip r:embed="rId8" cstate="print"/>
+          <a:stretch>
+            <a:fillRect/>
+          </a:stretch>
+        </p:blipFill>
+        <p:spPr>
+          <a:xfrm>
+            <a:off x="9089525" y="3474287"/>
+            <a:ext cx="7209958" cy="2051378"/>
+          </a:xfrm>
+          <a:prstGeom prst="rect">
+            <a:avLst/>
+          </a:prstGeom>
+        </p:spPr>
+      </p:pic>
+      <p:pic>
+        <p:nvPicPr>
+          <p:cNvPr id="13" name="Object 12"/>
+          <p:cNvPicPr>
+            <a:picLocks noChangeAspect="1"/>
+          </p:cNvPicPr>
+          <p:nvPr/>
+        </p:nvPicPr>
+        <p:blipFill>
+          <a:blip r:embed="rId9" cstate="print"/>
+          <a:stretch>
+            <a:fillRect/>
+          </a:stretch>
+        </p:blipFill>
+        <p:spPr>
+          <a:xfrm>
+            <a:off x="9078096" y="3012201"/>
+            <a:ext cx="739339" cy="513158"/>
+          </a:xfrm>
+          <a:prstGeom prst="rect">
+            <a:avLst/>
+          </a:prstGeom>
+        </p:spPr>
+      </p:pic>
+      <p:grpSp>
+        <p:nvGrpSpPr>
+          <p:cNvPr id="1003" name="그룹 1003"/>
+          <p:cNvGrpSpPr/>
+          <p:nvPr/>
+        </p:nvGrpSpPr>
+        <p:grpSpPr>
+          <a:xfrm>
+            <a:off x="9123810" y="3421402"/>
+            <a:ext cx="435248" cy="91291"/>
+            <a:chOff x="9123810" y="3421402"/>
+            <a:chExt cx="435248" cy="91291"/>
+          </a:xfrm>
+        </p:grpSpPr>
+        <p:pic>
+          <p:nvPicPr>
+            <p:cNvPr id="15" name="Object 14"/>
+            <p:cNvPicPr>
+              <a:picLocks noChangeAspect="1"/>
+            </p:cNvPicPr>
+            <p:nvPr/>
+          </p:nvPicPr>
+          <p:blipFill>
+            <a:blip r:embed="rId7" cstate="print"/>
+            <a:stretch>
+              <a:fillRect/>
+            </a:stretch>
+          </p:blipFill>
+          <p:spPr>
+            <a:xfrm rot="-10800000">
+              <a:off x="9123810" y="3421402"/>
+              <a:ext cx="435248" cy="91291"/>
+            </a:xfrm>
+            <a:prstGeom prst="rect">
+              <a:avLst/>
+            </a:prstGeom>
+          </p:spPr>
+        </p:pic>
+      </p:grpSp>
+      <p:pic>
+        <p:nvPicPr>
+          <p:cNvPr id="17" name="Object 16"/>
+          <p:cNvPicPr>
+            <a:picLocks noChangeAspect="1"/>
+          </p:cNvPicPr>
+          <p:nvPr/>
+        </p:nvPicPr>
+        <p:blipFill>
+          <a:blip r:embed="rId10" cstate="print"/>
+          <a:stretch>
+            <a:fillRect/>
+          </a:stretch>
+        </p:blipFill>
+        <p:spPr>
+          <a:xfrm>
+            <a:off x="1320944" y="6748687"/>
+            <a:ext cx="7144997" cy="2051378"/>
+          </a:xfrm>
+          <a:prstGeom prst="rect">
+            <a:avLst/>
+          </a:prstGeom>
+        </p:spPr>
+      </p:pic>
+      <p:pic>
+        <p:nvPicPr>
+          <p:cNvPr id="18" name="Object 17"/>
+          <p:cNvPicPr>
+            <a:picLocks noChangeAspect="1"/>
+          </p:cNvPicPr>
+          <p:nvPr/>
+        </p:nvPicPr>
+        <p:blipFill>
+          <a:blip r:embed="rId11" cstate="print"/>
+          <a:stretch>
+            <a:fillRect/>
+          </a:stretch>
+        </p:blipFill>
+        <p:spPr>
+          <a:xfrm>
+            <a:off x="1309515" y="6286601"/>
+            <a:ext cx="463500" cy="611034"/>
+          </a:xfrm>
+          <a:prstGeom prst="rect">
+            <a:avLst/>
+          </a:prstGeom>
+        </p:spPr>
+      </p:pic>
+      <p:grpSp>
+        <p:nvGrpSpPr>
+          <p:cNvPr id="1004" name="그룹 1004"/>
+          <p:cNvGrpSpPr/>
+          <p:nvPr/>
+        </p:nvGrpSpPr>
+        <p:grpSpPr>
+          <a:xfrm>
+            <a:off x="1355229" y="6695805"/>
+            <a:ext cx="435248" cy="91291"/>
+            <a:chOff x="1355229" y="6695805"/>
+            <a:chExt cx="435248" cy="91291"/>
+          </a:xfrm>
+        </p:grpSpPr>
+        <p:pic>
+          <p:nvPicPr>
+            <p:cNvPr id="20" name="Object 19"/>
+            <p:cNvPicPr>
+              <a:picLocks noChangeAspect="1"/>
+            </p:cNvPicPr>
+            <p:nvPr/>
+          </p:nvPicPr>
+          <p:blipFill>
+            <a:blip r:embed="rId7" cstate="print"/>
+            <a:stretch>
+              <a:fillRect/>
+            </a:stretch>
+          </p:blipFill>
+          <p:spPr>
+            <a:xfrm rot="-10800000">
+              <a:off x="1355229" y="6695805"/>
+              <a:ext cx="435248" cy="91291"/>
+            </a:xfrm>
+            <a:prstGeom prst="rect">
+              <a:avLst/>
+            </a:prstGeom>
+          </p:spPr>
+        </p:pic>
+      </p:grpSp>
+      <p:pic>
+        <p:nvPicPr>
+          <p:cNvPr id="22" name="Object 21"/>
+          <p:cNvPicPr>
+            <a:picLocks noChangeAspect="1"/>
+          </p:cNvPicPr>
+          <p:nvPr/>
+        </p:nvPicPr>
+        <p:blipFill>
+          <a:blip r:embed="rId12" cstate="print"/>
+          <a:stretch>
+            <a:fillRect/>
+          </a:stretch>
+        </p:blipFill>
+        <p:spPr>
+          <a:xfrm>
+            <a:off x="9099048" y="6734401"/>
+            <a:ext cx="7296187" cy="3372997"/>
+          </a:xfrm>
+          <a:prstGeom prst="rect">
+            <a:avLst/>
+          </a:prstGeom>
+        </p:spPr>
+      </p:pic>
+      <p:pic>
+        <p:nvPicPr>
+          <p:cNvPr id="23" name="Object 22"/>
+          <p:cNvPicPr>
+            <a:picLocks noChangeAspect="1"/>
+          </p:cNvPicPr>
+          <p:nvPr/>
+        </p:nvPicPr>
+        <p:blipFill>
+          <a:blip r:embed="rId13" cstate="print"/>
+          <a:stretch>
+            <a:fillRect/>
+          </a:stretch>
+        </p:blipFill>
+        <p:spPr>
+          <a:xfrm>
+            <a:off x="9097144" y="6286601"/>
+            <a:ext cx="720291" cy="513158"/>
+          </a:xfrm>
+          <a:prstGeom prst="rect">
+            <a:avLst/>
+          </a:prstGeom>
+        </p:spPr>
+      </p:pic>
+      <p:grpSp>
+        <p:nvGrpSpPr>
+          <p:cNvPr id="1005" name="그룹 1005"/>
+          <p:cNvGrpSpPr/>
+          <p:nvPr/>
+        </p:nvGrpSpPr>
+        <p:grpSpPr>
+          <a:xfrm>
+            <a:off x="9142857" y="6695805"/>
+            <a:ext cx="435248" cy="91291"/>
+            <a:chOff x="9142857" y="6695805"/>
+            <a:chExt cx="435248" cy="91291"/>
+          </a:xfrm>
+        </p:grpSpPr>
+        <p:pic>
+          <p:nvPicPr>
+            <p:cNvPr id="25" name="Object 24"/>
+            <p:cNvPicPr>
+              <a:picLocks noChangeAspect="1"/>
+            </p:cNvPicPr>
+            <p:nvPr/>
+          </p:nvPicPr>
+          <p:blipFill>
+            <a:blip r:embed="rId7" cstate="print"/>
+            <a:stretch>
+              <a:fillRect/>
+            </a:stretch>
+          </p:blipFill>
+          <p:spPr>
+            <a:xfrm rot="-10800000">
+              <a:off x="9142857" y="6695805"/>
+              <a:ext cx="435248" cy="91291"/>
+            </a:xfrm>
+            <a:prstGeom prst="rect">
+              <a:avLst/>
+            </a:prstGeom>
+          </p:spPr>
+        </p:pic>
+      </p:grpSp>
     </p:spTree>
   </p:cSld>
   <p:clrMapOvr>
@@ -7909,6 +8226,387 @@
 </file>
 
 <file path=ppt/slides/slide7.xml><?xml version="1.0" encoding="utf-8"?>
+<p:sld xmlns:a="http://schemas.openxmlformats.org/drawingml/2006/main" xmlns:r="http://schemas.openxmlformats.org/officeDocument/2006/relationships" xmlns:p="http://schemas.openxmlformats.org/presentationml/2006/main">
+  <p:cSld name="Slide 7">
+    <p:bg>
+      <p:bgPr>
+        <a:solidFill>
+          <a:srgbClr val="FFFFFF"/>
+        </a:solidFill>
+        <a:effectLst/>
+      </p:bgPr>
+    </p:bg>
+    <p:spTree>
+      <p:nvGrpSpPr>
+        <p:cNvPr id="1" name=""/>
+        <p:cNvGrpSpPr/>
+        <p:nvPr/>
+      </p:nvGrpSpPr>
+      <p:grpSpPr>
+        <a:xfrm>
+          <a:off x="0" y="0"/>
+          <a:ext cx="0" cy="0"/>
+          <a:chOff x="0" y="0"/>
+          <a:chExt cx="0" cy="0"/>
+        </a:xfrm>
+      </p:grpSpPr>
+      <p:pic>
+        <p:nvPicPr>
+          <p:cNvPr id="2" name="Object 1"/>
+          <p:cNvPicPr>
+            <a:picLocks noChangeAspect="1"/>
+          </p:cNvPicPr>
+          <p:nvPr/>
+        </p:nvPicPr>
+        <p:blipFill>
+          <a:blip r:embed="rId2" cstate="print"/>
+          <a:stretch>
+            <a:fillRect/>
+          </a:stretch>
+        </p:blipFill>
+        <p:spPr>
+          <a:xfrm>
+            <a:off x="795235" y="214490"/>
+            <a:ext cx="7291517" cy="3221821"/>
+          </a:xfrm>
+          <a:prstGeom prst="rect">
+            <a:avLst/>
+          </a:prstGeom>
+        </p:spPr>
+      </p:pic>
+      <p:grpSp>
+        <p:nvGrpSpPr>
+          <p:cNvPr id="1001" name="그룹 1001"/>
+          <p:cNvGrpSpPr/>
+          <p:nvPr/>
+        </p:nvGrpSpPr>
+        <p:grpSpPr>
+          <a:xfrm>
+            <a:off x="1069514" y="2674374"/>
+            <a:ext cx="10225724" cy="91291"/>
+            <a:chOff x="1069514" y="2674374"/>
+            <a:chExt cx="10225724" cy="91291"/>
+          </a:xfrm>
+        </p:grpSpPr>
+        <p:pic>
+          <p:nvPicPr>
+            <p:cNvPr id="4" name="Object 3"/>
+            <p:cNvPicPr>
+              <a:picLocks noChangeAspect="1"/>
+            </p:cNvPicPr>
+            <p:nvPr/>
+          </p:nvPicPr>
+          <p:blipFill>
+            <a:blip r:embed="rId3" cstate="print"/>
+            <a:stretch>
+              <a:fillRect/>
+            </a:stretch>
+          </p:blipFill>
+          <p:spPr>
+            <a:xfrm rot="-10800000">
+              <a:off x="1069514" y="2674374"/>
+              <a:ext cx="10225724" cy="91291"/>
+            </a:xfrm>
+            <a:prstGeom prst="rect">
+              <a:avLst/>
+            </a:prstGeom>
+          </p:spPr>
+        </p:pic>
+      </p:grpSp>
+      <p:pic>
+        <p:nvPicPr>
+          <p:cNvPr id="6" name="Object 5"/>
+          <p:cNvPicPr>
+            <a:picLocks noChangeAspect="1"/>
+          </p:cNvPicPr>
+          <p:nvPr/>
+        </p:nvPicPr>
+        <p:blipFill>
+          <a:blip r:embed="rId4" cstate="print"/>
+          <a:stretch>
+            <a:fillRect/>
+          </a:stretch>
+        </p:blipFill>
+        <p:spPr>
+          <a:xfrm>
+            <a:off x="7417716" y="1964278"/>
+            <a:ext cx="3979231" cy="836031"/>
+          </a:xfrm>
+          <a:prstGeom prst="rect">
+            <a:avLst/>
+          </a:prstGeom>
+        </p:spPr>
+      </p:pic>
+      <p:pic>
+        <p:nvPicPr>
+          <p:cNvPr id="7" name="Object 6"/>
+          <p:cNvPicPr>
+            <a:picLocks noChangeAspect="1"/>
+          </p:cNvPicPr>
+          <p:nvPr/>
+        </p:nvPicPr>
+        <p:blipFill>
+          <a:blip r:embed="rId5" cstate="print"/>
+          <a:stretch>
+            <a:fillRect/>
+          </a:stretch>
+        </p:blipFill>
+        <p:spPr>
+          <a:xfrm>
+            <a:off x="9108572" y="3576801"/>
+            <a:ext cx="7274235" cy="3337063"/>
+          </a:xfrm>
+          <a:prstGeom prst="rect">
+            <a:avLst/>
+          </a:prstGeom>
+        </p:spPr>
+      </p:pic>
+      <p:pic>
+        <p:nvPicPr>
+          <p:cNvPr id="8" name="Object 7"/>
+          <p:cNvPicPr>
+            <a:picLocks noChangeAspect="1"/>
+          </p:cNvPicPr>
+          <p:nvPr/>
+        </p:nvPicPr>
+        <p:blipFill>
+          <a:blip r:embed="rId6" cstate="print"/>
+          <a:stretch>
+            <a:fillRect/>
+          </a:stretch>
+        </p:blipFill>
+        <p:spPr>
+          <a:xfrm>
+            <a:off x="9097144" y="3114716"/>
+            <a:ext cx="459043" cy="522681"/>
+          </a:xfrm>
+          <a:prstGeom prst="rect">
+            <a:avLst/>
+          </a:prstGeom>
+        </p:spPr>
+      </p:pic>
+      <p:grpSp>
+        <p:nvGrpSpPr>
+          <p:cNvPr id="1002" name="그룹 1002"/>
+          <p:cNvGrpSpPr/>
+          <p:nvPr/>
+        </p:nvGrpSpPr>
+        <p:grpSpPr>
+          <a:xfrm>
+            <a:off x="9142857" y="3523917"/>
+            <a:ext cx="435248" cy="91291"/>
+            <a:chOff x="9142857" y="3523917"/>
+            <a:chExt cx="435248" cy="91291"/>
+          </a:xfrm>
+        </p:grpSpPr>
+        <p:pic>
+          <p:nvPicPr>
+            <p:cNvPr id="10" name="Object 9"/>
+            <p:cNvPicPr>
+              <a:picLocks noChangeAspect="1"/>
+            </p:cNvPicPr>
+            <p:nvPr/>
+          </p:nvPicPr>
+          <p:blipFill>
+            <a:blip r:embed="rId7" cstate="print"/>
+            <a:stretch>
+              <a:fillRect/>
+            </a:stretch>
+          </p:blipFill>
+          <p:spPr>
+            <a:xfrm rot="-10800000">
+              <a:off x="9142857" y="3523917"/>
+              <a:ext cx="435248" cy="91291"/>
+            </a:xfrm>
+            <a:prstGeom prst="rect">
+              <a:avLst/>
+            </a:prstGeom>
+          </p:spPr>
+        </p:pic>
+      </p:grpSp>
+      <p:pic>
+        <p:nvPicPr>
+          <p:cNvPr id="12" name="Object 11"/>
+          <p:cNvPicPr>
+            <a:picLocks noChangeAspect="1"/>
+          </p:cNvPicPr>
+          <p:nvPr/>
+        </p:nvPicPr>
+        <p:blipFill>
+          <a:blip r:embed="rId8" cstate="print"/>
+          <a:stretch>
+            <a:fillRect/>
+          </a:stretch>
+        </p:blipFill>
+        <p:spPr>
+          <a:xfrm>
+            <a:off x="1435229" y="6737229"/>
+            <a:ext cx="7210397" cy="1737101"/>
+          </a:xfrm>
+          <a:prstGeom prst="rect">
+            <a:avLst/>
+          </a:prstGeom>
+        </p:spPr>
+      </p:pic>
+      <p:pic>
+        <p:nvPicPr>
+          <p:cNvPr id="13" name="Object 12"/>
+          <p:cNvPicPr>
+            <a:picLocks noChangeAspect="1"/>
+          </p:cNvPicPr>
+          <p:nvPr/>
+        </p:nvPicPr>
+        <p:blipFill>
+          <a:blip r:embed="rId9" cstate="print"/>
+          <a:stretch>
+            <a:fillRect/>
+          </a:stretch>
+        </p:blipFill>
+        <p:spPr>
+          <a:xfrm>
+            <a:off x="1423801" y="6275146"/>
+            <a:ext cx="720291" cy="513158"/>
+          </a:xfrm>
+          <a:prstGeom prst="rect">
+            <a:avLst/>
+          </a:prstGeom>
+        </p:spPr>
+      </p:pic>
+      <p:grpSp>
+        <p:nvGrpSpPr>
+          <p:cNvPr id="1003" name="그룹 1003"/>
+          <p:cNvGrpSpPr/>
+          <p:nvPr/>
+        </p:nvGrpSpPr>
+        <p:grpSpPr>
+          <a:xfrm>
+            <a:off x="1469514" y="6684347"/>
+            <a:ext cx="625724" cy="91291"/>
+            <a:chOff x="1469514" y="6684347"/>
+            <a:chExt cx="625724" cy="91291"/>
+          </a:xfrm>
+        </p:grpSpPr>
+        <p:pic>
+          <p:nvPicPr>
+            <p:cNvPr id="15" name="Object 14"/>
+            <p:cNvPicPr>
+              <a:picLocks noChangeAspect="1"/>
+            </p:cNvPicPr>
+            <p:nvPr/>
+          </p:nvPicPr>
+          <p:blipFill>
+            <a:blip r:embed="rId10" cstate="print"/>
+            <a:stretch>
+              <a:fillRect/>
+            </a:stretch>
+          </p:blipFill>
+          <p:spPr>
+            <a:xfrm rot="-10800000">
+              <a:off x="1469514" y="6684347"/>
+              <a:ext cx="625724" cy="91291"/>
+            </a:xfrm>
+            <a:prstGeom prst="rect">
+              <a:avLst/>
+            </a:prstGeom>
+          </p:spPr>
+        </p:pic>
+      </p:grpSp>
+      <p:pic>
+        <p:nvPicPr>
+          <p:cNvPr id="17" name="Object 16"/>
+          <p:cNvPicPr>
+            <a:picLocks noChangeAspect="1"/>
+          </p:cNvPicPr>
+          <p:nvPr/>
+        </p:nvPicPr>
+        <p:blipFill>
+          <a:blip r:embed="rId11" cstate="print"/>
+          <a:stretch>
+            <a:fillRect/>
+          </a:stretch>
+        </p:blipFill>
+        <p:spPr>
+          <a:xfrm>
+            <a:off x="1435229" y="3474287"/>
+            <a:ext cx="7177587" cy="1737101"/>
+          </a:xfrm>
+          <a:prstGeom prst="rect">
+            <a:avLst/>
+          </a:prstGeom>
+        </p:spPr>
+      </p:pic>
+      <p:pic>
+        <p:nvPicPr>
+          <p:cNvPr id="18" name="Object 17"/>
+          <p:cNvPicPr>
+            <a:picLocks noChangeAspect="1"/>
+          </p:cNvPicPr>
+          <p:nvPr/>
+        </p:nvPicPr>
+        <p:blipFill>
+          <a:blip r:embed="rId12" cstate="print"/>
+          <a:stretch>
+            <a:fillRect/>
+          </a:stretch>
+        </p:blipFill>
+        <p:spPr>
+          <a:xfrm>
+            <a:off x="1423801" y="3012198"/>
+            <a:ext cx="739339" cy="522681"/>
+          </a:xfrm>
+          <a:prstGeom prst="rect">
+            <a:avLst/>
+          </a:prstGeom>
+        </p:spPr>
+      </p:pic>
+      <p:grpSp>
+        <p:nvGrpSpPr>
+          <p:cNvPr id="1004" name="그룹 1004"/>
+          <p:cNvGrpSpPr/>
+          <p:nvPr/>
+        </p:nvGrpSpPr>
+        <p:grpSpPr>
+          <a:xfrm>
+            <a:off x="1469514" y="3421401"/>
+            <a:ext cx="587629" cy="91291"/>
+            <a:chOff x="1469514" y="3421401"/>
+            <a:chExt cx="587629" cy="91291"/>
+          </a:xfrm>
+        </p:grpSpPr>
+        <p:pic>
+          <p:nvPicPr>
+            <p:cNvPr id="20" name="Object 19"/>
+            <p:cNvPicPr>
+              <a:picLocks noChangeAspect="1"/>
+            </p:cNvPicPr>
+            <p:nvPr/>
+          </p:nvPicPr>
+          <p:blipFill>
+            <a:blip r:embed="rId13" cstate="print"/>
+            <a:stretch>
+              <a:fillRect/>
+            </a:stretch>
+          </p:blipFill>
+          <p:spPr>
+            <a:xfrm rot="-10800000">
+              <a:off x="1469514" y="3421401"/>
+              <a:ext cx="587629" cy="91291"/>
+            </a:xfrm>
+            <a:prstGeom prst="rect">
+              <a:avLst/>
+            </a:prstGeom>
+          </p:spPr>
+        </p:pic>
+      </p:grpSp>
+    </p:spTree>
+  </p:cSld>
+  <p:clrMapOvr>
+    <a:masterClrMapping/>
+  </p:clrMapOvr>
+</p:sld>
+</file>
+
+<file path=ppt/slides/slide8.xml><?xml version="1.0" encoding="utf-8"?>
 <p:sld xmlns:a="http://schemas.openxmlformats.org/drawingml/2006/main" xmlns:r="http://schemas.openxmlformats.org/officeDocument/2006/relationships" xmlns:p="http://schemas.openxmlformats.org/presentationml/2006/main">
   <p:cSld name="Slide 8">
     <p:bg>
@@ -7933,6 +8631,30 @@
           <a:chExt cx="0" cy="0"/>
         </a:xfrm>
       </p:grpSpPr>
+      <p:pic>
+        <p:nvPicPr>
+          <p:cNvPr id="2" name="Object 1"/>
+          <p:cNvPicPr>
+            <a:picLocks noChangeAspect="1"/>
+          </p:cNvPicPr>
+          <p:nvPr/>
+        </p:nvPicPr>
+        <p:blipFill>
+          <a:blip r:embed="rId2" cstate="print"/>
+          <a:stretch>
+            <a:fillRect/>
+          </a:stretch>
+        </p:blipFill>
+        <p:spPr>
+          <a:xfrm>
+            <a:off x="795235" y="214490"/>
+            <a:ext cx="10799098" cy="3221822"/>
+          </a:xfrm>
+          <a:prstGeom prst="rect">
+            <a:avLst/>
+          </a:prstGeom>
+        </p:spPr>
+      </p:pic>
       <p:grpSp>
         <p:nvGrpSpPr>
           <p:cNvPr id="1001" name="그룹 1001"/>
@@ -7949,14 +8671,14 @@
         </p:grpSpPr>
         <p:pic>
           <p:nvPicPr>
-            <p:cNvPr id="3" name="Object 2"/>
+            <p:cNvPr id="4" name="Object 3"/>
             <p:cNvPicPr>
               <a:picLocks noChangeAspect="1"/>
             </p:cNvPicPr>
             <p:nvPr/>
           </p:nvPicPr>
           <p:blipFill>
-            <a:blip r:embed="rId2" cstate="print"/>
+            <a:blip r:embed="rId3" cstate="print"/>
             <a:stretch>
               <a:fillRect/>
             </a:stretch>
@@ -7974,30 +8696,6 @@
       </p:grpSp>
       <p:pic>
         <p:nvPicPr>
-          <p:cNvPr id="5" name="Object 4"/>
-          <p:cNvPicPr>
-            <a:picLocks noChangeAspect="1"/>
-          </p:cNvPicPr>
-          <p:nvPr/>
-        </p:nvPicPr>
-        <p:blipFill>
-          <a:blip r:embed="rId3" cstate="print"/>
-          <a:stretch>
-            <a:fillRect/>
-          </a:stretch>
-        </p:blipFill>
-        <p:spPr>
-          <a:xfrm>
-            <a:off x="10900002" y="1698297"/>
-            <a:ext cx="2350650" cy="894774"/>
-          </a:xfrm>
-          <a:prstGeom prst="rect">
-            <a:avLst/>
-          </a:prstGeom>
-        </p:spPr>
-      </p:pic>
-      <p:pic>
-        <p:nvPicPr>
           <p:cNvPr id="6" name="Object 5"/>
           <p:cNvPicPr>
             <a:picLocks noChangeAspect="1"/>
@@ -8006,6 +8704,30 @@
         </p:nvPicPr>
         <p:blipFill>
           <a:blip r:embed="rId4" cstate="print"/>
+          <a:stretch>
+            <a:fillRect/>
+          </a:stretch>
+        </p:blipFill>
+        <p:spPr>
+          <a:xfrm>
+            <a:off x="10899984" y="1698302"/>
+            <a:ext cx="2708936" cy="841422"/>
+          </a:xfrm>
+          <a:prstGeom prst="rect">
+            <a:avLst/>
+          </a:prstGeom>
+        </p:spPr>
+      </p:pic>
+      <p:pic>
+        <p:nvPicPr>
+          <p:cNvPr id="7" name="Object 6"/>
+          <p:cNvPicPr>
+            <a:picLocks noChangeAspect="1"/>
+          </p:cNvPicPr>
+          <p:nvPr/>
+        </p:nvPicPr>
+        <p:blipFill>
+          <a:blip r:embed="rId5" cstate="print"/>
           <a:stretch>
             <a:fillRect/>
           </a:stretch>
@@ -8022,22 +8744,22 @@
       </p:pic>
       <p:pic>
         <p:nvPicPr>
-          <p:cNvPr id="7" name="Object 6"/>
-          <p:cNvPicPr>
-            <a:picLocks noChangeAspect="1"/>
-          </p:cNvPicPr>
-          <p:nvPr/>
-        </p:nvPicPr>
-        <p:blipFill>
-          <a:blip r:embed="rId5" cstate="print"/>
-          <a:stretch>
-            <a:fillRect/>
-          </a:stretch>
-        </p:blipFill>
-        <p:spPr>
-          <a:xfrm>
-            <a:off x="9065448" y="3637982"/>
-            <a:ext cx="526635" cy="453130"/>
+          <p:cNvPr id="8" name="Object 7"/>
+          <p:cNvPicPr>
+            <a:picLocks noChangeAspect="1"/>
+          </p:cNvPicPr>
+          <p:nvPr/>
+        </p:nvPicPr>
+        <p:blipFill>
+          <a:blip r:embed="rId6" cstate="print"/>
+          <a:stretch>
+            <a:fillRect/>
+          </a:stretch>
+        </p:blipFill>
+        <p:spPr>
+          <a:xfrm>
+            <a:off x="9065446" y="3637980"/>
+            <a:ext cx="1173273" cy="453130"/>
           </a:xfrm>
           <a:prstGeom prst="rect">
             <a:avLst/>
@@ -8060,14 +8782,14 @@
         </p:grpSpPr>
         <p:pic>
           <p:nvPicPr>
-            <p:cNvPr id="9" name="Object 8"/>
+            <p:cNvPr id="10" name="Object 9"/>
             <p:cNvPicPr>
               <a:picLocks noChangeAspect="1"/>
             </p:cNvPicPr>
             <p:nvPr/>
           </p:nvPicPr>
           <p:blipFill>
-            <a:blip r:embed="rId6" cstate="print"/>
+            <a:blip r:embed="rId7" cstate="print"/>
             <a:stretch>
               <a:fillRect/>
             </a:stretch>
@@ -8085,14 +8807,14 @@
       </p:grpSp>
       <p:pic>
         <p:nvPicPr>
-          <p:cNvPr id="11" name="Object 10"/>
-          <p:cNvPicPr>
-            <a:picLocks noChangeAspect="1"/>
-          </p:cNvPicPr>
-          <p:nvPr/>
-        </p:nvPicPr>
-        <p:blipFill>
-          <a:blip r:embed="rId7" cstate="print"/>
+          <p:cNvPr id="12" name="Object 11"/>
+          <p:cNvPicPr>
+            <a:picLocks noChangeAspect="1"/>
+          </p:cNvPicPr>
+          <p:nvPr/>
+        </p:nvPicPr>
+        <p:blipFill>
+          <a:blip r:embed="rId8" cstate="print"/>
           <a:stretch>
             <a:fillRect/>
           </a:stretch>
@@ -8109,21 +8831,21 @@
       </p:pic>
       <p:pic>
         <p:nvPicPr>
-          <p:cNvPr id="12" name="Object 11"/>
-          <p:cNvPicPr>
-            <a:picLocks noChangeAspect="1"/>
-          </p:cNvPicPr>
-          <p:nvPr/>
-        </p:nvPicPr>
-        <p:blipFill>
-          <a:blip r:embed="rId8" cstate="print"/>
-          <a:stretch>
-            <a:fillRect/>
-          </a:stretch>
-        </p:blipFill>
-        <p:spPr>
-          <a:xfrm>
-            <a:off x="12620572" y="3637982"/>
+          <p:cNvPr id="13" name="Object 12"/>
+          <p:cNvPicPr>
+            <a:picLocks noChangeAspect="1"/>
+          </p:cNvPicPr>
+          <p:nvPr/>
+        </p:nvPicPr>
+        <p:blipFill>
+          <a:blip r:embed="rId9" cstate="print"/>
+          <a:stretch>
+            <a:fillRect/>
+          </a:stretch>
+        </p:blipFill>
+        <p:spPr>
+          <a:xfrm>
+            <a:off x="12620525" y="3637985"/>
             <a:ext cx="2076597" cy="453130"/>
           </a:xfrm>
           <a:prstGeom prst="rect">
@@ -8147,14 +8869,14 @@
         </p:grpSpPr>
         <p:pic>
           <p:nvPicPr>
-            <p:cNvPr id="14" name="Object 13"/>
+            <p:cNvPr id="15" name="Object 14"/>
             <p:cNvPicPr>
               <a:picLocks noChangeAspect="1"/>
             </p:cNvPicPr>
             <p:nvPr/>
           </p:nvPicPr>
           <p:blipFill>
-            <a:blip r:embed="rId9" cstate="print"/>
+            <a:blip r:embed="rId10" cstate="print"/>
             <a:stretch>
               <a:fillRect/>
             </a:stretch>
@@ -8172,14 +8894,14 @@
       </p:grpSp>
       <p:pic>
         <p:nvPicPr>
-          <p:cNvPr id="16" name="Object 15"/>
-          <p:cNvPicPr>
-            <a:picLocks noChangeAspect="1"/>
-          </p:cNvPicPr>
-          <p:nvPr/>
-        </p:nvPicPr>
-        <p:blipFill>
-          <a:blip r:embed="rId10" cstate="print"/>
+          <p:cNvPr id="17" name="Object 16"/>
+          <p:cNvPicPr>
+            <a:picLocks noChangeAspect="1"/>
+          </p:cNvPicPr>
+          <p:nvPr/>
+        </p:nvPicPr>
+        <p:blipFill>
+          <a:blip r:embed="rId11" cstate="print"/>
           <a:stretch>
             <a:fillRect/>
           </a:stretch>
@@ -8196,22 +8918,22 @@
       </p:pic>
       <p:pic>
         <p:nvPicPr>
-          <p:cNvPr id="17" name="Object 16"/>
-          <p:cNvPicPr>
-            <a:picLocks noChangeAspect="1"/>
-          </p:cNvPicPr>
-          <p:nvPr/>
-        </p:nvPicPr>
-        <p:blipFill>
-          <a:blip r:embed="rId11" cstate="print"/>
-          <a:stretch>
-            <a:fillRect/>
-          </a:stretch>
-        </p:blipFill>
-        <p:spPr>
-          <a:xfrm>
-            <a:off x="9065448" y="4745658"/>
-            <a:ext cx="458254" cy="394206"/>
+          <p:cNvPr id="18" name="Object 17"/>
+          <p:cNvPicPr>
+            <a:picLocks noChangeAspect="1"/>
+          </p:cNvPicPr>
+          <p:nvPr/>
+        </p:nvPicPr>
+        <p:blipFill>
+          <a:blip r:embed="rId12" cstate="print"/>
+          <a:stretch>
+            <a:fillRect/>
+          </a:stretch>
+        </p:blipFill>
+        <p:spPr>
+          <a:xfrm>
+            <a:off x="9065446" y="4745659"/>
+            <a:ext cx="2660511" cy="881692"/>
           </a:xfrm>
           <a:prstGeom prst="rect">
             <a:avLst/>
@@ -8234,14 +8956,14 @@
         </p:grpSpPr>
         <p:pic>
           <p:nvPicPr>
-            <p:cNvPr id="19" name="Object 18"/>
+            <p:cNvPr id="20" name="Object 19"/>
             <p:cNvPicPr>
               <a:picLocks noChangeAspect="1"/>
             </p:cNvPicPr>
             <p:nvPr/>
           </p:nvPicPr>
           <p:blipFill>
-            <a:blip r:embed="rId6" cstate="print"/>
+            <a:blip r:embed="rId7" cstate="print"/>
             <a:stretch>
               <a:fillRect/>
             </a:stretch>
@@ -8259,14 +8981,14 @@
       </p:grpSp>
       <p:pic>
         <p:nvPicPr>
-          <p:cNvPr id="21" name="Object 20"/>
-          <p:cNvPicPr>
-            <a:picLocks noChangeAspect="1"/>
-          </p:cNvPicPr>
-          <p:nvPr/>
-        </p:nvPicPr>
-        <p:blipFill>
-          <a:blip r:embed="rId12" cstate="print"/>
+          <p:cNvPr id="22" name="Object 21"/>
+          <p:cNvPicPr>
+            <a:picLocks noChangeAspect="1"/>
+          </p:cNvPicPr>
+          <p:nvPr/>
+        </p:nvPicPr>
+        <p:blipFill>
+          <a:blip r:embed="rId13" cstate="print"/>
           <a:stretch>
             <a:fillRect/>
           </a:stretch>
@@ -8283,22 +9005,22 @@
       </p:pic>
       <p:pic>
         <p:nvPicPr>
-          <p:cNvPr id="22" name="Object 21"/>
-          <p:cNvPicPr>
-            <a:picLocks noChangeAspect="1"/>
-          </p:cNvPicPr>
-          <p:nvPr/>
-        </p:nvPicPr>
-        <p:blipFill>
-          <a:blip r:embed="rId13" cstate="print"/>
-          <a:stretch>
-            <a:fillRect/>
-          </a:stretch>
-        </p:blipFill>
-        <p:spPr>
-          <a:xfrm>
-            <a:off x="12620477" y="4745658"/>
-            <a:ext cx="2011873" cy="1295968"/>
+          <p:cNvPr id="23" name="Object 22"/>
+          <p:cNvPicPr>
+            <a:picLocks noChangeAspect="1"/>
+          </p:cNvPicPr>
+          <p:nvPr/>
+        </p:nvPicPr>
+        <p:blipFill>
+          <a:blip r:embed="rId14" cstate="print"/>
+          <a:stretch>
+            <a:fillRect/>
+          </a:stretch>
+        </p:blipFill>
+        <p:spPr>
+          <a:xfrm>
+            <a:off x="12620493" y="4745659"/>
+            <a:ext cx="3303578" cy="1710244"/>
           </a:xfrm>
           <a:prstGeom prst="rect">
             <a:avLst/>
@@ -8321,14 +9043,14 @@
         </p:grpSpPr>
         <p:pic>
           <p:nvPicPr>
-            <p:cNvPr id="24" name="Object 23"/>
+            <p:cNvPr id="25" name="Object 24"/>
             <p:cNvPicPr>
               <a:picLocks noChangeAspect="1"/>
             </p:cNvPicPr>
             <p:nvPr/>
           </p:nvPicPr>
           <p:blipFill>
-            <a:blip r:embed="rId6" cstate="print"/>
+            <a:blip r:embed="rId7" cstate="print"/>
             <a:stretch>
               <a:fillRect/>
             </a:stretch>
@@ -8346,14 +9068,14 @@
       </p:grpSp>
       <p:pic>
         <p:nvPicPr>
-          <p:cNvPr id="26" name="Object 25"/>
-          <p:cNvPicPr>
-            <a:picLocks noChangeAspect="1"/>
-          </p:cNvPicPr>
-          <p:nvPr/>
-        </p:nvPicPr>
-        <p:blipFill>
-          <a:blip r:embed="rId14" cstate="print"/>
+          <p:cNvPr id="27" name="Object 26"/>
+          <p:cNvPicPr>
+            <a:picLocks noChangeAspect="1"/>
+          </p:cNvPicPr>
+          <p:nvPr/>
+        </p:nvPicPr>
+        <p:blipFill>
+          <a:blip r:embed="rId15" cstate="print"/>
           <a:stretch>
             <a:fillRect/>
           </a:stretch>
@@ -8384,14 +9106,14 @@
         </p:grpSpPr>
         <p:pic>
           <p:nvPicPr>
-            <p:cNvPr id="28" name="Object 27"/>
+            <p:cNvPr id="29" name="Object 28"/>
             <p:cNvPicPr>
               <a:picLocks noChangeAspect="1"/>
             </p:cNvPicPr>
             <p:nvPr/>
           </p:nvPicPr>
           <p:blipFill>
-            <a:blip r:embed="rId6" cstate="print"/>
+            <a:blip r:embed="rId7" cstate="print"/>
             <a:stretch>
               <a:fillRect/>
             </a:stretch>
@@ -8407,54 +9129,6 @@
           </p:spPr>
         </p:pic>
       </p:grpSp>
-      <p:pic>
-        <p:nvPicPr>
-          <p:cNvPr id="30" name="Object 29"/>
-          <p:cNvPicPr>
-            <a:picLocks noChangeAspect="1"/>
-          </p:cNvPicPr>
-          <p:nvPr/>
-        </p:nvPicPr>
-        <p:blipFill>
-          <a:blip r:embed="rId15" cstate="print"/>
-          <a:stretch>
-            <a:fillRect/>
-          </a:stretch>
-        </p:blipFill>
-        <p:spPr>
-          <a:xfrm>
-            <a:off x="9054021" y="6482697"/>
-            <a:ext cx="1359777" cy="532205"/>
-          </a:xfrm>
-          <a:prstGeom prst="rect">
-            <a:avLst/>
-          </a:prstGeom>
-        </p:spPr>
-      </p:pic>
-      <p:pic>
-        <p:nvPicPr>
-          <p:cNvPr id="31" name="Object 30"/>
-          <p:cNvPicPr>
-            <a:picLocks noChangeAspect="1"/>
-          </p:cNvPicPr>
-          <p:nvPr/>
-        </p:nvPicPr>
-        <p:blipFill>
-          <a:blip r:embed="rId16" cstate="print"/>
-          <a:stretch>
-            <a:fillRect/>
-          </a:stretch>
-        </p:blipFill>
-        <p:spPr>
-          <a:xfrm>
-            <a:off x="9065448" y="7007801"/>
-            <a:ext cx="3179920" cy="1338825"/>
-          </a:xfrm>
-          <a:prstGeom prst="rect">
-            <a:avLst/>
-          </a:prstGeom>
-        </p:spPr>
-      </p:pic>
       <p:grpSp>
         <p:nvGrpSpPr>
           <p:cNvPr id="1007" name="그룹 1007"/>
@@ -8463,22 +9137,109 @@
         </p:nvGrpSpPr>
         <p:grpSpPr>
           <a:xfrm>
-            <a:off x="9099735" y="6891909"/>
-            <a:ext cx="1221923" cy="91291"/>
-            <a:chOff x="9099735" y="6891909"/>
-            <a:chExt cx="1221923" cy="91291"/>
+            <a:off x="1069514" y="3246231"/>
+            <a:ext cx="7317319" cy="6564359"/>
+            <a:chOff x="1069514" y="3246231"/>
+            <a:chExt cx="7317319" cy="6564359"/>
           </a:xfrm>
         </p:grpSpPr>
         <p:pic>
           <p:nvPicPr>
-            <p:cNvPr id="33" name="Object 32"/>
+            <p:cNvPr id="32" name="Object 31"/>
             <p:cNvPicPr>
               <a:picLocks noChangeAspect="1"/>
             </p:cNvPicPr>
             <p:nvPr/>
           </p:nvPicPr>
           <p:blipFill>
-            <a:blip r:embed="rId6" cstate="print"/>
+            <a:blip r:embed="rId16" cstate="print"/>
+            <a:stretch>
+              <a:fillRect/>
+            </a:stretch>
+          </p:blipFill>
+          <p:spPr>
+            <a:xfrm>
+              <a:off x="1069514" y="3246231"/>
+              <a:ext cx="7317319" cy="6564359"/>
+            </a:xfrm>
+            <a:prstGeom prst="rect">
+              <a:avLst/>
+            </a:prstGeom>
+          </p:spPr>
+        </p:pic>
+      </p:grpSp>
+      <p:pic>
+        <p:nvPicPr>
+          <p:cNvPr id="34" name="Object 33"/>
+          <p:cNvPicPr>
+            <a:picLocks noChangeAspect="1"/>
+          </p:cNvPicPr>
+          <p:nvPr/>
+        </p:nvPicPr>
+        <p:blipFill>
+          <a:blip r:embed="rId17" cstate="print"/>
+          <a:stretch>
+            <a:fillRect/>
+          </a:stretch>
+        </p:blipFill>
+        <p:spPr>
+          <a:xfrm>
+            <a:off x="9054021" y="6482697"/>
+            <a:ext cx="1359777" cy="532205"/>
+          </a:xfrm>
+          <a:prstGeom prst="rect">
+            <a:avLst/>
+          </a:prstGeom>
+        </p:spPr>
+      </p:pic>
+      <p:pic>
+        <p:nvPicPr>
+          <p:cNvPr id="35" name="Object 34"/>
+          <p:cNvPicPr>
+            <a:picLocks noChangeAspect="1"/>
+          </p:cNvPicPr>
+          <p:nvPr/>
+        </p:nvPicPr>
+        <p:blipFill>
+          <a:blip r:embed="rId18" cstate="print"/>
+          <a:stretch>
+            <a:fillRect/>
+          </a:stretch>
+        </p:blipFill>
+        <p:spPr>
+          <a:xfrm>
+            <a:off x="9065446" y="7007801"/>
+            <a:ext cx="3033720" cy="1295968"/>
+          </a:xfrm>
+          <a:prstGeom prst="rect">
+            <a:avLst/>
+          </a:prstGeom>
+        </p:spPr>
+      </p:pic>
+      <p:grpSp>
+        <p:nvGrpSpPr>
+          <p:cNvPr id="1008" name="그룹 1008"/>
+          <p:cNvGrpSpPr/>
+          <p:nvPr/>
+        </p:nvGrpSpPr>
+        <p:grpSpPr>
+          <a:xfrm>
+            <a:off x="9099735" y="6891909"/>
+            <a:ext cx="1221923" cy="91291"/>
+            <a:chOff x="9099735" y="6891909"/>
+            <a:chExt cx="1221923" cy="91291"/>
+          </a:xfrm>
+        </p:grpSpPr>
+        <p:pic>
+          <p:nvPicPr>
+            <p:cNvPr id="37" name="Object 36"/>
+            <p:cNvPicPr>
+              <a:picLocks noChangeAspect="1"/>
+            </p:cNvPicPr>
+            <p:nvPr/>
+          </p:nvPicPr>
+          <p:blipFill>
+            <a:blip r:embed="rId7" cstate="print"/>
             <a:stretch>
               <a:fillRect/>
             </a:stretch>
@@ -8496,14 +9257,14 @@
       </p:grpSp>
       <p:pic>
         <p:nvPicPr>
-          <p:cNvPr id="35" name="Object 34"/>
-          <p:cNvPicPr>
-            <a:picLocks noChangeAspect="1"/>
-          </p:cNvPicPr>
-          <p:nvPr/>
-        </p:nvPicPr>
-        <p:blipFill>
-          <a:blip r:embed="rId17" cstate="print"/>
+          <p:cNvPr id="39" name="Object 38"/>
+          <p:cNvPicPr>
+            <a:picLocks noChangeAspect="1"/>
+          </p:cNvPicPr>
+          <p:nvPr/>
+        </p:nvPicPr>
+        <p:blipFill>
+          <a:blip r:embed="rId19" cstate="print"/>
           <a:stretch>
             <a:fillRect/>
           </a:stretch>
@@ -8520,7 +9281,7 @@
       </p:pic>
       <p:grpSp>
         <p:nvGrpSpPr>
-          <p:cNvPr id="1008" name="그룹 1008"/>
+          <p:cNvPr id="1009" name="그룹 1009"/>
           <p:cNvGrpSpPr/>
           <p:nvPr/>
         </p:nvGrpSpPr>
@@ -8530,69 +9291,6 @@
             <a:ext cx="2903863" cy="91291"/>
             <a:chOff x="9101323" y="8974746"/>
             <a:chExt cx="2903863" cy="91291"/>
-          </a:xfrm>
-        </p:grpSpPr>
-        <p:pic>
-          <p:nvPicPr>
-            <p:cNvPr id="37" name="Object 36"/>
-            <p:cNvPicPr>
-              <a:picLocks noChangeAspect="1"/>
-            </p:cNvPicPr>
-            <p:nvPr/>
-          </p:nvPicPr>
-          <p:blipFill>
-            <a:blip r:embed="rId18" cstate="print"/>
-            <a:stretch>
-              <a:fillRect/>
-            </a:stretch>
-          </p:blipFill>
-          <p:spPr>
-            <a:xfrm rot="-10800000">
-              <a:off x="9101323" y="8974746"/>
-              <a:ext cx="2903863" cy="91291"/>
-            </a:xfrm>
-            <a:prstGeom prst="rect">
-              <a:avLst/>
-            </a:prstGeom>
-          </p:spPr>
-        </p:pic>
-      </p:grpSp>
-      <p:pic>
-        <p:nvPicPr>
-          <p:cNvPr id="39" name="Object 38"/>
-          <p:cNvPicPr>
-            <a:picLocks noChangeAspect="1"/>
-          </p:cNvPicPr>
-          <p:nvPr/>
-        </p:nvPicPr>
-        <p:blipFill>
-          <a:blip r:embed="rId19" cstate="print"/>
-          <a:stretch>
-            <a:fillRect/>
-          </a:stretch>
-        </p:blipFill>
-        <p:spPr>
-          <a:xfrm>
-            <a:off x="795235" y="214490"/>
-            <a:ext cx="10799098" cy="3221822"/>
-          </a:xfrm>
-          <a:prstGeom prst="rect">
-            <a:avLst/>
-          </a:prstGeom>
-        </p:spPr>
-      </p:pic>
-      <p:grpSp>
-        <p:nvGrpSpPr>
-          <p:cNvPr id="1009" name="그룹 1009"/>
-          <p:cNvGrpSpPr/>
-          <p:nvPr/>
-        </p:nvGrpSpPr>
-        <p:grpSpPr>
-          <a:xfrm>
-            <a:off x="1069514" y="3988259"/>
-            <a:ext cx="7655940" cy="5180748"/>
-            <a:chOff x="1069514" y="3988259"/>
-            <a:chExt cx="7655940" cy="5180748"/>
           </a:xfrm>
         </p:grpSpPr>
         <p:pic>
@@ -8610,9 +9308,9 @@
             </a:stretch>
           </p:blipFill>
           <p:spPr>
-            <a:xfrm>
-              <a:off x="1069514" y="3988259"/>
-              <a:ext cx="7655940" cy="5180748"/>
+            <a:xfrm rot="-10800000">
+              <a:off x="9101323" y="8974746"/>
+              <a:ext cx="2903863" cy="91291"/>
             </a:xfrm>
             <a:prstGeom prst="rect">
               <a:avLst/>
@@ -8622,10 +9320,10 @@
       </p:grpSp>
       <p:sp>
         <p:nvSpPr>
-          <p:cNvPr id="2" name="TextBox 1">
+          <p:cNvPr id="3" name="TextBox 2">
             <a:extLst>
               <a:ext uri="{FF2B5EF4-FFF2-40B4-BE49-F238E27FC236}">
-                <a16:creationId xmlns:a16="http://schemas.microsoft.com/office/drawing/2014/main" id="{1C2D0755-867E-817E-76E1-67360098D1B7}"/>
+                <a16:creationId xmlns:a16="http://schemas.microsoft.com/office/drawing/2014/main" id="{C7322067-5F15-99D0-172B-D1603FB96DDE}"/>
               </a:ext>
             </a:extLst>
           </p:cNvPr>
@@ -8634,8 +9332,8 @@
         </p:nvSpPr>
         <p:spPr>
           <a:xfrm>
-            <a:off x="9054017" y="9066038"/>
-            <a:ext cx="3366583" cy="646331"/>
+            <a:off x="12609065" y="6981007"/>
+            <a:ext cx="3429000" cy="646331"/>
           </a:xfrm>
           <a:prstGeom prst="rect">
             <a:avLst/>
@@ -8652,7 +9350,48 @@
               <a:rPr lang="ko-KR" altLang="en-US" dirty="0">
                 <a:hlinkClick r:id="rId21"/>
               </a:rPr>
-              <a:t>https://youtu.be/eT9Fdu3ddNI</a:t>
+              <a:t>https://github.com/hjs0913/SSU</a:t>
+            </a:r>
+            <a:endParaRPr lang="en-US" altLang="ko-KR" dirty="0"/>
+          </a:p>
+          <a:p>
+            <a:endParaRPr lang="en-US" altLang="ko-KR" dirty="0"/>
+          </a:p>
+        </p:txBody>
+      </p:sp>
+      <p:sp>
+        <p:nvSpPr>
+          <p:cNvPr id="5" name="TextBox 4">
+            <a:extLst>
+              <a:ext uri="{FF2B5EF4-FFF2-40B4-BE49-F238E27FC236}">
+                <a16:creationId xmlns:a16="http://schemas.microsoft.com/office/drawing/2014/main" id="{06EFF1CA-D188-A690-B222-C7E00F88D8ED}"/>
+              </a:ext>
+            </a:extLst>
+          </p:cNvPr>
+          <p:cNvSpPr txBox="1"/>
+          <p:nvPr/>
+        </p:nvSpPr>
+        <p:spPr>
+          <a:xfrm>
+            <a:off x="9025296" y="8974746"/>
+            <a:ext cx="2979890" cy="1477328"/>
+          </a:xfrm>
+          <a:prstGeom prst="rect">
+            <a:avLst/>
+          </a:prstGeom>
+          <a:noFill/>
+        </p:spPr>
+        <p:txBody>
+          <a:bodyPr wrap="square">
+            <a:spAutoFit/>
+          </a:bodyPr>
+          <a:lstStyle/>
+          <a:p>
+            <a:r>
+              <a:rPr lang="ko-KR" altLang="en-US" dirty="0">
+                <a:hlinkClick r:id="rId22"/>
+              </a:rPr>
+              <a:t>https://www.youtube.com/watch?v=p7UMAAfEVRw&amp;list=PLplIhs0tvklkFJdDUSKccheD4yU3e6xhG&amp;index=1</a:t>
             </a:r>
             <a:endParaRPr lang="en-US" altLang="ko-KR" dirty="0"/>
           </a:p>
@@ -8669,7 +9408,7 @@
 </p:sld>
 </file>
 
-<file path=ppt/slides/slide8.xml><?xml version="1.0" encoding="utf-8"?>
+<file path=ppt/slides/slide9.xml><?xml version="1.0" encoding="utf-8"?>
 <p:sld xmlns:a="http://schemas.openxmlformats.org/drawingml/2006/main" xmlns:r="http://schemas.openxmlformats.org/officeDocument/2006/relationships" xmlns:p="http://schemas.openxmlformats.org/presentationml/2006/main">
   <p:cSld name="Slide 9">
     <p:bg>
@@ -8710,8 +9449,8 @@
         </p:blipFill>
         <p:spPr>
           <a:xfrm>
-            <a:off x="998584" y="8519307"/>
-            <a:ext cx="4217168" cy="881692"/>
+            <a:off x="981221" y="1575267"/>
+            <a:ext cx="5046918" cy="1005109"/>
           </a:xfrm>
           <a:prstGeom prst="rect">
             <a:avLst/>
@@ -8726,10 +9465,10 @@
         </p:nvGrpSpPr>
         <p:grpSpPr>
           <a:xfrm>
-            <a:off x="829470" y="663876"/>
-            <a:ext cx="12215041" cy="7717209"/>
-            <a:chOff x="829470" y="663876"/>
-            <a:chExt cx="12215041" cy="7717209"/>
+            <a:off x="945603" y="4356776"/>
+            <a:ext cx="16828901" cy="5397110"/>
+            <a:chOff x="945603" y="4356776"/>
+            <a:chExt cx="16828901" cy="5397110"/>
           </a:xfrm>
         </p:grpSpPr>
         <p:pic>
@@ -8748,8 +9487,8 @@
           </p:blipFill>
           <p:spPr>
             <a:xfrm>
-              <a:off x="829470" y="663876"/>
-              <a:ext cx="12215041" cy="7717209"/>
+              <a:off x="945603" y="4356776"/>
+              <a:ext cx="16828901" cy="5397110"/>
             </a:xfrm>
             <a:prstGeom prst="rect">
               <a:avLst/>
@@ -8757,165 +9496,456 @@
           </p:spPr>
         </p:pic>
       </p:grpSp>
-      <p:pic>
-        <p:nvPicPr>
-          <p:cNvPr id="6" name="Object 5"/>
-          <p:cNvPicPr>
-            <a:picLocks noChangeAspect="1"/>
-          </p:cNvPicPr>
-          <p:nvPr/>
-        </p:nvPicPr>
-        <p:blipFill>
-          <a:blip r:embed="rId4" cstate="print"/>
-          <a:stretch>
-            <a:fillRect/>
-          </a:stretch>
-        </p:blipFill>
-        <p:spPr>
-          <a:xfrm>
-            <a:off x="13320612" y="3743643"/>
-            <a:ext cx="4278111" cy="881692"/>
-          </a:xfrm>
-          <a:prstGeom prst="rect">
-            <a:avLst/>
-          </a:prstGeom>
-        </p:spPr>
-      </p:pic>
-      <p:grpSp>
-        <p:nvGrpSpPr>
-          <p:cNvPr id="1002" name="그룹 1002"/>
-          <p:cNvGrpSpPr/>
-          <p:nvPr/>
-        </p:nvGrpSpPr>
-        <p:grpSpPr>
-          <a:xfrm>
-            <a:off x="7900153" y="3815605"/>
-            <a:ext cx="5454744" cy="493714"/>
-            <a:chOff x="7900153" y="3815605"/>
-            <a:chExt cx="5454744" cy="493714"/>
-          </a:xfrm>
-        </p:grpSpPr>
-        <p:pic>
-          <p:nvPicPr>
-            <p:cNvPr id="8" name="Object 7"/>
-            <p:cNvPicPr>
-              <a:picLocks noChangeAspect="1"/>
-            </p:cNvPicPr>
-            <p:nvPr/>
-          </p:nvPicPr>
-          <p:blipFill>
-            <a:blip r:embed="rId5" cstate="print"/>
-            <a:stretch>
-              <a:fillRect/>
-            </a:stretch>
-          </p:blipFill>
-          <p:spPr>
-            <a:xfrm>
-              <a:off x="7900153" y="3815605"/>
-              <a:ext cx="5454744" cy="493714"/>
-            </a:xfrm>
-            <a:prstGeom prst="rect">
-              <a:avLst/>
-            </a:prstGeom>
-          </p:spPr>
-        </p:pic>
-      </p:grpSp>
-    </p:spTree>
-  </p:cSld>
-  <p:clrMapOvr>
-    <a:masterClrMapping/>
-  </p:clrMapOvr>
-</p:sld>
-</file>
-
-<file path=ppt/slides/slide9.xml><?xml version="1.0" encoding="utf-8"?>
-<p:sld xmlns:a="http://schemas.openxmlformats.org/drawingml/2006/main" xmlns:r="http://schemas.openxmlformats.org/officeDocument/2006/relationships" xmlns:p="http://schemas.openxmlformats.org/presentationml/2006/main">
-  <p:cSld name="Slide 10">
-    <p:bg>
-      <p:bgPr>
-        <a:solidFill>
-          <a:srgbClr val="FFFFFF"/>
-        </a:solidFill>
-        <a:effectLst/>
-      </p:bgPr>
-    </p:bg>
-    <p:spTree>
-      <p:nvGrpSpPr>
-        <p:cNvPr id="1" name=""/>
-        <p:cNvGrpSpPr/>
-        <p:nvPr/>
-      </p:nvGrpSpPr>
-      <p:grpSpPr>
-        <a:xfrm>
-          <a:off x="0" y="0"/>
-          <a:ext cx="0" cy="0"/>
-          <a:chOff x="0" y="0"/>
-          <a:chExt cx="0" cy="0"/>
-        </a:xfrm>
-      </p:grpSpPr>
-      <p:pic>
-        <p:nvPicPr>
-          <p:cNvPr id="2" name="Object 1"/>
-          <p:cNvPicPr>
-            <a:picLocks noChangeAspect="1"/>
-          </p:cNvPicPr>
-          <p:nvPr/>
-        </p:nvPicPr>
-        <p:blipFill>
-          <a:blip r:embed="rId2" cstate="print"/>
-          <a:stretch>
-            <a:fillRect/>
-          </a:stretch>
-        </p:blipFill>
-        <p:spPr>
-          <a:xfrm>
-            <a:off x="12772249" y="8569120"/>
-            <a:ext cx="4370073" cy="910263"/>
-          </a:xfrm>
-          <a:prstGeom prst="rect">
-            <a:avLst/>
-          </a:prstGeom>
-        </p:spPr>
-      </p:pic>
-      <p:grpSp>
-        <p:nvGrpSpPr>
-          <p:cNvPr id="1001" name="그룹 1001"/>
-          <p:cNvGrpSpPr/>
-          <p:nvPr/>
-        </p:nvGrpSpPr>
-        <p:grpSpPr>
-          <a:xfrm>
-            <a:off x="872597" y="682673"/>
-            <a:ext cx="11675180" cy="8736982"/>
-            <a:chOff x="872597" y="682673"/>
-            <a:chExt cx="11675180" cy="8736982"/>
-          </a:xfrm>
-        </p:grpSpPr>
-        <p:pic>
-          <p:nvPicPr>
-            <p:cNvPr id="4" name="Object 3"/>
-            <p:cNvPicPr>
-              <a:picLocks noChangeAspect="1"/>
-            </p:cNvPicPr>
-            <p:nvPr/>
-          </p:nvPicPr>
-          <p:blipFill>
-            <a:blip r:embed="rId3" cstate="print"/>
-            <a:stretch>
-              <a:fillRect/>
-            </a:stretch>
-          </p:blipFill>
-          <p:spPr>
-            <a:xfrm>
-              <a:off x="872597" y="682673"/>
-              <a:ext cx="11675180" cy="8736982"/>
-            </a:xfrm>
-            <a:prstGeom prst="rect">
-              <a:avLst/>
-            </a:prstGeom>
-          </p:spPr>
-        </p:pic>
-      </p:grpSp>
+      <p:sp>
+        <p:nvSpPr>
+          <p:cNvPr id="3" name="TextBox 2">
+            <a:extLst>
+              <a:ext uri="{FF2B5EF4-FFF2-40B4-BE49-F238E27FC236}">
+                <a16:creationId xmlns:a16="http://schemas.microsoft.com/office/drawing/2014/main" id="{F2A2FD08-49FD-98F7-0E48-12B15050D827}"/>
+              </a:ext>
+            </a:extLst>
+          </p:cNvPr>
+          <p:cNvSpPr txBox="1"/>
+          <p:nvPr/>
+        </p:nvSpPr>
+        <p:spPr>
+          <a:xfrm>
+            <a:off x="8153400" y="190500"/>
+            <a:ext cx="8696179" cy="4401205"/>
+          </a:xfrm>
+          <a:prstGeom prst="rect">
+            <a:avLst/>
+          </a:prstGeom>
+          <a:noFill/>
+        </p:spPr>
+        <p:txBody>
+          <a:bodyPr wrap="square">
+            <a:spAutoFit/>
+          </a:bodyPr>
+          <a:lstStyle/>
+          <a:p>
+            <a:r>
+              <a:rPr lang="en-US" altLang="ko-KR" sz="1400" dirty="0">
+                <a:solidFill>
+                  <a:srgbClr val="0000FF"/>
+                </a:solidFill>
+                <a:latin typeface="돋움체" panose="020B0609000101010101" pitchFamily="49" charset="-127"/>
+                <a:ea typeface="돋움체" panose="020B0609000101010101" pitchFamily="49" charset="-127"/>
+              </a:rPr>
+              <a:t>float4</a:t>
+            </a:r>
+            <a:r>
+              <a:rPr lang="en-US" altLang="ko-KR" sz="1400" dirty="0">
+                <a:solidFill>
+                  <a:srgbClr val="000000"/>
+                </a:solidFill>
+                <a:latin typeface="돋움체" panose="020B0609000101010101" pitchFamily="49" charset="-127"/>
+                <a:ea typeface="돋움체" panose="020B0609000101010101" pitchFamily="49" charset="-127"/>
+              </a:rPr>
+              <a:t> PSTerrain(VS_TERRAIN_OUTPUT input) : SV_TARGET</a:t>
+            </a:r>
+          </a:p>
+          <a:p>
+            <a:r>
+              <a:rPr lang="en-US" altLang="ko-KR" sz="1400" dirty="0">
+                <a:solidFill>
+                  <a:srgbClr val="000000"/>
+                </a:solidFill>
+                <a:latin typeface="돋움체" panose="020B0609000101010101" pitchFamily="49" charset="-127"/>
+                <a:ea typeface="돋움체" panose="020B0609000101010101" pitchFamily="49" charset="-127"/>
+              </a:rPr>
+              <a:t>{</a:t>
+            </a:r>
+          </a:p>
+          <a:p>
+            <a:r>
+              <a:rPr lang="en-US" altLang="ko-KR" sz="1400" dirty="0">
+                <a:solidFill>
+                  <a:srgbClr val="0000FF"/>
+                </a:solidFill>
+                <a:latin typeface="돋움체" panose="020B0609000101010101" pitchFamily="49" charset="-127"/>
+                <a:ea typeface="돋움체" panose="020B0609000101010101" pitchFamily="49" charset="-127"/>
+              </a:rPr>
+              <a:t>  float4</a:t>
+            </a:r>
+            <a:r>
+              <a:rPr lang="en-US" altLang="ko-KR" sz="1400" dirty="0">
+                <a:solidFill>
+                  <a:srgbClr val="000000"/>
+                </a:solidFill>
+                <a:latin typeface="돋움체" panose="020B0609000101010101" pitchFamily="49" charset="-127"/>
+                <a:ea typeface="돋움체" panose="020B0609000101010101" pitchFamily="49" charset="-127"/>
+              </a:rPr>
+              <a:t> cBaseTexColor = gtxtTerrainBaseTexture.Sample(gssWrap, input.uv0);</a:t>
+            </a:r>
+          </a:p>
+          <a:p>
+            <a:r>
+              <a:rPr lang="en-US" altLang="ko-KR" sz="1400" dirty="0">
+                <a:solidFill>
+                  <a:srgbClr val="0000FF"/>
+                </a:solidFill>
+                <a:latin typeface="돋움체" panose="020B0609000101010101" pitchFamily="49" charset="-127"/>
+                <a:ea typeface="돋움체" panose="020B0609000101010101" pitchFamily="49" charset="-127"/>
+              </a:rPr>
+              <a:t>  float4</a:t>
+            </a:r>
+            <a:r>
+              <a:rPr lang="en-US" altLang="ko-KR" sz="1400" dirty="0">
+                <a:solidFill>
+                  <a:srgbClr val="000000"/>
+                </a:solidFill>
+                <a:latin typeface="돋움체" panose="020B0609000101010101" pitchFamily="49" charset="-127"/>
+                <a:ea typeface="돋움체" panose="020B0609000101010101" pitchFamily="49" charset="-127"/>
+              </a:rPr>
+              <a:t> cDetailTexColor = gtxtTerrainDetailTexture.Sample(gssWrap, input.uv1);</a:t>
+            </a:r>
+          </a:p>
+          <a:p>
+            <a:r>
+              <a:rPr lang="en-US" altLang="ko-KR" sz="1400" dirty="0">
+                <a:solidFill>
+                  <a:srgbClr val="0000FF"/>
+                </a:solidFill>
+                <a:latin typeface="돋움체" panose="020B0609000101010101" pitchFamily="49" charset="-127"/>
+                <a:ea typeface="돋움체" panose="020B0609000101010101" pitchFamily="49" charset="-127"/>
+              </a:rPr>
+              <a:t>  float4</a:t>
+            </a:r>
+            <a:r>
+              <a:rPr lang="en-US" altLang="ko-KR" sz="1400" dirty="0">
+                <a:solidFill>
+                  <a:srgbClr val="000000"/>
+                </a:solidFill>
+                <a:latin typeface="돋움체" panose="020B0609000101010101" pitchFamily="49" charset="-127"/>
+                <a:ea typeface="돋움체" panose="020B0609000101010101" pitchFamily="49" charset="-127"/>
+              </a:rPr>
+              <a:t> cRoadTexColor = gtxtTerrainRoadTexture.Sample(gssWrap, input.uv2);</a:t>
+            </a:r>
+          </a:p>
+          <a:p>
+            <a:r>
+              <a:rPr lang="en-US" altLang="ko-KR" sz="1400" dirty="0">
+                <a:solidFill>
+                  <a:srgbClr val="0000FF"/>
+                </a:solidFill>
+                <a:latin typeface="돋움체" panose="020B0609000101010101" pitchFamily="49" charset="-127"/>
+                <a:ea typeface="돋움체" panose="020B0609000101010101" pitchFamily="49" charset="-127"/>
+              </a:rPr>
+              <a:t>  float4</a:t>
+            </a:r>
+            <a:r>
+              <a:rPr lang="en-US" altLang="ko-KR" sz="1400" dirty="0">
+                <a:solidFill>
+                  <a:srgbClr val="000000"/>
+                </a:solidFill>
+                <a:latin typeface="돋움체" panose="020B0609000101010101" pitchFamily="49" charset="-127"/>
+                <a:ea typeface="돋움체" panose="020B0609000101010101" pitchFamily="49" charset="-127"/>
+              </a:rPr>
+              <a:t> cColor = input.color * saturate((cBaseTexColor * 0.6f) + (cDetailTexColor * 0.3f));</a:t>
+            </a:r>
+          </a:p>
+          <a:p>
+            <a:endParaRPr lang="ko-KR" altLang="en-US" sz="1400" dirty="0">
+              <a:solidFill>
+                <a:srgbClr val="000000"/>
+              </a:solidFill>
+              <a:latin typeface="돋움체" panose="020B0609000101010101" pitchFamily="49" charset="-127"/>
+              <a:ea typeface="돋움체" panose="020B0609000101010101" pitchFamily="49" charset="-127"/>
+            </a:endParaRPr>
+          </a:p>
+          <a:p>
+            <a:r>
+              <a:rPr lang="en-US" altLang="ko-KR" sz="1400" dirty="0">
+                <a:solidFill>
+                  <a:srgbClr val="0000FF"/>
+                </a:solidFill>
+                <a:latin typeface="돋움체" panose="020B0609000101010101" pitchFamily="49" charset="-127"/>
+                <a:ea typeface="돋움체" panose="020B0609000101010101" pitchFamily="49" charset="-127"/>
+              </a:rPr>
+              <a:t>  float4</a:t>
+            </a:r>
+            <a:r>
+              <a:rPr lang="en-US" altLang="ko-KR" sz="1400" dirty="0">
+                <a:solidFill>
+                  <a:srgbClr val="000000"/>
+                </a:solidFill>
+                <a:latin typeface="돋움체" panose="020B0609000101010101" pitchFamily="49" charset="-127"/>
+                <a:ea typeface="돋움체" panose="020B0609000101010101" pitchFamily="49" charset="-127"/>
+              </a:rPr>
+              <a:t> field = </a:t>
+            </a:r>
+            <a:r>
+              <a:rPr lang="en-US" altLang="ko-KR" sz="1400" dirty="0">
+                <a:solidFill>
+                  <a:srgbClr val="0000FF"/>
+                </a:solidFill>
+                <a:latin typeface="돋움체" panose="020B0609000101010101" pitchFamily="49" charset="-127"/>
+                <a:ea typeface="돋움체" panose="020B0609000101010101" pitchFamily="49" charset="-127"/>
+              </a:rPr>
+              <a:t>float4</a:t>
+            </a:r>
+            <a:r>
+              <a:rPr lang="en-US" altLang="ko-KR" sz="1400" dirty="0">
+                <a:solidFill>
+                  <a:srgbClr val="000000"/>
+                </a:solidFill>
+                <a:latin typeface="돋움체" panose="020B0609000101010101" pitchFamily="49" charset="-127"/>
+                <a:ea typeface="돋움체" panose="020B0609000101010101" pitchFamily="49" charset="-127"/>
+              </a:rPr>
+              <a:t>(0.772f, 0.604f, 0.289f, 1.0f);</a:t>
+            </a:r>
+          </a:p>
+          <a:p>
+            <a:r>
+              <a:rPr lang="en-US" altLang="ko-KR" sz="1400" dirty="0">
+                <a:solidFill>
+                  <a:srgbClr val="0000FF"/>
+                </a:solidFill>
+                <a:latin typeface="돋움체" panose="020B0609000101010101" pitchFamily="49" charset="-127"/>
+                <a:ea typeface="돋움체" panose="020B0609000101010101" pitchFamily="49" charset="-127"/>
+              </a:rPr>
+              <a:t>  float4</a:t>
+            </a:r>
+            <a:r>
+              <a:rPr lang="en-US" altLang="ko-KR" sz="1400" dirty="0">
+                <a:solidFill>
+                  <a:srgbClr val="000000"/>
+                </a:solidFill>
+                <a:latin typeface="돋움체" panose="020B0609000101010101" pitchFamily="49" charset="-127"/>
+                <a:ea typeface="돋움체" panose="020B0609000101010101" pitchFamily="49" charset="-127"/>
+              </a:rPr>
+              <a:t> city = </a:t>
+            </a:r>
+            <a:r>
+              <a:rPr lang="en-US" altLang="ko-KR" sz="1400" dirty="0">
+                <a:solidFill>
+                  <a:srgbClr val="0000FF"/>
+                </a:solidFill>
+                <a:latin typeface="돋움체" panose="020B0609000101010101" pitchFamily="49" charset="-127"/>
+                <a:ea typeface="돋움체" panose="020B0609000101010101" pitchFamily="49" charset="-127"/>
+              </a:rPr>
+              <a:t>float4</a:t>
+            </a:r>
+            <a:r>
+              <a:rPr lang="en-US" altLang="ko-KR" sz="1400" dirty="0">
+                <a:solidFill>
+                  <a:srgbClr val="000000"/>
+                </a:solidFill>
+                <a:latin typeface="돋움체" panose="020B0609000101010101" pitchFamily="49" charset="-127"/>
+                <a:ea typeface="돋움체" panose="020B0609000101010101" pitchFamily="49" charset="-127"/>
+              </a:rPr>
+              <a:t>(1.f, 1.0f, 1.0f, 1.0f);</a:t>
+            </a:r>
+          </a:p>
+          <a:p>
+            <a:endParaRPr lang="ko-KR" altLang="en-US" sz="1400" dirty="0">
+              <a:solidFill>
+                <a:srgbClr val="000000"/>
+              </a:solidFill>
+              <a:latin typeface="돋움체" panose="020B0609000101010101" pitchFamily="49" charset="-127"/>
+              <a:ea typeface="돋움체" panose="020B0609000101010101" pitchFamily="49" charset="-127"/>
+            </a:endParaRPr>
+          </a:p>
+          <a:p>
+            <a:r>
+              <a:rPr lang="en-US" altLang="ko-KR" sz="1400" dirty="0">
+                <a:solidFill>
+                  <a:srgbClr val="0000FF"/>
+                </a:solidFill>
+                <a:latin typeface="돋움체" panose="020B0609000101010101" pitchFamily="49" charset="-127"/>
+                <a:ea typeface="돋움체" panose="020B0609000101010101" pitchFamily="49" charset="-127"/>
+              </a:rPr>
+              <a:t>  if</a:t>
+            </a:r>
+            <a:r>
+              <a:rPr lang="en-US" altLang="ko-KR" sz="1400" dirty="0">
+                <a:solidFill>
+                  <a:srgbClr val="000000"/>
+                </a:solidFill>
+                <a:latin typeface="돋움체" panose="020B0609000101010101" pitchFamily="49" charset="-127"/>
+                <a:ea typeface="돋움체" panose="020B0609000101010101" pitchFamily="49" charset="-127"/>
+              </a:rPr>
+              <a:t> (cBaseTexColor.x == city.x &amp;&amp; cBaseTexColor.y == city.y &amp;&amp; cBaseTexColor.z == city.z)</a:t>
+            </a:r>
+          </a:p>
+          <a:p>
+            <a:r>
+              <a:rPr lang="en-US" altLang="ko-KR" sz="1400" dirty="0">
+                <a:solidFill>
+                  <a:srgbClr val="000000"/>
+                </a:solidFill>
+                <a:latin typeface="돋움체" panose="020B0609000101010101" pitchFamily="49" charset="-127"/>
+                <a:ea typeface="돋움체" panose="020B0609000101010101" pitchFamily="49" charset="-127"/>
+              </a:rPr>
+              <a:t>    cColor = cRoadTexColor;</a:t>
+            </a:r>
+          </a:p>
+          <a:p>
+            <a:endParaRPr lang="ko-KR" altLang="en-US" sz="1400" dirty="0">
+              <a:solidFill>
+                <a:srgbClr val="000000"/>
+              </a:solidFill>
+              <a:latin typeface="돋움체" panose="020B0609000101010101" pitchFamily="49" charset="-127"/>
+              <a:ea typeface="돋움체" panose="020B0609000101010101" pitchFamily="49" charset="-127"/>
+            </a:endParaRPr>
+          </a:p>
+          <a:p>
+            <a:r>
+              <a:rPr lang="en-US" altLang="ko-KR" sz="1400" dirty="0">
+                <a:solidFill>
+                  <a:srgbClr val="0000FF"/>
+                </a:solidFill>
+                <a:latin typeface="돋움체" panose="020B0609000101010101" pitchFamily="49" charset="-127"/>
+                <a:ea typeface="돋움체" panose="020B0609000101010101" pitchFamily="49" charset="-127"/>
+              </a:rPr>
+              <a:t>  if</a:t>
+            </a:r>
+            <a:r>
+              <a:rPr lang="en-US" altLang="ko-KR" sz="1400" dirty="0">
+                <a:solidFill>
+                  <a:srgbClr val="000000"/>
+                </a:solidFill>
+                <a:latin typeface="돋움체" panose="020B0609000101010101" pitchFamily="49" charset="-127"/>
+                <a:ea typeface="돋움체" panose="020B0609000101010101" pitchFamily="49" charset="-127"/>
+              </a:rPr>
+              <a:t> (cBaseTexColor.x &gt;= (field.x - 0.005f) &amp;&amp; cBaseTexColor.x &lt;= (field.x + 0.005f)</a:t>
+            </a:r>
+          </a:p>
+          <a:p>
+            <a:r>
+              <a:rPr lang="en-US" altLang="ko-KR" sz="1400" dirty="0">
+                <a:solidFill>
+                  <a:srgbClr val="000000"/>
+                </a:solidFill>
+                <a:latin typeface="돋움체" panose="020B0609000101010101" pitchFamily="49" charset="-127"/>
+                <a:ea typeface="돋움체" panose="020B0609000101010101" pitchFamily="49" charset="-127"/>
+              </a:rPr>
+              <a:t>    &amp;&amp; cBaseTexColor.y &gt;= (field.y - 0.005f) &amp;&amp; cBaseTexColor.y &lt;= (field.y + 0.005f)</a:t>
+            </a:r>
+          </a:p>
+          <a:p>
+            <a:r>
+              <a:rPr lang="en-US" altLang="ko-KR" sz="1400" dirty="0">
+                <a:solidFill>
+                  <a:srgbClr val="000000"/>
+                </a:solidFill>
+                <a:latin typeface="돋움체" panose="020B0609000101010101" pitchFamily="49" charset="-127"/>
+                <a:ea typeface="돋움체" panose="020B0609000101010101" pitchFamily="49" charset="-127"/>
+              </a:rPr>
+              <a:t>    &amp;&amp; cBaseTexColor.z &gt;= (field.z - 0.005f) &amp;&amp; cBaseTexColor.z &lt;= (field.z + 0.005f))</a:t>
+            </a:r>
+          </a:p>
+          <a:p>
+            <a:r>
+              <a:rPr lang="en-US" altLang="ko-KR" sz="1400" dirty="0">
+                <a:solidFill>
+                  <a:srgbClr val="000000"/>
+                </a:solidFill>
+                <a:latin typeface="돋움체" panose="020B0609000101010101" pitchFamily="49" charset="-127"/>
+                <a:ea typeface="돋움체" panose="020B0609000101010101" pitchFamily="49" charset="-127"/>
+              </a:rPr>
+              <a:t>    cColor = saturate((cBaseTexColor * 0.7f) + (cRoadTexColor * 0.5f));</a:t>
+            </a:r>
+          </a:p>
+          <a:p>
+            <a:endParaRPr lang="ko-KR" altLang="en-US" sz="1400" dirty="0">
+              <a:solidFill>
+                <a:srgbClr val="000000"/>
+              </a:solidFill>
+              <a:latin typeface="돋움체" panose="020B0609000101010101" pitchFamily="49" charset="-127"/>
+              <a:ea typeface="돋움체" panose="020B0609000101010101" pitchFamily="49" charset="-127"/>
+            </a:endParaRPr>
+          </a:p>
+          <a:p>
+            <a:r>
+              <a:rPr lang="en-US" altLang="ko-KR" sz="1400" dirty="0">
+                <a:solidFill>
+                  <a:srgbClr val="0000FF"/>
+                </a:solidFill>
+                <a:latin typeface="돋움체" panose="020B0609000101010101" pitchFamily="49" charset="-127"/>
+                <a:ea typeface="돋움체" panose="020B0609000101010101" pitchFamily="49" charset="-127"/>
+              </a:rPr>
+              <a:t>  return</a:t>
+            </a:r>
+            <a:r>
+              <a:rPr lang="en-US" altLang="ko-KR" sz="1400" dirty="0">
+                <a:solidFill>
+                  <a:srgbClr val="000000"/>
+                </a:solidFill>
+                <a:latin typeface="돋움체" panose="020B0609000101010101" pitchFamily="49" charset="-127"/>
+                <a:ea typeface="돋움체" panose="020B0609000101010101" pitchFamily="49" charset="-127"/>
+              </a:rPr>
+              <a:t>(cColor);</a:t>
+            </a:r>
+          </a:p>
+          <a:p>
+            <a:r>
+              <a:rPr lang="en-US" altLang="ko-KR" sz="1400" dirty="0">
+                <a:solidFill>
+                  <a:srgbClr val="000000"/>
+                </a:solidFill>
+                <a:latin typeface="돋움체" panose="020B0609000101010101" pitchFamily="49" charset="-127"/>
+                <a:ea typeface="돋움체" panose="020B0609000101010101" pitchFamily="49" charset="-127"/>
+              </a:rPr>
+              <a:t>}</a:t>
+            </a:r>
+            <a:endParaRPr lang="ko-KR" altLang="en-US" sz="1400" dirty="0"/>
+          </a:p>
+        </p:txBody>
+      </p:sp>
+      <p:sp>
+        <p:nvSpPr>
+          <p:cNvPr id="5" name="직사각형 4">
+            <a:extLst>
+              <a:ext uri="{FF2B5EF4-FFF2-40B4-BE49-F238E27FC236}">
+                <a16:creationId xmlns:a16="http://schemas.microsoft.com/office/drawing/2014/main" id="{8536204D-19AF-2CFF-3771-E78138AC1F74}"/>
+              </a:ext>
+            </a:extLst>
+          </p:cNvPr>
+          <p:cNvSpPr/>
+          <p:nvPr/>
+        </p:nvSpPr>
+        <p:spPr>
+          <a:xfrm>
+            <a:off x="8153400" y="190500"/>
+            <a:ext cx="8305800" cy="4401205"/>
+          </a:xfrm>
+          <a:prstGeom prst="rect">
+            <a:avLst/>
+          </a:prstGeom>
+          <a:noFill/>
+          <a:ln>
+            <a:solidFill>
+              <a:schemeClr val="tx1"/>
+            </a:solidFill>
+          </a:ln>
+        </p:spPr>
+        <p:style>
+          <a:lnRef idx="2">
+            <a:schemeClr val="accent1">
+              <a:shade val="50000"/>
+            </a:schemeClr>
+          </a:lnRef>
+          <a:fillRef idx="1">
+            <a:schemeClr val="accent1"/>
+          </a:fillRef>
+          <a:effectRef idx="0">
+            <a:schemeClr val="accent1"/>
+          </a:effectRef>
+          <a:fontRef idx="minor">
+            <a:schemeClr val="lt1"/>
+          </a:fontRef>
+        </p:style>
+        <p:txBody>
+          <a:bodyPr rtlCol="0" anchor="ctr"/>
+          <a:lstStyle/>
+          <a:p>
+            <a:pPr algn="ctr"/>
+            <a:endParaRPr lang="ko-KR" altLang="en-US"/>
+          </a:p>
+        </p:txBody>
+      </p:sp>
     </p:spTree>
   </p:cSld>
   <p:clrMapOvr>

--- a/포트폴리오/2017184037_홍진선_포트폴리오.pptx
+++ b/포트폴리오/2017184037_홍진선_포트폴리오.pptx
@@ -3958,7 +3958,7 @@
         </p:blipFill>
         <p:spPr>
           <a:xfrm>
-            <a:off x="998584" y="8519307"/>
+            <a:off x="1143000" y="9182100"/>
             <a:ext cx="4217168" cy="881692"/>
           </a:xfrm>
           <a:prstGeom prst="rect">
@@ -3974,7 +3974,7 @@
         </p:nvGrpSpPr>
         <p:grpSpPr>
           <a:xfrm>
-            <a:off x="829470" y="663876"/>
+            <a:off x="973886" y="1326669"/>
             <a:ext cx="12215041" cy="7717209"/>
             <a:chOff x="829470" y="663876"/>
             <a:chExt cx="12215041" cy="7717209"/>
@@ -4021,7 +4021,7 @@
         </p:blipFill>
         <p:spPr>
           <a:xfrm>
-            <a:off x="13320612" y="3743643"/>
+            <a:off x="13465028" y="4406436"/>
             <a:ext cx="4278111" cy="881692"/>
           </a:xfrm>
           <a:prstGeom prst="rect">
@@ -4037,7 +4037,7 @@
         </p:nvGrpSpPr>
         <p:grpSpPr>
           <a:xfrm>
-            <a:off x="7900153" y="3815605"/>
+            <a:off x="8044569" y="4478398"/>
             <a:ext cx="5454744" cy="493714"/>
             <a:chOff x="7900153" y="3815605"/>
             <a:chExt cx="5454744" cy="493714"/>
@@ -4068,6 +4068,50 @@
           </p:spPr>
         </p:pic>
       </p:grpSp>
+      <p:sp>
+        <p:nvSpPr>
+          <p:cNvPr id="3" name="TextBox 2">
+            <a:extLst>
+              <a:ext uri="{FF2B5EF4-FFF2-40B4-BE49-F238E27FC236}">
+                <a16:creationId xmlns:a16="http://schemas.microsoft.com/office/drawing/2014/main" id="{17454C6A-16DA-B14E-BA0F-1162CC8FF746}"/>
+              </a:ext>
+            </a:extLst>
+          </p:cNvPr>
+          <p:cNvSpPr txBox="1"/>
+          <p:nvPr/>
+        </p:nvSpPr>
+        <p:spPr>
+          <a:xfrm>
+            <a:off x="1168791" y="403339"/>
+            <a:ext cx="2090637" cy="923330"/>
+          </a:xfrm>
+          <a:prstGeom prst="rect">
+            <a:avLst/>
+          </a:prstGeom>
+          <a:noFill/>
+        </p:spPr>
+        <p:txBody>
+          <a:bodyPr wrap="none" rtlCol="0">
+            <a:spAutoFit/>
+          </a:bodyPr>
+          <a:lstStyle/>
+          <a:p>
+            <a:r>
+              <a:rPr lang="en-US" altLang="ko-KR" sz="5400" dirty="0"/>
+              <a:t>NPC</a:t>
+            </a:r>
+            <a:r>
+              <a:rPr lang="ko-KR" altLang="en-US" sz="5400" dirty="0"/>
+              <a:t> </a:t>
+            </a:r>
+            <a:r>
+              <a:rPr lang="en-US" altLang="ko-KR" sz="5400" dirty="0"/>
+              <a:t>AI</a:t>
+            </a:r>
+            <a:endParaRPr lang="ko-KR" altLang="en-US" sz="5400" dirty="0"/>
+          </a:p>
+        </p:txBody>
+      </p:sp>
     </p:spTree>
   </p:cSld>
   <p:clrMapOvr>
